--- a/icon.pptx
+++ b/icon.pptx
@@ -6,6 +6,7 @@
   </p:sldMasterIdLst>
   <p:sldIdLst>
     <p:sldId id="256" r:id="rId2"/>
+    <p:sldId id="257" r:id="rId3"/>
   </p:sldIdLst>
   <p:sldSz cx="12192000" cy="6858000"/>
   <p:notesSz cx="6858000" cy="9144000"/>
@@ -104,6 +105,11 @@
       </a:defRPr>
     </a:lvl9pPr>
   </p:defaultTextStyle>
+  <p:extLst>
+    <p:ext uri="{EFAFB233-063F-42B5-8137-9DF3F51BA10A}">
+      <p15:sldGuideLst xmlns:p15="http://schemas.microsoft.com/office/powerpoint/2012/main"/>
+    </p:ext>
+  </p:extLst>
 </p:presentation>
 </file>
 
@@ -149,10 +155,9 @@
           </a:lstStyle>
           <a:p>
             <a:r>
-              <a:rPr lang="ko-KR" altLang="en-US" smtClean="0"/>
+              <a:rPr lang="ko-KR" altLang="en-US"/>
               <a:t>마스터 제목 스타일 편집</a:t>
             </a:r>
-            <a:endParaRPr lang="ko-KR" altLang="en-US"/>
           </a:p>
         </p:txBody>
       </p:sp>
@@ -214,10 +219,9 @@
           </a:lstStyle>
           <a:p>
             <a:r>
-              <a:rPr lang="ko-KR" altLang="en-US" smtClean="0"/>
+              <a:rPr lang="ko-KR" altLang="en-US"/>
               <a:t>클릭하여 마스터 부제목 스타일 편집</a:t>
             </a:r>
-            <a:endParaRPr lang="ko-KR" altLang="en-US"/>
           </a:p>
         </p:txBody>
       </p:sp>
@@ -238,7 +242,7 @@
           <a:p>
             <a:fld id="{083A2014-1E55-493B-BBAA-4A9392E5EECC}" type="datetimeFigureOut">
               <a:rPr lang="ko-KR" altLang="en-US" smtClean="0"/>
-              <a:t>2022-02-21</a:t>
+              <a:t>2022. 2. 21.</a:t>
             </a:fld>
             <a:endParaRPr lang="ko-KR" altLang="en-US"/>
           </a:p>
@@ -332,10 +336,9 @@
           <a:lstStyle/>
           <a:p>
             <a:r>
-              <a:rPr lang="ko-KR" altLang="en-US" smtClean="0"/>
+              <a:rPr lang="ko-KR" altLang="en-US"/>
               <a:t>마스터 제목 스타일 편집</a:t>
             </a:r>
-            <a:endParaRPr lang="ko-KR" altLang="en-US"/>
           </a:p>
         </p:txBody>
       </p:sp>
@@ -356,38 +359,37 @@
           <a:p>
             <a:pPr lvl="0"/>
             <a:r>
-              <a:rPr lang="ko-KR" altLang="en-US" smtClean="0"/>
+              <a:rPr lang="ko-KR" altLang="en-US"/>
               <a:t>마스터 텍스트 스타일 편집</a:t>
             </a:r>
           </a:p>
           <a:p>
             <a:pPr lvl="1"/>
             <a:r>
-              <a:rPr lang="ko-KR" altLang="en-US" smtClean="0"/>
+              <a:rPr lang="ko-KR" altLang="en-US"/>
               <a:t>둘째 수준</a:t>
             </a:r>
           </a:p>
           <a:p>
             <a:pPr lvl="2"/>
             <a:r>
-              <a:rPr lang="ko-KR" altLang="en-US" smtClean="0"/>
+              <a:rPr lang="ko-KR" altLang="en-US"/>
               <a:t>셋째 수준</a:t>
             </a:r>
           </a:p>
           <a:p>
             <a:pPr lvl="3"/>
             <a:r>
-              <a:rPr lang="ko-KR" altLang="en-US" smtClean="0"/>
+              <a:rPr lang="ko-KR" altLang="en-US"/>
               <a:t>넷째 수준</a:t>
             </a:r>
           </a:p>
           <a:p>
             <a:pPr lvl="4"/>
             <a:r>
-              <a:rPr lang="ko-KR" altLang="en-US" smtClean="0"/>
+              <a:rPr lang="ko-KR" altLang="en-US"/>
               <a:t>다섯째 수준</a:t>
             </a:r>
-            <a:endParaRPr lang="ko-KR" altLang="en-US"/>
           </a:p>
         </p:txBody>
       </p:sp>
@@ -408,7 +410,7 @@
           <a:p>
             <a:fld id="{083A2014-1E55-493B-BBAA-4A9392E5EECC}" type="datetimeFigureOut">
               <a:rPr lang="ko-KR" altLang="en-US" smtClean="0"/>
-              <a:t>2022-02-21</a:t>
+              <a:t>2022. 2. 21.</a:t>
             </a:fld>
             <a:endParaRPr lang="ko-KR" altLang="en-US"/>
           </a:p>
@@ -507,10 +509,9 @@
           <a:lstStyle/>
           <a:p>
             <a:r>
-              <a:rPr lang="ko-KR" altLang="en-US" smtClean="0"/>
+              <a:rPr lang="ko-KR" altLang="en-US"/>
               <a:t>마스터 제목 스타일 편집</a:t>
             </a:r>
-            <a:endParaRPr lang="ko-KR" altLang="en-US"/>
           </a:p>
         </p:txBody>
       </p:sp>
@@ -536,38 +537,37 @@
           <a:p>
             <a:pPr lvl="0"/>
             <a:r>
-              <a:rPr lang="ko-KR" altLang="en-US" smtClean="0"/>
+              <a:rPr lang="ko-KR" altLang="en-US"/>
               <a:t>마스터 텍스트 스타일 편집</a:t>
             </a:r>
           </a:p>
           <a:p>
             <a:pPr lvl="1"/>
             <a:r>
-              <a:rPr lang="ko-KR" altLang="en-US" smtClean="0"/>
+              <a:rPr lang="ko-KR" altLang="en-US"/>
               <a:t>둘째 수준</a:t>
             </a:r>
           </a:p>
           <a:p>
             <a:pPr lvl="2"/>
             <a:r>
-              <a:rPr lang="ko-KR" altLang="en-US" smtClean="0"/>
+              <a:rPr lang="ko-KR" altLang="en-US"/>
               <a:t>셋째 수준</a:t>
             </a:r>
           </a:p>
           <a:p>
             <a:pPr lvl="3"/>
             <a:r>
-              <a:rPr lang="ko-KR" altLang="en-US" smtClean="0"/>
+              <a:rPr lang="ko-KR" altLang="en-US"/>
               <a:t>넷째 수준</a:t>
             </a:r>
           </a:p>
           <a:p>
             <a:pPr lvl="4"/>
             <a:r>
-              <a:rPr lang="ko-KR" altLang="en-US" smtClean="0"/>
+              <a:rPr lang="ko-KR" altLang="en-US"/>
               <a:t>다섯째 수준</a:t>
             </a:r>
-            <a:endParaRPr lang="ko-KR" altLang="en-US"/>
           </a:p>
         </p:txBody>
       </p:sp>
@@ -588,7 +588,7 @@
           <a:p>
             <a:fld id="{083A2014-1E55-493B-BBAA-4A9392E5EECC}" type="datetimeFigureOut">
               <a:rPr lang="ko-KR" altLang="en-US" smtClean="0"/>
-              <a:t>2022-02-21</a:t>
+              <a:t>2022. 2. 21.</a:t>
             </a:fld>
             <a:endParaRPr lang="ko-KR" altLang="en-US"/>
           </a:p>
@@ -682,10 +682,9 @@
           <a:lstStyle/>
           <a:p>
             <a:r>
-              <a:rPr lang="ko-KR" altLang="en-US" smtClean="0"/>
+              <a:rPr lang="ko-KR" altLang="en-US"/>
               <a:t>마스터 제목 스타일 편집</a:t>
             </a:r>
-            <a:endParaRPr lang="ko-KR" altLang="en-US"/>
           </a:p>
         </p:txBody>
       </p:sp>
@@ -706,38 +705,37 @@
           <a:p>
             <a:pPr lvl="0"/>
             <a:r>
-              <a:rPr lang="ko-KR" altLang="en-US" smtClean="0"/>
+              <a:rPr lang="ko-KR" altLang="en-US"/>
               <a:t>마스터 텍스트 스타일 편집</a:t>
             </a:r>
           </a:p>
           <a:p>
             <a:pPr lvl="1"/>
             <a:r>
-              <a:rPr lang="ko-KR" altLang="en-US" smtClean="0"/>
+              <a:rPr lang="ko-KR" altLang="en-US"/>
               <a:t>둘째 수준</a:t>
             </a:r>
           </a:p>
           <a:p>
             <a:pPr lvl="2"/>
             <a:r>
-              <a:rPr lang="ko-KR" altLang="en-US" smtClean="0"/>
+              <a:rPr lang="ko-KR" altLang="en-US"/>
               <a:t>셋째 수준</a:t>
             </a:r>
           </a:p>
           <a:p>
             <a:pPr lvl="3"/>
             <a:r>
-              <a:rPr lang="ko-KR" altLang="en-US" smtClean="0"/>
+              <a:rPr lang="ko-KR" altLang="en-US"/>
               <a:t>넷째 수준</a:t>
             </a:r>
           </a:p>
           <a:p>
             <a:pPr lvl="4"/>
             <a:r>
-              <a:rPr lang="ko-KR" altLang="en-US" smtClean="0"/>
+              <a:rPr lang="ko-KR" altLang="en-US"/>
               <a:t>다섯째 수준</a:t>
             </a:r>
-            <a:endParaRPr lang="ko-KR" altLang="en-US"/>
           </a:p>
         </p:txBody>
       </p:sp>
@@ -758,7 +756,7 @@
           <a:p>
             <a:fld id="{083A2014-1E55-493B-BBAA-4A9392E5EECC}" type="datetimeFigureOut">
               <a:rPr lang="ko-KR" altLang="en-US" smtClean="0"/>
-              <a:t>2022-02-21</a:t>
+              <a:t>2022. 2. 21.</a:t>
             </a:fld>
             <a:endParaRPr lang="ko-KR" altLang="en-US"/>
           </a:p>
@@ -861,10 +859,9 @@
           </a:lstStyle>
           <a:p>
             <a:r>
-              <a:rPr lang="ko-KR" altLang="en-US" smtClean="0"/>
+              <a:rPr lang="ko-KR" altLang="en-US"/>
               <a:t>마스터 제목 스타일 편집</a:t>
             </a:r>
-            <a:endParaRPr lang="ko-KR" altLang="en-US"/>
           </a:p>
         </p:txBody>
       </p:sp>
@@ -981,7 +978,7 @@
           <a:p>
             <a:pPr lvl="0"/>
             <a:r>
-              <a:rPr lang="ko-KR" altLang="en-US" smtClean="0"/>
+              <a:rPr lang="ko-KR" altLang="en-US"/>
               <a:t>마스터 텍스트 스타일 편집</a:t>
             </a:r>
           </a:p>
@@ -1004,7 +1001,7 @@
           <a:p>
             <a:fld id="{083A2014-1E55-493B-BBAA-4A9392E5EECC}" type="datetimeFigureOut">
               <a:rPr lang="ko-KR" altLang="en-US" smtClean="0"/>
-              <a:t>2022-02-21</a:t>
+              <a:t>2022. 2. 21.</a:t>
             </a:fld>
             <a:endParaRPr lang="ko-KR" altLang="en-US"/>
           </a:p>
@@ -1098,10 +1095,9 @@
           <a:lstStyle/>
           <a:p>
             <a:r>
-              <a:rPr lang="ko-KR" altLang="en-US" smtClean="0"/>
+              <a:rPr lang="ko-KR" altLang="en-US"/>
               <a:t>마스터 제목 스타일 편집</a:t>
             </a:r>
-            <a:endParaRPr lang="ko-KR" altLang="en-US"/>
           </a:p>
         </p:txBody>
       </p:sp>
@@ -1127,38 +1123,37 @@
           <a:p>
             <a:pPr lvl="0"/>
             <a:r>
-              <a:rPr lang="ko-KR" altLang="en-US" smtClean="0"/>
+              <a:rPr lang="ko-KR" altLang="en-US"/>
               <a:t>마스터 텍스트 스타일 편집</a:t>
             </a:r>
           </a:p>
           <a:p>
             <a:pPr lvl="1"/>
             <a:r>
-              <a:rPr lang="ko-KR" altLang="en-US" smtClean="0"/>
+              <a:rPr lang="ko-KR" altLang="en-US"/>
               <a:t>둘째 수준</a:t>
             </a:r>
           </a:p>
           <a:p>
             <a:pPr lvl="2"/>
             <a:r>
-              <a:rPr lang="ko-KR" altLang="en-US" smtClean="0"/>
+              <a:rPr lang="ko-KR" altLang="en-US"/>
               <a:t>셋째 수준</a:t>
             </a:r>
           </a:p>
           <a:p>
             <a:pPr lvl="3"/>
             <a:r>
-              <a:rPr lang="ko-KR" altLang="en-US" smtClean="0"/>
+              <a:rPr lang="ko-KR" altLang="en-US"/>
               <a:t>넷째 수준</a:t>
             </a:r>
           </a:p>
           <a:p>
             <a:pPr lvl="4"/>
             <a:r>
-              <a:rPr lang="ko-KR" altLang="en-US" smtClean="0"/>
+              <a:rPr lang="ko-KR" altLang="en-US"/>
               <a:t>다섯째 수준</a:t>
             </a:r>
-            <a:endParaRPr lang="ko-KR" altLang="en-US"/>
           </a:p>
         </p:txBody>
       </p:sp>
@@ -1184,38 +1179,37 @@
           <a:p>
             <a:pPr lvl="0"/>
             <a:r>
-              <a:rPr lang="ko-KR" altLang="en-US" smtClean="0"/>
+              <a:rPr lang="ko-KR" altLang="en-US"/>
               <a:t>마스터 텍스트 스타일 편집</a:t>
             </a:r>
           </a:p>
           <a:p>
             <a:pPr lvl="1"/>
             <a:r>
-              <a:rPr lang="ko-KR" altLang="en-US" smtClean="0"/>
+              <a:rPr lang="ko-KR" altLang="en-US"/>
               <a:t>둘째 수준</a:t>
             </a:r>
           </a:p>
           <a:p>
             <a:pPr lvl="2"/>
             <a:r>
-              <a:rPr lang="ko-KR" altLang="en-US" smtClean="0"/>
+              <a:rPr lang="ko-KR" altLang="en-US"/>
               <a:t>셋째 수준</a:t>
             </a:r>
           </a:p>
           <a:p>
             <a:pPr lvl="3"/>
             <a:r>
-              <a:rPr lang="ko-KR" altLang="en-US" smtClean="0"/>
+              <a:rPr lang="ko-KR" altLang="en-US"/>
               <a:t>넷째 수준</a:t>
             </a:r>
           </a:p>
           <a:p>
             <a:pPr lvl="4"/>
             <a:r>
-              <a:rPr lang="ko-KR" altLang="en-US" smtClean="0"/>
+              <a:rPr lang="ko-KR" altLang="en-US"/>
               <a:t>다섯째 수준</a:t>
             </a:r>
-            <a:endParaRPr lang="ko-KR" altLang="en-US"/>
           </a:p>
         </p:txBody>
       </p:sp>
@@ -1236,7 +1230,7 @@
           <a:p>
             <a:fld id="{083A2014-1E55-493B-BBAA-4A9392E5EECC}" type="datetimeFigureOut">
               <a:rPr lang="ko-KR" altLang="en-US" smtClean="0"/>
-              <a:t>2022-02-21</a:t>
+              <a:t>2022. 2. 21.</a:t>
             </a:fld>
             <a:endParaRPr lang="ko-KR" altLang="en-US"/>
           </a:p>
@@ -1335,10 +1329,9 @@
           <a:lstStyle/>
           <a:p>
             <a:r>
-              <a:rPr lang="ko-KR" altLang="en-US" smtClean="0"/>
+              <a:rPr lang="ko-KR" altLang="en-US"/>
               <a:t>마스터 제목 스타일 편집</a:t>
             </a:r>
-            <a:endParaRPr lang="ko-KR" altLang="en-US"/>
           </a:p>
         </p:txBody>
       </p:sp>
@@ -1401,7 +1394,7 @@
           <a:p>
             <a:pPr lvl="0"/>
             <a:r>
-              <a:rPr lang="ko-KR" altLang="en-US" smtClean="0"/>
+              <a:rPr lang="ko-KR" altLang="en-US"/>
               <a:t>마스터 텍스트 스타일 편집</a:t>
             </a:r>
           </a:p>
@@ -1429,38 +1422,37 @@
           <a:p>
             <a:pPr lvl="0"/>
             <a:r>
-              <a:rPr lang="ko-KR" altLang="en-US" smtClean="0"/>
+              <a:rPr lang="ko-KR" altLang="en-US"/>
               <a:t>마스터 텍스트 스타일 편집</a:t>
             </a:r>
           </a:p>
           <a:p>
             <a:pPr lvl="1"/>
             <a:r>
-              <a:rPr lang="ko-KR" altLang="en-US" smtClean="0"/>
+              <a:rPr lang="ko-KR" altLang="en-US"/>
               <a:t>둘째 수준</a:t>
             </a:r>
           </a:p>
           <a:p>
             <a:pPr lvl="2"/>
             <a:r>
-              <a:rPr lang="ko-KR" altLang="en-US" smtClean="0"/>
+              <a:rPr lang="ko-KR" altLang="en-US"/>
               <a:t>셋째 수준</a:t>
             </a:r>
           </a:p>
           <a:p>
             <a:pPr lvl="3"/>
             <a:r>
-              <a:rPr lang="ko-KR" altLang="en-US" smtClean="0"/>
+              <a:rPr lang="ko-KR" altLang="en-US"/>
               <a:t>넷째 수준</a:t>
             </a:r>
           </a:p>
           <a:p>
             <a:pPr lvl="4"/>
             <a:r>
-              <a:rPr lang="ko-KR" altLang="en-US" smtClean="0"/>
+              <a:rPr lang="ko-KR" altLang="en-US"/>
               <a:t>다섯째 수준</a:t>
             </a:r>
-            <a:endParaRPr lang="ko-KR" altLang="en-US"/>
           </a:p>
         </p:txBody>
       </p:sp>
@@ -1523,7 +1515,7 @@
           <a:p>
             <a:pPr lvl="0"/>
             <a:r>
-              <a:rPr lang="ko-KR" altLang="en-US" smtClean="0"/>
+              <a:rPr lang="ko-KR" altLang="en-US"/>
               <a:t>마스터 텍스트 스타일 편집</a:t>
             </a:r>
           </a:p>
@@ -1551,38 +1543,37 @@
           <a:p>
             <a:pPr lvl="0"/>
             <a:r>
-              <a:rPr lang="ko-KR" altLang="en-US" smtClean="0"/>
+              <a:rPr lang="ko-KR" altLang="en-US"/>
               <a:t>마스터 텍스트 스타일 편집</a:t>
             </a:r>
           </a:p>
           <a:p>
             <a:pPr lvl="1"/>
             <a:r>
-              <a:rPr lang="ko-KR" altLang="en-US" smtClean="0"/>
+              <a:rPr lang="ko-KR" altLang="en-US"/>
               <a:t>둘째 수준</a:t>
             </a:r>
           </a:p>
           <a:p>
             <a:pPr lvl="2"/>
             <a:r>
-              <a:rPr lang="ko-KR" altLang="en-US" smtClean="0"/>
+              <a:rPr lang="ko-KR" altLang="en-US"/>
               <a:t>셋째 수준</a:t>
             </a:r>
           </a:p>
           <a:p>
             <a:pPr lvl="3"/>
             <a:r>
-              <a:rPr lang="ko-KR" altLang="en-US" smtClean="0"/>
+              <a:rPr lang="ko-KR" altLang="en-US"/>
               <a:t>넷째 수준</a:t>
             </a:r>
           </a:p>
           <a:p>
             <a:pPr lvl="4"/>
             <a:r>
-              <a:rPr lang="ko-KR" altLang="en-US" smtClean="0"/>
+              <a:rPr lang="ko-KR" altLang="en-US"/>
               <a:t>다섯째 수준</a:t>
             </a:r>
-            <a:endParaRPr lang="ko-KR" altLang="en-US"/>
           </a:p>
         </p:txBody>
       </p:sp>
@@ -1603,7 +1594,7 @@
           <a:p>
             <a:fld id="{083A2014-1E55-493B-BBAA-4A9392E5EECC}" type="datetimeFigureOut">
               <a:rPr lang="ko-KR" altLang="en-US" smtClean="0"/>
-              <a:t>2022-02-21</a:t>
+              <a:t>2022. 2. 21.</a:t>
             </a:fld>
             <a:endParaRPr lang="ko-KR" altLang="en-US"/>
           </a:p>
@@ -1697,10 +1688,9 @@
           <a:lstStyle/>
           <a:p>
             <a:r>
-              <a:rPr lang="ko-KR" altLang="en-US" smtClean="0"/>
+              <a:rPr lang="ko-KR" altLang="en-US"/>
               <a:t>마스터 제목 스타일 편집</a:t>
             </a:r>
-            <a:endParaRPr lang="ko-KR" altLang="en-US"/>
           </a:p>
         </p:txBody>
       </p:sp>
@@ -1721,7 +1711,7 @@
           <a:p>
             <a:fld id="{083A2014-1E55-493B-BBAA-4A9392E5EECC}" type="datetimeFigureOut">
               <a:rPr lang="ko-KR" altLang="en-US" smtClean="0"/>
-              <a:t>2022-02-21</a:t>
+              <a:t>2022. 2. 21.</a:t>
             </a:fld>
             <a:endParaRPr lang="ko-KR" altLang="en-US"/>
           </a:p>
@@ -1816,7 +1806,7 @@
           <a:p>
             <a:fld id="{083A2014-1E55-493B-BBAA-4A9392E5EECC}" type="datetimeFigureOut">
               <a:rPr lang="ko-KR" altLang="en-US" smtClean="0"/>
-              <a:t>2022-02-21</a:t>
+              <a:t>2022. 2. 21.</a:t>
             </a:fld>
             <a:endParaRPr lang="ko-KR" altLang="en-US"/>
           </a:p>
@@ -1919,10 +1909,9 @@
           </a:lstStyle>
           <a:p>
             <a:r>
-              <a:rPr lang="ko-KR" altLang="en-US" smtClean="0"/>
+              <a:rPr lang="ko-KR" altLang="en-US"/>
               <a:t>마스터 제목 스타일 편집</a:t>
             </a:r>
-            <a:endParaRPr lang="ko-KR" altLang="en-US"/>
           </a:p>
         </p:txBody>
       </p:sp>
@@ -1976,38 +1965,37 @@
           <a:p>
             <a:pPr lvl="0"/>
             <a:r>
-              <a:rPr lang="ko-KR" altLang="en-US" smtClean="0"/>
+              <a:rPr lang="ko-KR" altLang="en-US"/>
               <a:t>마스터 텍스트 스타일 편집</a:t>
             </a:r>
           </a:p>
           <a:p>
             <a:pPr lvl="1"/>
             <a:r>
-              <a:rPr lang="ko-KR" altLang="en-US" smtClean="0"/>
+              <a:rPr lang="ko-KR" altLang="en-US"/>
               <a:t>둘째 수준</a:t>
             </a:r>
           </a:p>
           <a:p>
             <a:pPr lvl="2"/>
             <a:r>
-              <a:rPr lang="ko-KR" altLang="en-US" smtClean="0"/>
+              <a:rPr lang="ko-KR" altLang="en-US"/>
               <a:t>셋째 수준</a:t>
             </a:r>
           </a:p>
           <a:p>
             <a:pPr lvl="3"/>
             <a:r>
-              <a:rPr lang="ko-KR" altLang="en-US" smtClean="0"/>
+              <a:rPr lang="ko-KR" altLang="en-US"/>
               <a:t>넷째 수준</a:t>
             </a:r>
           </a:p>
           <a:p>
             <a:pPr lvl="4"/>
             <a:r>
-              <a:rPr lang="ko-KR" altLang="en-US" smtClean="0"/>
+              <a:rPr lang="ko-KR" altLang="en-US"/>
               <a:t>다섯째 수준</a:t>
             </a:r>
-            <a:endParaRPr lang="ko-KR" altLang="en-US"/>
           </a:p>
         </p:txBody>
       </p:sp>
@@ -2070,7 +2058,7 @@
           <a:p>
             <a:pPr lvl="0"/>
             <a:r>
-              <a:rPr lang="ko-KR" altLang="en-US" smtClean="0"/>
+              <a:rPr lang="ko-KR" altLang="en-US"/>
               <a:t>마스터 텍스트 스타일 편집</a:t>
             </a:r>
           </a:p>
@@ -2093,7 +2081,7 @@
           <a:p>
             <a:fld id="{083A2014-1E55-493B-BBAA-4A9392E5EECC}" type="datetimeFigureOut">
               <a:rPr lang="ko-KR" altLang="en-US" smtClean="0"/>
-              <a:t>2022-02-21</a:t>
+              <a:t>2022. 2. 21.</a:t>
             </a:fld>
             <a:endParaRPr lang="ko-KR" altLang="en-US"/>
           </a:p>
@@ -2196,10 +2184,9 @@
           </a:lstStyle>
           <a:p>
             <a:r>
-              <a:rPr lang="ko-KR" altLang="en-US" smtClean="0"/>
+              <a:rPr lang="ko-KR" altLang="en-US"/>
               <a:t>마스터 제목 스타일 편집</a:t>
             </a:r>
-            <a:endParaRPr lang="ko-KR" altLang="en-US"/>
           </a:p>
         </p:txBody>
       </p:sp>
@@ -2323,7 +2310,7 @@
           <a:p>
             <a:pPr lvl="0"/>
             <a:r>
-              <a:rPr lang="ko-KR" altLang="en-US" smtClean="0"/>
+              <a:rPr lang="ko-KR" altLang="en-US"/>
               <a:t>마스터 텍스트 스타일 편집</a:t>
             </a:r>
           </a:p>
@@ -2346,7 +2333,7 @@
           <a:p>
             <a:fld id="{083A2014-1E55-493B-BBAA-4A9392E5EECC}" type="datetimeFigureOut">
               <a:rPr lang="ko-KR" altLang="en-US" smtClean="0"/>
-              <a:t>2022-02-21</a:t>
+              <a:t>2022. 2. 21.</a:t>
             </a:fld>
             <a:endParaRPr lang="ko-KR" altLang="en-US"/>
           </a:p>
@@ -2455,10 +2442,9 @@
           <a:lstStyle/>
           <a:p>
             <a:r>
-              <a:rPr lang="ko-KR" altLang="en-US" smtClean="0"/>
+              <a:rPr lang="ko-KR" altLang="en-US"/>
               <a:t>마스터 제목 스타일 편집</a:t>
             </a:r>
-            <a:endParaRPr lang="ko-KR" altLang="en-US"/>
           </a:p>
         </p:txBody>
       </p:sp>
@@ -2489,38 +2475,37 @@
           <a:p>
             <a:pPr lvl="0"/>
             <a:r>
-              <a:rPr lang="ko-KR" altLang="en-US" smtClean="0"/>
+              <a:rPr lang="ko-KR" altLang="en-US"/>
               <a:t>마스터 텍스트 스타일 편집</a:t>
             </a:r>
           </a:p>
           <a:p>
             <a:pPr lvl="1"/>
             <a:r>
-              <a:rPr lang="ko-KR" altLang="en-US" smtClean="0"/>
+              <a:rPr lang="ko-KR" altLang="en-US"/>
               <a:t>둘째 수준</a:t>
             </a:r>
           </a:p>
           <a:p>
             <a:pPr lvl="2"/>
             <a:r>
-              <a:rPr lang="ko-KR" altLang="en-US" smtClean="0"/>
+              <a:rPr lang="ko-KR" altLang="en-US"/>
               <a:t>셋째 수준</a:t>
             </a:r>
           </a:p>
           <a:p>
             <a:pPr lvl="3"/>
             <a:r>
-              <a:rPr lang="ko-KR" altLang="en-US" smtClean="0"/>
+              <a:rPr lang="ko-KR" altLang="en-US"/>
               <a:t>넷째 수준</a:t>
             </a:r>
           </a:p>
           <a:p>
             <a:pPr lvl="4"/>
             <a:r>
-              <a:rPr lang="ko-KR" altLang="en-US" smtClean="0"/>
+              <a:rPr lang="ko-KR" altLang="en-US"/>
               <a:t>다섯째 수준</a:t>
             </a:r>
-            <a:endParaRPr lang="ko-KR" altLang="en-US"/>
           </a:p>
         </p:txBody>
       </p:sp>
@@ -2559,7 +2544,7 @@
           <a:p>
             <a:fld id="{083A2014-1E55-493B-BBAA-4A9392E5EECC}" type="datetimeFigureOut">
               <a:rPr lang="ko-KR" altLang="en-US" smtClean="0"/>
-              <a:t>2022-02-21</a:t>
+              <a:t>2022. 2. 21.</a:t>
             </a:fld>
             <a:endParaRPr lang="ko-KR" altLang="en-US"/>
           </a:p>
@@ -3032,7 +3017,7 @@
             <a:p>
               <a:pPr algn="ctr"/>
               <a:r>
-                <a:rPr lang="en-US" altLang="ko-KR" sz="3200" b="1" smtClean="0">
+                <a:rPr lang="en-US" altLang="ko-KR" sz="3200" b="1">
                   <a:solidFill>
                     <a:schemeClr val="bg1"/>
                   </a:solidFill>
@@ -3052,6 +3037,179 @@
     <p:extLst>
       <p:ext uri="{BB962C8B-B14F-4D97-AF65-F5344CB8AC3E}">
         <p14:creationId xmlns:p14="http://schemas.microsoft.com/office/powerpoint/2010/main" val="3758411757"/>
+      </p:ext>
+    </p:extLst>
+  </p:cSld>
+  <p:clrMapOvr>
+    <a:masterClrMapping/>
+  </p:clrMapOvr>
+</p:sld>
+</file>
+
+<file path=ppt/slides/slide2.xml><?xml version="1.0" encoding="utf-8"?>
+<p:sld xmlns:a="http://schemas.openxmlformats.org/drawingml/2006/main" xmlns:r="http://schemas.openxmlformats.org/officeDocument/2006/relationships" xmlns:p="http://schemas.openxmlformats.org/presentationml/2006/main">
+  <p:cSld>
+    <p:spTree>
+      <p:nvGrpSpPr>
+        <p:cNvPr id="1" name=""/>
+        <p:cNvGrpSpPr/>
+        <p:nvPr/>
+      </p:nvGrpSpPr>
+      <p:grpSpPr>
+        <a:xfrm>
+          <a:off x="0" y="0"/>
+          <a:ext cx="0" cy="0"/>
+          <a:chOff x="0" y="0"/>
+          <a:chExt cx="0" cy="0"/>
+        </a:xfrm>
+      </p:grpSpPr>
+      <p:grpSp>
+        <p:nvGrpSpPr>
+          <p:cNvPr id="9" name="그룹 8">
+            <a:extLst>
+              <a:ext uri="{FF2B5EF4-FFF2-40B4-BE49-F238E27FC236}">
+                <a16:creationId xmlns:a16="http://schemas.microsoft.com/office/drawing/2014/main" id="{A70E7992-0382-D846-A406-57929E8E9130}"/>
+              </a:ext>
+            </a:extLst>
+          </p:cNvPr>
+          <p:cNvGrpSpPr/>
+          <p:nvPr/>
+        </p:nvGrpSpPr>
+        <p:grpSpPr>
+          <a:xfrm>
+            <a:off x="3657600" y="990600"/>
+            <a:ext cx="4876800" cy="4876800"/>
+            <a:chOff x="3657600" y="990600"/>
+            <a:chExt cx="4876800" cy="4876800"/>
+          </a:xfrm>
+        </p:grpSpPr>
+        <p:pic>
+          <p:nvPicPr>
+            <p:cNvPr id="6" name="그림 5">
+              <a:extLst>
+                <a:ext uri="{FF2B5EF4-FFF2-40B4-BE49-F238E27FC236}">
+                  <a16:creationId xmlns:a16="http://schemas.microsoft.com/office/drawing/2014/main" id="{AC1ABA95-A5CF-6E4B-940B-9CB7548DE52F}"/>
+                </a:ext>
+              </a:extLst>
+            </p:cNvPr>
+            <p:cNvPicPr>
+              <a:picLocks noChangeAspect="1"/>
+            </p:cNvPicPr>
+            <p:nvPr/>
+          </p:nvPicPr>
+          <p:blipFill>
+            <a:blip r:embed="rId2"/>
+            <a:stretch>
+              <a:fillRect/>
+            </a:stretch>
+          </p:blipFill>
+          <p:spPr>
+            <a:xfrm>
+              <a:off x="3657600" y="990600"/>
+              <a:ext cx="4876800" cy="4876800"/>
+            </a:xfrm>
+            <a:prstGeom prst="rect">
+              <a:avLst/>
+            </a:prstGeom>
+          </p:spPr>
+        </p:pic>
+        <p:sp>
+          <p:nvSpPr>
+            <p:cNvPr id="7" name="직사각형 6">
+              <a:extLst>
+                <a:ext uri="{FF2B5EF4-FFF2-40B4-BE49-F238E27FC236}">
+                  <a16:creationId xmlns:a16="http://schemas.microsoft.com/office/drawing/2014/main" id="{B01EE5C4-76EC-FC44-B161-6D6A08100FA7}"/>
+                </a:ext>
+              </a:extLst>
+            </p:cNvPr>
+            <p:cNvSpPr/>
+            <p:nvPr/>
+          </p:nvSpPr>
+          <p:spPr>
+            <a:xfrm>
+              <a:off x="5671751" y="3429000"/>
+              <a:ext cx="1655806" cy="1655806"/>
+            </a:xfrm>
+            <a:prstGeom prst="rect">
+              <a:avLst/>
+            </a:prstGeom>
+            <a:ln>
+              <a:solidFill>
+                <a:schemeClr val="bg1"/>
+              </a:solidFill>
+            </a:ln>
+          </p:spPr>
+          <p:style>
+            <a:lnRef idx="2">
+              <a:schemeClr val="accent6"/>
+            </a:lnRef>
+            <a:fillRef idx="1">
+              <a:schemeClr val="lt1"/>
+            </a:fillRef>
+            <a:effectRef idx="0">
+              <a:schemeClr val="accent6"/>
+            </a:effectRef>
+            <a:fontRef idx="minor">
+              <a:schemeClr val="dk1"/>
+            </a:fontRef>
+          </p:style>
+          <p:txBody>
+            <a:bodyPr rtlCol="0" anchor="ctr"/>
+            <a:lstStyle/>
+            <a:p>
+              <a:pPr algn="ctr"/>
+              <a:endParaRPr kumimoji="1" lang="ko-Kore-KR" altLang="en-US"/>
+            </a:p>
+          </p:txBody>
+        </p:sp>
+        <p:sp>
+          <p:nvSpPr>
+            <p:cNvPr id="8" name="TextBox 7">
+              <a:extLst>
+                <a:ext uri="{FF2B5EF4-FFF2-40B4-BE49-F238E27FC236}">
+                  <a16:creationId xmlns:a16="http://schemas.microsoft.com/office/drawing/2014/main" id="{E7E3BB1D-166C-E54E-A461-994618255EF7}"/>
+                </a:ext>
+              </a:extLst>
+            </p:cNvPr>
+            <p:cNvSpPr txBox="1"/>
+            <p:nvPr/>
+          </p:nvSpPr>
+          <p:spPr>
+            <a:xfrm>
+              <a:off x="5421846" y="3533631"/>
+              <a:ext cx="2155615" cy="1446550"/>
+            </a:xfrm>
+            <a:prstGeom prst="rect">
+              <a:avLst/>
+            </a:prstGeom>
+            <a:noFill/>
+          </p:spPr>
+          <p:txBody>
+            <a:bodyPr wrap="square" rtlCol="0" anchor="ctr">
+              <a:spAutoFit/>
+            </a:bodyPr>
+            <a:lstStyle/>
+            <a:p>
+              <a:pPr algn="ctr"/>
+              <a:r>
+                <a:rPr kumimoji="1" lang="en-US" altLang="ko-Kore-KR" sz="8800" b="1" dirty="0">
+                  <a:latin typeface="NanumGothic" panose="020D0604000000000000" pitchFamily="34" charset="-127"/>
+                  <a:ea typeface="NanumGothic" panose="020D0604000000000000" pitchFamily="34" charset="-127"/>
+                </a:rPr>
+                <a:t>#ID</a:t>
+              </a:r>
+              <a:endParaRPr kumimoji="1" lang="ko-Kore-KR" altLang="en-US" sz="8800" b="1" dirty="0">
+                <a:latin typeface="NanumGothic" panose="020D0604000000000000" pitchFamily="34" charset="-127"/>
+                <a:ea typeface="NanumGothic" panose="020D0604000000000000" pitchFamily="34" charset="-127"/>
+              </a:endParaRPr>
+            </a:p>
+          </p:txBody>
+        </p:sp>
+      </p:grpSp>
+    </p:spTree>
+    <p:extLst>
+      <p:ext uri="{BB962C8B-B14F-4D97-AF65-F5344CB8AC3E}">
+        <p14:creationId xmlns:p14="http://schemas.microsoft.com/office/powerpoint/2010/main" val="2483777131"/>
       </p:ext>
     </p:extLst>
   </p:cSld>

--- a/icon.pptx
+++ b/icon.pptx
@@ -242,7 +242,7 @@
           <a:p>
             <a:fld id="{083A2014-1E55-493B-BBAA-4A9392E5EECC}" type="datetimeFigureOut">
               <a:rPr lang="ko-KR" altLang="en-US" smtClean="0"/>
-              <a:t>2022. 2. 21.</a:t>
+              <a:t>2022-02-22</a:t>
             </a:fld>
             <a:endParaRPr lang="ko-KR" altLang="en-US"/>
           </a:p>
@@ -410,7 +410,7 @@
           <a:p>
             <a:fld id="{083A2014-1E55-493B-BBAA-4A9392E5EECC}" type="datetimeFigureOut">
               <a:rPr lang="ko-KR" altLang="en-US" smtClean="0"/>
-              <a:t>2022. 2. 21.</a:t>
+              <a:t>2022-02-22</a:t>
             </a:fld>
             <a:endParaRPr lang="ko-KR" altLang="en-US"/>
           </a:p>
@@ -588,7 +588,7 @@
           <a:p>
             <a:fld id="{083A2014-1E55-493B-BBAA-4A9392E5EECC}" type="datetimeFigureOut">
               <a:rPr lang="ko-KR" altLang="en-US" smtClean="0"/>
-              <a:t>2022. 2. 21.</a:t>
+              <a:t>2022-02-22</a:t>
             </a:fld>
             <a:endParaRPr lang="ko-KR" altLang="en-US"/>
           </a:p>
@@ -756,7 +756,7 @@
           <a:p>
             <a:fld id="{083A2014-1E55-493B-BBAA-4A9392E5EECC}" type="datetimeFigureOut">
               <a:rPr lang="ko-KR" altLang="en-US" smtClean="0"/>
-              <a:t>2022. 2. 21.</a:t>
+              <a:t>2022-02-22</a:t>
             </a:fld>
             <a:endParaRPr lang="ko-KR" altLang="en-US"/>
           </a:p>
@@ -1001,7 +1001,7 @@
           <a:p>
             <a:fld id="{083A2014-1E55-493B-BBAA-4A9392E5EECC}" type="datetimeFigureOut">
               <a:rPr lang="ko-KR" altLang="en-US" smtClean="0"/>
-              <a:t>2022. 2. 21.</a:t>
+              <a:t>2022-02-22</a:t>
             </a:fld>
             <a:endParaRPr lang="ko-KR" altLang="en-US"/>
           </a:p>
@@ -1230,7 +1230,7 @@
           <a:p>
             <a:fld id="{083A2014-1E55-493B-BBAA-4A9392E5EECC}" type="datetimeFigureOut">
               <a:rPr lang="ko-KR" altLang="en-US" smtClean="0"/>
-              <a:t>2022. 2. 21.</a:t>
+              <a:t>2022-02-22</a:t>
             </a:fld>
             <a:endParaRPr lang="ko-KR" altLang="en-US"/>
           </a:p>
@@ -1594,7 +1594,7 @@
           <a:p>
             <a:fld id="{083A2014-1E55-493B-BBAA-4A9392E5EECC}" type="datetimeFigureOut">
               <a:rPr lang="ko-KR" altLang="en-US" smtClean="0"/>
-              <a:t>2022. 2. 21.</a:t>
+              <a:t>2022-02-22</a:t>
             </a:fld>
             <a:endParaRPr lang="ko-KR" altLang="en-US"/>
           </a:p>
@@ -1711,7 +1711,7 @@
           <a:p>
             <a:fld id="{083A2014-1E55-493B-BBAA-4A9392E5EECC}" type="datetimeFigureOut">
               <a:rPr lang="ko-KR" altLang="en-US" smtClean="0"/>
-              <a:t>2022. 2. 21.</a:t>
+              <a:t>2022-02-22</a:t>
             </a:fld>
             <a:endParaRPr lang="ko-KR" altLang="en-US"/>
           </a:p>
@@ -1806,7 +1806,7 @@
           <a:p>
             <a:fld id="{083A2014-1E55-493B-BBAA-4A9392E5EECC}" type="datetimeFigureOut">
               <a:rPr lang="ko-KR" altLang="en-US" smtClean="0"/>
-              <a:t>2022. 2. 21.</a:t>
+              <a:t>2022-02-22</a:t>
             </a:fld>
             <a:endParaRPr lang="ko-KR" altLang="en-US"/>
           </a:p>
@@ -2081,7 +2081,7 @@
           <a:p>
             <a:fld id="{083A2014-1E55-493B-BBAA-4A9392E5EECC}" type="datetimeFigureOut">
               <a:rPr lang="ko-KR" altLang="en-US" smtClean="0"/>
-              <a:t>2022. 2. 21.</a:t>
+              <a:t>2022-02-22</a:t>
             </a:fld>
             <a:endParaRPr lang="ko-KR" altLang="en-US"/>
           </a:p>
@@ -2333,7 +2333,7 @@
           <a:p>
             <a:fld id="{083A2014-1E55-493B-BBAA-4A9392E5EECC}" type="datetimeFigureOut">
               <a:rPr lang="ko-KR" altLang="en-US" smtClean="0"/>
-              <a:t>2022. 2. 21.</a:t>
+              <a:t>2022-02-22</a:t>
             </a:fld>
             <a:endParaRPr lang="ko-KR" altLang="en-US"/>
           </a:p>
@@ -2544,7 +2544,7 @@
           <a:p>
             <a:fld id="{083A2014-1E55-493B-BBAA-4A9392E5EECC}" type="datetimeFigureOut">
               <a:rPr lang="ko-KR" altLang="en-US" smtClean="0"/>
-              <a:t>2022. 2. 21.</a:t>
+              <a:t>2022-02-22</a:t>
             </a:fld>
             <a:endParaRPr lang="ko-KR" altLang="en-US"/>
           </a:p>
@@ -3017,12 +3017,12 @@
             <a:p>
               <a:pPr algn="ctr"/>
               <a:r>
-                <a:rPr lang="en-US" altLang="ko-KR" sz="3200" b="1">
+                <a:rPr lang="en-US" altLang="ko-KR" sz="3200" b="1" smtClean="0">
                   <a:solidFill>
                     <a:schemeClr val="bg1"/>
                   </a:solidFill>
                 </a:rPr>
-                <a:t>Alert</a:t>
+                <a:t>Modal</a:t>
               </a:r>
               <a:endParaRPr lang="ko-KR" altLang="en-US" sz="3200" b="1">
                 <a:solidFill>

--- a/icon.pptx
+++ b/icon.pptx
@@ -7,6 +7,9 @@
   <p:sldIdLst>
     <p:sldId id="256" r:id="rId2"/>
     <p:sldId id="257" r:id="rId3"/>
+    <p:sldId id="258" r:id="rId4"/>
+    <p:sldId id="260" r:id="rId5"/>
+    <p:sldId id="259" r:id="rId6"/>
   </p:sldIdLst>
   <p:sldSz cx="12192000" cy="6858000"/>
   <p:notesSz cx="6858000" cy="9144000"/>
@@ -242,7 +245,7 @@
           <a:p>
             <a:fld id="{083A2014-1E55-493B-BBAA-4A9392E5EECC}" type="datetimeFigureOut">
               <a:rPr lang="ko-KR" altLang="en-US" smtClean="0"/>
-              <a:t>2022-02-22</a:t>
+              <a:t>2022-02-25</a:t>
             </a:fld>
             <a:endParaRPr lang="ko-KR" altLang="en-US"/>
           </a:p>
@@ -410,7 +413,7 @@
           <a:p>
             <a:fld id="{083A2014-1E55-493B-BBAA-4A9392E5EECC}" type="datetimeFigureOut">
               <a:rPr lang="ko-KR" altLang="en-US" smtClean="0"/>
-              <a:t>2022-02-22</a:t>
+              <a:t>2022-02-25</a:t>
             </a:fld>
             <a:endParaRPr lang="ko-KR" altLang="en-US"/>
           </a:p>
@@ -588,7 +591,7 @@
           <a:p>
             <a:fld id="{083A2014-1E55-493B-BBAA-4A9392E5EECC}" type="datetimeFigureOut">
               <a:rPr lang="ko-KR" altLang="en-US" smtClean="0"/>
-              <a:t>2022-02-22</a:t>
+              <a:t>2022-02-25</a:t>
             </a:fld>
             <a:endParaRPr lang="ko-KR" altLang="en-US"/>
           </a:p>
@@ -756,7 +759,7 @@
           <a:p>
             <a:fld id="{083A2014-1E55-493B-BBAA-4A9392E5EECC}" type="datetimeFigureOut">
               <a:rPr lang="ko-KR" altLang="en-US" smtClean="0"/>
-              <a:t>2022-02-22</a:t>
+              <a:t>2022-02-25</a:t>
             </a:fld>
             <a:endParaRPr lang="ko-KR" altLang="en-US"/>
           </a:p>
@@ -1001,7 +1004,7 @@
           <a:p>
             <a:fld id="{083A2014-1E55-493B-BBAA-4A9392E5EECC}" type="datetimeFigureOut">
               <a:rPr lang="ko-KR" altLang="en-US" smtClean="0"/>
-              <a:t>2022-02-22</a:t>
+              <a:t>2022-02-25</a:t>
             </a:fld>
             <a:endParaRPr lang="ko-KR" altLang="en-US"/>
           </a:p>
@@ -1230,7 +1233,7 @@
           <a:p>
             <a:fld id="{083A2014-1E55-493B-BBAA-4A9392E5EECC}" type="datetimeFigureOut">
               <a:rPr lang="ko-KR" altLang="en-US" smtClean="0"/>
-              <a:t>2022-02-22</a:t>
+              <a:t>2022-02-25</a:t>
             </a:fld>
             <a:endParaRPr lang="ko-KR" altLang="en-US"/>
           </a:p>
@@ -1594,7 +1597,7 @@
           <a:p>
             <a:fld id="{083A2014-1E55-493B-BBAA-4A9392E5EECC}" type="datetimeFigureOut">
               <a:rPr lang="ko-KR" altLang="en-US" smtClean="0"/>
-              <a:t>2022-02-22</a:t>
+              <a:t>2022-02-25</a:t>
             </a:fld>
             <a:endParaRPr lang="ko-KR" altLang="en-US"/>
           </a:p>
@@ -1711,7 +1714,7 @@
           <a:p>
             <a:fld id="{083A2014-1E55-493B-BBAA-4A9392E5EECC}" type="datetimeFigureOut">
               <a:rPr lang="ko-KR" altLang="en-US" smtClean="0"/>
-              <a:t>2022-02-22</a:t>
+              <a:t>2022-02-25</a:t>
             </a:fld>
             <a:endParaRPr lang="ko-KR" altLang="en-US"/>
           </a:p>
@@ -1806,7 +1809,7 @@
           <a:p>
             <a:fld id="{083A2014-1E55-493B-BBAA-4A9392E5EECC}" type="datetimeFigureOut">
               <a:rPr lang="ko-KR" altLang="en-US" smtClean="0"/>
-              <a:t>2022-02-22</a:t>
+              <a:t>2022-02-25</a:t>
             </a:fld>
             <a:endParaRPr lang="ko-KR" altLang="en-US"/>
           </a:p>
@@ -2081,7 +2084,7 @@
           <a:p>
             <a:fld id="{083A2014-1E55-493B-BBAA-4A9392E5EECC}" type="datetimeFigureOut">
               <a:rPr lang="ko-KR" altLang="en-US" smtClean="0"/>
-              <a:t>2022-02-22</a:t>
+              <a:t>2022-02-25</a:t>
             </a:fld>
             <a:endParaRPr lang="ko-KR" altLang="en-US"/>
           </a:p>
@@ -2333,7 +2336,7 @@
           <a:p>
             <a:fld id="{083A2014-1E55-493B-BBAA-4A9392E5EECC}" type="datetimeFigureOut">
               <a:rPr lang="ko-KR" altLang="en-US" smtClean="0"/>
-              <a:t>2022-02-22</a:t>
+              <a:t>2022-02-25</a:t>
             </a:fld>
             <a:endParaRPr lang="ko-KR" altLang="en-US"/>
           </a:p>
@@ -2544,7 +2547,7 @@
           <a:p>
             <a:fld id="{083A2014-1E55-493B-BBAA-4A9392E5EECC}" type="datetimeFigureOut">
               <a:rPr lang="ko-KR" altLang="en-US" smtClean="0"/>
-              <a:t>2022-02-22</a:t>
+              <a:t>2022-02-25</a:t>
             </a:fld>
             <a:endParaRPr lang="ko-KR" altLang="en-US"/>
           </a:p>
@@ -3219,6 +3222,512 @@
 </p:sld>
 </file>
 
+<file path=ppt/slides/slide3.xml><?xml version="1.0" encoding="utf-8"?>
+<p:sld xmlns:a="http://schemas.openxmlformats.org/drawingml/2006/main" xmlns:r="http://schemas.openxmlformats.org/officeDocument/2006/relationships" xmlns:p="http://schemas.openxmlformats.org/presentationml/2006/main">
+  <p:cSld>
+    <p:spTree>
+      <p:nvGrpSpPr>
+        <p:cNvPr id="1" name=""/>
+        <p:cNvGrpSpPr/>
+        <p:nvPr/>
+      </p:nvGrpSpPr>
+      <p:grpSpPr>
+        <a:xfrm>
+          <a:off x="0" y="0"/>
+          <a:ext cx="0" cy="0"/>
+          <a:chOff x="0" y="0"/>
+          <a:chExt cx="0" cy="0"/>
+        </a:xfrm>
+      </p:grpSpPr>
+      <p:grpSp>
+        <p:nvGrpSpPr>
+          <p:cNvPr id="11" name="그룹 10"/>
+          <p:cNvGrpSpPr/>
+          <p:nvPr/>
+        </p:nvGrpSpPr>
+        <p:grpSpPr>
+          <a:xfrm>
+            <a:off x="1588486" y="1712424"/>
+            <a:ext cx="3272727" cy="3272727"/>
+            <a:chOff x="1588486" y="1712424"/>
+            <a:chExt cx="3272727" cy="3272727"/>
+          </a:xfrm>
+        </p:grpSpPr>
+        <p:pic>
+          <p:nvPicPr>
+            <p:cNvPr id="5" name="그림 4"/>
+            <p:cNvPicPr>
+              <a:picLocks noChangeAspect="1"/>
+            </p:cNvPicPr>
+            <p:nvPr/>
+          </p:nvPicPr>
+          <p:blipFill>
+            <a:blip r:embed="rId2">
+              <a:extLst>
+                <a:ext uri="{28A0092B-C50C-407E-A947-70E740481C1C}">
+                  <a14:useLocalDpi xmlns:a14="http://schemas.microsoft.com/office/drawing/2010/main" val="0"/>
+                </a:ext>
+              </a:extLst>
+            </a:blip>
+            <a:stretch>
+              <a:fillRect/>
+            </a:stretch>
+          </p:blipFill>
+          <p:spPr>
+            <a:xfrm>
+              <a:off x="1588486" y="1712424"/>
+              <a:ext cx="3272727" cy="3272727"/>
+            </a:xfrm>
+            <a:prstGeom prst="rect">
+              <a:avLst/>
+            </a:prstGeom>
+          </p:spPr>
+        </p:pic>
+        <p:sp>
+          <p:nvSpPr>
+            <p:cNvPr id="8" name="TextBox 7"/>
+            <p:cNvSpPr txBox="1"/>
+            <p:nvPr/>
+          </p:nvSpPr>
+          <p:spPr>
+            <a:xfrm>
+              <a:off x="1812758" y="3272589"/>
+              <a:ext cx="45719" cy="369332"/>
+            </a:xfrm>
+            <a:prstGeom prst="rect">
+              <a:avLst/>
+            </a:prstGeom>
+            <a:noFill/>
+          </p:spPr>
+          <p:txBody>
+            <a:bodyPr wrap="square" rtlCol="0">
+              <a:spAutoFit/>
+            </a:bodyPr>
+            <a:lstStyle/>
+            <a:p>
+              <a:endParaRPr lang="ko-KR" altLang="en-US"/>
+            </a:p>
+          </p:txBody>
+        </p:sp>
+        <p:sp>
+          <p:nvSpPr>
+            <p:cNvPr id="9" name="TextBox 8">
+              <a:extLst>
+                <a:ext uri="{FF2B5EF4-FFF2-40B4-BE49-F238E27FC236}">
+                  <a16:creationId xmlns:a16="http://schemas.microsoft.com/office/drawing/2014/main" id="{E7E3BB1D-166C-E54E-A461-994618255EF7}"/>
+                </a:ext>
+              </a:extLst>
+            </p:cNvPr>
+            <p:cNvSpPr txBox="1"/>
+            <p:nvPr/>
+          </p:nvSpPr>
+          <p:spPr>
+            <a:xfrm>
+              <a:off x="1620638" y="2417763"/>
+              <a:ext cx="3208421" cy="1862048"/>
+            </a:xfrm>
+            <a:prstGeom prst="rect">
+              <a:avLst/>
+            </a:prstGeom>
+            <a:noFill/>
+          </p:spPr>
+          <p:txBody>
+            <a:bodyPr wrap="square" rtlCol="0" anchor="ctr">
+              <a:spAutoFit/>
+            </a:bodyPr>
+            <a:lstStyle/>
+            <a:p>
+              <a:pPr algn="ctr"/>
+              <a:r>
+                <a:rPr kumimoji="1" lang="en-US" altLang="ko-Kore-KR" sz="11500" b="1" smtClean="0">
+                  <a:latin typeface="NanumGothic" panose="020D0604000000000000" pitchFamily="34" charset="-127"/>
+                  <a:ea typeface="NanumGothic" panose="020D0604000000000000" pitchFamily="34" charset="-127"/>
+                </a:rPr>
+                <a:t>for</a:t>
+              </a:r>
+              <a:endParaRPr kumimoji="1" lang="ko-Kore-KR" altLang="en-US" sz="11500" b="1" dirty="0">
+                <a:latin typeface="NanumGothic" panose="020D0604000000000000" pitchFamily="34" charset="-127"/>
+                <a:ea typeface="NanumGothic" panose="020D0604000000000000" pitchFamily="34" charset="-127"/>
+              </a:endParaRPr>
+            </a:p>
+          </p:txBody>
+        </p:sp>
+      </p:grpSp>
+    </p:spTree>
+    <p:extLst>
+      <p:ext uri="{BB962C8B-B14F-4D97-AF65-F5344CB8AC3E}">
+        <p14:creationId xmlns:p14="http://schemas.microsoft.com/office/powerpoint/2010/main" val="2029903187"/>
+      </p:ext>
+    </p:extLst>
+  </p:cSld>
+  <p:clrMapOvr>
+    <a:masterClrMapping/>
+  </p:clrMapOvr>
+</p:sld>
+</file>
+
+<file path=ppt/slides/slide4.xml><?xml version="1.0" encoding="utf-8"?>
+<p:sld xmlns:a="http://schemas.openxmlformats.org/drawingml/2006/main" xmlns:r="http://schemas.openxmlformats.org/officeDocument/2006/relationships" xmlns:p="http://schemas.openxmlformats.org/presentationml/2006/main">
+  <p:cSld>
+    <p:spTree>
+      <p:nvGrpSpPr>
+        <p:cNvPr id="1" name=""/>
+        <p:cNvGrpSpPr/>
+        <p:nvPr/>
+      </p:nvGrpSpPr>
+      <p:grpSpPr>
+        <a:xfrm>
+          <a:off x="0" y="0"/>
+          <a:ext cx="0" cy="0"/>
+          <a:chOff x="0" y="0"/>
+          <a:chExt cx="0" cy="0"/>
+        </a:xfrm>
+      </p:grpSpPr>
+      <p:grpSp>
+        <p:nvGrpSpPr>
+          <p:cNvPr id="9" name="그룹 8"/>
+          <p:cNvGrpSpPr/>
+          <p:nvPr/>
+        </p:nvGrpSpPr>
+        <p:grpSpPr>
+          <a:xfrm>
+            <a:off x="1509348" y="886631"/>
+            <a:ext cx="4876190" cy="4876190"/>
+            <a:chOff x="1485285" y="821403"/>
+            <a:chExt cx="4876190" cy="4876190"/>
+          </a:xfrm>
+        </p:grpSpPr>
+        <p:pic>
+          <p:nvPicPr>
+            <p:cNvPr id="8" name="그림 7"/>
+            <p:cNvPicPr>
+              <a:picLocks noChangeAspect="1"/>
+            </p:cNvPicPr>
+            <p:nvPr/>
+          </p:nvPicPr>
+          <p:blipFill>
+            <a:blip r:embed="rId2">
+              <a:extLst>
+                <a:ext uri="{28A0092B-C50C-407E-A947-70E740481C1C}">
+                  <a14:useLocalDpi xmlns:a14="http://schemas.microsoft.com/office/drawing/2010/main" val="0"/>
+                </a:ext>
+              </a:extLst>
+            </a:blip>
+            <a:stretch>
+              <a:fillRect/>
+            </a:stretch>
+          </p:blipFill>
+          <p:spPr>
+            <a:xfrm>
+              <a:off x="1485285" y="821403"/>
+              <a:ext cx="4876190" cy="4876190"/>
+            </a:xfrm>
+            <a:prstGeom prst="rect">
+              <a:avLst/>
+            </a:prstGeom>
+          </p:spPr>
+        </p:pic>
+        <p:sp>
+          <p:nvSpPr>
+            <p:cNvPr id="6" name="TextBox 5">
+              <a:extLst>
+                <a:ext uri="{FF2B5EF4-FFF2-40B4-BE49-F238E27FC236}">
+                  <a16:creationId xmlns:a16="http://schemas.microsoft.com/office/drawing/2014/main" id="{E7E3BB1D-166C-E54E-A461-994618255EF7}"/>
+                </a:ext>
+              </a:extLst>
+            </p:cNvPr>
+            <p:cNvSpPr txBox="1"/>
+            <p:nvPr/>
+          </p:nvSpPr>
+          <p:spPr>
+            <a:xfrm>
+              <a:off x="2319169" y="4415899"/>
+              <a:ext cx="3208421" cy="707886"/>
+            </a:xfrm>
+            <a:prstGeom prst="rect">
+              <a:avLst/>
+            </a:prstGeom>
+            <a:noFill/>
+          </p:spPr>
+          <p:txBody>
+            <a:bodyPr wrap="square" rtlCol="0" anchor="ctr">
+              <a:spAutoFit/>
+            </a:bodyPr>
+            <a:lstStyle/>
+            <a:p>
+              <a:pPr algn="ctr"/>
+              <a:r>
+                <a:rPr kumimoji="1" lang="en-US" altLang="ko-Kore-KR" sz="4000" b="1" smtClean="0">
+                  <a:solidFill>
+                    <a:schemeClr val="accent4"/>
+                  </a:solidFill>
+                  <a:latin typeface="NanumGothic" panose="020D0604000000000000" pitchFamily="34" charset="-127"/>
+                  <a:ea typeface="NanumGothic" panose="020D0604000000000000" pitchFamily="34" charset="-127"/>
+                </a:rPr>
+                <a:t>map</a:t>
+              </a:r>
+              <a:endParaRPr kumimoji="1" lang="ko-Kore-KR" altLang="en-US" sz="4000" b="1" dirty="0">
+                <a:solidFill>
+                  <a:schemeClr val="accent4"/>
+                </a:solidFill>
+                <a:latin typeface="NanumGothic" panose="020D0604000000000000" pitchFamily="34" charset="-127"/>
+                <a:ea typeface="NanumGothic" panose="020D0604000000000000" pitchFamily="34" charset="-127"/>
+              </a:endParaRPr>
+            </a:p>
+          </p:txBody>
+        </p:sp>
+      </p:grpSp>
+      <p:grpSp>
+        <p:nvGrpSpPr>
+          <p:cNvPr id="12" name="그룹 11"/>
+          <p:cNvGrpSpPr/>
+          <p:nvPr/>
+        </p:nvGrpSpPr>
+        <p:grpSpPr>
+          <a:xfrm>
+            <a:off x="6545484" y="886631"/>
+            <a:ext cx="4876190" cy="4876190"/>
+            <a:chOff x="6545484" y="886631"/>
+            <a:chExt cx="4876190" cy="4876190"/>
+          </a:xfrm>
+        </p:grpSpPr>
+        <p:pic>
+          <p:nvPicPr>
+            <p:cNvPr id="10" name="그림 9"/>
+            <p:cNvPicPr>
+              <a:picLocks noChangeAspect="1"/>
+            </p:cNvPicPr>
+            <p:nvPr/>
+          </p:nvPicPr>
+          <p:blipFill>
+            <a:blip r:embed="rId3"/>
+            <a:stretch>
+              <a:fillRect/>
+            </a:stretch>
+          </p:blipFill>
+          <p:spPr>
+            <a:xfrm>
+              <a:off x="6545484" y="886631"/>
+              <a:ext cx="4876190" cy="4876190"/>
+            </a:xfrm>
+            <a:prstGeom prst="rect">
+              <a:avLst/>
+            </a:prstGeom>
+          </p:spPr>
+        </p:pic>
+        <p:sp>
+          <p:nvSpPr>
+            <p:cNvPr id="11" name="TextBox 10">
+              <a:extLst>
+                <a:ext uri="{FF2B5EF4-FFF2-40B4-BE49-F238E27FC236}">
+                  <a16:creationId xmlns:a16="http://schemas.microsoft.com/office/drawing/2014/main" id="{E7E3BB1D-166C-E54E-A461-994618255EF7}"/>
+                </a:ext>
+              </a:extLst>
+            </p:cNvPr>
+            <p:cNvSpPr txBox="1"/>
+            <p:nvPr/>
+          </p:nvSpPr>
+          <p:spPr>
+            <a:xfrm>
+              <a:off x="7379368" y="3954234"/>
+              <a:ext cx="3208421" cy="923330"/>
+            </a:xfrm>
+            <a:prstGeom prst="rect">
+              <a:avLst/>
+            </a:prstGeom>
+            <a:noFill/>
+          </p:spPr>
+          <p:txBody>
+            <a:bodyPr wrap="square" rtlCol="0" anchor="ctr">
+              <a:spAutoFit/>
+            </a:bodyPr>
+            <a:lstStyle/>
+            <a:p>
+              <a:pPr algn="ctr"/>
+              <a:r>
+                <a:rPr kumimoji="1" lang="en-US" altLang="ko-Kore-KR" sz="5400" b="1" smtClean="0">
+                  <a:solidFill>
+                    <a:schemeClr val="accent4"/>
+                  </a:solidFill>
+                  <a:latin typeface="NanumGothic" panose="020D0604000000000000" pitchFamily="34" charset="-127"/>
+                  <a:ea typeface="NanumGothic" panose="020D0604000000000000" pitchFamily="34" charset="-127"/>
+                </a:rPr>
+                <a:t>map</a:t>
+              </a:r>
+              <a:endParaRPr kumimoji="1" lang="ko-Kore-KR" altLang="en-US" sz="5400" b="1" dirty="0">
+                <a:solidFill>
+                  <a:schemeClr val="accent4"/>
+                </a:solidFill>
+                <a:latin typeface="NanumGothic" panose="020D0604000000000000" pitchFamily="34" charset="-127"/>
+                <a:ea typeface="NanumGothic" panose="020D0604000000000000" pitchFamily="34" charset="-127"/>
+              </a:endParaRPr>
+            </a:p>
+          </p:txBody>
+        </p:sp>
+      </p:grpSp>
+    </p:spTree>
+    <p:extLst>
+      <p:ext uri="{BB962C8B-B14F-4D97-AF65-F5344CB8AC3E}">
+        <p14:creationId xmlns:p14="http://schemas.microsoft.com/office/powerpoint/2010/main" val="2401494251"/>
+      </p:ext>
+    </p:extLst>
+  </p:cSld>
+  <p:clrMapOvr>
+    <a:masterClrMapping/>
+  </p:clrMapOvr>
+</p:sld>
+</file>
+
+<file path=ppt/slides/slide5.xml><?xml version="1.0" encoding="utf-8"?>
+<p:sld xmlns:a="http://schemas.openxmlformats.org/drawingml/2006/main" xmlns:r="http://schemas.openxmlformats.org/officeDocument/2006/relationships" xmlns:p="http://schemas.openxmlformats.org/presentationml/2006/main">
+  <p:cSld>
+    <p:spTree>
+      <p:nvGrpSpPr>
+        <p:cNvPr id="1" name=""/>
+        <p:cNvGrpSpPr/>
+        <p:nvPr/>
+      </p:nvGrpSpPr>
+      <p:grpSpPr>
+        <a:xfrm>
+          <a:off x="0" y="0"/>
+          <a:ext cx="0" cy="0"/>
+          <a:chOff x="0" y="0"/>
+          <a:chExt cx="0" cy="0"/>
+        </a:xfrm>
+      </p:grpSpPr>
+      <p:pic>
+        <p:nvPicPr>
+          <p:cNvPr id="4" name="그림 3"/>
+          <p:cNvPicPr>
+            <a:picLocks noChangeAspect="1"/>
+          </p:cNvPicPr>
+          <p:nvPr/>
+        </p:nvPicPr>
+        <p:blipFill>
+          <a:blip r:embed="rId2">
+            <a:extLst>
+              <a:ext uri="{28A0092B-C50C-407E-A947-70E740481C1C}">
+                <a14:useLocalDpi xmlns:a14="http://schemas.microsoft.com/office/drawing/2010/main" val="0"/>
+              </a:ext>
+            </a:extLst>
+          </a:blip>
+          <a:stretch>
+            <a:fillRect/>
+          </a:stretch>
+        </p:blipFill>
+        <p:spPr>
+          <a:xfrm>
+            <a:off x="3657905" y="990905"/>
+            <a:ext cx="4876190" cy="4876190"/>
+          </a:xfrm>
+          <a:prstGeom prst="rect">
+            <a:avLst/>
+          </a:prstGeom>
+        </p:spPr>
+      </p:pic>
+      <p:pic>
+        <p:nvPicPr>
+          <p:cNvPr id="5" name="그림 4"/>
+          <p:cNvPicPr>
+            <a:picLocks noChangeAspect="1"/>
+          </p:cNvPicPr>
+          <p:nvPr/>
+        </p:nvPicPr>
+        <p:blipFill>
+          <a:blip r:embed="rId3">
+            <a:extLst>
+              <a:ext uri="{28A0092B-C50C-407E-A947-70E740481C1C}">
+                <a14:useLocalDpi xmlns:a14="http://schemas.microsoft.com/office/drawing/2010/main" val="0"/>
+              </a:ext>
+            </a:extLst>
+          </a:blip>
+          <a:stretch>
+            <a:fillRect/>
+          </a:stretch>
+        </p:blipFill>
+        <p:spPr>
+          <a:xfrm>
+            <a:off x="2214130" y="3164236"/>
+            <a:ext cx="3272727" cy="3272727"/>
+          </a:xfrm>
+          <a:prstGeom prst="rect">
+            <a:avLst/>
+          </a:prstGeom>
+        </p:spPr>
+      </p:pic>
+      <p:pic>
+        <p:nvPicPr>
+          <p:cNvPr id="6" name="그림 5"/>
+          <p:cNvPicPr>
+            <a:picLocks noChangeAspect="1"/>
+          </p:cNvPicPr>
+          <p:nvPr/>
+        </p:nvPicPr>
+        <p:blipFill>
+          <a:blip r:embed="rId4">
+            <a:extLst>
+              <a:ext uri="{28A0092B-C50C-407E-A947-70E740481C1C}">
+                <a14:useLocalDpi xmlns:a14="http://schemas.microsoft.com/office/drawing/2010/main" val="0"/>
+              </a:ext>
+            </a:extLst>
+          </a:blip>
+          <a:stretch>
+            <a:fillRect/>
+          </a:stretch>
+        </p:blipFill>
+        <p:spPr>
+          <a:xfrm>
+            <a:off x="7420084" y="1560773"/>
+            <a:ext cx="4876190" cy="4876190"/>
+          </a:xfrm>
+          <a:prstGeom prst="rect">
+            <a:avLst/>
+          </a:prstGeom>
+        </p:spPr>
+      </p:pic>
+      <p:pic>
+        <p:nvPicPr>
+          <p:cNvPr id="7" name="그림 6"/>
+          <p:cNvPicPr>
+            <a:picLocks noChangeAspect="1"/>
+          </p:cNvPicPr>
+          <p:nvPr/>
+        </p:nvPicPr>
+        <p:blipFill>
+          <a:blip r:embed="rId5">
+            <a:extLst>
+              <a:ext uri="{28A0092B-C50C-407E-A947-70E740481C1C}">
+                <a14:useLocalDpi xmlns:a14="http://schemas.microsoft.com/office/drawing/2010/main" val="0"/>
+              </a:ext>
+            </a:extLst>
+          </a:blip>
+          <a:stretch>
+            <a:fillRect/>
+          </a:stretch>
+        </p:blipFill>
+        <p:spPr>
+          <a:xfrm>
+            <a:off x="128642" y="189173"/>
+            <a:ext cx="4876190" cy="4876190"/>
+          </a:xfrm>
+          <a:prstGeom prst="rect">
+            <a:avLst/>
+          </a:prstGeom>
+        </p:spPr>
+      </p:pic>
+    </p:spTree>
+    <p:extLst>
+      <p:ext uri="{BB962C8B-B14F-4D97-AF65-F5344CB8AC3E}">
+        <p14:creationId xmlns:p14="http://schemas.microsoft.com/office/powerpoint/2010/main" val="1125225011"/>
+      </p:ext>
+    </p:extLst>
+  </p:cSld>
+  <p:clrMapOvr>
+    <a:masterClrMapping/>
+  </p:clrMapOvr>
+</p:sld>
+</file>
+
 <file path=ppt/theme/theme1.xml><?xml version="1.0" encoding="utf-8"?>
 <a:theme xmlns:a="http://schemas.openxmlformats.org/drawingml/2006/main" name="Office 테마">
   <a:themeElements>

--- a/icon.pptx
+++ b/icon.pptx
@@ -7,6 +7,7 @@
   <p:sldIdLst>
     <p:sldId id="256" r:id="rId2"/>
     <p:sldId id="257" r:id="rId3"/>
+    <p:sldId id="258" r:id="rId4"/>
   </p:sldIdLst>
   <p:sldSz cx="12192000" cy="6858000"/>
   <p:notesSz cx="6858000" cy="9144000"/>
@@ -242,7 +243,7 @@
           <a:p>
             <a:fld id="{083A2014-1E55-493B-BBAA-4A9392E5EECC}" type="datetimeFigureOut">
               <a:rPr lang="ko-KR" altLang="en-US" smtClean="0"/>
-              <a:t>2022. 2. 21.</a:t>
+              <a:t>2022. 2. 23.</a:t>
             </a:fld>
             <a:endParaRPr lang="ko-KR" altLang="en-US"/>
           </a:p>
@@ -410,7 +411,7 @@
           <a:p>
             <a:fld id="{083A2014-1E55-493B-BBAA-4A9392E5EECC}" type="datetimeFigureOut">
               <a:rPr lang="ko-KR" altLang="en-US" smtClean="0"/>
-              <a:t>2022. 2. 21.</a:t>
+              <a:t>2022. 2. 23.</a:t>
             </a:fld>
             <a:endParaRPr lang="ko-KR" altLang="en-US"/>
           </a:p>
@@ -588,7 +589,7 @@
           <a:p>
             <a:fld id="{083A2014-1E55-493B-BBAA-4A9392E5EECC}" type="datetimeFigureOut">
               <a:rPr lang="ko-KR" altLang="en-US" smtClean="0"/>
-              <a:t>2022. 2. 21.</a:t>
+              <a:t>2022. 2. 23.</a:t>
             </a:fld>
             <a:endParaRPr lang="ko-KR" altLang="en-US"/>
           </a:p>
@@ -756,7 +757,7 @@
           <a:p>
             <a:fld id="{083A2014-1E55-493B-BBAA-4A9392E5EECC}" type="datetimeFigureOut">
               <a:rPr lang="ko-KR" altLang="en-US" smtClean="0"/>
-              <a:t>2022. 2. 21.</a:t>
+              <a:t>2022. 2. 23.</a:t>
             </a:fld>
             <a:endParaRPr lang="ko-KR" altLang="en-US"/>
           </a:p>
@@ -1001,7 +1002,7 @@
           <a:p>
             <a:fld id="{083A2014-1E55-493B-BBAA-4A9392E5EECC}" type="datetimeFigureOut">
               <a:rPr lang="ko-KR" altLang="en-US" smtClean="0"/>
-              <a:t>2022. 2. 21.</a:t>
+              <a:t>2022. 2. 23.</a:t>
             </a:fld>
             <a:endParaRPr lang="ko-KR" altLang="en-US"/>
           </a:p>
@@ -1230,7 +1231,7 @@
           <a:p>
             <a:fld id="{083A2014-1E55-493B-BBAA-4A9392E5EECC}" type="datetimeFigureOut">
               <a:rPr lang="ko-KR" altLang="en-US" smtClean="0"/>
-              <a:t>2022. 2. 21.</a:t>
+              <a:t>2022. 2. 23.</a:t>
             </a:fld>
             <a:endParaRPr lang="ko-KR" altLang="en-US"/>
           </a:p>
@@ -1594,7 +1595,7 @@
           <a:p>
             <a:fld id="{083A2014-1E55-493B-BBAA-4A9392E5EECC}" type="datetimeFigureOut">
               <a:rPr lang="ko-KR" altLang="en-US" smtClean="0"/>
-              <a:t>2022. 2. 21.</a:t>
+              <a:t>2022. 2. 23.</a:t>
             </a:fld>
             <a:endParaRPr lang="ko-KR" altLang="en-US"/>
           </a:p>
@@ -1711,7 +1712,7 @@
           <a:p>
             <a:fld id="{083A2014-1E55-493B-BBAA-4A9392E5EECC}" type="datetimeFigureOut">
               <a:rPr lang="ko-KR" altLang="en-US" smtClean="0"/>
-              <a:t>2022. 2. 21.</a:t>
+              <a:t>2022. 2. 23.</a:t>
             </a:fld>
             <a:endParaRPr lang="ko-KR" altLang="en-US"/>
           </a:p>
@@ -1806,7 +1807,7 @@
           <a:p>
             <a:fld id="{083A2014-1E55-493B-BBAA-4A9392E5EECC}" type="datetimeFigureOut">
               <a:rPr lang="ko-KR" altLang="en-US" smtClean="0"/>
-              <a:t>2022. 2. 21.</a:t>
+              <a:t>2022. 2. 23.</a:t>
             </a:fld>
             <a:endParaRPr lang="ko-KR" altLang="en-US"/>
           </a:p>
@@ -2081,7 +2082,7 @@
           <a:p>
             <a:fld id="{083A2014-1E55-493B-BBAA-4A9392E5EECC}" type="datetimeFigureOut">
               <a:rPr lang="ko-KR" altLang="en-US" smtClean="0"/>
-              <a:t>2022. 2. 21.</a:t>
+              <a:t>2022. 2. 23.</a:t>
             </a:fld>
             <a:endParaRPr lang="ko-KR" altLang="en-US"/>
           </a:p>
@@ -2333,7 +2334,7 @@
           <a:p>
             <a:fld id="{083A2014-1E55-493B-BBAA-4A9392E5EECC}" type="datetimeFigureOut">
               <a:rPr lang="ko-KR" altLang="en-US" smtClean="0"/>
-              <a:t>2022. 2. 21.</a:t>
+              <a:t>2022. 2. 23.</a:t>
             </a:fld>
             <a:endParaRPr lang="ko-KR" altLang="en-US"/>
           </a:p>
@@ -2544,7 +2545,7 @@
           <a:p>
             <a:fld id="{083A2014-1E55-493B-BBAA-4A9392E5EECC}" type="datetimeFigureOut">
               <a:rPr lang="ko-KR" altLang="en-US" smtClean="0"/>
-              <a:t>2022. 2. 21.</a:t>
+              <a:t>2022. 2. 23.</a:t>
             </a:fld>
             <a:endParaRPr lang="ko-KR" altLang="en-US"/>
           </a:p>
@@ -3033,6 +3034,42 @@
           </p:txBody>
         </p:sp>
       </p:grpSp>
+      <p:pic>
+        <p:nvPicPr>
+          <p:cNvPr id="3" name="그림 2">
+            <a:extLst>
+              <a:ext uri="{FF2B5EF4-FFF2-40B4-BE49-F238E27FC236}">
+                <a16:creationId xmlns:a16="http://schemas.microsoft.com/office/drawing/2014/main" id="{3DCD3445-8579-3E4C-9A12-62F16ECA8301}"/>
+              </a:ext>
+            </a:extLst>
+          </p:cNvPr>
+          <p:cNvPicPr>
+            <a:picLocks noChangeAspect="1"/>
+          </p:cNvPicPr>
+          <p:nvPr/>
+        </p:nvPicPr>
+        <p:blipFill>
+          <a:blip r:embed="rId3">
+            <a:extLst>
+              <a:ext uri="{28A0092B-C50C-407E-A947-70E740481C1C}">
+                <a14:useLocalDpi xmlns:a14="http://schemas.microsoft.com/office/drawing/2010/main" val="0"/>
+              </a:ext>
+            </a:extLst>
+          </a:blip>
+          <a:stretch>
+            <a:fillRect/>
+          </a:stretch>
+        </p:blipFill>
+        <p:spPr>
+          <a:xfrm>
+            <a:off x="7887130" y="2613617"/>
+            <a:ext cx="3175000" cy="3149600"/>
+          </a:xfrm>
+          <a:prstGeom prst="rect">
+            <a:avLst/>
+          </a:prstGeom>
+        </p:spPr>
+      </p:pic>
     </p:spTree>
     <p:extLst>
       <p:ext uri="{BB962C8B-B14F-4D97-AF65-F5344CB8AC3E}">
@@ -3210,6 +3247,189 @@
     <p:extLst>
       <p:ext uri="{BB962C8B-B14F-4D97-AF65-F5344CB8AC3E}">
         <p14:creationId xmlns:p14="http://schemas.microsoft.com/office/powerpoint/2010/main" val="2483777131"/>
+      </p:ext>
+    </p:extLst>
+  </p:cSld>
+  <p:clrMapOvr>
+    <a:masterClrMapping/>
+  </p:clrMapOvr>
+</p:sld>
+</file>
+
+<file path=ppt/slides/slide3.xml><?xml version="1.0" encoding="utf-8"?>
+<p:sld xmlns:a="http://schemas.openxmlformats.org/drawingml/2006/main" xmlns:r="http://schemas.openxmlformats.org/officeDocument/2006/relationships" xmlns:p="http://schemas.openxmlformats.org/presentationml/2006/main">
+  <p:cSld>
+    <p:spTree>
+      <p:nvGrpSpPr>
+        <p:cNvPr id="1" name=""/>
+        <p:cNvGrpSpPr/>
+        <p:nvPr/>
+      </p:nvGrpSpPr>
+      <p:grpSpPr>
+        <a:xfrm>
+          <a:off x="0" y="0"/>
+          <a:ext cx="0" cy="0"/>
+          <a:chOff x="0" y="0"/>
+          <a:chExt cx="0" cy="0"/>
+        </a:xfrm>
+      </p:grpSpPr>
+      <p:grpSp>
+        <p:nvGrpSpPr>
+          <p:cNvPr id="2" name="그룹 1">
+            <a:extLst>
+              <a:ext uri="{FF2B5EF4-FFF2-40B4-BE49-F238E27FC236}">
+                <a16:creationId xmlns:a16="http://schemas.microsoft.com/office/drawing/2014/main" id="{0161C9D0-EF08-CA42-98E2-BF27BEF3D120}"/>
+              </a:ext>
+            </a:extLst>
+          </p:cNvPr>
+          <p:cNvGrpSpPr/>
+          <p:nvPr/>
+        </p:nvGrpSpPr>
+        <p:grpSpPr>
+          <a:xfrm>
+            <a:off x="1858963" y="749300"/>
+            <a:ext cx="4673600" cy="4673600"/>
+            <a:chOff x="1858963" y="749300"/>
+            <a:chExt cx="4673600" cy="4673600"/>
+          </a:xfrm>
+        </p:grpSpPr>
+        <p:grpSp>
+          <p:nvGrpSpPr>
+            <p:cNvPr id="23" name="그룹 22">
+              <a:extLst>
+                <a:ext uri="{FF2B5EF4-FFF2-40B4-BE49-F238E27FC236}">
+                  <a16:creationId xmlns:a16="http://schemas.microsoft.com/office/drawing/2014/main" id="{D103F381-3E3B-8845-89D8-A5C4AA798214}"/>
+                </a:ext>
+              </a:extLst>
+            </p:cNvPr>
+            <p:cNvGrpSpPr/>
+            <p:nvPr/>
+          </p:nvGrpSpPr>
+          <p:grpSpPr>
+            <a:xfrm>
+              <a:off x="1858963" y="749300"/>
+              <a:ext cx="4673600" cy="4673600"/>
+              <a:chOff x="1858963" y="749300"/>
+              <a:chExt cx="4673600" cy="4673600"/>
+            </a:xfrm>
+          </p:grpSpPr>
+          <p:pic>
+            <p:nvPicPr>
+              <p:cNvPr id="22" name="그림 21">
+                <a:extLst>
+                  <a:ext uri="{FF2B5EF4-FFF2-40B4-BE49-F238E27FC236}">
+                    <a16:creationId xmlns:a16="http://schemas.microsoft.com/office/drawing/2014/main" id="{4BA531B6-BC24-DC47-BE04-50C2D345872B}"/>
+                  </a:ext>
+                </a:extLst>
+              </p:cNvPr>
+              <p:cNvPicPr>
+                <a:picLocks noChangeAspect="1"/>
+              </p:cNvPicPr>
+              <p:nvPr/>
+            </p:nvPicPr>
+            <p:blipFill>
+              <a:blip r:embed="rId2">
+                <a:extLst>
+                  <a:ext uri="{28A0092B-C50C-407E-A947-70E740481C1C}">
+                    <a14:useLocalDpi xmlns:a14="http://schemas.microsoft.com/office/drawing/2010/main" val="0"/>
+                  </a:ext>
+                </a:extLst>
+              </a:blip>
+              <a:stretch>
+                <a:fillRect/>
+              </a:stretch>
+            </p:blipFill>
+            <p:spPr>
+              <a:xfrm>
+                <a:off x="1858963" y="749300"/>
+                <a:ext cx="4673600" cy="4673600"/>
+              </a:xfrm>
+              <a:prstGeom prst="rect">
+                <a:avLst/>
+              </a:prstGeom>
+            </p:spPr>
+          </p:pic>
+          <p:pic>
+            <p:nvPicPr>
+              <p:cNvPr id="17" name="그래픽 16">
+                <a:extLst>
+                  <a:ext uri="{FF2B5EF4-FFF2-40B4-BE49-F238E27FC236}">
+                    <a16:creationId xmlns:a16="http://schemas.microsoft.com/office/drawing/2014/main" id="{B6E08979-4297-394F-A919-F71F2C9786BB}"/>
+                  </a:ext>
+                </a:extLst>
+              </p:cNvPr>
+              <p:cNvPicPr>
+                <a:picLocks noChangeAspect="1"/>
+              </p:cNvPicPr>
+              <p:nvPr/>
+            </p:nvPicPr>
+            <p:blipFill>
+              <a:blip r:embed="rId3">
+                <a:extLst>
+                  <a:ext uri="{28A0092B-C50C-407E-A947-70E740481C1C}">
+                    <a14:useLocalDpi xmlns:a14="http://schemas.microsoft.com/office/drawing/2010/main" val="0"/>
+                  </a:ext>
+                  <a:ext uri="{96DAC541-7B7A-43D3-8B79-37D633B846F1}">
+                    <asvg:svgBlip xmlns:asvg="http://schemas.microsoft.com/office/drawing/2016/SVG/main" r:embed="rId4"/>
+                  </a:ext>
+                </a:extLst>
+              </a:blip>
+              <a:stretch>
+                <a:fillRect/>
+              </a:stretch>
+            </p:blipFill>
+            <p:spPr>
+              <a:xfrm>
+                <a:off x="4796753" y="749300"/>
+                <a:ext cx="1735810" cy="685800"/>
+              </a:xfrm>
+              <a:prstGeom prst="rect">
+                <a:avLst/>
+              </a:prstGeom>
+            </p:spPr>
+          </p:pic>
+        </p:grpSp>
+        <p:pic>
+          <p:nvPicPr>
+            <p:cNvPr id="5" name="그림 4">
+              <a:extLst>
+                <a:ext uri="{FF2B5EF4-FFF2-40B4-BE49-F238E27FC236}">
+                  <a16:creationId xmlns:a16="http://schemas.microsoft.com/office/drawing/2014/main" id="{C5C74E55-A00B-C542-AEEC-369FA8D7D451}"/>
+                </a:ext>
+              </a:extLst>
+            </p:cNvPr>
+            <p:cNvPicPr>
+              <a:picLocks noChangeAspect="1"/>
+            </p:cNvPicPr>
+            <p:nvPr/>
+          </p:nvPicPr>
+          <p:blipFill>
+            <a:blip r:embed="rId5">
+              <a:extLst>
+                <a:ext uri="{28A0092B-C50C-407E-A947-70E740481C1C}">
+                  <a14:useLocalDpi xmlns:a14="http://schemas.microsoft.com/office/drawing/2010/main" val="0"/>
+                </a:ext>
+              </a:extLst>
+            </a:blip>
+            <a:stretch>
+              <a:fillRect/>
+            </a:stretch>
+          </p:blipFill>
+          <p:spPr>
+            <a:xfrm>
+              <a:off x="1858963" y="4206834"/>
+              <a:ext cx="1225873" cy="1216066"/>
+            </a:xfrm>
+            <a:prstGeom prst="rect">
+              <a:avLst/>
+            </a:prstGeom>
+          </p:spPr>
+        </p:pic>
+      </p:grpSp>
+    </p:spTree>
+    <p:extLst>
+      <p:ext uri="{BB962C8B-B14F-4D97-AF65-F5344CB8AC3E}">
+        <p14:creationId xmlns:p14="http://schemas.microsoft.com/office/powerpoint/2010/main" val="2662321395"/>
       </p:ext>
     </p:extLst>
   </p:cSld>

--- a/icon.pptx
+++ b/icon.pptx
@@ -8,6 +8,7 @@
     <p:sldId id="256" r:id="rId2"/>
     <p:sldId id="257" r:id="rId3"/>
     <p:sldId id="258" r:id="rId4"/>
+    <p:sldId id="259" r:id="rId5"/>
   </p:sldIdLst>
   <p:sldSz cx="12192000" cy="6858000"/>
   <p:notesSz cx="6858000" cy="9144000"/>
@@ -243,7 +244,7 @@
           <a:p>
             <a:fld id="{083A2014-1E55-493B-BBAA-4A9392E5EECC}" type="datetimeFigureOut">
               <a:rPr lang="ko-KR" altLang="en-US" smtClean="0"/>
-              <a:t>2022. 2. 23.</a:t>
+              <a:t>2022. 3. 16.</a:t>
             </a:fld>
             <a:endParaRPr lang="ko-KR" altLang="en-US"/>
           </a:p>
@@ -411,7 +412,7 @@
           <a:p>
             <a:fld id="{083A2014-1E55-493B-BBAA-4A9392E5EECC}" type="datetimeFigureOut">
               <a:rPr lang="ko-KR" altLang="en-US" smtClean="0"/>
-              <a:t>2022. 2. 23.</a:t>
+              <a:t>2022. 3. 16.</a:t>
             </a:fld>
             <a:endParaRPr lang="ko-KR" altLang="en-US"/>
           </a:p>
@@ -589,7 +590,7 @@
           <a:p>
             <a:fld id="{083A2014-1E55-493B-BBAA-4A9392E5EECC}" type="datetimeFigureOut">
               <a:rPr lang="ko-KR" altLang="en-US" smtClean="0"/>
-              <a:t>2022. 2. 23.</a:t>
+              <a:t>2022. 3. 16.</a:t>
             </a:fld>
             <a:endParaRPr lang="ko-KR" altLang="en-US"/>
           </a:p>
@@ -757,7 +758,7 @@
           <a:p>
             <a:fld id="{083A2014-1E55-493B-BBAA-4A9392E5EECC}" type="datetimeFigureOut">
               <a:rPr lang="ko-KR" altLang="en-US" smtClean="0"/>
-              <a:t>2022. 2. 23.</a:t>
+              <a:t>2022. 3. 16.</a:t>
             </a:fld>
             <a:endParaRPr lang="ko-KR" altLang="en-US"/>
           </a:p>
@@ -1002,7 +1003,7 @@
           <a:p>
             <a:fld id="{083A2014-1E55-493B-BBAA-4A9392E5EECC}" type="datetimeFigureOut">
               <a:rPr lang="ko-KR" altLang="en-US" smtClean="0"/>
-              <a:t>2022. 2. 23.</a:t>
+              <a:t>2022. 3. 16.</a:t>
             </a:fld>
             <a:endParaRPr lang="ko-KR" altLang="en-US"/>
           </a:p>
@@ -1231,7 +1232,7 @@
           <a:p>
             <a:fld id="{083A2014-1E55-493B-BBAA-4A9392E5EECC}" type="datetimeFigureOut">
               <a:rPr lang="ko-KR" altLang="en-US" smtClean="0"/>
-              <a:t>2022. 2. 23.</a:t>
+              <a:t>2022. 3. 16.</a:t>
             </a:fld>
             <a:endParaRPr lang="ko-KR" altLang="en-US"/>
           </a:p>
@@ -1595,7 +1596,7 @@
           <a:p>
             <a:fld id="{083A2014-1E55-493B-BBAA-4A9392E5EECC}" type="datetimeFigureOut">
               <a:rPr lang="ko-KR" altLang="en-US" smtClean="0"/>
-              <a:t>2022. 2. 23.</a:t>
+              <a:t>2022. 3. 16.</a:t>
             </a:fld>
             <a:endParaRPr lang="ko-KR" altLang="en-US"/>
           </a:p>
@@ -1712,7 +1713,7 @@
           <a:p>
             <a:fld id="{083A2014-1E55-493B-BBAA-4A9392E5EECC}" type="datetimeFigureOut">
               <a:rPr lang="ko-KR" altLang="en-US" smtClean="0"/>
-              <a:t>2022. 2. 23.</a:t>
+              <a:t>2022. 3. 16.</a:t>
             </a:fld>
             <a:endParaRPr lang="ko-KR" altLang="en-US"/>
           </a:p>
@@ -1807,7 +1808,7 @@
           <a:p>
             <a:fld id="{083A2014-1E55-493B-BBAA-4A9392E5EECC}" type="datetimeFigureOut">
               <a:rPr lang="ko-KR" altLang="en-US" smtClean="0"/>
-              <a:t>2022. 2. 23.</a:t>
+              <a:t>2022. 3. 16.</a:t>
             </a:fld>
             <a:endParaRPr lang="ko-KR" altLang="en-US"/>
           </a:p>
@@ -2082,7 +2083,7 @@
           <a:p>
             <a:fld id="{083A2014-1E55-493B-BBAA-4A9392E5EECC}" type="datetimeFigureOut">
               <a:rPr lang="ko-KR" altLang="en-US" smtClean="0"/>
-              <a:t>2022. 2. 23.</a:t>
+              <a:t>2022. 3. 16.</a:t>
             </a:fld>
             <a:endParaRPr lang="ko-KR" altLang="en-US"/>
           </a:p>
@@ -2334,7 +2335,7 @@
           <a:p>
             <a:fld id="{083A2014-1E55-493B-BBAA-4A9392E5EECC}" type="datetimeFigureOut">
               <a:rPr lang="ko-KR" altLang="en-US" smtClean="0"/>
-              <a:t>2022. 2. 23.</a:t>
+              <a:t>2022. 3. 16.</a:t>
             </a:fld>
             <a:endParaRPr lang="ko-KR" altLang="en-US"/>
           </a:p>
@@ -2545,7 +2546,7 @@
           <a:p>
             <a:fld id="{083A2014-1E55-493B-BBAA-4A9392E5EECC}" type="datetimeFigureOut">
               <a:rPr lang="ko-KR" altLang="en-US" smtClean="0"/>
-              <a:t>2022. 2. 23.</a:t>
+              <a:t>2022. 3. 16.</a:t>
             </a:fld>
             <a:endParaRPr lang="ko-KR" altLang="en-US"/>
           </a:p>
@@ -3439,6 +3440,143 @@
 </p:sld>
 </file>
 
+<file path=ppt/slides/slide4.xml><?xml version="1.0" encoding="utf-8"?>
+<p:sld xmlns:a="http://schemas.openxmlformats.org/drawingml/2006/main" xmlns:r="http://schemas.openxmlformats.org/officeDocument/2006/relationships" xmlns:p="http://schemas.openxmlformats.org/presentationml/2006/main">
+  <p:cSld>
+    <p:spTree>
+      <p:nvGrpSpPr>
+        <p:cNvPr id="1" name=""/>
+        <p:cNvGrpSpPr/>
+        <p:nvPr/>
+      </p:nvGrpSpPr>
+      <p:grpSpPr>
+        <a:xfrm>
+          <a:off x="0" y="0"/>
+          <a:ext cx="0" cy="0"/>
+          <a:chOff x="0" y="0"/>
+          <a:chExt cx="0" cy="0"/>
+        </a:xfrm>
+      </p:grpSpPr>
+      <p:grpSp>
+        <p:nvGrpSpPr>
+          <p:cNvPr id="6" name="그룹 5">
+            <a:extLst>
+              <a:ext uri="{FF2B5EF4-FFF2-40B4-BE49-F238E27FC236}">
+                <a16:creationId xmlns:a16="http://schemas.microsoft.com/office/drawing/2014/main" id="{29D56BE5-3E94-B146-9F0A-5CCC1B8227AC}"/>
+              </a:ext>
+            </a:extLst>
+          </p:cNvPr>
+          <p:cNvGrpSpPr/>
+          <p:nvPr/>
+        </p:nvGrpSpPr>
+        <p:grpSpPr>
+          <a:xfrm>
+            <a:off x="1455420" y="617220"/>
+            <a:ext cx="5143500" cy="5143500"/>
+            <a:chOff x="1455420" y="617220"/>
+            <a:chExt cx="5143500" cy="5143500"/>
+          </a:xfrm>
+        </p:grpSpPr>
+        <p:pic>
+          <p:nvPicPr>
+            <p:cNvPr id="4" name="그림 3">
+              <a:extLst>
+                <a:ext uri="{FF2B5EF4-FFF2-40B4-BE49-F238E27FC236}">
+                  <a16:creationId xmlns:a16="http://schemas.microsoft.com/office/drawing/2014/main" id="{7A9CB921-896B-2D4E-AC9C-603D54B6C99D}"/>
+                </a:ext>
+              </a:extLst>
+            </p:cNvPr>
+            <p:cNvPicPr>
+              <a:picLocks noChangeAspect="1"/>
+            </p:cNvPicPr>
+            <p:nvPr/>
+          </p:nvPicPr>
+          <p:blipFill>
+            <a:blip r:embed="rId2">
+              <a:extLst>
+                <a:ext uri="{28A0092B-C50C-407E-A947-70E740481C1C}">
+                  <a14:useLocalDpi xmlns:a14="http://schemas.microsoft.com/office/drawing/2010/main" val="0"/>
+                </a:ext>
+              </a:extLst>
+            </a:blip>
+            <a:stretch>
+              <a:fillRect/>
+            </a:stretch>
+          </p:blipFill>
+          <p:spPr>
+            <a:xfrm>
+              <a:off x="1455420" y="617220"/>
+              <a:ext cx="5143500" cy="5143500"/>
+            </a:xfrm>
+            <a:prstGeom prst="rect">
+              <a:avLst/>
+            </a:prstGeom>
+          </p:spPr>
+        </p:pic>
+        <p:sp>
+          <p:nvSpPr>
+            <p:cNvPr id="9" name="TextBox 8">
+              <a:extLst>
+                <a:ext uri="{FF2B5EF4-FFF2-40B4-BE49-F238E27FC236}">
+                  <a16:creationId xmlns:a16="http://schemas.microsoft.com/office/drawing/2014/main" id="{59EC645D-4B03-2848-851A-7EE4379CE091}"/>
+                </a:ext>
+              </a:extLst>
+            </p:cNvPr>
+            <p:cNvSpPr txBox="1"/>
+            <p:nvPr/>
+          </p:nvSpPr>
+          <p:spPr>
+            <a:xfrm>
+              <a:off x="2124389" y="4469612"/>
+              <a:ext cx="3805561" cy="923330"/>
+            </a:xfrm>
+            <a:prstGeom prst="rect">
+              <a:avLst/>
+            </a:prstGeom>
+            <a:noFill/>
+          </p:spPr>
+          <p:txBody>
+            <a:bodyPr wrap="square" rtlCol="0" anchor="ctr">
+              <a:spAutoFit/>
+            </a:bodyPr>
+            <a:lstStyle/>
+            <a:p>
+              <a:pPr algn="ctr"/>
+              <a:r>
+                <a:rPr kumimoji="1" lang="en-US" altLang="en-US" sz="5400" b="1" dirty="0" err="1">
+                  <a:latin typeface="NanumGothic" panose="020D0604000000000000" pitchFamily="34" charset="-127"/>
+                  <a:ea typeface="NanumGothic" panose="020D0604000000000000" pitchFamily="34" charset="-127"/>
+                </a:rPr>
+                <a:t>isDate</a:t>
+              </a:r>
+              <a:r>
+                <a:rPr kumimoji="1" lang="en-US" altLang="en-US" sz="5400" b="1" dirty="0">
+                  <a:latin typeface="NanumGothic" panose="020D0604000000000000" pitchFamily="34" charset="-127"/>
+                  <a:ea typeface="NanumGothic" panose="020D0604000000000000" pitchFamily="34" charset="-127"/>
+                </a:rPr>
+                <a:t>?</a:t>
+              </a:r>
+              <a:endParaRPr kumimoji="1" lang="ko-Kore-KR" altLang="en-US" sz="5400" b="1" dirty="0">
+                <a:latin typeface="NanumGothic" panose="020D0604000000000000" pitchFamily="34" charset="-127"/>
+                <a:ea typeface="NanumGothic" panose="020D0604000000000000" pitchFamily="34" charset="-127"/>
+              </a:endParaRPr>
+            </a:p>
+          </p:txBody>
+        </p:sp>
+      </p:grpSp>
+    </p:spTree>
+    <p:extLst>
+      <p:ext uri="{BB962C8B-B14F-4D97-AF65-F5344CB8AC3E}">
+        <p14:creationId xmlns:p14="http://schemas.microsoft.com/office/powerpoint/2010/main" val="3675944410"/>
+      </p:ext>
+    </p:extLst>
+  </p:cSld>
+  <p:clrMapOvr>
+    <a:masterClrMapping/>
+  </p:clrMapOvr>
+</p:sld>
+</file>
+
 <file path=ppt/theme/theme1.xml><?xml version="1.0" encoding="utf-8"?>
 <a:theme xmlns:a="http://schemas.openxmlformats.org/drawingml/2006/main" name="Office 테마">
   <a:themeElements>

--- a/icon.pptx
+++ b/icon.pptx
@@ -9,6 +9,7 @@
     <p:sldId id="257" r:id="rId3"/>
     <p:sldId id="258" r:id="rId4"/>
     <p:sldId id="259" r:id="rId5"/>
+    <p:sldId id="260" r:id="rId6"/>
   </p:sldIdLst>
   <p:sldSz cx="12192000" cy="6858000"/>
   <p:notesSz cx="6858000" cy="9144000"/>
@@ -3564,10 +3565,347 @@
           </p:txBody>
         </p:sp>
       </p:grpSp>
+      <p:grpSp>
+        <p:nvGrpSpPr>
+          <p:cNvPr id="5" name="그룹 4">
+            <a:extLst>
+              <a:ext uri="{FF2B5EF4-FFF2-40B4-BE49-F238E27FC236}">
+                <a16:creationId xmlns:a16="http://schemas.microsoft.com/office/drawing/2014/main" id="{2655593E-DC44-7D47-A061-D98C973665BA}"/>
+              </a:ext>
+            </a:extLst>
+          </p:cNvPr>
+          <p:cNvGrpSpPr/>
+          <p:nvPr/>
+        </p:nvGrpSpPr>
+        <p:grpSpPr>
+          <a:xfrm>
+            <a:off x="6888480" y="750570"/>
+            <a:ext cx="4876800" cy="4876800"/>
+            <a:chOff x="6888480" y="750570"/>
+            <a:chExt cx="4876800" cy="4876800"/>
+          </a:xfrm>
+        </p:grpSpPr>
+        <p:pic>
+          <p:nvPicPr>
+            <p:cNvPr id="3" name="그림 2">
+              <a:extLst>
+                <a:ext uri="{FF2B5EF4-FFF2-40B4-BE49-F238E27FC236}">
+                  <a16:creationId xmlns:a16="http://schemas.microsoft.com/office/drawing/2014/main" id="{87237672-44A8-3F45-A1EE-CC55570A17A0}"/>
+                </a:ext>
+              </a:extLst>
+            </p:cNvPr>
+            <p:cNvPicPr>
+              <a:picLocks noChangeAspect="1"/>
+            </p:cNvPicPr>
+            <p:nvPr/>
+          </p:nvPicPr>
+          <p:blipFill>
+            <a:blip r:embed="rId3">
+              <a:extLst>
+                <a:ext uri="{28A0092B-C50C-407E-A947-70E740481C1C}">
+                  <a14:useLocalDpi xmlns:a14="http://schemas.microsoft.com/office/drawing/2010/main" val="0"/>
+                </a:ext>
+              </a:extLst>
+            </a:blip>
+            <a:stretch>
+              <a:fillRect/>
+            </a:stretch>
+          </p:blipFill>
+          <p:spPr>
+            <a:xfrm>
+              <a:off x="6888480" y="750570"/>
+              <a:ext cx="4876800" cy="4876800"/>
+            </a:xfrm>
+            <a:prstGeom prst="rect">
+              <a:avLst/>
+            </a:prstGeom>
+          </p:spPr>
+        </p:pic>
+        <p:sp>
+          <p:nvSpPr>
+            <p:cNvPr id="7" name="TextBox 6">
+              <a:extLst>
+                <a:ext uri="{FF2B5EF4-FFF2-40B4-BE49-F238E27FC236}">
+                  <a16:creationId xmlns:a16="http://schemas.microsoft.com/office/drawing/2014/main" id="{BCF02BC3-5293-E547-BB40-B7B42AD7A2FE}"/>
+                </a:ext>
+              </a:extLst>
+            </p:cNvPr>
+            <p:cNvSpPr txBox="1"/>
+            <p:nvPr/>
+          </p:nvSpPr>
+          <p:spPr>
+            <a:xfrm>
+              <a:off x="7504109" y="4072926"/>
+              <a:ext cx="3805561" cy="1015663"/>
+            </a:xfrm>
+            <a:prstGeom prst="rect">
+              <a:avLst/>
+            </a:prstGeom>
+            <a:noFill/>
+          </p:spPr>
+          <p:txBody>
+            <a:bodyPr wrap="square" rtlCol="0" anchor="ctr">
+              <a:spAutoFit/>
+            </a:bodyPr>
+            <a:lstStyle/>
+            <a:p>
+              <a:pPr algn="ctr"/>
+              <a:r>
+                <a:rPr kumimoji="1" lang="en-US" altLang="en-US" sz="6000" b="1" dirty="0" err="1">
+                  <a:latin typeface="NanumGothic" panose="020D0604000000000000" pitchFamily="34" charset="-127"/>
+                  <a:ea typeface="NanumGothic" panose="020D0604000000000000" pitchFamily="34" charset="-127"/>
+                </a:rPr>
+                <a:t>isDate</a:t>
+              </a:r>
+              <a:r>
+                <a:rPr kumimoji="1" lang="en-US" altLang="en-US" sz="6000" b="1" dirty="0">
+                  <a:latin typeface="NanumGothic" panose="020D0604000000000000" pitchFamily="34" charset="-127"/>
+                  <a:ea typeface="NanumGothic" panose="020D0604000000000000" pitchFamily="34" charset="-127"/>
+                </a:rPr>
+                <a:t>?</a:t>
+              </a:r>
+              <a:endParaRPr kumimoji="1" lang="ko-Kore-KR" altLang="en-US" sz="6000" b="1" dirty="0">
+                <a:latin typeface="NanumGothic" panose="020D0604000000000000" pitchFamily="34" charset="-127"/>
+                <a:ea typeface="NanumGothic" panose="020D0604000000000000" pitchFamily="34" charset="-127"/>
+              </a:endParaRPr>
+            </a:p>
+          </p:txBody>
+        </p:sp>
+      </p:grpSp>
     </p:spTree>
     <p:extLst>
       <p:ext uri="{BB962C8B-B14F-4D97-AF65-F5344CB8AC3E}">
         <p14:creationId xmlns:p14="http://schemas.microsoft.com/office/powerpoint/2010/main" val="3675944410"/>
+      </p:ext>
+    </p:extLst>
+  </p:cSld>
+  <p:clrMapOvr>
+    <a:masterClrMapping/>
+  </p:clrMapOvr>
+</p:sld>
+</file>
+
+<file path=ppt/slides/slide5.xml><?xml version="1.0" encoding="utf-8"?>
+<p:sld xmlns:a="http://schemas.openxmlformats.org/drawingml/2006/main" xmlns:r="http://schemas.openxmlformats.org/officeDocument/2006/relationships" xmlns:p="http://schemas.openxmlformats.org/presentationml/2006/main">
+  <p:cSld>
+    <p:spTree>
+      <p:nvGrpSpPr>
+        <p:cNvPr id="1" name=""/>
+        <p:cNvGrpSpPr/>
+        <p:nvPr/>
+      </p:nvGrpSpPr>
+      <p:grpSpPr>
+        <a:xfrm>
+          <a:off x="0" y="0"/>
+          <a:ext cx="0" cy="0"/>
+          <a:chOff x="0" y="0"/>
+          <a:chExt cx="0" cy="0"/>
+        </a:xfrm>
+      </p:grpSpPr>
+      <p:grpSp>
+        <p:nvGrpSpPr>
+          <p:cNvPr id="12" name="그룹 11">
+            <a:extLst>
+              <a:ext uri="{FF2B5EF4-FFF2-40B4-BE49-F238E27FC236}">
+                <a16:creationId xmlns:a16="http://schemas.microsoft.com/office/drawing/2014/main" id="{F39B0F65-188B-FA45-BC1C-8A9ED30005FA}"/>
+              </a:ext>
+            </a:extLst>
+          </p:cNvPr>
+          <p:cNvGrpSpPr/>
+          <p:nvPr/>
+        </p:nvGrpSpPr>
+        <p:grpSpPr>
+          <a:xfrm>
+            <a:off x="618490" y="580390"/>
+            <a:ext cx="5194300" cy="5194300"/>
+            <a:chOff x="618490" y="580390"/>
+            <a:chExt cx="5194300" cy="5194300"/>
+          </a:xfrm>
+        </p:grpSpPr>
+        <p:pic>
+          <p:nvPicPr>
+            <p:cNvPr id="8" name="그림 7">
+              <a:extLst>
+                <a:ext uri="{FF2B5EF4-FFF2-40B4-BE49-F238E27FC236}">
+                  <a16:creationId xmlns:a16="http://schemas.microsoft.com/office/drawing/2014/main" id="{778CA57C-EF5D-6D4D-A3B1-488F6833B414}"/>
+                </a:ext>
+              </a:extLst>
+            </p:cNvPr>
+            <p:cNvPicPr>
+              <a:picLocks noChangeAspect="1"/>
+            </p:cNvPicPr>
+            <p:nvPr/>
+          </p:nvPicPr>
+          <p:blipFill>
+            <a:blip r:embed="rId2">
+              <a:extLst>
+                <a:ext uri="{28A0092B-C50C-407E-A947-70E740481C1C}">
+                  <a14:useLocalDpi xmlns:a14="http://schemas.microsoft.com/office/drawing/2010/main" val="0"/>
+                </a:ext>
+              </a:extLst>
+            </a:blip>
+            <a:stretch>
+              <a:fillRect/>
+            </a:stretch>
+          </p:blipFill>
+          <p:spPr>
+            <a:xfrm>
+              <a:off x="618490" y="580390"/>
+              <a:ext cx="5194300" cy="5194300"/>
+            </a:xfrm>
+            <a:prstGeom prst="rect">
+              <a:avLst/>
+            </a:prstGeom>
+          </p:spPr>
+        </p:pic>
+        <p:sp>
+          <p:nvSpPr>
+            <p:cNvPr id="11" name="TextBox 10">
+              <a:extLst>
+                <a:ext uri="{FF2B5EF4-FFF2-40B4-BE49-F238E27FC236}">
+                  <a16:creationId xmlns:a16="http://schemas.microsoft.com/office/drawing/2014/main" id="{579B09F1-C7A4-1C4F-8C60-95759832F978}"/>
+                </a:ext>
+              </a:extLst>
+            </p:cNvPr>
+            <p:cNvSpPr txBox="1"/>
+            <p:nvPr/>
+          </p:nvSpPr>
+          <p:spPr>
+            <a:xfrm>
+              <a:off x="3940385" y="2483703"/>
+              <a:ext cx="1872405" cy="830997"/>
+            </a:xfrm>
+            <a:prstGeom prst="rect">
+              <a:avLst/>
+            </a:prstGeom>
+            <a:noFill/>
+          </p:spPr>
+          <p:txBody>
+            <a:bodyPr wrap="square" rtlCol="0" anchor="ctr">
+              <a:spAutoFit/>
+            </a:bodyPr>
+            <a:lstStyle/>
+            <a:p>
+              <a:pPr algn="ctr"/>
+              <a:r>
+                <a:rPr kumimoji="1" lang="en-US" altLang="en-US" sz="4800" b="1" dirty="0">
+                  <a:latin typeface="NanumGothic" panose="020D0604000000000000" pitchFamily="34" charset="-127"/>
+                  <a:ea typeface="NanumGothic" panose="020D0604000000000000" pitchFamily="34" charset="-127"/>
+                </a:rPr>
+                <a:t>PICK!</a:t>
+              </a:r>
+              <a:endParaRPr kumimoji="1" lang="ko-Kore-KR" altLang="en-US" sz="4800" b="1" dirty="0">
+                <a:latin typeface="NanumGothic" panose="020D0604000000000000" pitchFamily="34" charset="-127"/>
+                <a:ea typeface="NanumGothic" panose="020D0604000000000000" pitchFamily="34" charset="-127"/>
+              </a:endParaRPr>
+            </a:p>
+          </p:txBody>
+        </p:sp>
+      </p:grpSp>
+      <p:grpSp>
+        <p:nvGrpSpPr>
+          <p:cNvPr id="5" name="그룹 4">
+            <a:extLst>
+              <a:ext uri="{FF2B5EF4-FFF2-40B4-BE49-F238E27FC236}">
+                <a16:creationId xmlns:a16="http://schemas.microsoft.com/office/drawing/2014/main" id="{6EFEDC8E-7450-8E42-B6E3-DB215821A409}"/>
+              </a:ext>
+            </a:extLst>
+          </p:cNvPr>
+          <p:cNvGrpSpPr/>
+          <p:nvPr/>
+        </p:nvGrpSpPr>
+        <p:grpSpPr>
+          <a:xfrm>
+            <a:off x="6557010" y="580390"/>
+            <a:ext cx="5040000" cy="5040000"/>
+            <a:chOff x="6557010" y="580390"/>
+            <a:chExt cx="5040000" cy="5040000"/>
+          </a:xfrm>
+        </p:grpSpPr>
+        <p:pic>
+          <p:nvPicPr>
+            <p:cNvPr id="3" name="그림 2">
+              <a:extLst>
+                <a:ext uri="{FF2B5EF4-FFF2-40B4-BE49-F238E27FC236}">
+                  <a16:creationId xmlns:a16="http://schemas.microsoft.com/office/drawing/2014/main" id="{9252FD81-5889-F647-888A-ED7C7F0F14BA}"/>
+                </a:ext>
+              </a:extLst>
+            </p:cNvPr>
+            <p:cNvPicPr>
+              <a:picLocks noChangeAspect="1"/>
+            </p:cNvPicPr>
+            <p:nvPr/>
+          </p:nvPicPr>
+          <p:blipFill>
+            <a:blip r:embed="rId3">
+              <a:extLst>
+                <a:ext uri="{28A0092B-C50C-407E-A947-70E740481C1C}">
+                  <a14:useLocalDpi xmlns:a14="http://schemas.microsoft.com/office/drawing/2010/main" val="0"/>
+                </a:ext>
+              </a:extLst>
+            </a:blip>
+            <a:stretch>
+              <a:fillRect/>
+            </a:stretch>
+          </p:blipFill>
+          <p:spPr>
+            <a:xfrm>
+              <a:off x="6557010" y="580390"/>
+              <a:ext cx="5040000" cy="5040000"/>
+            </a:xfrm>
+            <a:prstGeom prst="rect">
+              <a:avLst/>
+            </a:prstGeom>
+          </p:spPr>
+        </p:pic>
+        <p:sp>
+          <p:nvSpPr>
+            <p:cNvPr id="10" name="TextBox 9">
+              <a:extLst>
+                <a:ext uri="{FF2B5EF4-FFF2-40B4-BE49-F238E27FC236}">
+                  <a16:creationId xmlns:a16="http://schemas.microsoft.com/office/drawing/2014/main" id="{FF6588DC-0F7D-9C4D-9FC7-33DAFB3C8415}"/>
+                </a:ext>
+              </a:extLst>
+            </p:cNvPr>
+            <p:cNvSpPr txBox="1"/>
+            <p:nvPr/>
+          </p:nvSpPr>
+          <p:spPr>
+            <a:xfrm>
+              <a:off x="6781896" y="4512394"/>
+              <a:ext cx="4590228" cy="1107996"/>
+            </a:xfrm>
+            <a:prstGeom prst="rect">
+              <a:avLst/>
+            </a:prstGeom>
+            <a:noFill/>
+          </p:spPr>
+          <p:txBody>
+            <a:bodyPr wrap="square" rtlCol="0" anchor="ctr">
+              <a:spAutoFit/>
+            </a:bodyPr>
+            <a:lstStyle/>
+            <a:p>
+              <a:pPr algn="ctr"/>
+              <a:r>
+                <a:rPr kumimoji="1" lang="en-US" altLang="en-US" sz="6600" b="1" dirty="0">
+                  <a:latin typeface="NanumGothic" panose="020D0604000000000000" pitchFamily="34" charset="-127"/>
+                  <a:ea typeface="NanumGothic" panose="020D0604000000000000" pitchFamily="34" charset="-127"/>
+                </a:rPr>
+                <a:t>isNumber?</a:t>
+              </a:r>
+              <a:endParaRPr kumimoji="1" lang="ko-Kore-KR" altLang="en-US" sz="6600" b="1" dirty="0">
+                <a:latin typeface="NanumGothic" panose="020D0604000000000000" pitchFamily="34" charset="-127"/>
+                <a:ea typeface="NanumGothic" panose="020D0604000000000000" pitchFamily="34" charset="-127"/>
+              </a:endParaRPr>
+            </a:p>
+          </p:txBody>
+        </p:sp>
+      </p:grpSp>
+    </p:spTree>
+    <p:extLst>
+      <p:ext uri="{BB962C8B-B14F-4D97-AF65-F5344CB8AC3E}">
+        <p14:creationId xmlns:p14="http://schemas.microsoft.com/office/powerpoint/2010/main" val="235631109"/>
       </p:ext>
     </p:extLst>
   </p:cSld>

--- a/icon.pptx
+++ b/icon.pptx
@@ -10,6 +10,7 @@
     <p:sldId id="258" r:id="rId4"/>
     <p:sldId id="259" r:id="rId5"/>
     <p:sldId id="260" r:id="rId6"/>
+    <p:sldId id="261" r:id="rId7"/>
   </p:sldIdLst>
   <p:sldSz cx="12192000" cy="6858000"/>
   <p:notesSz cx="6858000" cy="9144000"/>
@@ -245,7 +246,7 @@
           <a:p>
             <a:fld id="{083A2014-1E55-493B-BBAA-4A9392E5EECC}" type="datetimeFigureOut">
               <a:rPr lang="ko-KR" altLang="en-US" smtClean="0"/>
-              <a:t>2022. 3. 16.</a:t>
+              <a:t>2022. 3. 17.</a:t>
             </a:fld>
             <a:endParaRPr lang="ko-KR" altLang="en-US"/>
           </a:p>
@@ -413,7 +414,7 @@
           <a:p>
             <a:fld id="{083A2014-1E55-493B-BBAA-4A9392E5EECC}" type="datetimeFigureOut">
               <a:rPr lang="ko-KR" altLang="en-US" smtClean="0"/>
-              <a:t>2022. 3. 16.</a:t>
+              <a:t>2022. 3. 17.</a:t>
             </a:fld>
             <a:endParaRPr lang="ko-KR" altLang="en-US"/>
           </a:p>
@@ -591,7 +592,7 @@
           <a:p>
             <a:fld id="{083A2014-1E55-493B-BBAA-4A9392E5EECC}" type="datetimeFigureOut">
               <a:rPr lang="ko-KR" altLang="en-US" smtClean="0"/>
-              <a:t>2022. 3. 16.</a:t>
+              <a:t>2022. 3. 17.</a:t>
             </a:fld>
             <a:endParaRPr lang="ko-KR" altLang="en-US"/>
           </a:p>
@@ -759,7 +760,7 @@
           <a:p>
             <a:fld id="{083A2014-1E55-493B-BBAA-4A9392E5EECC}" type="datetimeFigureOut">
               <a:rPr lang="ko-KR" altLang="en-US" smtClean="0"/>
-              <a:t>2022. 3. 16.</a:t>
+              <a:t>2022. 3. 17.</a:t>
             </a:fld>
             <a:endParaRPr lang="ko-KR" altLang="en-US"/>
           </a:p>
@@ -1004,7 +1005,7 @@
           <a:p>
             <a:fld id="{083A2014-1E55-493B-BBAA-4A9392E5EECC}" type="datetimeFigureOut">
               <a:rPr lang="ko-KR" altLang="en-US" smtClean="0"/>
-              <a:t>2022. 3. 16.</a:t>
+              <a:t>2022. 3. 17.</a:t>
             </a:fld>
             <a:endParaRPr lang="ko-KR" altLang="en-US"/>
           </a:p>
@@ -1233,7 +1234,7 @@
           <a:p>
             <a:fld id="{083A2014-1E55-493B-BBAA-4A9392E5EECC}" type="datetimeFigureOut">
               <a:rPr lang="ko-KR" altLang="en-US" smtClean="0"/>
-              <a:t>2022. 3. 16.</a:t>
+              <a:t>2022. 3. 17.</a:t>
             </a:fld>
             <a:endParaRPr lang="ko-KR" altLang="en-US"/>
           </a:p>
@@ -1597,7 +1598,7 @@
           <a:p>
             <a:fld id="{083A2014-1E55-493B-BBAA-4A9392E5EECC}" type="datetimeFigureOut">
               <a:rPr lang="ko-KR" altLang="en-US" smtClean="0"/>
-              <a:t>2022. 3. 16.</a:t>
+              <a:t>2022. 3. 17.</a:t>
             </a:fld>
             <a:endParaRPr lang="ko-KR" altLang="en-US"/>
           </a:p>
@@ -1714,7 +1715,7 @@
           <a:p>
             <a:fld id="{083A2014-1E55-493B-BBAA-4A9392E5EECC}" type="datetimeFigureOut">
               <a:rPr lang="ko-KR" altLang="en-US" smtClean="0"/>
-              <a:t>2022. 3. 16.</a:t>
+              <a:t>2022. 3. 17.</a:t>
             </a:fld>
             <a:endParaRPr lang="ko-KR" altLang="en-US"/>
           </a:p>
@@ -1809,7 +1810,7 @@
           <a:p>
             <a:fld id="{083A2014-1E55-493B-BBAA-4A9392E5EECC}" type="datetimeFigureOut">
               <a:rPr lang="ko-KR" altLang="en-US" smtClean="0"/>
-              <a:t>2022. 3. 16.</a:t>
+              <a:t>2022. 3. 17.</a:t>
             </a:fld>
             <a:endParaRPr lang="ko-KR" altLang="en-US"/>
           </a:p>
@@ -2084,7 +2085,7 @@
           <a:p>
             <a:fld id="{083A2014-1E55-493B-BBAA-4A9392E5EECC}" type="datetimeFigureOut">
               <a:rPr lang="ko-KR" altLang="en-US" smtClean="0"/>
-              <a:t>2022. 3. 16.</a:t>
+              <a:t>2022. 3. 17.</a:t>
             </a:fld>
             <a:endParaRPr lang="ko-KR" altLang="en-US"/>
           </a:p>
@@ -2336,7 +2337,7 @@
           <a:p>
             <a:fld id="{083A2014-1E55-493B-BBAA-4A9392E5EECC}" type="datetimeFigureOut">
               <a:rPr lang="ko-KR" altLang="en-US" smtClean="0"/>
-              <a:t>2022. 3. 16.</a:t>
+              <a:t>2022. 3. 17.</a:t>
             </a:fld>
             <a:endParaRPr lang="ko-KR" altLang="en-US"/>
           </a:p>
@@ -2547,7 +2548,7 @@
           <a:p>
             <a:fld id="{083A2014-1E55-493B-BBAA-4A9392E5EECC}" type="datetimeFigureOut">
               <a:rPr lang="ko-KR" altLang="en-US" smtClean="0"/>
-              <a:t>2022. 3. 16.</a:t>
+              <a:t>2022. 3. 17.</a:t>
             </a:fld>
             <a:endParaRPr lang="ko-KR" altLang="en-US"/>
           </a:p>
@@ -3915,6 +3916,142 @@
 </p:sld>
 </file>
 
+<file path=ppt/slides/slide6.xml><?xml version="1.0" encoding="utf-8"?>
+<p:sld xmlns:a="http://schemas.openxmlformats.org/drawingml/2006/main" xmlns:r="http://schemas.openxmlformats.org/officeDocument/2006/relationships" xmlns:p="http://schemas.openxmlformats.org/presentationml/2006/main">
+  <p:cSld>
+    <p:spTree>
+      <p:nvGrpSpPr>
+        <p:cNvPr id="1" name=""/>
+        <p:cNvGrpSpPr/>
+        <p:nvPr/>
+      </p:nvGrpSpPr>
+      <p:grpSpPr>
+        <a:xfrm>
+          <a:off x="0" y="0"/>
+          <a:ext cx="0" cy="0"/>
+          <a:chOff x="0" y="0"/>
+          <a:chExt cx="0" cy="0"/>
+        </a:xfrm>
+      </p:grpSpPr>
+      <p:grpSp>
+        <p:nvGrpSpPr>
+          <p:cNvPr id="7" name="그룹 6">
+            <a:extLst>
+              <a:ext uri="{FF2B5EF4-FFF2-40B4-BE49-F238E27FC236}">
+                <a16:creationId xmlns:a16="http://schemas.microsoft.com/office/drawing/2014/main" id="{B82B7C0C-95F6-A04F-BAEA-05BCD28C4DCD}"/>
+              </a:ext>
+            </a:extLst>
+          </p:cNvPr>
+          <p:cNvGrpSpPr/>
+          <p:nvPr/>
+        </p:nvGrpSpPr>
+        <p:grpSpPr>
+          <a:xfrm>
+            <a:off x="3657600" y="990600"/>
+            <a:ext cx="4876800" cy="4876800"/>
+            <a:chOff x="3657600" y="990600"/>
+            <a:chExt cx="4876800" cy="4876800"/>
+          </a:xfrm>
+        </p:grpSpPr>
+        <p:pic>
+          <p:nvPicPr>
+            <p:cNvPr id="3" name="그림 2">
+              <a:extLst>
+                <a:ext uri="{FF2B5EF4-FFF2-40B4-BE49-F238E27FC236}">
+                  <a16:creationId xmlns:a16="http://schemas.microsoft.com/office/drawing/2014/main" id="{57866206-3EA2-6648-B97B-F2D7BF8C1E8F}"/>
+                </a:ext>
+              </a:extLst>
+            </p:cNvPr>
+            <p:cNvPicPr>
+              <a:picLocks noChangeAspect="1"/>
+            </p:cNvPicPr>
+            <p:nvPr/>
+          </p:nvPicPr>
+          <p:blipFill>
+            <a:blip r:embed="rId2">
+              <a:extLst>
+                <a:ext uri="{28A0092B-C50C-407E-A947-70E740481C1C}">
+                  <a14:useLocalDpi xmlns:a14="http://schemas.microsoft.com/office/drawing/2010/main" val="0"/>
+                </a:ext>
+              </a:extLst>
+            </a:blip>
+            <a:stretch>
+              <a:fillRect/>
+            </a:stretch>
+          </p:blipFill>
+          <p:spPr>
+            <a:xfrm>
+              <a:off x="3657600" y="990600"/>
+              <a:ext cx="4876800" cy="4876800"/>
+            </a:xfrm>
+            <a:prstGeom prst="rect">
+              <a:avLst/>
+            </a:prstGeom>
+          </p:spPr>
+        </p:pic>
+        <p:sp>
+          <p:nvSpPr>
+            <p:cNvPr id="5" name="TextBox 4">
+              <a:extLst>
+                <a:ext uri="{FF2B5EF4-FFF2-40B4-BE49-F238E27FC236}">
+                  <a16:creationId xmlns:a16="http://schemas.microsoft.com/office/drawing/2014/main" id="{2726FDA0-BE93-C84E-B2DB-1D310CA1D987}"/>
+                </a:ext>
+              </a:extLst>
+            </p:cNvPr>
+            <p:cNvSpPr txBox="1"/>
+            <p:nvPr/>
+          </p:nvSpPr>
+          <p:spPr>
+            <a:xfrm>
+              <a:off x="4486323" y="4105616"/>
+              <a:ext cx="3219354" cy="923330"/>
+            </a:xfrm>
+            <a:prstGeom prst="rect">
+              <a:avLst/>
+            </a:prstGeom>
+            <a:noFill/>
+          </p:spPr>
+          <p:txBody>
+            <a:bodyPr wrap="square" rtlCol="0" anchor="ctr">
+              <a:spAutoFit/>
+            </a:bodyPr>
+            <a:lstStyle/>
+            <a:p>
+              <a:pPr algn="ctr"/>
+              <a:r>
+                <a:rPr kumimoji="1" lang="en-US" altLang="en-US" sz="5400" b="1" dirty="0">
+                  <a:solidFill>
+                    <a:schemeClr val="accent4"/>
+                  </a:solidFill>
+                  <a:latin typeface="NanumGothic" panose="020D0604000000000000" pitchFamily="34" charset="-127"/>
+                  <a:ea typeface="NanumGothic" panose="020D0604000000000000" pitchFamily="34" charset="-127"/>
+                </a:rPr>
+                <a:t>reduce</a:t>
+              </a:r>
+              <a:endParaRPr kumimoji="1" lang="ko-Kore-KR" altLang="en-US" sz="5400" b="1" dirty="0">
+                <a:solidFill>
+                  <a:schemeClr val="accent4"/>
+                </a:solidFill>
+                <a:latin typeface="NanumGothic" panose="020D0604000000000000" pitchFamily="34" charset="-127"/>
+                <a:ea typeface="NanumGothic" panose="020D0604000000000000" pitchFamily="34" charset="-127"/>
+              </a:endParaRPr>
+            </a:p>
+          </p:txBody>
+        </p:sp>
+      </p:grpSp>
+    </p:spTree>
+    <p:extLst>
+      <p:ext uri="{BB962C8B-B14F-4D97-AF65-F5344CB8AC3E}">
+        <p14:creationId xmlns:p14="http://schemas.microsoft.com/office/powerpoint/2010/main" val="2818428024"/>
+      </p:ext>
+    </p:extLst>
+  </p:cSld>
+  <p:clrMapOvr>
+    <a:masterClrMapping/>
+  </p:clrMapOvr>
+</p:sld>
+</file>
+
 <file path=ppt/theme/theme1.xml><?xml version="1.0" encoding="utf-8"?>
 <a:theme xmlns:a="http://schemas.openxmlformats.org/drawingml/2006/main" name="Office 테마">
   <a:themeElements>

--- a/icon.pptx
+++ b/icon.pptx
@@ -11,6 +11,7 @@
     <p:sldId id="259" r:id="rId5"/>
     <p:sldId id="260" r:id="rId6"/>
     <p:sldId id="261" r:id="rId7"/>
+    <p:sldId id="262" r:id="rId8"/>
   </p:sldIdLst>
   <p:sldSz cx="12192000" cy="6858000"/>
   <p:notesSz cx="6858000" cy="9144000"/>
@@ -4052,6 +4053,158 @@
 </p:sld>
 </file>
 
+<file path=ppt/slides/slide7.xml><?xml version="1.0" encoding="utf-8"?>
+<p:sld xmlns:a="http://schemas.openxmlformats.org/drawingml/2006/main" xmlns:r="http://schemas.openxmlformats.org/officeDocument/2006/relationships" xmlns:p="http://schemas.openxmlformats.org/presentationml/2006/main">
+  <p:cSld>
+    <p:spTree>
+      <p:nvGrpSpPr>
+        <p:cNvPr id="1" name=""/>
+        <p:cNvGrpSpPr/>
+        <p:nvPr/>
+      </p:nvGrpSpPr>
+      <p:grpSpPr>
+        <a:xfrm>
+          <a:off x="0" y="0"/>
+          <a:ext cx="0" cy="0"/>
+          <a:chOff x="0" y="0"/>
+          <a:chExt cx="0" cy="0"/>
+        </a:xfrm>
+      </p:grpSpPr>
+      <p:grpSp>
+        <p:nvGrpSpPr>
+          <p:cNvPr id="8" name="그룹 7">
+            <a:extLst>
+              <a:ext uri="{FF2B5EF4-FFF2-40B4-BE49-F238E27FC236}">
+                <a16:creationId xmlns:a16="http://schemas.microsoft.com/office/drawing/2014/main" id="{693856ED-A4A8-1F47-BD71-7DE039A9000C}"/>
+              </a:ext>
+            </a:extLst>
+          </p:cNvPr>
+          <p:cNvGrpSpPr/>
+          <p:nvPr/>
+        </p:nvGrpSpPr>
+        <p:grpSpPr>
+          <a:xfrm>
+            <a:off x="3657600" y="990600"/>
+            <a:ext cx="4876800" cy="4876800"/>
+            <a:chOff x="822960" y="990600"/>
+            <a:chExt cx="4876800" cy="4876800"/>
+          </a:xfrm>
+        </p:grpSpPr>
+        <p:pic>
+          <p:nvPicPr>
+            <p:cNvPr id="5" name="그림 4">
+              <a:extLst>
+                <a:ext uri="{FF2B5EF4-FFF2-40B4-BE49-F238E27FC236}">
+                  <a16:creationId xmlns:a16="http://schemas.microsoft.com/office/drawing/2014/main" id="{C81F16CD-DB68-284C-8678-C7D12702DFA7}"/>
+                </a:ext>
+              </a:extLst>
+            </p:cNvPr>
+            <p:cNvPicPr>
+              <a:picLocks noChangeAspect="1"/>
+            </p:cNvPicPr>
+            <p:nvPr/>
+          </p:nvPicPr>
+          <p:blipFill>
+            <a:blip r:embed="rId2">
+              <a:extLst>
+                <a:ext uri="{28A0092B-C50C-407E-A947-70E740481C1C}">
+                  <a14:useLocalDpi xmlns:a14="http://schemas.microsoft.com/office/drawing/2010/main" val="0"/>
+                </a:ext>
+              </a:extLst>
+            </a:blip>
+            <a:stretch>
+              <a:fillRect/>
+            </a:stretch>
+          </p:blipFill>
+          <p:spPr>
+            <a:xfrm>
+              <a:off x="822960" y="990600"/>
+              <a:ext cx="4876800" cy="4876800"/>
+            </a:xfrm>
+            <a:prstGeom prst="rect">
+              <a:avLst/>
+            </a:prstGeom>
+          </p:spPr>
+        </p:pic>
+        <p:sp>
+          <p:nvSpPr>
+            <p:cNvPr id="7" name="TextBox 6">
+              <a:extLst>
+                <a:ext uri="{FF2B5EF4-FFF2-40B4-BE49-F238E27FC236}">
+                  <a16:creationId xmlns:a16="http://schemas.microsoft.com/office/drawing/2014/main" id="{09C89305-DEE9-F648-96A9-59F5B2790981}"/>
+                </a:ext>
+              </a:extLst>
+            </p:cNvPr>
+            <p:cNvSpPr txBox="1"/>
+            <p:nvPr/>
+          </p:nvSpPr>
+          <p:spPr>
+            <a:xfrm>
+              <a:off x="822960" y="2831010"/>
+              <a:ext cx="4876800" cy="1538883"/>
+            </a:xfrm>
+            <a:prstGeom prst="rect">
+              <a:avLst/>
+            </a:prstGeom>
+            <a:noFill/>
+          </p:spPr>
+          <p:txBody>
+            <a:bodyPr wrap="square" rtlCol="0" anchor="ctr">
+              <a:spAutoFit/>
+            </a:bodyPr>
+            <a:lstStyle/>
+            <a:p>
+              <a:pPr algn="ctr"/>
+              <a:r>
+                <a:rPr kumimoji="1" lang="en-US" altLang="en-US" sz="6800" b="1" dirty="0">
+                  <a:solidFill>
+                    <a:schemeClr val="accent6">
+                      <a:lumMod val="20000"/>
+                      <a:lumOff val="80000"/>
+                    </a:schemeClr>
+                  </a:solidFill>
+                  <a:latin typeface="NanumGothic" panose="020D0604000000000000" pitchFamily="34" charset="-127"/>
+                  <a:ea typeface="NanumGothic" panose="020D0604000000000000" pitchFamily="34" charset="-127"/>
+                </a:rPr>
+                <a:t>Node JS</a:t>
+              </a:r>
+            </a:p>
+            <a:p>
+              <a:pPr algn="ctr"/>
+              <a:r>
+                <a:rPr kumimoji="1" lang="en-US" altLang="en-US" sz="2600" b="1" dirty="0">
+                  <a:solidFill>
+                    <a:schemeClr val="bg1"/>
+                  </a:solidFill>
+                  <a:latin typeface="NanumGothic" panose="020D0604000000000000" pitchFamily="34" charset="-127"/>
+                  <a:ea typeface="NanumGothic" panose="020D0604000000000000" pitchFamily="34" charset="-127"/>
+                </a:rPr>
+                <a:t>Express generator</a:t>
+              </a:r>
+              <a:endParaRPr kumimoji="1" lang="ko-Kore-KR" altLang="en-US" sz="2600" b="1" dirty="0">
+                <a:solidFill>
+                  <a:schemeClr val="bg1"/>
+                </a:solidFill>
+                <a:latin typeface="NanumGothic" panose="020D0604000000000000" pitchFamily="34" charset="-127"/>
+                <a:ea typeface="NanumGothic" panose="020D0604000000000000" pitchFamily="34" charset="-127"/>
+              </a:endParaRPr>
+            </a:p>
+          </p:txBody>
+        </p:sp>
+      </p:grpSp>
+    </p:spTree>
+    <p:extLst>
+      <p:ext uri="{BB962C8B-B14F-4D97-AF65-F5344CB8AC3E}">
+        <p14:creationId xmlns:p14="http://schemas.microsoft.com/office/powerpoint/2010/main" val="2124180314"/>
+      </p:ext>
+    </p:extLst>
+  </p:cSld>
+  <p:clrMapOvr>
+    <a:masterClrMapping/>
+  </p:clrMapOvr>
+</p:sld>
+</file>
+
 <file path=ppt/theme/theme1.xml><?xml version="1.0" encoding="utf-8"?>
 <a:theme xmlns:a="http://schemas.openxmlformats.org/drawingml/2006/main" name="Office 테마">
   <a:themeElements>

--- a/icon.pptx
+++ b/icon.pptx
@@ -12,6 +12,7 @@
     <p:sldId id="260" r:id="rId6"/>
     <p:sldId id="261" r:id="rId7"/>
     <p:sldId id="262" r:id="rId8"/>
+    <p:sldId id="263" r:id="rId9"/>
   </p:sldIdLst>
   <p:sldSz cx="12192000" cy="6858000"/>
   <p:notesSz cx="6858000" cy="9144000"/>
@@ -247,7 +248,7 @@
           <a:p>
             <a:fld id="{083A2014-1E55-493B-BBAA-4A9392E5EECC}" type="datetimeFigureOut">
               <a:rPr lang="ko-KR" altLang="en-US" smtClean="0"/>
-              <a:t>2022. 3. 17.</a:t>
+              <a:t>2022. 3. 28.</a:t>
             </a:fld>
             <a:endParaRPr lang="ko-KR" altLang="en-US"/>
           </a:p>
@@ -415,7 +416,7 @@
           <a:p>
             <a:fld id="{083A2014-1E55-493B-BBAA-4A9392E5EECC}" type="datetimeFigureOut">
               <a:rPr lang="ko-KR" altLang="en-US" smtClean="0"/>
-              <a:t>2022. 3. 17.</a:t>
+              <a:t>2022. 3. 28.</a:t>
             </a:fld>
             <a:endParaRPr lang="ko-KR" altLang="en-US"/>
           </a:p>
@@ -593,7 +594,7 @@
           <a:p>
             <a:fld id="{083A2014-1E55-493B-BBAA-4A9392E5EECC}" type="datetimeFigureOut">
               <a:rPr lang="ko-KR" altLang="en-US" smtClean="0"/>
-              <a:t>2022. 3. 17.</a:t>
+              <a:t>2022. 3. 28.</a:t>
             </a:fld>
             <a:endParaRPr lang="ko-KR" altLang="en-US"/>
           </a:p>
@@ -761,7 +762,7 @@
           <a:p>
             <a:fld id="{083A2014-1E55-493B-BBAA-4A9392E5EECC}" type="datetimeFigureOut">
               <a:rPr lang="ko-KR" altLang="en-US" smtClean="0"/>
-              <a:t>2022. 3. 17.</a:t>
+              <a:t>2022. 3. 28.</a:t>
             </a:fld>
             <a:endParaRPr lang="ko-KR" altLang="en-US"/>
           </a:p>
@@ -1006,7 +1007,7 @@
           <a:p>
             <a:fld id="{083A2014-1E55-493B-BBAA-4A9392E5EECC}" type="datetimeFigureOut">
               <a:rPr lang="ko-KR" altLang="en-US" smtClean="0"/>
-              <a:t>2022. 3. 17.</a:t>
+              <a:t>2022. 3. 28.</a:t>
             </a:fld>
             <a:endParaRPr lang="ko-KR" altLang="en-US"/>
           </a:p>
@@ -1235,7 +1236,7 @@
           <a:p>
             <a:fld id="{083A2014-1E55-493B-BBAA-4A9392E5EECC}" type="datetimeFigureOut">
               <a:rPr lang="ko-KR" altLang="en-US" smtClean="0"/>
-              <a:t>2022. 3. 17.</a:t>
+              <a:t>2022. 3. 28.</a:t>
             </a:fld>
             <a:endParaRPr lang="ko-KR" altLang="en-US"/>
           </a:p>
@@ -1599,7 +1600,7 @@
           <a:p>
             <a:fld id="{083A2014-1E55-493B-BBAA-4A9392E5EECC}" type="datetimeFigureOut">
               <a:rPr lang="ko-KR" altLang="en-US" smtClean="0"/>
-              <a:t>2022. 3. 17.</a:t>
+              <a:t>2022. 3. 28.</a:t>
             </a:fld>
             <a:endParaRPr lang="ko-KR" altLang="en-US"/>
           </a:p>
@@ -1716,7 +1717,7 @@
           <a:p>
             <a:fld id="{083A2014-1E55-493B-BBAA-4A9392E5EECC}" type="datetimeFigureOut">
               <a:rPr lang="ko-KR" altLang="en-US" smtClean="0"/>
-              <a:t>2022. 3. 17.</a:t>
+              <a:t>2022. 3. 28.</a:t>
             </a:fld>
             <a:endParaRPr lang="ko-KR" altLang="en-US"/>
           </a:p>
@@ -1811,7 +1812,7 @@
           <a:p>
             <a:fld id="{083A2014-1E55-493B-BBAA-4A9392E5EECC}" type="datetimeFigureOut">
               <a:rPr lang="ko-KR" altLang="en-US" smtClean="0"/>
-              <a:t>2022. 3. 17.</a:t>
+              <a:t>2022. 3. 28.</a:t>
             </a:fld>
             <a:endParaRPr lang="ko-KR" altLang="en-US"/>
           </a:p>
@@ -2086,7 +2087,7 @@
           <a:p>
             <a:fld id="{083A2014-1E55-493B-BBAA-4A9392E5EECC}" type="datetimeFigureOut">
               <a:rPr lang="ko-KR" altLang="en-US" smtClean="0"/>
-              <a:t>2022. 3. 17.</a:t>
+              <a:t>2022. 3. 28.</a:t>
             </a:fld>
             <a:endParaRPr lang="ko-KR" altLang="en-US"/>
           </a:p>
@@ -2338,7 +2339,7 @@
           <a:p>
             <a:fld id="{083A2014-1E55-493B-BBAA-4A9392E5EECC}" type="datetimeFigureOut">
               <a:rPr lang="ko-KR" altLang="en-US" smtClean="0"/>
-              <a:t>2022. 3. 17.</a:t>
+              <a:t>2022. 3. 28.</a:t>
             </a:fld>
             <a:endParaRPr lang="ko-KR" altLang="en-US"/>
           </a:p>
@@ -2549,7 +2550,7 @@
           <a:p>
             <a:fld id="{083A2014-1E55-493B-BBAA-4A9392E5EECC}" type="datetimeFigureOut">
               <a:rPr lang="ko-KR" altLang="en-US" smtClean="0"/>
-              <a:t>2022. 3. 17.</a:t>
+              <a:t>2022. 3. 28.</a:t>
             </a:fld>
             <a:endParaRPr lang="ko-KR" altLang="en-US"/>
           </a:p>
@@ -4205,6 +4206,175 @@
 </p:sld>
 </file>
 
+<file path=ppt/slides/slide8.xml><?xml version="1.0" encoding="utf-8"?>
+<p:sld xmlns:a="http://schemas.openxmlformats.org/drawingml/2006/main" xmlns:r="http://schemas.openxmlformats.org/officeDocument/2006/relationships" xmlns:p="http://schemas.openxmlformats.org/presentationml/2006/main">
+  <p:cSld>
+    <p:spTree>
+      <p:nvGrpSpPr>
+        <p:cNvPr id="1" name=""/>
+        <p:cNvGrpSpPr/>
+        <p:nvPr/>
+      </p:nvGrpSpPr>
+      <p:grpSpPr>
+        <a:xfrm>
+          <a:off x="0" y="0"/>
+          <a:ext cx="0" cy="0"/>
+          <a:chOff x="0" y="0"/>
+          <a:chExt cx="0" cy="0"/>
+        </a:xfrm>
+      </p:grpSpPr>
+      <p:grpSp>
+        <p:nvGrpSpPr>
+          <p:cNvPr id="9" name="그룹 8">
+            <a:extLst>
+              <a:ext uri="{FF2B5EF4-FFF2-40B4-BE49-F238E27FC236}">
+                <a16:creationId xmlns:a16="http://schemas.microsoft.com/office/drawing/2014/main" id="{C499B675-EFA4-5042-A410-10AFB19B8C53}"/>
+              </a:ext>
+            </a:extLst>
+          </p:cNvPr>
+          <p:cNvGrpSpPr/>
+          <p:nvPr/>
+        </p:nvGrpSpPr>
+        <p:grpSpPr>
+          <a:xfrm>
+            <a:off x="1091613" y="1057910"/>
+            <a:ext cx="3219354" cy="3073400"/>
+            <a:chOff x="1091613" y="1057910"/>
+            <a:chExt cx="3219354" cy="3073400"/>
+          </a:xfrm>
+        </p:grpSpPr>
+        <p:pic>
+          <p:nvPicPr>
+            <p:cNvPr id="7" name="그림 6">
+              <a:extLst>
+                <a:ext uri="{FF2B5EF4-FFF2-40B4-BE49-F238E27FC236}">
+                  <a16:creationId xmlns:a16="http://schemas.microsoft.com/office/drawing/2014/main" id="{1EDCFE06-E608-F148-A25D-3618E2C46E6B}"/>
+                </a:ext>
+              </a:extLst>
+            </p:cNvPr>
+            <p:cNvPicPr>
+              <a:picLocks noChangeAspect="1"/>
+            </p:cNvPicPr>
+            <p:nvPr/>
+          </p:nvPicPr>
+          <p:blipFill>
+            <a:blip r:embed="rId2">
+              <a:extLst>
+                <a:ext uri="{28A0092B-C50C-407E-A947-70E740481C1C}">
+                  <a14:useLocalDpi xmlns:a14="http://schemas.microsoft.com/office/drawing/2010/main" val="0"/>
+                </a:ext>
+              </a:extLst>
+            </a:blip>
+            <a:stretch>
+              <a:fillRect/>
+            </a:stretch>
+          </p:blipFill>
+          <p:spPr>
+            <a:xfrm>
+              <a:off x="1164590" y="1057910"/>
+              <a:ext cx="3073400" cy="3073400"/>
+            </a:xfrm>
+            <a:prstGeom prst="rect">
+              <a:avLst/>
+            </a:prstGeom>
+          </p:spPr>
+        </p:pic>
+        <p:sp>
+          <p:nvSpPr>
+            <p:cNvPr id="8" name="TextBox 7">
+              <a:extLst>
+                <a:ext uri="{FF2B5EF4-FFF2-40B4-BE49-F238E27FC236}">
+                  <a16:creationId xmlns:a16="http://schemas.microsoft.com/office/drawing/2014/main" id="{37A80AEA-E357-C34A-BFFE-B210FDB09DA7}"/>
+                </a:ext>
+              </a:extLst>
+            </p:cNvPr>
+            <p:cNvSpPr txBox="1"/>
+            <p:nvPr/>
+          </p:nvSpPr>
+          <p:spPr>
+            <a:xfrm>
+              <a:off x="1091613" y="3120053"/>
+              <a:ext cx="3219354" cy="954107"/>
+            </a:xfrm>
+            <a:prstGeom prst="rect">
+              <a:avLst/>
+            </a:prstGeom>
+            <a:noFill/>
+          </p:spPr>
+          <p:txBody>
+            <a:bodyPr wrap="square" rtlCol="0" anchor="ctr">
+              <a:spAutoFit/>
+            </a:bodyPr>
+            <a:lstStyle/>
+            <a:p>
+              <a:pPr algn="ctr"/>
+              <a:r>
+                <a:rPr kumimoji="1" lang="en-US" altLang="en-US" sz="2800" b="1" dirty="0">
+                  <a:solidFill>
+                    <a:srgbClr val="147934"/>
+                  </a:solidFill>
+                  <a:latin typeface="NanumGothic" panose="020D0604000000000000" pitchFamily="34" charset="-127"/>
+                  <a:ea typeface="NanumGothic" panose="020D0604000000000000" pitchFamily="34" charset="-127"/>
+                </a:rPr>
+                <a:t>jQuery</a:t>
+              </a:r>
+            </a:p>
+            <a:p>
+              <a:pPr algn="ctr"/>
+              <a:r>
+                <a:rPr kumimoji="1" lang="en-US" altLang="ko-KR" sz="2800" b="1" dirty="0">
+                  <a:solidFill>
+                    <a:srgbClr val="147934"/>
+                  </a:solidFill>
+                  <a:latin typeface="NanumGothic" panose="020D0604000000000000" pitchFamily="34" charset="-127"/>
+                  <a:ea typeface="NanumGothic" panose="020D0604000000000000" pitchFamily="34" charset="-127"/>
+                </a:rPr>
+                <a:t>&lt;</a:t>
+              </a:r>
+              <a:r>
+                <a:rPr kumimoji="1" lang="en-US" altLang="en-US" sz="2800" b="1" dirty="0">
+                  <a:solidFill>
+                    <a:srgbClr val="147934"/>
+                  </a:solidFill>
+                  <a:latin typeface="NanumGothic" panose="020D0604000000000000" pitchFamily="34" charset="-127"/>
+                  <a:ea typeface="NanumGothic" panose="020D0604000000000000" pitchFamily="34" charset="-127"/>
+                </a:rPr>
+                <a:t>attr</a:t>
+              </a:r>
+              <a:r>
+                <a:rPr kumimoji="1" lang="en-US" altLang="ko-KR" sz="2800" b="1" dirty="0">
+                  <a:solidFill>
+                    <a:srgbClr val="147934"/>
+                  </a:solidFill>
+                  <a:latin typeface="NanumGothic" panose="020D0604000000000000" pitchFamily="34" charset="-127"/>
+                  <a:ea typeface="NanumGothic" panose="020D0604000000000000" pitchFamily="34" charset="-127"/>
+                </a:rPr>
+                <a:t>&gt;</a:t>
+              </a:r>
+              <a:endParaRPr kumimoji="1" lang="ko-Kore-KR" altLang="en-US" sz="2800" b="1" dirty="0">
+                <a:solidFill>
+                  <a:srgbClr val="147934"/>
+                </a:solidFill>
+                <a:latin typeface="NanumGothic" panose="020D0604000000000000" pitchFamily="34" charset="-127"/>
+                <a:ea typeface="NanumGothic" panose="020D0604000000000000" pitchFamily="34" charset="-127"/>
+              </a:endParaRPr>
+            </a:p>
+          </p:txBody>
+        </p:sp>
+      </p:grpSp>
+    </p:spTree>
+    <p:extLst>
+      <p:ext uri="{BB962C8B-B14F-4D97-AF65-F5344CB8AC3E}">
+        <p14:creationId xmlns:p14="http://schemas.microsoft.com/office/powerpoint/2010/main" val="1284957285"/>
+      </p:ext>
+    </p:extLst>
+  </p:cSld>
+  <p:clrMapOvr>
+    <a:masterClrMapping/>
+  </p:clrMapOvr>
+</p:sld>
+</file>
+
 <file path=ppt/theme/theme1.xml><?xml version="1.0" encoding="utf-8"?>
 <a:theme xmlns:a="http://schemas.openxmlformats.org/drawingml/2006/main" name="Office 테마">
   <a:themeElements>

--- a/icon.pptx
+++ b/icon.pptx
@@ -248,7 +248,7 @@
           <a:p>
             <a:fld id="{083A2014-1E55-493B-BBAA-4A9392E5EECC}" type="datetimeFigureOut">
               <a:rPr lang="ko-KR" altLang="en-US" smtClean="0"/>
-              <a:t>2022. 3. 28.</a:t>
+              <a:t>2022-04-01</a:t>
             </a:fld>
             <a:endParaRPr lang="ko-KR" altLang="en-US"/>
           </a:p>
@@ -416,7 +416,7 @@
           <a:p>
             <a:fld id="{083A2014-1E55-493B-BBAA-4A9392E5EECC}" type="datetimeFigureOut">
               <a:rPr lang="ko-KR" altLang="en-US" smtClean="0"/>
-              <a:t>2022. 3. 28.</a:t>
+              <a:t>2022-04-01</a:t>
             </a:fld>
             <a:endParaRPr lang="ko-KR" altLang="en-US"/>
           </a:p>
@@ -594,7 +594,7 @@
           <a:p>
             <a:fld id="{083A2014-1E55-493B-BBAA-4A9392E5EECC}" type="datetimeFigureOut">
               <a:rPr lang="ko-KR" altLang="en-US" smtClean="0"/>
-              <a:t>2022. 3. 28.</a:t>
+              <a:t>2022-04-01</a:t>
             </a:fld>
             <a:endParaRPr lang="ko-KR" altLang="en-US"/>
           </a:p>
@@ -762,7 +762,7 @@
           <a:p>
             <a:fld id="{083A2014-1E55-493B-BBAA-4A9392E5EECC}" type="datetimeFigureOut">
               <a:rPr lang="ko-KR" altLang="en-US" smtClean="0"/>
-              <a:t>2022. 3. 28.</a:t>
+              <a:t>2022-04-01</a:t>
             </a:fld>
             <a:endParaRPr lang="ko-KR" altLang="en-US"/>
           </a:p>
@@ -1007,7 +1007,7 @@
           <a:p>
             <a:fld id="{083A2014-1E55-493B-BBAA-4A9392E5EECC}" type="datetimeFigureOut">
               <a:rPr lang="ko-KR" altLang="en-US" smtClean="0"/>
-              <a:t>2022. 3. 28.</a:t>
+              <a:t>2022-04-01</a:t>
             </a:fld>
             <a:endParaRPr lang="ko-KR" altLang="en-US"/>
           </a:p>
@@ -1236,7 +1236,7 @@
           <a:p>
             <a:fld id="{083A2014-1E55-493B-BBAA-4A9392E5EECC}" type="datetimeFigureOut">
               <a:rPr lang="ko-KR" altLang="en-US" smtClean="0"/>
-              <a:t>2022. 3. 28.</a:t>
+              <a:t>2022-04-01</a:t>
             </a:fld>
             <a:endParaRPr lang="ko-KR" altLang="en-US"/>
           </a:p>
@@ -1600,7 +1600,7 @@
           <a:p>
             <a:fld id="{083A2014-1E55-493B-BBAA-4A9392E5EECC}" type="datetimeFigureOut">
               <a:rPr lang="ko-KR" altLang="en-US" smtClean="0"/>
-              <a:t>2022. 3. 28.</a:t>
+              <a:t>2022-04-01</a:t>
             </a:fld>
             <a:endParaRPr lang="ko-KR" altLang="en-US"/>
           </a:p>
@@ -1717,7 +1717,7 @@
           <a:p>
             <a:fld id="{083A2014-1E55-493B-BBAA-4A9392E5EECC}" type="datetimeFigureOut">
               <a:rPr lang="ko-KR" altLang="en-US" smtClean="0"/>
-              <a:t>2022. 3. 28.</a:t>
+              <a:t>2022-04-01</a:t>
             </a:fld>
             <a:endParaRPr lang="ko-KR" altLang="en-US"/>
           </a:p>
@@ -1812,7 +1812,7 @@
           <a:p>
             <a:fld id="{083A2014-1E55-493B-BBAA-4A9392E5EECC}" type="datetimeFigureOut">
               <a:rPr lang="ko-KR" altLang="en-US" smtClean="0"/>
-              <a:t>2022. 3. 28.</a:t>
+              <a:t>2022-04-01</a:t>
             </a:fld>
             <a:endParaRPr lang="ko-KR" altLang="en-US"/>
           </a:p>
@@ -2087,7 +2087,7 @@
           <a:p>
             <a:fld id="{083A2014-1E55-493B-BBAA-4A9392E5EECC}" type="datetimeFigureOut">
               <a:rPr lang="ko-KR" altLang="en-US" smtClean="0"/>
-              <a:t>2022. 3. 28.</a:t>
+              <a:t>2022-04-01</a:t>
             </a:fld>
             <a:endParaRPr lang="ko-KR" altLang="en-US"/>
           </a:p>
@@ -2339,7 +2339,7 @@
           <a:p>
             <a:fld id="{083A2014-1E55-493B-BBAA-4A9392E5EECC}" type="datetimeFigureOut">
               <a:rPr lang="ko-KR" altLang="en-US" smtClean="0"/>
-              <a:t>2022. 3. 28.</a:t>
+              <a:t>2022-04-01</a:t>
             </a:fld>
             <a:endParaRPr lang="ko-KR" altLang="en-US"/>
           </a:p>
@@ -2550,7 +2550,7 @@
           <a:p>
             <a:fld id="{083A2014-1E55-493B-BBAA-4A9392E5EECC}" type="datetimeFigureOut">
               <a:rPr lang="ko-KR" altLang="en-US" smtClean="0"/>
-              <a:t>2022. 3. 28.</a:t>
+              <a:t>2022-04-01</a:t>
             </a:fld>
             <a:endParaRPr lang="ko-KR" altLang="en-US"/>
           </a:p>
@@ -3369,13 +3369,13 @@
               <p:nvPr/>
             </p:nvPicPr>
             <p:blipFill>
-              <a:blip r:embed="rId3">
+              <a:blip r:embed="rId3" cstate="print">
                 <a:extLst>
                   <a:ext uri="{28A0092B-C50C-407E-A947-70E740481C1C}">
                     <a14:useLocalDpi xmlns:a14="http://schemas.microsoft.com/office/drawing/2010/main" val="0"/>
                   </a:ext>
                   <a:ext uri="{96DAC541-7B7A-43D3-8B79-37D633B846F1}">
-                    <asvg:svgBlip xmlns:asvg="http://schemas.microsoft.com/office/drawing/2016/SVG/main" r:embed="rId4"/>
+                    <asvg:svgBlip xmlns:asvg="http://schemas.microsoft.com/office/drawing/2016/SVG/main" xmlns="" r:embed="rId4"/>
                   </a:ext>
                 </a:extLst>
               </a:blip>
@@ -3409,7 +3409,7 @@
             <p:nvPr/>
           </p:nvPicPr>
           <p:blipFill>
-            <a:blip r:embed="rId5">
+            <a:blip r:embed="rId5" cstate="print">
               <a:extLst>
                 <a:ext uri="{28A0092B-C50C-407E-A947-70E740481C1C}">
                   <a14:useLocalDpi xmlns:a14="http://schemas.microsoft.com/office/drawing/2010/main" val="0"/>
@@ -4293,8 +4293,8 @@
           </p:nvSpPr>
           <p:spPr>
             <a:xfrm>
-              <a:off x="1091613" y="3120053"/>
-              <a:ext cx="3219354" cy="954107"/>
+              <a:off x="1091613" y="3089274"/>
+              <a:ext cx="3219354" cy="1015663"/>
             </a:xfrm>
             <a:prstGeom prst="rect">
               <a:avLst/>
@@ -4309,49 +4309,42 @@
             <a:p>
               <a:pPr algn="ctr"/>
               <a:r>
-                <a:rPr kumimoji="1" lang="en-US" altLang="en-US" sz="2800" b="1" dirty="0">
+                <a:rPr kumimoji="1" lang="en-US" altLang="en-US" sz="2000" b="1" smtClean="0">
                   <a:solidFill>
                     <a:srgbClr val="147934"/>
                   </a:solidFill>
                   <a:latin typeface="NanumGothic" panose="020D0604000000000000" pitchFamily="34" charset="-127"/>
                   <a:ea typeface="NanumGothic" panose="020D0604000000000000" pitchFamily="34" charset="-127"/>
                 </a:rPr>
-                <a:t>jQuery</a:t>
+                <a:t>import</a:t>
               </a:r>
             </a:p>
             <a:p>
               <a:pPr algn="ctr"/>
               <a:r>
-                <a:rPr kumimoji="1" lang="en-US" altLang="ko-KR" sz="2800" b="1" dirty="0">
+                <a:rPr kumimoji="1" lang="en-US" altLang="en-US" sz="2000" b="1" smtClean="0">
                   <a:solidFill>
                     <a:srgbClr val="147934"/>
                   </a:solidFill>
                   <a:latin typeface="NanumGothic" panose="020D0604000000000000" pitchFamily="34" charset="-127"/>
                   <a:ea typeface="NanumGothic" panose="020D0604000000000000" pitchFamily="34" charset="-127"/>
                 </a:rPr>
-                <a:t>&lt;</a:t>
+                <a:t>vs</a:t>
               </a:r>
+            </a:p>
+            <a:p>
+              <a:pPr algn="ctr"/>
               <a:r>
-                <a:rPr kumimoji="1" lang="en-US" altLang="en-US" sz="2800" b="1" dirty="0">
+                <a:rPr kumimoji="1" lang="en-US" altLang="en-US" sz="2000" b="1" smtClean="0">
                   <a:solidFill>
                     <a:srgbClr val="147934"/>
                   </a:solidFill>
                   <a:latin typeface="NanumGothic" panose="020D0604000000000000" pitchFamily="34" charset="-127"/>
                   <a:ea typeface="NanumGothic" panose="020D0604000000000000" pitchFamily="34" charset="-127"/>
                 </a:rPr>
-                <a:t>attr</a:t>
+                <a:t>require</a:t>
               </a:r>
-              <a:r>
-                <a:rPr kumimoji="1" lang="en-US" altLang="ko-KR" sz="2800" b="1" dirty="0">
-                  <a:solidFill>
-                    <a:srgbClr val="147934"/>
-                  </a:solidFill>
-                  <a:latin typeface="NanumGothic" panose="020D0604000000000000" pitchFamily="34" charset="-127"/>
-                  <a:ea typeface="NanumGothic" panose="020D0604000000000000" pitchFamily="34" charset="-127"/>
-                </a:rPr>
-                <a:t>&gt;</a:t>
-              </a:r>
-              <a:endParaRPr kumimoji="1" lang="ko-Kore-KR" altLang="en-US" sz="2800" b="1" dirty="0">
+              <a:endParaRPr kumimoji="1" lang="ko-Kore-KR" altLang="en-US" sz="2000" b="1" dirty="0">
                 <a:solidFill>
                   <a:srgbClr val="147934"/>
                 </a:solidFill>

--- a/icon.pptx
+++ b/icon.pptx
@@ -12,6 +12,7 @@
     <p:sldId id="260" r:id="rId6"/>
     <p:sldId id="261" r:id="rId7"/>
     <p:sldId id="262" r:id="rId8"/>
+    <p:sldId id="263" r:id="rId9"/>
   </p:sldIdLst>
   <p:sldSz cx="12192000" cy="6858000"/>
   <p:notesSz cx="6858000" cy="9144000"/>
@@ -247,7 +248,7 @@
           <a:p>
             <a:fld id="{083A2014-1E55-493B-BBAA-4A9392E5EECC}" type="datetimeFigureOut">
               <a:rPr lang="ko-KR" altLang="en-US" smtClean="0"/>
-              <a:t>2022. 3. 17.</a:t>
+              <a:t>2022. 4. 7.</a:t>
             </a:fld>
             <a:endParaRPr lang="ko-KR" altLang="en-US"/>
           </a:p>
@@ -415,7 +416,7 @@
           <a:p>
             <a:fld id="{083A2014-1E55-493B-BBAA-4A9392E5EECC}" type="datetimeFigureOut">
               <a:rPr lang="ko-KR" altLang="en-US" smtClean="0"/>
-              <a:t>2022. 3. 17.</a:t>
+              <a:t>2022. 4. 7.</a:t>
             </a:fld>
             <a:endParaRPr lang="ko-KR" altLang="en-US"/>
           </a:p>
@@ -593,7 +594,7 @@
           <a:p>
             <a:fld id="{083A2014-1E55-493B-BBAA-4A9392E5EECC}" type="datetimeFigureOut">
               <a:rPr lang="ko-KR" altLang="en-US" smtClean="0"/>
-              <a:t>2022. 3. 17.</a:t>
+              <a:t>2022. 4. 7.</a:t>
             </a:fld>
             <a:endParaRPr lang="ko-KR" altLang="en-US"/>
           </a:p>
@@ -761,7 +762,7 @@
           <a:p>
             <a:fld id="{083A2014-1E55-493B-BBAA-4A9392E5EECC}" type="datetimeFigureOut">
               <a:rPr lang="ko-KR" altLang="en-US" smtClean="0"/>
-              <a:t>2022. 3. 17.</a:t>
+              <a:t>2022. 4. 7.</a:t>
             </a:fld>
             <a:endParaRPr lang="ko-KR" altLang="en-US"/>
           </a:p>
@@ -1006,7 +1007,7 @@
           <a:p>
             <a:fld id="{083A2014-1E55-493B-BBAA-4A9392E5EECC}" type="datetimeFigureOut">
               <a:rPr lang="ko-KR" altLang="en-US" smtClean="0"/>
-              <a:t>2022. 3. 17.</a:t>
+              <a:t>2022. 4. 7.</a:t>
             </a:fld>
             <a:endParaRPr lang="ko-KR" altLang="en-US"/>
           </a:p>
@@ -1235,7 +1236,7 @@
           <a:p>
             <a:fld id="{083A2014-1E55-493B-BBAA-4A9392E5EECC}" type="datetimeFigureOut">
               <a:rPr lang="ko-KR" altLang="en-US" smtClean="0"/>
-              <a:t>2022. 3. 17.</a:t>
+              <a:t>2022. 4. 7.</a:t>
             </a:fld>
             <a:endParaRPr lang="ko-KR" altLang="en-US"/>
           </a:p>
@@ -1599,7 +1600,7 @@
           <a:p>
             <a:fld id="{083A2014-1E55-493B-BBAA-4A9392E5EECC}" type="datetimeFigureOut">
               <a:rPr lang="ko-KR" altLang="en-US" smtClean="0"/>
-              <a:t>2022. 3. 17.</a:t>
+              <a:t>2022. 4. 7.</a:t>
             </a:fld>
             <a:endParaRPr lang="ko-KR" altLang="en-US"/>
           </a:p>
@@ -1716,7 +1717,7 @@
           <a:p>
             <a:fld id="{083A2014-1E55-493B-BBAA-4A9392E5EECC}" type="datetimeFigureOut">
               <a:rPr lang="ko-KR" altLang="en-US" smtClean="0"/>
-              <a:t>2022. 3. 17.</a:t>
+              <a:t>2022. 4. 7.</a:t>
             </a:fld>
             <a:endParaRPr lang="ko-KR" altLang="en-US"/>
           </a:p>
@@ -1811,7 +1812,7 @@
           <a:p>
             <a:fld id="{083A2014-1E55-493B-BBAA-4A9392E5EECC}" type="datetimeFigureOut">
               <a:rPr lang="ko-KR" altLang="en-US" smtClean="0"/>
-              <a:t>2022. 3. 17.</a:t>
+              <a:t>2022. 4. 7.</a:t>
             </a:fld>
             <a:endParaRPr lang="ko-KR" altLang="en-US"/>
           </a:p>
@@ -2086,7 +2087,7 @@
           <a:p>
             <a:fld id="{083A2014-1E55-493B-BBAA-4A9392E5EECC}" type="datetimeFigureOut">
               <a:rPr lang="ko-KR" altLang="en-US" smtClean="0"/>
-              <a:t>2022. 3. 17.</a:t>
+              <a:t>2022. 4. 7.</a:t>
             </a:fld>
             <a:endParaRPr lang="ko-KR" altLang="en-US"/>
           </a:p>
@@ -2338,7 +2339,7 @@
           <a:p>
             <a:fld id="{083A2014-1E55-493B-BBAA-4A9392E5EECC}" type="datetimeFigureOut">
               <a:rPr lang="ko-KR" altLang="en-US" smtClean="0"/>
-              <a:t>2022. 3. 17.</a:t>
+              <a:t>2022. 4. 7.</a:t>
             </a:fld>
             <a:endParaRPr lang="ko-KR" altLang="en-US"/>
           </a:p>
@@ -2549,7 +2550,7 @@
           <a:p>
             <a:fld id="{083A2014-1E55-493B-BBAA-4A9392E5EECC}" type="datetimeFigureOut">
               <a:rPr lang="ko-KR" altLang="en-US" smtClean="0"/>
-              <a:t>2022. 3. 17.</a:t>
+              <a:t>2022. 4. 7.</a:t>
             </a:fld>
             <a:endParaRPr lang="ko-KR" altLang="en-US"/>
           </a:p>
@@ -4140,8 +4141,8 @@
           </p:nvSpPr>
           <p:spPr>
             <a:xfrm>
-              <a:off x="822960" y="2831010"/>
-              <a:ext cx="4876800" cy="1538883"/>
+              <a:off x="822960" y="2630956"/>
+              <a:ext cx="4876800" cy="1938992"/>
             </a:xfrm>
             <a:prstGeom prst="rect">
               <a:avLst/>
@@ -4172,14 +4173,54 @@
             <a:p>
               <a:pPr algn="ctr"/>
               <a:r>
-                <a:rPr kumimoji="1" lang="en-US" altLang="en-US" sz="2600" b="1" dirty="0">
+                <a:rPr kumimoji="1" lang="en-US" altLang="ko-Kore-KR" sz="2600" b="1" dirty="0" err="1">
                   <a:solidFill>
                     <a:schemeClr val="bg1"/>
                   </a:solidFill>
                   <a:latin typeface="NanumGothic" panose="020D0604000000000000" pitchFamily="34" charset="-127"/>
                   <a:ea typeface="NanumGothic" panose="020D0604000000000000" pitchFamily="34" charset="-127"/>
                 </a:rPr>
-                <a:t>Express generator</a:t>
+                <a:t>Seokbong</a:t>
+              </a:r>
+              <a:r>
+                <a:rPr kumimoji="1" lang="en-US" altLang="ko-Kore-KR" sz="2600" b="1" dirty="0">
+                  <a:solidFill>
+                    <a:schemeClr val="bg1"/>
+                  </a:solidFill>
+                  <a:latin typeface="NanumGothic" panose="020D0604000000000000" pitchFamily="34" charset="-127"/>
+                  <a:ea typeface="NanumGothic" panose="020D0604000000000000" pitchFamily="34" charset="-127"/>
+                </a:rPr>
+                <a:t> series </a:t>
+              </a:r>
+              <a:r>
+                <a:rPr kumimoji="1" lang="en-US" altLang="ko-KR" sz="2600" b="1" dirty="0">
+                  <a:solidFill>
+                    <a:schemeClr val="bg1"/>
+                  </a:solidFill>
+                  <a:latin typeface="NanumGothic" panose="020D0604000000000000" pitchFamily="34" charset="-127"/>
+                  <a:ea typeface="NanumGothic" panose="020D0604000000000000" pitchFamily="34" charset="-127"/>
+                </a:rPr>
+                <a:t>4</a:t>
+              </a:r>
+              <a:endParaRPr kumimoji="1" lang="en-US" altLang="ko-Kore-KR" sz="2600" b="1" dirty="0">
+                <a:solidFill>
+                  <a:schemeClr val="bg1"/>
+                </a:solidFill>
+                <a:latin typeface="NanumGothic" panose="020D0604000000000000" pitchFamily="34" charset="-127"/>
+                <a:ea typeface="NanumGothic" panose="020D0604000000000000" pitchFamily="34" charset="-127"/>
+              </a:endParaRPr>
+            </a:p>
+            <a:p>
+              <a:pPr algn="ctr"/>
+              <a:r>
+                <a:rPr kumimoji="1" lang="en-US" altLang="ko-Kore-KR" sz="2600" b="1" dirty="0">
+                  <a:solidFill>
+                    <a:schemeClr val="bg1"/>
+                  </a:solidFill>
+                  <a:latin typeface="NanumGothic" panose="020D0604000000000000" pitchFamily="34" charset="-127"/>
+                  <a:ea typeface="NanumGothic" panose="020D0604000000000000" pitchFamily="34" charset="-127"/>
+                </a:rPr>
+                <a:t>HTML Method PUT, DELETE</a:t>
               </a:r>
               <a:endParaRPr kumimoji="1" lang="ko-Kore-KR" altLang="en-US" sz="2600" b="1" dirty="0">
                 <a:solidFill>
@@ -4192,10 +4233,171 @@
           </p:txBody>
         </p:sp>
       </p:grpSp>
+      <p:sp>
+        <p:nvSpPr>
+          <p:cNvPr id="2" name="TextBox 1">
+            <a:extLst>
+              <a:ext uri="{FF2B5EF4-FFF2-40B4-BE49-F238E27FC236}">
+                <a16:creationId xmlns:a16="http://schemas.microsoft.com/office/drawing/2014/main" id="{CDC34D72-8B9D-BD49-8B62-1D981D6B406D}"/>
+              </a:ext>
+            </a:extLst>
+          </p:cNvPr>
+          <p:cNvSpPr txBox="1"/>
+          <p:nvPr/>
+        </p:nvSpPr>
+        <p:spPr>
+          <a:xfrm>
+            <a:off x="11313763" y="4866468"/>
+            <a:ext cx="184731" cy="369332"/>
+          </a:xfrm>
+          <a:prstGeom prst="rect">
+            <a:avLst/>
+          </a:prstGeom>
+          <a:noFill/>
+        </p:spPr>
+        <p:txBody>
+          <a:bodyPr wrap="none" rtlCol="0">
+            <a:spAutoFit/>
+          </a:bodyPr>
+          <a:lstStyle/>
+          <a:p>
+            <a:endParaRPr kumimoji="1" lang="ko-Kore-KR" altLang="en-US" dirty="0"/>
+          </a:p>
+        </p:txBody>
+      </p:sp>
     </p:spTree>
     <p:extLst>
       <p:ext uri="{BB962C8B-B14F-4D97-AF65-F5344CB8AC3E}">
         <p14:creationId xmlns:p14="http://schemas.microsoft.com/office/powerpoint/2010/main" val="2124180314"/>
+      </p:ext>
+    </p:extLst>
+  </p:cSld>
+  <p:clrMapOvr>
+    <a:masterClrMapping/>
+  </p:clrMapOvr>
+</p:sld>
+</file>
+
+<file path=ppt/slides/slide8.xml><?xml version="1.0" encoding="utf-8"?>
+<p:sld xmlns:a="http://schemas.openxmlformats.org/drawingml/2006/main" xmlns:r="http://schemas.openxmlformats.org/officeDocument/2006/relationships" xmlns:p="http://schemas.openxmlformats.org/presentationml/2006/main">
+  <p:cSld>
+    <p:spTree>
+      <p:nvGrpSpPr>
+        <p:cNvPr id="1" name=""/>
+        <p:cNvGrpSpPr/>
+        <p:nvPr/>
+      </p:nvGrpSpPr>
+      <p:grpSpPr>
+        <a:xfrm>
+          <a:off x="0" y="0"/>
+          <a:ext cx="0" cy="0"/>
+          <a:chOff x="0" y="0"/>
+          <a:chExt cx="0" cy="0"/>
+        </a:xfrm>
+      </p:grpSpPr>
+      <p:grpSp>
+        <p:nvGrpSpPr>
+          <p:cNvPr id="7" name="그룹 6">
+            <a:extLst>
+              <a:ext uri="{FF2B5EF4-FFF2-40B4-BE49-F238E27FC236}">
+                <a16:creationId xmlns:a16="http://schemas.microsoft.com/office/drawing/2014/main" id="{51062419-F531-D94F-8C2D-D2C70290D54B}"/>
+              </a:ext>
+            </a:extLst>
+          </p:cNvPr>
+          <p:cNvGrpSpPr/>
+          <p:nvPr/>
+        </p:nvGrpSpPr>
+        <p:grpSpPr>
+          <a:xfrm>
+            <a:off x="3498850" y="831850"/>
+            <a:ext cx="5194300" cy="5194300"/>
+            <a:chOff x="3498850" y="831850"/>
+            <a:chExt cx="5194300" cy="5194300"/>
+          </a:xfrm>
+        </p:grpSpPr>
+        <p:pic>
+          <p:nvPicPr>
+            <p:cNvPr id="5" name="그림 4">
+              <a:extLst>
+                <a:ext uri="{FF2B5EF4-FFF2-40B4-BE49-F238E27FC236}">
+                  <a16:creationId xmlns:a16="http://schemas.microsoft.com/office/drawing/2014/main" id="{6FF34489-E38D-E34A-9655-39F7864AF152}"/>
+                </a:ext>
+              </a:extLst>
+            </p:cNvPr>
+            <p:cNvPicPr>
+              <a:picLocks noChangeAspect="1"/>
+            </p:cNvPicPr>
+            <p:nvPr/>
+          </p:nvPicPr>
+          <p:blipFill>
+            <a:blip r:embed="rId2">
+              <a:extLst>
+                <a:ext uri="{28A0092B-C50C-407E-A947-70E740481C1C}">
+                  <a14:useLocalDpi xmlns:a14="http://schemas.microsoft.com/office/drawing/2010/main" val="0"/>
+                </a:ext>
+              </a:extLst>
+            </a:blip>
+            <a:stretch>
+              <a:fillRect/>
+            </a:stretch>
+          </p:blipFill>
+          <p:spPr>
+            <a:xfrm>
+              <a:off x="3498850" y="831850"/>
+              <a:ext cx="5194300" cy="5194300"/>
+            </a:xfrm>
+            <a:prstGeom prst="rect">
+              <a:avLst/>
+            </a:prstGeom>
+          </p:spPr>
+        </p:pic>
+        <p:sp>
+          <p:nvSpPr>
+            <p:cNvPr id="6" name="TextBox 5">
+              <a:extLst>
+                <a:ext uri="{FF2B5EF4-FFF2-40B4-BE49-F238E27FC236}">
+                  <a16:creationId xmlns:a16="http://schemas.microsoft.com/office/drawing/2014/main" id="{07A375D9-0B3F-984D-A058-72D60A0C4DB9}"/>
+                </a:ext>
+              </a:extLst>
+            </p:cNvPr>
+            <p:cNvSpPr txBox="1"/>
+            <p:nvPr/>
+          </p:nvSpPr>
+          <p:spPr>
+            <a:xfrm>
+              <a:off x="3657600" y="2644170"/>
+              <a:ext cx="4876800" cy="1569660"/>
+            </a:xfrm>
+            <a:prstGeom prst="rect">
+              <a:avLst/>
+            </a:prstGeom>
+            <a:noFill/>
+          </p:spPr>
+          <p:txBody>
+            <a:bodyPr wrap="square" rtlCol="0" anchor="ctr">
+              <a:spAutoFit/>
+            </a:bodyPr>
+            <a:lstStyle/>
+            <a:p>
+              <a:pPr algn="ctr"/>
+              <a:r>
+                <a:rPr kumimoji="1" lang="en-US" altLang="en-US" sz="9600" b="1" dirty="0">
+                  <a:solidFill>
+                    <a:srgbClr val="F4FF00"/>
+                  </a:solidFill>
+                  <a:latin typeface="NanumGothic" panose="020D0604000000000000" pitchFamily="34" charset="-127"/>
+                  <a:ea typeface="NanumGothic" panose="020D0604000000000000" pitchFamily="34" charset="-127"/>
+                </a:rPr>
+                <a:t>{ REST }</a:t>
+              </a:r>
+            </a:p>
+          </p:txBody>
+        </p:sp>
+      </p:grpSp>
+    </p:spTree>
+    <p:extLst>
+      <p:ext uri="{BB962C8B-B14F-4D97-AF65-F5344CB8AC3E}">
+        <p14:creationId xmlns:p14="http://schemas.microsoft.com/office/powerpoint/2010/main" val="1480783863"/>
       </p:ext>
     </p:extLst>
   </p:cSld>

--- a/icon.pptx
+++ b/icon.pptx
@@ -13,6 +13,8 @@
     <p:sldId id="261" r:id="rId7"/>
     <p:sldId id="262" r:id="rId8"/>
     <p:sldId id="263" r:id="rId9"/>
+    <p:sldId id="264" r:id="rId10"/>
+    <p:sldId id="267" r:id="rId11"/>
   </p:sldIdLst>
   <p:sldSz cx="12192000" cy="6858000"/>
   <p:notesSz cx="6858000" cy="9144000"/>
@@ -248,7 +250,7 @@
           <a:p>
             <a:fld id="{083A2014-1E55-493B-BBAA-4A9392E5EECC}" type="datetimeFigureOut">
               <a:rPr lang="ko-KR" altLang="en-US" smtClean="0"/>
-              <a:t>2022. 4. 7.</a:t>
+              <a:t>2022. 4. 8.</a:t>
             </a:fld>
             <a:endParaRPr lang="ko-KR" altLang="en-US"/>
           </a:p>
@@ -416,7 +418,7 @@
           <a:p>
             <a:fld id="{083A2014-1E55-493B-BBAA-4A9392E5EECC}" type="datetimeFigureOut">
               <a:rPr lang="ko-KR" altLang="en-US" smtClean="0"/>
-              <a:t>2022. 4. 7.</a:t>
+              <a:t>2022. 4. 8.</a:t>
             </a:fld>
             <a:endParaRPr lang="ko-KR" altLang="en-US"/>
           </a:p>
@@ -594,7 +596,7 @@
           <a:p>
             <a:fld id="{083A2014-1E55-493B-BBAA-4A9392E5EECC}" type="datetimeFigureOut">
               <a:rPr lang="ko-KR" altLang="en-US" smtClean="0"/>
-              <a:t>2022. 4. 7.</a:t>
+              <a:t>2022. 4. 8.</a:t>
             </a:fld>
             <a:endParaRPr lang="ko-KR" altLang="en-US"/>
           </a:p>
@@ -762,7 +764,7 @@
           <a:p>
             <a:fld id="{083A2014-1E55-493B-BBAA-4A9392E5EECC}" type="datetimeFigureOut">
               <a:rPr lang="ko-KR" altLang="en-US" smtClean="0"/>
-              <a:t>2022. 4. 7.</a:t>
+              <a:t>2022. 4. 8.</a:t>
             </a:fld>
             <a:endParaRPr lang="ko-KR" altLang="en-US"/>
           </a:p>
@@ -1007,7 +1009,7 @@
           <a:p>
             <a:fld id="{083A2014-1E55-493B-BBAA-4A9392E5EECC}" type="datetimeFigureOut">
               <a:rPr lang="ko-KR" altLang="en-US" smtClean="0"/>
-              <a:t>2022. 4. 7.</a:t>
+              <a:t>2022. 4. 8.</a:t>
             </a:fld>
             <a:endParaRPr lang="ko-KR" altLang="en-US"/>
           </a:p>
@@ -1236,7 +1238,7 @@
           <a:p>
             <a:fld id="{083A2014-1E55-493B-BBAA-4A9392E5EECC}" type="datetimeFigureOut">
               <a:rPr lang="ko-KR" altLang="en-US" smtClean="0"/>
-              <a:t>2022. 4. 7.</a:t>
+              <a:t>2022. 4. 8.</a:t>
             </a:fld>
             <a:endParaRPr lang="ko-KR" altLang="en-US"/>
           </a:p>
@@ -1600,7 +1602,7 @@
           <a:p>
             <a:fld id="{083A2014-1E55-493B-BBAA-4A9392E5EECC}" type="datetimeFigureOut">
               <a:rPr lang="ko-KR" altLang="en-US" smtClean="0"/>
-              <a:t>2022. 4. 7.</a:t>
+              <a:t>2022. 4. 8.</a:t>
             </a:fld>
             <a:endParaRPr lang="ko-KR" altLang="en-US"/>
           </a:p>
@@ -1717,7 +1719,7 @@
           <a:p>
             <a:fld id="{083A2014-1E55-493B-BBAA-4A9392E5EECC}" type="datetimeFigureOut">
               <a:rPr lang="ko-KR" altLang="en-US" smtClean="0"/>
-              <a:t>2022. 4. 7.</a:t>
+              <a:t>2022. 4. 8.</a:t>
             </a:fld>
             <a:endParaRPr lang="ko-KR" altLang="en-US"/>
           </a:p>
@@ -1812,7 +1814,7 @@
           <a:p>
             <a:fld id="{083A2014-1E55-493B-BBAA-4A9392E5EECC}" type="datetimeFigureOut">
               <a:rPr lang="ko-KR" altLang="en-US" smtClean="0"/>
-              <a:t>2022. 4. 7.</a:t>
+              <a:t>2022. 4. 8.</a:t>
             </a:fld>
             <a:endParaRPr lang="ko-KR" altLang="en-US"/>
           </a:p>
@@ -2087,7 +2089,7 @@
           <a:p>
             <a:fld id="{083A2014-1E55-493B-BBAA-4A9392E5EECC}" type="datetimeFigureOut">
               <a:rPr lang="ko-KR" altLang="en-US" smtClean="0"/>
-              <a:t>2022. 4. 7.</a:t>
+              <a:t>2022. 4. 8.</a:t>
             </a:fld>
             <a:endParaRPr lang="ko-KR" altLang="en-US"/>
           </a:p>
@@ -2339,7 +2341,7 @@
           <a:p>
             <a:fld id="{083A2014-1E55-493B-BBAA-4A9392E5EECC}" type="datetimeFigureOut">
               <a:rPr lang="ko-KR" altLang="en-US" smtClean="0"/>
-              <a:t>2022. 4. 7.</a:t>
+              <a:t>2022. 4. 8.</a:t>
             </a:fld>
             <a:endParaRPr lang="ko-KR" altLang="en-US"/>
           </a:p>
@@ -2550,7 +2552,7 @@
           <a:p>
             <a:fld id="{083A2014-1E55-493B-BBAA-4A9392E5EECC}" type="datetimeFigureOut">
               <a:rPr lang="ko-KR" altLang="en-US" smtClean="0"/>
-              <a:t>2022. 4. 7.</a:t>
+              <a:t>2022. 4. 8.</a:t>
             </a:fld>
             <a:endParaRPr lang="ko-KR" altLang="en-US"/>
           </a:p>
@@ -3079,6 +3081,152 @@
     <p:extLst>
       <p:ext uri="{BB962C8B-B14F-4D97-AF65-F5344CB8AC3E}">
         <p14:creationId xmlns:p14="http://schemas.microsoft.com/office/powerpoint/2010/main" val="3758411757"/>
+      </p:ext>
+    </p:extLst>
+  </p:cSld>
+  <p:clrMapOvr>
+    <a:masterClrMapping/>
+  </p:clrMapOvr>
+</p:sld>
+</file>
+
+<file path=ppt/slides/slide10.xml><?xml version="1.0" encoding="utf-8"?>
+<p:sld xmlns:a="http://schemas.openxmlformats.org/drawingml/2006/main" xmlns:r="http://schemas.openxmlformats.org/officeDocument/2006/relationships" xmlns:p="http://schemas.openxmlformats.org/presentationml/2006/main">
+  <p:cSld>
+    <p:spTree>
+      <p:nvGrpSpPr>
+        <p:cNvPr id="1" name=""/>
+        <p:cNvGrpSpPr/>
+        <p:nvPr/>
+      </p:nvGrpSpPr>
+      <p:grpSpPr>
+        <a:xfrm>
+          <a:off x="0" y="0"/>
+          <a:ext cx="0" cy="0"/>
+          <a:chOff x="0" y="0"/>
+          <a:chExt cx="0" cy="0"/>
+        </a:xfrm>
+      </p:grpSpPr>
+      <p:grpSp>
+        <p:nvGrpSpPr>
+          <p:cNvPr id="3" name="그룹 2">
+            <a:extLst>
+              <a:ext uri="{FF2B5EF4-FFF2-40B4-BE49-F238E27FC236}">
+                <a16:creationId xmlns:a16="http://schemas.microsoft.com/office/drawing/2014/main" id="{EA960D3F-6DDB-DF49-AB93-42C1E5E55E1D}"/>
+              </a:ext>
+            </a:extLst>
+          </p:cNvPr>
+          <p:cNvGrpSpPr/>
+          <p:nvPr/>
+        </p:nvGrpSpPr>
+        <p:grpSpPr>
+          <a:xfrm>
+            <a:off x="2503918" y="256375"/>
+            <a:ext cx="5375304" cy="5383850"/>
+            <a:chOff x="2503918" y="256375"/>
+            <a:chExt cx="5375304" cy="5383850"/>
+          </a:xfrm>
+        </p:grpSpPr>
+        <p:pic>
+          <p:nvPicPr>
+            <p:cNvPr id="4" name="그림 3" descr="텍스트이(가) 표시된 사진&#10;&#10;자동 생성된 설명">
+              <a:extLst>
+                <a:ext uri="{FF2B5EF4-FFF2-40B4-BE49-F238E27FC236}">
+                  <a16:creationId xmlns:a16="http://schemas.microsoft.com/office/drawing/2014/main" id="{42C62874-258B-284C-B9DB-C01FCED2D626}"/>
+                </a:ext>
+              </a:extLst>
+            </p:cNvPr>
+            <p:cNvPicPr>
+              <a:picLocks noChangeAspect="1"/>
+            </p:cNvPicPr>
+            <p:nvPr/>
+          </p:nvPicPr>
+          <p:blipFill rotWithShape="1">
+            <a:blip r:embed="rId2">
+              <a:extLst>
+                <a:ext uri="{28A0092B-C50C-407E-A947-70E740481C1C}">
+                  <a14:useLocalDpi xmlns:a14="http://schemas.microsoft.com/office/drawing/2010/main" val="0"/>
+                </a:ext>
+              </a:extLst>
+            </a:blip>
+            <a:srcRect l="1298" t="36" r="13197" b="18441"/>
+            <a:stretch/>
+          </p:blipFill>
+          <p:spPr>
+            <a:xfrm>
+              <a:off x="2503918" y="256375"/>
+              <a:ext cx="5375304" cy="5383850"/>
+            </a:xfrm>
+            <a:prstGeom prst="rect">
+              <a:avLst/>
+            </a:prstGeom>
+          </p:spPr>
+        </p:pic>
+        <p:sp>
+          <p:nvSpPr>
+            <p:cNvPr id="7" name="TextBox 6">
+              <a:extLst>
+                <a:ext uri="{FF2B5EF4-FFF2-40B4-BE49-F238E27FC236}">
+                  <a16:creationId xmlns:a16="http://schemas.microsoft.com/office/drawing/2014/main" id="{2B74201C-45BA-FC44-8D37-FAB845F2299C}"/>
+                </a:ext>
+              </a:extLst>
+            </p:cNvPr>
+            <p:cNvSpPr txBox="1"/>
+            <p:nvPr/>
+          </p:nvSpPr>
+          <p:spPr>
+            <a:xfrm>
+              <a:off x="2651839" y="3646053"/>
+              <a:ext cx="1604851" cy="1938992"/>
+            </a:xfrm>
+            <a:prstGeom prst="rect">
+              <a:avLst/>
+            </a:prstGeom>
+            <a:noFill/>
+          </p:spPr>
+          <p:txBody>
+            <a:bodyPr vert="horz" wrap="square" rtlCol="0" anchor="ctr">
+              <a:spAutoFit/>
+            </a:bodyPr>
+            <a:lstStyle/>
+            <a:p>
+              <a:r>
+                <a:rPr kumimoji="1" lang="en-US" altLang="en-US" sz="4000" b="1" dirty="0">
+                  <a:latin typeface="NanumGothic" panose="020D0604000000000000" pitchFamily="34" charset="-127"/>
+                  <a:ea typeface="NanumGothic" panose="020D0604000000000000" pitchFamily="34" charset="-127"/>
+                </a:rPr>
+                <a:t>for</a:t>
+              </a:r>
+            </a:p>
+            <a:p>
+              <a:r>
+                <a:rPr kumimoji="1" lang="en-US" altLang="en-US" sz="4000" b="1" dirty="0">
+                  <a:latin typeface="NanumGothic" panose="020D0604000000000000" pitchFamily="34" charset="-127"/>
+                  <a:ea typeface="NanumGothic" panose="020D0604000000000000" pitchFamily="34" charset="-127"/>
+                </a:rPr>
+                <a:t>await</a:t>
+              </a:r>
+            </a:p>
+            <a:p>
+              <a:r>
+                <a:rPr kumimoji="1" lang="en-US" altLang="en-US" sz="4000" b="1" dirty="0">
+                  <a:latin typeface="NanumGothic" panose="020D0604000000000000" pitchFamily="34" charset="-127"/>
+                  <a:ea typeface="NanumGothic" panose="020D0604000000000000" pitchFamily="34" charset="-127"/>
+                </a:rPr>
+                <a:t>of</a:t>
+              </a:r>
+              <a:endParaRPr kumimoji="1" lang="en-US" altLang="en-US" b="1" dirty="0">
+                <a:latin typeface="NanumGothic" panose="020D0604000000000000" pitchFamily="34" charset="-127"/>
+                <a:ea typeface="NanumGothic" panose="020D0604000000000000" pitchFamily="34" charset="-127"/>
+              </a:endParaRPr>
+            </a:p>
+          </p:txBody>
+        </p:sp>
+      </p:grpSp>
+    </p:spTree>
+    <p:extLst>
+      <p:ext uri="{BB962C8B-B14F-4D97-AF65-F5344CB8AC3E}">
+        <p14:creationId xmlns:p14="http://schemas.microsoft.com/office/powerpoint/2010/main" val="3217196637"/>
       </p:ext>
     </p:extLst>
   </p:cSld>
@@ -4407,6 +4555,174 @@
 </p:sld>
 </file>
 
+<file path=ppt/slides/slide9.xml><?xml version="1.0" encoding="utf-8"?>
+<p:sld xmlns:a="http://schemas.openxmlformats.org/drawingml/2006/main" xmlns:r="http://schemas.openxmlformats.org/officeDocument/2006/relationships" xmlns:p="http://schemas.openxmlformats.org/presentationml/2006/main">
+  <p:cSld>
+    <p:spTree>
+      <p:nvGrpSpPr>
+        <p:cNvPr id="1" name=""/>
+        <p:cNvGrpSpPr/>
+        <p:nvPr/>
+      </p:nvGrpSpPr>
+      <p:grpSpPr>
+        <a:xfrm>
+          <a:off x="0" y="0"/>
+          <a:ext cx="0" cy="0"/>
+          <a:chOff x="0" y="0"/>
+          <a:chExt cx="0" cy="0"/>
+        </a:xfrm>
+      </p:grpSpPr>
+      <p:grpSp>
+        <p:nvGrpSpPr>
+          <p:cNvPr id="10" name="그룹 9">
+            <a:extLst>
+              <a:ext uri="{FF2B5EF4-FFF2-40B4-BE49-F238E27FC236}">
+                <a16:creationId xmlns:a16="http://schemas.microsoft.com/office/drawing/2014/main" id="{236BF27F-133A-E344-A87D-38E09B03A4DD}"/>
+              </a:ext>
+            </a:extLst>
+          </p:cNvPr>
+          <p:cNvGrpSpPr/>
+          <p:nvPr/>
+        </p:nvGrpSpPr>
+        <p:grpSpPr>
+          <a:xfrm>
+            <a:off x="828297" y="1803400"/>
+            <a:ext cx="3251201" cy="3251200"/>
+            <a:chOff x="4470399" y="1803400"/>
+            <a:chExt cx="3251201" cy="3251200"/>
+          </a:xfrm>
+        </p:grpSpPr>
+        <p:pic>
+          <p:nvPicPr>
+            <p:cNvPr id="8" name="그림 7">
+              <a:extLst>
+                <a:ext uri="{FF2B5EF4-FFF2-40B4-BE49-F238E27FC236}">
+                  <a16:creationId xmlns:a16="http://schemas.microsoft.com/office/drawing/2014/main" id="{0E5AAED7-2828-AA41-A2D0-803B05AEB402}"/>
+                </a:ext>
+              </a:extLst>
+            </p:cNvPr>
+            <p:cNvPicPr>
+              <a:picLocks noChangeAspect="1"/>
+            </p:cNvPicPr>
+            <p:nvPr/>
+          </p:nvPicPr>
+          <p:blipFill>
+            <a:blip r:embed="rId2">
+              <a:extLst>
+                <a:ext uri="{28A0092B-C50C-407E-A947-70E740481C1C}">
+                  <a14:useLocalDpi xmlns:a14="http://schemas.microsoft.com/office/drawing/2010/main" val="0"/>
+                </a:ext>
+              </a:extLst>
+            </a:blip>
+            <a:stretch>
+              <a:fillRect/>
+            </a:stretch>
+          </p:blipFill>
+          <p:spPr>
+            <a:xfrm>
+              <a:off x="4470400" y="1803400"/>
+              <a:ext cx="3251200" cy="3251200"/>
+            </a:xfrm>
+            <a:prstGeom prst="rect">
+              <a:avLst/>
+            </a:prstGeom>
+          </p:spPr>
+        </p:pic>
+        <p:sp>
+          <p:nvSpPr>
+            <p:cNvPr id="6" name="TextBox 5">
+              <a:extLst>
+                <a:ext uri="{FF2B5EF4-FFF2-40B4-BE49-F238E27FC236}">
+                  <a16:creationId xmlns:a16="http://schemas.microsoft.com/office/drawing/2014/main" id="{46395205-AF83-404C-A189-3F894F7A1AB7}"/>
+                </a:ext>
+              </a:extLst>
+            </p:cNvPr>
+            <p:cNvSpPr txBox="1"/>
+            <p:nvPr/>
+          </p:nvSpPr>
+          <p:spPr>
+            <a:xfrm>
+              <a:off x="4470399" y="3854271"/>
+              <a:ext cx="3251201" cy="1200329"/>
+            </a:xfrm>
+            <a:prstGeom prst="rect">
+              <a:avLst/>
+            </a:prstGeom>
+            <a:noFill/>
+          </p:spPr>
+          <p:txBody>
+            <a:bodyPr wrap="square" rtlCol="0" anchor="ctr">
+              <a:spAutoFit/>
+            </a:bodyPr>
+            <a:lstStyle/>
+            <a:p>
+              <a:pPr algn="ctr"/>
+              <a:r>
+                <a:rPr kumimoji="1" lang="en-US" altLang="en-US" sz="4800" b="1" dirty="0">
+                  <a:latin typeface="NanumGothic" panose="020D0604000000000000" pitchFamily="34" charset="-127"/>
+                  <a:ea typeface="NanumGothic" panose="020D0604000000000000" pitchFamily="34" charset="-127"/>
+                </a:rPr>
+                <a:t>Promise</a:t>
+              </a:r>
+            </a:p>
+            <a:p>
+              <a:pPr algn="ctr"/>
+              <a:r>
+                <a:rPr kumimoji="1" lang="en-US" altLang="en-US" sz="2400" b="1" dirty="0">
+                  <a:latin typeface="NanumGothic" panose="020D0604000000000000" pitchFamily="34" charset="-127"/>
+                  <a:ea typeface="NanumGothic" panose="020D0604000000000000" pitchFamily="34" charset="-127"/>
+                </a:rPr>
+                <a:t>all</a:t>
+              </a:r>
+            </a:p>
+          </p:txBody>
+        </p:sp>
+      </p:grpSp>
+      <p:sp>
+        <p:nvSpPr>
+          <p:cNvPr id="11" name="TextBox 10">
+            <a:extLst>
+              <a:ext uri="{FF2B5EF4-FFF2-40B4-BE49-F238E27FC236}">
+                <a16:creationId xmlns:a16="http://schemas.microsoft.com/office/drawing/2014/main" id="{7CEB049B-8147-E045-A90C-C9B2CEAC2285}"/>
+              </a:ext>
+            </a:extLst>
+          </p:cNvPr>
+          <p:cNvSpPr txBox="1"/>
+          <p:nvPr/>
+        </p:nvSpPr>
+        <p:spPr>
+          <a:xfrm>
+            <a:off x="9109276" y="2627453"/>
+            <a:ext cx="184731" cy="369332"/>
+          </a:xfrm>
+          <a:prstGeom prst="rect">
+            <a:avLst/>
+          </a:prstGeom>
+          <a:noFill/>
+        </p:spPr>
+        <p:txBody>
+          <a:bodyPr wrap="none" rtlCol="0">
+            <a:spAutoFit/>
+          </a:bodyPr>
+          <a:lstStyle/>
+          <a:p>
+            <a:endParaRPr kumimoji="1" lang="ko-Kore-KR" altLang="en-US" dirty="0"/>
+          </a:p>
+        </p:txBody>
+      </p:sp>
+    </p:spTree>
+    <p:extLst>
+      <p:ext uri="{BB962C8B-B14F-4D97-AF65-F5344CB8AC3E}">
+        <p14:creationId xmlns:p14="http://schemas.microsoft.com/office/powerpoint/2010/main" val="2363193522"/>
+      </p:ext>
+    </p:extLst>
+  </p:cSld>
+  <p:clrMapOvr>
+    <a:masterClrMapping/>
+  </p:clrMapOvr>
+</p:sld>
+</file>
+
 <file path=ppt/theme/theme1.xml><?xml version="1.0" encoding="utf-8"?>
 <a:theme xmlns:a="http://schemas.openxmlformats.org/drawingml/2006/main" name="Office 테마">
   <a:themeElements>

--- a/icon.pptx
+++ b/icon.pptx
@@ -15,6 +15,7 @@
     <p:sldId id="263" r:id="rId9"/>
     <p:sldId id="264" r:id="rId10"/>
     <p:sldId id="267" r:id="rId11"/>
+    <p:sldId id="268" r:id="rId12"/>
   </p:sldIdLst>
   <p:sldSz cx="12192000" cy="6858000"/>
   <p:notesSz cx="6858000" cy="9144000"/>
@@ -250,7 +251,7 @@
           <a:p>
             <a:fld id="{083A2014-1E55-493B-BBAA-4A9392E5EECC}" type="datetimeFigureOut">
               <a:rPr lang="ko-KR" altLang="en-US" smtClean="0"/>
-              <a:t>2022. 4. 8.</a:t>
+              <a:t>2022. 4. 11.</a:t>
             </a:fld>
             <a:endParaRPr lang="ko-KR" altLang="en-US"/>
           </a:p>
@@ -418,7 +419,7 @@
           <a:p>
             <a:fld id="{083A2014-1E55-493B-BBAA-4A9392E5EECC}" type="datetimeFigureOut">
               <a:rPr lang="ko-KR" altLang="en-US" smtClean="0"/>
-              <a:t>2022. 4. 8.</a:t>
+              <a:t>2022. 4. 11.</a:t>
             </a:fld>
             <a:endParaRPr lang="ko-KR" altLang="en-US"/>
           </a:p>
@@ -596,7 +597,7 @@
           <a:p>
             <a:fld id="{083A2014-1E55-493B-BBAA-4A9392E5EECC}" type="datetimeFigureOut">
               <a:rPr lang="ko-KR" altLang="en-US" smtClean="0"/>
-              <a:t>2022. 4. 8.</a:t>
+              <a:t>2022. 4. 11.</a:t>
             </a:fld>
             <a:endParaRPr lang="ko-KR" altLang="en-US"/>
           </a:p>
@@ -764,7 +765,7 @@
           <a:p>
             <a:fld id="{083A2014-1E55-493B-BBAA-4A9392E5EECC}" type="datetimeFigureOut">
               <a:rPr lang="ko-KR" altLang="en-US" smtClean="0"/>
-              <a:t>2022. 4. 8.</a:t>
+              <a:t>2022. 4. 11.</a:t>
             </a:fld>
             <a:endParaRPr lang="ko-KR" altLang="en-US"/>
           </a:p>
@@ -1009,7 +1010,7 @@
           <a:p>
             <a:fld id="{083A2014-1E55-493B-BBAA-4A9392E5EECC}" type="datetimeFigureOut">
               <a:rPr lang="ko-KR" altLang="en-US" smtClean="0"/>
-              <a:t>2022. 4. 8.</a:t>
+              <a:t>2022. 4. 11.</a:t>
             </a:fld>
             <a:endParaRPr lang="ko-KR" altLang="en-US"/>
           </a:p>
@@ -1238,7 +1239,7 @@
           <a:p>
             <a:fld id="{083A2014-1E55-493B-BBAA-4A9392E5EECC}" type="datetimeFigureOut">
               <a:rPr lang="ko-KR" altLang="en-US" smtClean="0"/>
-              <a:t>2022. 4. 8.</a:t>
+              <a:t>2022. 4. 11.</a:t>
             </a:fld>
             <a:endParaRPr lang="ko-KR" altLang="en-US"/>
           </a:p>
@@ -1602,7 +1603,7 @@
           <a:p>
             <a:fld id="{083A2014-1E55-493B-BBAA-4A9392E5EECC}" type="datetimeFigureOut">
               <a:rPr lang="ko-KR" altLang="en-US" smtClean="0"/>
-              <a:t>2022. 4. 8.</a:t>
+              <a:t>2022. 4. 11.</a:t>
             </a:fld>
             <a:endParaRPr lang="ko-KR" altLang="en-US"/>
           </a:p>
@@ -1719,7 +1720,7 @@
           <a:p>
             <a:fld id="{083A2014-1E55-493B-BBAA-4A9392E5EECC}" type="datetimeFigureOut">
               <a:rPr lang="ko-KR" altLang="en-US" smtClean="0"/>
-              <a:t>2022. 4. 8.</a:t>
+              <a:t>2022. 4. 11.</a:t>
             </a:fld>
             <a:endParaRPr lang="ko-KR" altLang="en-US"/>
           </a:p>
@@ -1814,7 +1815,7 @@
           <a:p>
             <a:fld id="{083A2014-1E55-493B-BBAA-4A9392E5EECC}" type="datetimeFigureOut">
               <a:rPr lang="ko-KR" altLang="en-US" smtClean="0"/>
-              <a:t>2022. 4. 8.</a:t>
+              <a:t>2022. 4. 11.</a:t>
             </a:fld>
             <a:endParaRPr lang="ko-KR" altLang="en-US"/>
           </a:p>
@@ -2089,7 +2090,7 @@
           <a:p>
             <a:fld id="{083A2014-1E55-493B-BBAA-4A9392E5EECC}" type="datetimeFigureOut">
               <a:rPr lang="ko-KR" altLang="en-US" smtClean="0"/>
-              <a:t>2022. 4. 8.</a:t>
+              <a:t>2022. 4. 11.</a:t>
             </a:fld>
             <a:endParaRPr lang="ko-KR" altLang="en-US"/>
           </a:p>
@@ -2341,7 +2342,7 @@
           <a:p>
             <a:fld id="{083A2014-1E55-493B-BBAA-4A9392E5EECC}" type="datetimeFigureOut">
               <a:rPr lang="ko-KR" altLang="en-US" smtClean="0"/>
-              <a:t>2022. 4. 8.</a:t>
+              <a:t>2022. 4. 11.</a:t>
             </a:fld>
             <a:endParaRPr lang="ko-KR" altLang="en-US"/>
           </a:p>
@@ -2552,7 +2553,7 @@
           <a:p>
             <a:fld id="{083A2014-1E55-493B-BBAA-4A9392E5EECC}" type="datetimeFigureOut">
               <a:rPr lang="ko-KR" altLang="en-US" smtClean="0"/>
-              <a:t>2022. 4. 8.</a:t>
+              <a:t>2022. 4. 11.</a:t>
             </a:fld>
             <a:endParaRPr lang="ko-KR" altLang="en-US"/>
           </a:p>
@@ -3107,126 +3108,40 @@
           <a:chExt cx="0" cy="0"/>
         </a:xfrm>
       </p:grpSpPr>
-      <p:grpSp>
-        <p:nvGrpSpPr>
-          <p:cNvPr id="3" name="그룹 2">
-            <a:extLst>
-              <a:ext uri="{FF2B5EF4-FFF2-40B4-BE49-F238E27FC236}">
-                <a16:creationId xmlns:a16="http://schemas.microsoft.com/office/drawing/2014/main" id="{EA960D3F-6DDB-DF49-AB93-42C1E5E55E1D}"/>
-              </a:ext>
-            </a:extLst>
-          </p:cNvPr>
-          <p:cNvGrpSpPr/>
-          <p:nvPr/>
-        </p:nvGrpSpPr>
-        <p:grpSpPr>
-          <a:xfrm>
-            <a:off x="2503918" y="256375"/>
-            <a:ext cx="5375304" cy="5383850"/>
-            <a:chOff x="2503918" y="256375"/>
-            <a:chExt cx="5375304" cy="5383850"/>
-          </a:xfrm>
-        </p:grpSpPr>
-        <p:pic>
-          <p:nvPicPr>
-            <p:cNvPr id="4" name="그림 3" descr="텍스트이(가) 표시된 사진&#10;&#10;자동 생성된 설명">
-              <a:extLst>
-                <a:ext uri="{FF2B5EF4-FFF2-40B4-BE49-F238E27FC236}">
-                  <a16:creationId xmlns:a16="http://schemas.microsoft.com/office/drawing/2014/main" id="{42C62874-258B-284C-B9DB-C01FCED2D626}"/>
-                </a:ext>
-              </a:extLst>
-            </p:cNvPr>
-            <p:cNvPicPr>
-              <a:picLocks noChangeAspect="1"/>
-            </p:cNvPicPr>
-            <p:nvPr/>
-          </p:nvPicPr>
-          <p:blipFill rotWithShape="1">
-            <a:blip r:embed="rId2">
-              <a:extLst>
-                <a:ext uri="{28A0092B-C50C-407E-A947-70E740481C1C}">
-                  <a14:useLocalDpi xmlns:a14="http://schemas.microsoft.com/office/drawing/2010/main" val="0"/>
-                </a:ext>
-              </a:extLst>
-            </a:blip>
-            <a:srcRect l="1298" t="36" r="13197" b="18441"/>
-            <a:stretch/>
-          </p:blipFill>
-          <p:spPr>
-            <a:xfrm>
-              <a:off x="2503918" y="256375"/>
-              <a:ext cx="5375304" cy="5383850"/>
-            </a:xfrm>
-            <a:prstGeom prst="rect">
-              <a:avLst/>
-            </a:prstGeom>
-          </p:spPr>
-        </p:pic>
-        <p:sp>
-          <p:nvSpPr>
-            <p:cNvPr id="7" name="TextBox 6">
-              <a:extLst>
-                <a:ext uri="{FF2B5EF4-FFF2-40B4-BE49-F238E27FC236}">
-                  <a16:creationId xmlns:a16="http://schemas.microsoft.com/office/drawing/2014/main" id="{2B74201C-45BA-FC44-8D37-FAB845F2299C}"/>
-                </a:ext>
-              </a:extLst>
-            </p:cNvPr>
-            <p:cNvSpPr txBox="1"/>
-            <p:nvPr/>
-          </p:nvSpPr>
-          <p:spPr>
-            <a:xfrm>
-              <a:off x="2651839" y="3646053"/>
-              <a:ext cx="1604851" cy="1938992"/>
-            </a:xfrm>
-            <a:prstGeom prst="rect">
-              <a:avLst/>
-            </a:prstGeom>
-            <a:noFill/>
-          </p:spPr>
-          <p:txBody>
-            <a:bodyPr vert="horz" wrap="square" rtlCol="0" anchor="ctr">
-              <a:spAutoFit/>
-            </a:bodyPr>
-            <a:lstStyle/>
-            <a:p>
-              <a:r>
-                <a:rPr kumimoji="1" lang="en-US" altLang="en-US" sz="4000" b="1" dirty="0">
-                  <a:latin typeface="NanumGothic" panose="020D0604000000000000" pitchFamily="34" charset="-127"/>
-                  <a:ea typeface="NanumGothic" panose="020D0604000000000000" pitchFamily="34" charset="-127"/>
-                </a:rPr>
-                <a:t>for</a:t>
-              </a:r>
-            </a:p>
-            <a:p>
-              <a:r>
-                <a:rPr kumimoji="1" lang="en-US" altLang="en-US" sz="4000" b="1" dirty="0">
-                  <a:latin typeface="NanumGothic" panose="020D0604000000000000" pitchFamily="34" charset="-127"/>
-                  <a:ea typeface="NanumGothic" panose="020D0604000000000000" pitchFamily="34" charset="-127"/>
-                </a:rPr>
-                <a:t>await</a:t>
-              </a:r>
-            </a:p>
-            <a:p>
-              <a:r>
-                <a:rPr kumimoji="1" lang="en-US" altLang="en-US" sz="4000" b="1" dirty="0">
-                  <a:latin typeface="NanumGothic" panose="020D0604000000000000" pitchFamily="34" charset="-127"/>
-                  <a:ea typeface="NanumGothic" panose="020D0604000000000000" pitchFamily="34" charset="-127"/>
-                </a:rPr>
-                <a:t>of</a:t>
-              </a:r>
-              <a:endParaRPr kumimoji="1" lang="en-US" altLang="en-US" b="1" dirty="0">
-                <a:latin typeface="NanumGothic" panose="020D0604000000000000" pitchFamily="34" charset="-127"/>
-                <a:ea typeface="NanumGothic" panose="020D0604000000000000" pitchFamily="34" charset="-127"/>
-              </a:endParaRPr>
-            </a:p>
-          </p:txBody>
-        </p:sp>
-      </p:grpSp>
     </p:spTree>
     <p:extLst>
       <p:ext uri="{BB962C8B-B14F-4D97-AF65-F5344CB8AC3E}">
         <p14:creationId xmlns:p14="http://schemas.microsoft.com/office/powerpoint/2010/main" val="3217196637"/>
+      </p:ext>
+    </p:extLst>
+  </p:cSld>
+  <p:clrMapOvr>
+    <a:masterClrMapping/>
+  </p:clrMapOvr>
+</p:sld>
+</file>
+
+<file path=ppt/slides/slide11.xml><?xml version="1.0" encoding="utf-8"?>
+<p:sld xmlns:a="http://schemas.openxmlformats.org/drawingml/2006/main" xmlns:r="http://schemas.openxmlformats.org/officeDocument/2006/relationships" xmlns:p="http://schemas.openxmlformats.org/presentationml/2006/main">
+  <p:cSld>
+    <p:spTree>
+      <p:nvGrpSpPr>
+        <p:cNvPr id="1" name=""/>
+        <p:cNvGrpSpPr/>
+        <p:nvPr/>
+      </p:nvGrpSpPr>
+      <p:grpSpPr>
+        <a:xfrm>
+          <a:off x="0" y="0"/>
+          <a:ext cx="0" cy="0"/>
+          <a:chOff x="0" y="0"/>
+          <a:chExt cx="0" cy="0"/>
+        </a:xfrm>
+      </p:grpSpPr>
+    </p:spTree>
+    <p:extLst>
+      <p:ext uri="{BB962C8B-B14F-4D97-AF65-F5344CB8AC3E}">
+        <p14:creationId xmlns:p14="http://schemas.microsoft.com/office/powerpoint/2010/main" val="3038237406"/>
       </p:ext>
     </p:extLst>
   </p:cSld>
@@ -4710,6 +4625,217 @@
           </a:p>
         </p:txBody>
       </p:sp>
+      <p:grpSp>
+        <p:nvGrpSpPr>
+          <p:cNvPr id="4" name="그룹 3">
+            <a:extLst>
+              <a:ext uri="{FF2B5EF4-FFF2-40B4-BE49-F238E27FC236}">
+                <a16:creationId xmlns:a16="http://schemas.microsoft.com/office/drawing/2014/main" id="{1B749D38-CE7B-9F4D-AD4D-1894ECC32F20}"/>
+              </a:ext>
+            </a:extLst>
+          </p:cNvPr>
+          <p:cNvGrpSpPr/>
+          <p:nvPr/>
+        </p:nvGrpSpPr>
+        <p:grpSpPr>
+          <a:xfrm>
+            <a:off x="7572576" y="1803400"/>
+            <a:ext cx="3073400" cy="3073400"/>
+            <a:chOff x="7572576" y="1803400"/>
+            <a:chExt cx="3073400" cy="3073400"/>
+          </a:xfrm>
+        </p:grpSpPr>
+        <p:pic>
+          <p:nvPicPr>
+            <p:cNvPr id="3" name="그림 2">
+              <a:extLst>
+                <a:ext uri="{FF2B5EF4-FFF2-40B4-BE49-F238E27FC236}">
+                  <a16:creationId xmlns:a16="http://schemas.microsoft.com/office/drawing/2014/main" id="{A4133E72-AAA3-F342-94DC-7258DC2BD1BD}"/>
+                </a:ext>
+              </a:extLst>
+            </p:cNvPr>
+            <p:cNvPicPr>
+              <a:picLocks noChangeAspect="1"/>
+            </p:cNvPicPr>
+            <p:nvPr/>
+          </p:nvPicPr>
+          <p:blipFill>
+            <a:blip r:embed="rId3">
+              <a:extLst>
+                <a:ext uri="{28A0092B-C50C-407E-A947-70E740481C1C}">
+                  <a14:useLocalDpi xmlns:a14="http://schemas.microsoft.com/office/drawing/2010/main" val="0"/>
+                </a:ext>
+              </a:extLst>
+            </a:blip>
+            <a:stretch>
+              <a:fillRect/>
+            </a:stretch>
+          </p:blipFill>
+          <p:spPr>
+            <a:xfrm>
+              <a:off x="7572576" y="1803400"/>
+              <a:ext cx="3073400" cy="3073400"/>
+            </a:xfrm>
+            <a:prstGeom prst="rect">
+              <a:avLst/>
+            </a:prstGeom>
+          </p:spPr>
+        </p:pic>
+        <p:sp>
+          <p:nvSpPr>
+            <p:cNvPr id="9" name="TextBox 8">
+              <a:extLst>
+                <a:ext uri="{FF2B5EF4-FFF2-40B4-BE49-F238E27FC236}">
+                  <a16:creationId xmlns:a16="http://schemas.microsoft.com/office/drawing/2014/main" id="{1B55DA91-971E-F842-ADD8-887C8EA12B56}"/>
+                </a:ext>
+              </a:extLst>
+            </p:cNvPr>
+            <p:cNvSpPr txBox="1"/>
+            <p:nvPr/>
+          </p:nvSpPr>
+          <p:spPr>
+            <a:xfrm>
+              <a:off x="7572576" y="4066847"/>
+              <a:ext cx="3073400" cy="461665"/>
+            </a:xfrm>
+            <a:prstGeom prst="rect">
+              <a:avLst/>
+            </a:prstGeom>
+            <a:noFill/>
+          </p:spPr>
+          <p:txBody>
+            <a:bodyPr wrap="square" rtlCol="0" anchor="ctr">
+              <a:spAutoFit/>
+            </a:bodyPr>
+            <a:lstStyle/>
+            <a:p>
+              <a:pPr algn="ctr"/>
+              <a:r>
+                <a:rPr kumimoji="1" lang="en-US" altLang="en-US" sz="2400" b="1" dirty="0">
+                  <a:solidFill>
+                    <a:srgbClr val="017934"/>
+                  </a:solidFill>
+                  <a:latin typeface="NanumGothic" panose="020D0604000000000000" pitchFamily="34" charset="-127"/>
+                  <a:ea typeface="NanumGothic" panose="020D0604000000000000" pitchFamily="34" charset="-127"/>
+                </a:rPr>
+                <a:t>Async - await</a:t>
+              </a:r>
+            </a:p>
+          </p:txBody>
+        </p:sp>
+      </p:grpSp>
+      <p:grpSp>
+        <p:nvGrpSpPr>
+          <p:cNvPr id="12" name="그룹 11">
+            <a:extLst>
+              <a:ext uri="{FF2B5EF4-FFF2-40B4-BE49-F238E27FC236}">
+                <a16:creationId xmlns:a16="http://schemas.microsoft.com/office/drawing/2014/main" id="{EA5AFE03-12E2-144D-B3E0-B44C16C7228E}"/>
+              </a:ext>
+            </a:extLst>
+          </p:cNvPr>
+          <p:cNvGrpSpPr/>
+          <p:nvPr/>
+        </p:nvGrpSpPr>
+        <p:grpSpPr>
+          <a:xfrm>
+            <a:off x="4683907" y="2760979"/>
+            <a:ext cx="3073400" cy="3073400"/>
+            <a:chOff x="7572576" y="1803400"/>
+            <a:chExt cx="3073400" cy="3073400"/>
+          </a:xfrm>
+        </p:grpSpPr>
+        <p:pic>
+          <p:nvPicPr>
+            <p:cNvPr id="13" name="그림 12">
+              <a:extLst>
+                <a:ext uri="{FF2B5EF4-FFF2-40B4-BE49-F238E27FC236}">
+                  <a16:creationId xmlns:a16="http://schemas.microsoft.com/office/drawing/2014/main" id="{A400419D-A47F-1F4C-A83C-0B10658D0F45}"/>
+                </a:ext>
+              </a:extLst>
+            </p:cNvPr>
+            <p:cNvPicPr>
+              <a:picLocks noChangeAspect="1"/>
+            </p:cNvPicPr>
+            <p:nvPr/>
+          </p:nvPicPr>
+          <p:blipFill>
+            <a:blip r:embed="rId3">
+              <a:extLst>
+                <a:ext uri="{28A0092B-C50C-407E-A947-70E740481C1C}">
+                  <a14:useLocalDpi xmlns:a14="http://schemas.microsoft.com/office/drawing/2010/main" val="0"/>
+                </a:ext>
+              </a:extLst>
+            </a:blip>
+            <a:stretch>
+              <a:fillRect/>
+            </a:stretch>
+          </p:blipFill>
+          <p:spPr>
+            <a:xfrm>
+              <a:off x="7572576" y="1803400"/>
+              <a:ext cx="3073400" cy="3073400"/>
+            </a:xfrm>
+            <a:prstGeom prst="rect">
+              <a:avLst/>
+            </a:prstGeom>
+          </p:spPr>
+        </p:pic>
+        <p:sp>
+          <p:nvSpPr>
+            <p:cNvPr id="14" name="TextBox 13">
+              <a:extLst>
+                <a:ext uri="{FF2B5EF4-FFF2-40B4-BE49-F238E27FC236}">
+                  <a16:creationId xmlns:a16="http://schemas.microsoft.com/office/drawing/2014/main" id="{777D5BBE-B6E6-6944-A9F8-9E7C30540AC8}"/>
+                </a:ext>
+              </a:extLst>
+            </p:cNvPr>
+            <p:cNvSpPr txBox="1"/>
+            <p:nvPr/>
+          </p:nvSpPr>
+          <p:spPr>
+            <a:xfrm>
+              <a:off x="7572576" y="3882181"/>
+              <a:ext cx="3073400" cy="830997"/>
+            </a:xfrm>
+            <a:prstGeom prst="rect">
+              <a:avLst/>
+            </a:prstGeom>
+            <a:noFill/>
+          </p:spPr>
+          <p:txBody>
+            <a:bodyPr wrap="square" rtlCol="0" anchor="ctr">
+              <a:spAutoFit/>
+            </a:bodyPr>
+            <a:lstStyle/>
+            <a:p>
+              <a:pPr algn="ctr"/>
+              <a:r>
+                <a:rPr kumimoji="1" lang="en-US" altLang="en-US" sz="2400" b="1" dirty="0">
+                  <a:solidFill>
+                    <a:srgbClr val="017934"/>
+                  </a:solidFill>
+                  <a:latin typeface="NanumGothic" panose="020D0604000000000000" pitchFamily="34" charset="-127"/>
+                  <a:ea typeface="NanumGothic" panose="020D0604000000000000" pitchFamily="34" charset="-127"/>
+                </a:rPr>
+                <a:t>Async – await</a:t>
+              </a:r>
+            </a:p>
+            <a:p>
+              <a:pPr algn="ctr"/>
+              <a:r>
+                <a:rPr kumimoji="1" lang="en-US" altLang="en-US" sz="2400" b="1" dirty="0">
+                  <a:solidFill>
+                    <a:srgbClr val="017934"/>
+                  </a:solidFill>
+                  <a:latin typeface="NanumGothic" panose="020D0604000000000000" pitchFamily="34" charset="-127"/>
+                  <a:ea typeface="NanumGothic" panose="020D0604000000000000" pitchFamily="34" charset="-127"/>
+                </a:rPr>
+                <a:t>for await of</a:t>
+              </a:r>
+            </a:p>
+          </p:txBody>
+        </p:sp>
+      </p:grpSp>
     </p:spTree>
     <p:extLst>
       <p:ext uri="{BB962C8B-B14F-4D97-AF65-F5344CB8AC3E}">

--- a/icon.pptx
+++ b/icon.pptx
@@ -251,7 +251,7 @@
           <a:p>
             <a:fld id="{083A2014-1E55-493B-BBAA-4A9392E5EECC}" type="datetimeFigureOut">
               <a:rPr lang="ko-KR" altLang="en-US" smtClean="0"/>
-              <a:t>2022. 4. 11.</a:t>
+              <a:t>2022. 4. 14.</a:t>
             </a:fld>
             <a:endParaRPr lang="ko-KR" altLang="en-US"/>
           </a:p>
@@ -419,7 +419,7 @@
           <a:p>
             <a:fld id="{083A2014-1E55-493B-BBAA-4A9392E5EECC}" type="datetimeFigureOut">
               <a:rPr lang="ko-KR" altLang="en-US" smtClean="0"/>
-              <a:t>2022. 4. 11.</a:t>
+              <a:t>2022. 4. 14.</a:t>
             </a:fld>
             <a:endParaRPr lang="ko-KR" altLang="en-US"/>
           </a:p>
@@ -597,7 +597,7 @@
           <a:p>
             <a:fld id="{083A2014-1E55-493B-BBAA-4A9392E5EECC}" type="datetimeFigureOut">
               <a:rPr lang="ko-KR" altLang="en-US" smtClean="0"/>
-              <a:t>2022. 4. 11.</a:t>
+              <a:t>2022. 4. 14.</a:t>
             </a:fld>
             <a:endParaRPr lang="ko-KR" altLang="en-US"/>
           </a:p>
@@ -765,7 +765,7 @@
           <a:p>
             <a:fld id="{083A2014-1E55-493B-BBAA-4A9392E5EECC}" type="datetimeFigureOut">
               <a:rPr lang="ko-KR" altLang="en-US" smtClean="0"/>
-              <a:t>2022. 4. 11.</a:t>
+              <a:t>2022. 4. 14.</a:t>
             </a:fld>
             <a:endParaRPr lang="ko-KR" altLang="en-US"/>
           </a:p>
@@ -1010,7 +1010,7 @@
           <a:p>
             <a:fld id="{083A2014-1E55-493B-BBAA-4A9392E5EECC}" type="datetimeFigureOut">
               <a:rPr lang="ko-KR" altLang="en-US" smtClean="0"/>
-              <a:t>2022. 4. 11.</a:t>
+              <a:t>2022. 4. 14.</a:t>
             </a:fld>
             <a:endParaRPr lang="ko-KR" altLang="en-US"/>
           </a:p>
@@ -1239,7 +1239,7 @@
           <a:p>
             <a:fld id="{083A2014-1E55-493B-BBAA-4A9392E5EECC}" type="datetimeFigureOut">
               <a:rPr lang="ko-KR" altLang="en-US" smtClean="0"/>
-              <a:t>2022. 4. 11.</a:t>
+              <a:t>2022. 4. 14.</a:t>
             </a:fld>
             <a:endParaRPr lang="ko-KR" altLang="en-US"/>
           </a:p>
@@ -1603,7 +1603,7 @@
           <a:p>
             <a:fld id="{083A2014-1E55-493B-BBAA-4A9392E5EECC}" type="datetimeFigureOut">
               <a:rPr lang="ko-KR" altLang="en-US" smtClean="0"/>
-              <a:t>2022. 4. 11.</a:t>
+              <a:t>2022. 4. 14.</a:t>
             </a:fld>
             <a:endParaRPr lang="ko-KR" altLang="en-US"/>
           </a:p>
@@ -1720,7 +1720,7 @@
           <a:p>
             <a:fld id="{083A2014-1E55-493B-BBAA-4A9392E5EECC}" type="datetimeFigureOut">
               <a:rPr lang="ko-KR" altLang="en-US" smtClean="0"/>
-              <a:t>2022. 4. 11.</a:t>
+              <a:t>2022. 4. 14.</a:t>
             </a:fld>
             <a:endParaRPr lang="ko-KR" altLang="en-US"/>
           </a:p>
@@ -1815,7 +1815,7 @@
           <a:p>
             <a:fld id="{083A2014-1E55-493B-BBAA-4A9392E5EECC}" type="datetimeFigureOut">
               <a:rPr lang="ko-KR" altLang="en-US" smtClean="0"/>
-              <a:t>2022. 4. 11.</a:t>
+              <a:t>2022. 4. 14.</a:t>
             </a:fld>
             <a:endParaRPr lang="ko-KR" altLang="en-US"/>
           </a:p>
@@ -2090,7 +2090,7 @@
           <a:p>
             <a:fld id="{083A2014-1E55-493B-BBAA-4A9392E5EECC}" type="datetimeFigureOut">
               <a:rPr lang="ko-KR" altLang="en-US" smtClean="0"/>
-              <a:t>2022. 4. 11.</a:t>
+              <a:t>2022. 4. 14.</a:t>
             </a:fld>
             <a:endParaRPr lang="ko-KR" altLang="en-US"/>
           </a:p>
@@ -2342,7 +2342,7 @@
           <a:p>
             <a:fld id="{083A2014-1E55-493B-BBAA-4A9392E5EECC}" type="datetimeFigureOut">
               <a:rPr lang="ko-KR" altLang="en-US" smtClean="0"/>
-              <a:t>2022. 4. 11.</a:t>
+              <a:t>2022. 4. 14.</a:t>
             </a:fld>
             <a:endParaRPr lang="ko-KR" altLang="en-US"/>
           </a:p>
@@ -2553,7 +2553,7 @@
           <a:p>
             <a:fld id="{083A2014-1E55-493B-BBAA-4A9392E5EECC}" type="datetimeFigureOut">
               <a:rPr lang="ko-KR" altLang="en-US" smtClean="0"/>
-              <a:t>2022. 4. 11.</a:t>
+              <a:t>2022. 4. 14.</a:t>
             </a:fld>
             <a:endParaRPr lang="ko-KR" altLang="en-US"/>
           </a:p>
@@ -3094,6 +3094,14 @@
 <file path=ppt/slides/slide10.xml><?xml version="1.0" encoding="utf-8"?>
 <p:sld xmlns:a="http://schemas.openxmlformats.org/drawingml/2006/main" xmlns:r="http://schemas.openxmlformats.org/officeDocument/2006/relationships" xmlns:p="http://schemas.openxmlformats.org/presentationml/2006/main">
   <p:cSld>
+    <p:bg>
+      <p:bgPr>
+        <a:solidFill>
+          <a:schemeClr val="bg1"/>
+        </a:solidFill>
+        <a:effectLst/>
+      </p:bgPr>
+    </p:bg>
     <p:spTree>
       <p:nvGrpSpPr>
         <p:cNvPr id="1" name=""/>
@@ -3108,6 +3116,689 @@
           <a:chExt cx="0" cy="0"/>
         </a:xfrm>
       </p:grpSpPr>
+      <p:grpSp>
+        <p:nvGrpSpPr>
+          <p:cNvPr id="35" name="그룹 34">
+            <a:extLst>
+              <a:ext uri="{FF2B5EF4-FFF2-40B4-BE49-F238E27FC236}">
+                <a16:creationId xmlns:a16="http://schemas.microsoft.com/office/drawing/2014/main" id="{D29D01AA-784B-0545-BF1C-DD5FB3E0F484}"/>
+              </a:ext>
+            </a:extLst>
+          </p:cNvPr>
+          <p:cNvGrpSpPr/>
+          <p:nvPr/>
+        </p:nvGrpSpPr>
+        <p:grpSpPr>
+          <a:xfrm>
+            <a:off x="1447374" y="1329186"/>
+            <a:ext cx="3570717" cy="3597129"/>
+            <a:chOff x="746983" y="181322"/>
+            <a:chExt cx="3570717" cy="3597129"/>
+          </a:xfrm>
+        </p:grpSpPr>
+        <p:pic>
+          <p:nvPicPr>
+            <p:cNvPr id="5" name="그림 4">
+              <a:extLst>
+                <a:ext uri="{FF2B5EF4-FFF2-40B4-BE49-F238E27FC236}">
+                  <a16:creationId xmlns:a16="http://schemas.microsoft.com/office/drawing/2014/main" id="{00E4B39C-3071-ED45-99E4-98A857FA191B}"/>
+                </a:ext>
+              </a:extLst>
+            </p:cNvPr>
+            <p:cNvPicPr>
+              <a:picLocks noChangeAspect="1"/>
+            </p:cNvPicPr>
+            <p:nvPr/>
+          </p:nvPicPr>
+          <p:blipFill>
+            <a:blip r:embed="rId2">
+              <a:extLst>
+                <a:ext uri="{28A0092B-C50C-407E-A947-70E740481C1C}">
+                  <a14:useLocalDpi xmlns:a14="http://schemas.microsoft.com/office/drawing/2010/main" val="0"/>
+                </a:ext>
+              </a:extLst>
+            </a:blip>
+            <a:stretch>
+              <a:fillRect/>
+            </a:stretch>
+          </p:blipFill>
+          <p:spPr>
+            <a:xfrm>
+              <a:off x="3430563" y="783167"/>
+              <a:ext cx="887137" cy="887137"/>
+            </a:xfrm>
+            <a:prstGeom prst="rect">
+              <a:avLst/>
+            </a:prstGeom>
+          </p:spPr>
+        </p:pic>
+        <p:pic>
+          <p:nvPicPr>
+            <p:cNvPr id="3" name="그림 2" descr="텍스트, 전자기기, 컴퓨터이(가) 표시된 사진&#10;&#10;자동 생성된 설명">
+              <a:extLst>
+                <a:ext uri="{FF2B5EF4-FFF2-40B4-BE49-F238E27FC236}">
+                  <a16:creationId xmlns:a16="http://schemas.microsoft.com/office/drawing/2014/main" id="{C7DBD4D6-E97D-8545-9B49-4BF7AAEDF013}"/>
+                </a:ext>
+              </a:extLst>
+            </p:cNvPr>
+            <p:cNvPicPr>
+              <a:picLocks noChangeAspect="1"/>
+            </p:cNvPicPr>
+            <p:nvPr/>
+          </p:nvPicPr>
+          <p:blipFill>
+            <a:blip r:embed="rId3">
+              <a:extLst>
+                <a:ext uri="{28A0092B-C50C-407E-A947-70E740481C1C}">
+                  <a14:useLocalDpi xmlns:a14="http://schemas.microsoft.com/office/drawing/2010/main" val="0"/>
+                </a:ext>
+              </a:extLst>
+            </a:blip>
+            <a:stretch>
+              <a:fillRect/>
+            </a:stretch>
+          </p:blipFill>
+          <p:spPr>
+            <a:xfrm>
+              <a:off x="746983" y="783167"/>
+              <a:ext cx="887137" cy="887137"/>
+            </a:xfrm>
+            <a:prstGeom prst="rect">
+              <a:avLst/>
+            </a:prstGeom>
+          </p:spPr>
+        </p:pic>
+        <p:sp>
+          <p:nvSpPr>
+            <p:cNvPr id="10" name="TextBox 9">
+              <a:extLst>
+                <a:ext uri="{FF2B5EF4-FFF2-40B4-BE49-F238E27FC236}">
+                  <a16:creationId xmlns:a16="http://schemas.microsoft.com/office/drawing/2014/main" id="{57544121-8296-4E4E-9437-0E6FB7C102A5}"/>
+                </a:ext>
+              </a:extLst>
+            </p:cNvPr>
+            <p:cNvSpPr txBox="1"/>
+            <p:nvPr/>
+          </p:nvSpPr>
+          <p:spPr>
+            <a:xfrm>
+              <a:off x="746983" y="1784112"/>
+              <a:ext cx="887137" cy="307777"/>
+            </a:xfrm>
+            <a:prstGeom prst="rect">
+              <a:avLst/>
+            </a:prstGeom>
+            <a:noFill/>
+          </p:spPr>
+          <p:txBody>
+            <a:bodyPr wrap="square" rtlCol="0" anchor="t">
+              <a:spAutoFit/>
+            </a:bodyPr>
+            <a:lstStyle/>
+            <a:p>
+              <a:pPr algn="ctr"/>
+              <a:r>
+                <a:rPr kumimoji="1" lang="en-US" altLang="en-US" sz="1400" b="1" dirty="0">
+                  <a:latin typeface="NanumGothic" panose="020D0604000000000000" pitchFamily="34" charset="-127"/>
+                  <a:ea typeface="NanumGothic" panose="020D0604000000000000" pitchFamily="34" charset="-127"/>
+                </a:rPr>
+                <a:t>Client</a:t>
+              </a:r>
+            </a:p>
+          </p:txBody>
+        </p:sp>
+        <p:sp>
+          <p:nvSpPr>
+            <p:cNvPr id="11" name="TextBox 10">
+              <a:extLst>
+                <a:ext uri="{FF2B5EF4-FFF2-40B4-BE49-F238E27FC236}">
+                  <a16:creationId xmlns:a16="http://schemas.microsoft.com/office/drawing/2014/main" id="{41FA8C35-204B-384F-90B2-2934E10D22C5}"/>
+                </a:ext>
+              </a:extLst>
+            </p:cNvPr>
+            <p:cNvSpPr txBox="1"/>
+            <p:nvPr/>
+          </p:nvSpPr>
+          <p:spPr>
+            <a:xfrm>
+              <a:off x="3430562" y="1784112"/>
+              <a:ext cx="887137" cy="307777"/>
+            </a:xfrm>
+            <a:prstGeom prst="rect">
+              <a:avLst/>
+            </a:prstGeom>
+            <a:noFill/>
+          </p:spPr>
+          <p:txBody>
+            <a:bodyPr wrap="square" rtlCol="0" anchor="t">
+              <a:spAutoFit/>
+            </a:bodyPr>
+            <a:lstStyle/>
+            <a:p>
+              <a:pPr algn="ctr"/>
+              <a:r>
+                <a:rPr kumimoji="1" lang="en-US" altLang="en-US" sz="1400" b="1" dirty="0">
+                  <a:latin typeface="NanumGothic" panose="020D0604000000000000" pitchFamily="34" charset="-127"/>
+                  <a:ea typeface="NanumGothic" panose="020D0604000000000000" pitchFamily="34" charset="-127"/>
+                </a:rPr>
+                <a:t>Server</a:t>
+              </a:r>
+            </a:p>
+          </p:txBody>
+        </p:sp>
+        <p:cxnSp>
+          <p:nvCxnSpPr>
+            <p:cNvPr id="14" name="직선 화살표 연결선 13">
+              <a:extLst>
+                <a:ext uri="{FF2B5EF4-FFF2-40B4-BE49-F238E27FC236}">
+                  <a16:creationId xmlns:a16="http://schemas.microsoft.com/office/drawing/2014/main" id="{6057D62B-3B8B-894A-A2EB-23A532053DB0}"/>
+                </a:ext>
+              </a:extLst>
+            </p:cNvPr>
+            <p:cNvCxnSpPr>
+              <a:cxnSpLocks/>
+            </p:cNvCxnSpPr>
+            <p:nvPr/>
+          </p:nvCxnSpPr>
+          <p:spPr>
+            <a:xfrm>
+              <a:off x="1190551" y="2286069"/>
+              <a:ext cx="2683579" cy="0"/>
+            </a:xfrm>
+            <a:prstGeom prst="straightConnector1">
+              <a:avLst/>
+            </a:prstGeom>
+            <a:ln w="19050">
+              <a:prstDash val="sysDash"/>
+              <a:tailEnd type="triangle"/>
+            </a:ln>
+          </p:spPr>
+          <p:style>
+            <a:lnRef idx="1">
+              <a:schemeClr val="dk1"/>
+            </a:lnRef>
+            <a:fillRef idx="0">
+              <a:schemeClr val="dk1"/>
+            </a:fillRef>
+            <a:effectRef idx="0">
+              <a:schemeClr val="dk1"/>
+            </a:effectRef>
+            <a:fontRef idx="minor">
+              <a:schemeClr val="tx1"/>
+            </a:fontRef>
+          </p:style>
+        </p:cxnSp>
+        <p:cxnSp>
+          <p:nvCxnSpPr>
+            <p:cNvPr id="22" name="직선 화살표 연결선 21">
+              <a:extLst>
+                <a:ext uri="{FF2B5EF4-FFF2-40B4-BE49-F238E27FC236}">
+                  <a16:creationId xmlns:a16="http://schemas.microsoft.com/office/drawing/2014/main" id="{EB31F961-01E6-C34C-B419-440EDBCF0496}"/>
+                </a:ext>
+              </a:extLst>
+            </p:cNvPr>
+            <p:cNvCxnSpPr>
+              <a:cxnSpLocks/>
+            </p:cNvCxnSpPr>
+            <p:nvPr/>
+          </p:nvCxnSpPr>
+          <p:spPr>
+            <a:xfrm>
+              <a:off x="3837445" y="286409"/>
+              <a:ext cx="331470" cy="0"/>
+            </a:xfrm>
+            <a:prstGeom prst="straightConnector1">
+              <a:avLst/>
+            </a:prstGeom>
+            <a:ln w="19050">
+              <a:prstDash val="sysDash"/>
+              <a:tailEnd type="triangle"/>
+            </a:ln>
+          </p:spPr>
+          <p:style>
+            <a:lnRef idx="1">
+              <a:schemeClr val="dk1"/>
+            </a:lnRef>
+            <a:fillRef idx="0">
+              <a:schemeClr val="dk1"/>
+            </a:fillRef>
+            <a:effectRef idx="0">
+              <a:schemeClr val="dk1"/>
+            </a:effectRef>
+            <a:fontRef idx="minor">
+              <a:schemeClr val="tx1"/>
+            </a:fontRef>
+          </p:style>
+        </p:cxnSp>
+        <p:cxnSp>
+          <p:nvCxnSpPr>
+            <p:cNvPr id="24" name="직선 화살표 연결선 23">
+              <a:extLst>
+                <a:ext uri="{FF2B5EF4-FFF2-40B4-BE49-F238E27FC236}">
+                  <a16:creationId xmlns:a16="http://schemas.microsoft.com/office/drawing/2014/main" id="{7A723D88-88D7-FC4D-BFB9-52412034BD0E}"/>
+                </a:ext>
+              </a:extLst>
+            </p:cNvPr>
+            <p:cNvCxnSpPr>
+              <a:cxnSpLocks/>
+            </p:cNvCxnSpPr>
+            <p:nvPr/>
+          </p:nvCxnSpPr>
+          <p:spPr>
+            <a:xfrm>
+              <a:off x="3837445" y="572215"/>
+              <a:ext cx="331470" cy="0"/>
+            </a:xfrm>
+            <a:prstGeom prst="straightConnector1">
+              <a:avLst/>
+            </a:prstGeom>
+            <a:ln w="19050">
+              <a:prstDash val="solid"/>
+              <a:tailEnd type="triangle"/>
+            </a:ln>
+          </p:spPr>
+          <p:style>
+            <a:lnRef idx="1">
+              <a:schemeClr val="dk1"/>
+            </a:lnRef>
+            <a:fillRef idx="0">
+              <a:schemeClr val="dk1"/>
+            </a:fillRef>
+            <a:effectRef idx="0">
+              <a:schemeClr val="dk1"/>
+            </a:effectRef>
+            <a:fontRef idx="minor">
+              <a:schemeClr val="tx1"/>
+            </a:fontRef>
+          </p:style>
+        </p:cxnSp>
+        <p:sp>
+          <p:nvSpPr>
+            <p:cNvPr id="25" name="TextBox 24">
+              <a:extLst>
+                <a:ext uri="{FF2B5EF4-FFF2-40B4-BE49-F238E27FC236}">
+                  <a16:creationId xmlns:a16="http://schemas.microsoft.com/office/drawing/2014/main" id="{2F9B4AB7-F5EB-0D44-83B2-0C53857DB8A7}"/>
+                </a:ext>
+              </a:extLst>
+            </p:cNvPr>
+            <p:cNvSpPr txBox="1"/>
+            <p:nvPr/>
+          </p:nvSpPr>
+          <p:spPr>
+            <a:xfrm>
+              <a:off x="1618535" y="181322"/>
+              <a:ext cx="2218910" cy="215444"/>
+            </a:xfrm>
+            <a:prstGeom prst="rect">
+              <a:avLst/>
+            </a:prstGeom>
+            <a:noFill/>
+          </p:spPr>
+          <p:txBody>
+            <a:bodyPr wrap="square" rtlCol="0" anchor="ctr">
+              <a:spAutoFit/>
+            </a:bodyPr>
+            <a:lstStyle/>
+            <a:p>
+              <a:pPr algn="r"/>
+              <a:r>
+                <a:rPr kumimoji="1" lang="ko-KR" altLang="en-US" sz="800" dirty="0">
+                  <a:latin typeface="NanumGothic" panose="020D0604000000000000" pitchFamily="34" charset="-127"/>
+                  <a:ea typeface="NanumGothic" panose="020D0604000000000000" pitchFamily="34" charset="-127"/>
+                </a:rPr>
+                <a:t>쿠키를 가지지 않은 상태</a:t>
+              </a:r>
+              <a:endParaRPr kumimoji="1" lang="en-US" altLang="en-US" sz="800" dirty="0">
+                <a:latin typeface="NanumGothic" panose="020D0604000000000000" pitchFamily="34" charset="-127"/>
+                <a:ea typeface="NanumGothic" panose="020D0604000000000000" pitchFamily="34" charset="-127"/>
+              </a:endParaRPr>
+            </a:p>
+          </p:txBody>
+        </p:sp>
+        <p:sp>
+          <p:nvSpPr>
+            <p:cNvPr id="26" name="TextBox 25">
+              <a:extLst>
+                <a:ext uri="{FF2B5EF4-FFF2-40B4-BE49-F238E27FC236}">
+                  <a16:creationId xmlns:a16="http://schemas.microsoft.com/office/drawing/2014/main" id="{54916D19-955D-5A49-9AD7-58558021CDFE}"/>
+                </a:ext>
+              </a:extLst>
+            </p:cNvPr>
+            <p:cNvSpPr txBox="1"/>
+            <p:nvPr/>
+          </p:nvSpPr>
+          <p:spPr>
+            <a:xfrm>
+              <a:off x="1618535" y="463661"/>
+              <a:ext cx="2232264" cy="215444"/>
+            </a:xfrm>
+            <a:prstGeom prst="rect">
+              <a:avLst/>
+            </a:prstGeom>
+            <a:noFill/>
+          </p:spPr>
+          <p:txBody>
+            <a:bodyPr wrap="square" rtlCol="0" anchor="ctr">
+              <a:spAutoFit/>
+            </a:bodyPr>
+            <a:lstStyle/>
+            <a:p>
+              <a:pPr algn="r"/>
+              <a:r>
+                <a:rPr kumimoji="1" lang="ko-KR" altLang="en-US" sz="800" dirty="0">
+                  <a:latin typeface="NanumGothic" panose="020D0604000000000000" pitchFamily="34" charset="-127"/>
+                  <a:ea typeface="NanumGothic" panose="020D0604000000000000" pitchFamily="34" charset="-127"/>
+                </a:rPr>
+                <a:t>쿠키를 가진 상태</a:t>
+              </a:r>
+              <a:endParaRPr kumimoji="1" lang="en-US" altLang="en-US" sz="800" dirty="0">
+                <a:latin typeface="NanumGothic" panose="020D0604000000000000" pitchFamily="34" charset="-127"/>
+                <a:ea typeface="NanumGothic" panose="020D0604000000000000" pitchFamily="34" charset="-127"/>
+              </a:endParaRPr>
+            </a:p>
+          </p:txBody>
+        </p:sp>
+        <p:cxnSp>
+          <p:nvCxnSpPr>
+            <p:cNvPr id="27" name="직선 화살표 연결선 26">
+              <a:extLst>
+                <a:ext uri="{FF2B5EF4-FFF2-40B4-BE49-F238E27FC236}">
+                  <a16:creationId xmlns:a16="http://schemas.microsoft.com/office/drawing/2014/main" id="{889FA9CA-CC4C-3F41-9654-A12FC3C1252A}"/>
+                </a:ext>
+              </a:extLst>
+            </p:cNvPr>
+            <p:cNvCxnSpPr>
+              <a:cxnSpLocks/>
+            </p:cNvCxnSpPr>
+            <p:nvPr/>
+          </p:nvCxnSpPr>
+          <p:spPr>
+            <a:xfrm>
+              <a:off x="1190550" y="2648534"/>
+              <a:ext cx="2683579" cy="0"/>
+            </a:xfrm>
+            <a:prstGeom prst="straightConnector1">
+              <a:avLst/>
+            </a:prstGeom>
+            <a:ln w="19050">
+              <a:prstDash val="sysDash"/>
+              <a:headEnd type="triangle"/>
+              <a:tailEnd type="none"/>
+            </a:ln>
+          </p:spPr>
+          <p:style>
+            <a:lnRef idx="1">
+              <a:schemeClr val="dk1"/>
+            </a:lnRef>
+            <a:fillRef idx="0">
+              <a:schemeClr val="dk1"/>
+            </a:fillRef>
+            <a:effectRef idx="0">
+              <a:schemeClr val="dk1"/>
+            </a:effectRef>
+            <a:fontRef idx="minor">
+              <a:schemeClr val="tx1"/>
+            </a:fontRef>
+          </p:style>
+        </p:cxnSp>
+        <p:cxnSp>
+          <p:nvCxnSpPr>
+            <p:cNvPr id="29" name="직선 화살표 연결선 28">
+              <a:extLst>
+                <a:ext uri="{FF2B5EF4-FFF2-40B4-BE49-F238E27FC236}">
+                  <a16:creationId xmlns:a16="http://schemas.microsoft.com/office/drawing/2014/main" id="{9A34DE7D-25AD-2745-AC2A-544DC7FC85F7}"/>
+                </a:ext>
+              </a:extLst>
+            </p:cNvPr>
+            <p:cNvCxnSpPr>
+              <a:cxnSpLocks/>
+            </p:cNvCxnSpPr>
+            <p:nvPr/>
+          </p:nvCxnSpPr>
+          <p:spPr>
+            <a:xfrm>
+              <a:off x="1190550" y="3066535"/>
+              <a:ext cx="2683579" cy="0"/>
+            </a:xfrm>
+            <a:prstGeom prst="straightConnector1">
+              <a:avLst/>
+            </a:prstGeom>
+            <a:ln w="19050">
+              <a:prstDash val="solid"/>
+              <a:tailEnd type="triangle"/>
+            </a:ln>
+          </p:spPr>
+          <p:style>
+            <a:lnRef idx="1">
+              <a:schemeClr val="dk1"/>
+            </a:lnRef>
+            <a:fillRef idx="0">
+              <a:schemeClr val="dk1"/>
+            </a:fillRef>
+            <a:effectRef idx="0">
+              <a:schemeClr val="dk1"/>
+            </a:effectRef>
+            <a:fontRef idx="minor">
+              <a:schemeClr val="tx1"/>
+            </a:fontRef>
+          </p:style>
+        </p:cxnSp>
+        <p:cxnSp>
+          <p:nvCxnSpPr>
+            <p:cNvPr id="30" name="직선 화살표 연결선 29">
+              <a:extLst>
+                <a:ext uri="{FF2B5EF4-FFF2-40B4-BE49-F238E27FC236}">
+                  <a16:creationId xmlns:a16="http://schemas.microsoft.com/office/drawing/2014/main" id="{3C5D8042-CEB5-8146-935D-E72842E7D6B6}"/>
+                </a:ext>
+              </a:extLst>
+            </p:cNvPr>
+            <p:cNvCxnSpPr>
+              <a:cxnSpLocks/>
+            </p:cNvCxnSpPr>
+            <p:nvPr/>
+          </p:nvCxnSpPr>
+          <p:spPr>
+            <a:xfrm>
+              <a:off x="1190549" y="3429000"/>
+              <a:ext cx="2683579" cy="0"/>
+            </a:xfrm>
+            <a:prstGeom prst="straightConnector1">
+              <a:avLst/>
+            </a:prstGeom>
+            <a:ln w="19050">
+              <a:prstDash val="solid"/>
+              <a:headEnd type="triangle"/>
+              <a:tailEnd type="none"/>
+            </a:ln>
+          </p:spPr>
+          <p:style>
+            <a:lnRef idx="1">
+              <a:schemeClr val="dk1"/>
+            </a:lnRef>
+            <a:fillRef idx="0">
+              <a:schemeClr val="dk1"/>
+            </a:fillRef>
+            <a:effectRef idx="0">
+              <a:schemeClr val="dk1"/>
+            </a:effectRef>
+            <a:fontRef idx="minor">
+              <a:schemeClr val="tx1"/>
+            </a:fontRef>
+          </p:style>
+        </p:cxnSp>
+        <p:sp>
+          <p:nvSpPr>
+            <p:cNvPr id="31" name="TextBox 30">
+              <a:extLst>
+                <a:ext uri="{FF2B5EF4-FFF2-40B4-BE49-F238E27FC236}">
+                  <a16:creationId xmlns:a16="http://schemas.microsoft.com/office/drawing/2014/main" id="{ADDFD080-525B-CB4C-83F3-5D96FA06DE89}"/>
+                </a:ext>
+              </a:extLst>
+            </p:cNvPr>
+            <p:cNvSpPr txBox="1"/>
+            <p:nvPr/>
+          </p:nvSpPr>
+          <p:spPr>
+            <a:xfrm>
+              <a:off x="1422883" y="2328802"/>
+              <a:ext cx="2218910" cy="276999"/>
+            </a:xfrm>
+            <a:prstGeom prst="rect">
+              <a:avLst/>
+            </a:prstGeom>
+            <a:noFill/>
+          </p:spPr>
+          <p:txBody>
+            <a:bodyPr wrap="square" rtlCol="0" anchor="t">
+              <a:spAutoFit/>
+            </a:bodyPr>
+            <a:lstStyle/>
+            <a:p>
+              <a:pPr algn="ctr"/>
+              <a:r>
+                <a:rPr kumimoji="1" lang="ko-KR" altLang="en-US" sz="1200" b="1" dirty="0">
+                  <a:latin typeface="NanumGothic" panose="020D0604000000000000" pitchFamily="34" charset="-127"/>
+                  <a:ea typeface="NanumGothic" panose="020D0604000000000000" pitchFamily="34" charset="-127"/>
+                </a:rPr>
+                <a:t>요청</a:t>
+              </a:r>
+              <a:endParaRPr kumimoji="1" lang="en-US" altLang="en-US" sz="1200" b="1" dirty="0">
+                <a:latin typeface="NanumGothic" panose="020D0604000000000000" pitchFamily="34" charset="-127"/>
+                <a:ea typeface="NanumGothic" panose="020D0604000000000000" pitchFamily="34" charset="-127"/>
+              </a:endParaRPr>
+            </a:p>
+          </p:txBody>
+        </p:sp>
+        <p:sp>
+          <p:nvSpPr>
+            <p:cNvPr id="32" name="TextBox 31">
+              <a:extLst>
+                <a:ext uri="{FF2B5EF4-FFF2-40B4-BE49-F238E27FC236}">
+                  <a16:creationId xmlns:a16="http://schemas.microsoft.com/office/drawing/2014/main" id="{CFC426DA-8E55-DC47-9B35-11CF3CEFCF98}"/>
+                </a:ext>
+              </a:extLst>
+            </p:cNvPr>
+            <p:cNvSpPr txBox="1"/>
+            <p:nvPr/>
+          </p:nvSpPr>
+          <p:spPr>
+            <a:xfrm>
+              <a:off x="1422883" y="2718213"/>
+              <a:ext cx="2218910" cy="276999"/>
+            </a:xfrm>
+            <a:prstGeom prst="rect">
+              <a:avLst/>
+            </a:prstGeom>
+            <a:noFill/>
+          </p:spPr>
+          <p:txBody>
+            <a:bodyPr wrap="square" rtlCol="0" anchor="t">
+              <a:spAutoFit/>
+            </a:bodyPr>
+            <a:lstStyle/>
+            <a:p>
+              <a:pPr algn="ctr"/>
+              <a:r>
+                <a:rPr kumimoji="1" lang="ko-KR" altLang="en-US" sz="1200" b="1" dirty="0">
+                  <a:latin typeface="NanumGothic" panose="020D0604000000000000" pitchFamily="34" charset="-127"/>
+                  <a:ea typeface="NanumGothic" panose="020D0604000000000000" pitchFamily="34" charset="-127"/>
+                </a:rPr>
+                <a:t>쿠키와 함께 응답</a:t>
+              </a:r>
+              <a:endParaRPr kumimoji="1" lang="en-US" altLang="en-US" sz="1200" b="1" dirty="0">
+                <a:latin typeface="NanumGothic" panose="020D0604000000000000" pitchFamily="34" charset="-127"/>
+                <a:ea typeface="NanumGothic" panose="020D0604000000000000" pitchFamily="34" charset="-127"/>
+              </a:endParaRPr>
+            </a:p>
+          </p:txBody>
+        </p:sp>
+        <p:sp>
+          <p:nvSpPr>
+            <p:cNvPr id="33" name="TextBox 32">
+              <a:extLst>
+                <a:ext uri="{FF2B5EF4-FFF2-40B4-BE49-F238E27FC236}">
+                  <a16:creationId xmlns:a16="http://schemas.microsoft.com/office/drawing/2014/main" id="{B8082A29-1635-4345-925B-7FFAA111CC46}"/>
+                </a:ext>
+              </a:extLst>
+            </p:cNvPr>
+            <p:cNvSpPr txBox="1"/>
+            <p:nvPr/>
+          </p:nvSpPr>
+          <p:spPr>
+            <a:xfrm>
+              <a:off x="1422883" y="3112041"/>
+              <a:ext cx="2218910" cy="276999"/>
+            </a:xfrm>
+            <a:prstGeom prst="rect">
+              <a:avLst/>
+            </a:prstGeom>
+            <a:noFill/>
+          </p:spPr>
+          <p:txBody>
+            <a:bodyPr wrap="square" rtlCol="0" anchor="t">
+              <a:spAutoFit/>
+            </a:bodyPr>
+            <a:lstStyle/>
+            <a:p>
+              <a:pPr algn="ctr"/>
+              <a:r>
+                <a:rPr kumimoji="1" lang="ko-KR" altLang="en-US" sz="1200" b="1" dirty="0">
+                  <a:latin typeface="NanumGothic" panose="020D0604000000000000" pitchFamily="34" charset="-127"/>
+                  <a:ea typeface="NanumGothic" panose="020D0604000000000000" pitchFamily="34" charset="-127"/>
+                </a:rPr>
+                <a:t>쿠키와 함께 요청</a:t>
+              </a:r>
+              <a:endParaRPr kumimoji="1" lang="en-US" altLang="en-US" sz="1200" b="1" dirty="0">
+                <a:latin typeface="NanumGothic" panose="020D0604000000000000" pitchFamily="34" charset="-127"/>
+                <a:ea typeface="NanumGothic" panose="020D0604000000000000" pitchFamily="34" charset="-127"/>
+              </a:endParaRPr>
+            </a:p>
+          </p:txBody>
+        </p:sp>
+        <p:sp>
+          <p:nvSpPr>
+            <p:cNvPr id="34" name="TextBox 33">
+              <a:extLst>
+                <a:ext uri="{FF2B5EF4-FFF2-40B4-BE49-F238E27FC236}">
+                  <a16:creationId xmlns:a16="http://schemas.microsoft.com/office/drawing/2014/main" id="{70A15550-8D79-1D47-B591-EA493DF3646E}"/>
+                </a:ext>
+              </a:extLst>
+            </p:cNvPr>
+            <p:cNvSpPr txBox="1"/>
+            <p:nvPr/>
+          </p:nvSpPr>
+          <p:spPr>
+            <a:xfrm>
+              <a:off x="1422883" y="3501452"/>
+              <a:ext cx="2218910" cy="276999"/>
+            </a:xfrm>
+            <a:prstGeom prst="rect">
+              <a:avLst/>
+            </a:prstGeom>
+            <a:noFill/>
+          </p:spPr>
+          <p:txBody>
+            <a:bodyPr wrap="square" rtlCol="0" anchor="t">
+              <a:spAutoFit/>
+            </a:bodyPr>
+            <a:lstStyle/>
+            <a:p>
+              <a:pPr algn="ctr"/>
+              <a:r>
+                <a:rPr kumimoji="1" lang="ko-KR" altLang="en-US" sz="1200" b="1" dirty="0">
+                  <a:latin typeface="NanumGothic" panose="020D0604000000000000" pitchFamily="34" charset="-127"/>
+                  <a:ea typeface="NanumGothic" panose="020D0604000000000000" pitchFamily="34" charset="-127"/>
+                </a:rPr>
+                <a:t>응답</a:t>
+              </a:r>
+              <a:endParaRPr kumimoji="1" lang="en-US" altLang="en-US" sz="1200" b="1" dirty="0">
+                <a:latin typeface="NanumGothic" panose="020D0604000000000000" pitchFamily="34" charset="-127"/>
+                <a:ea typeface="NanumGothic" panose="020D0604000000000000" pitchFamily="34" charset="-127"/>
+              </a:endParaRPr>
+            </a:p>
+          </p:txBody>
+        </p:sp>
+      </p:grpSp>
     </p:spTree>
     <p:extLst>
       <p:ext uri="{BB962C8B-B14F-4D97-AF65-F5344CB8AC3E}">

--- a/icon.pptx
+++ b/icon.pptx
@@ -15,7 +15,6 @@
     <p:sldId id="263" r:id="rId9"/>
     <p:sldId id="264" r:id="rId10"/>
     <p:sldId id="267" r:id="rId11"/>
-    <p:sldId id="268" r:id="rId12"/>
   </p:sldIdLst>
   <p:sldSz cx="12192000" cy="6858000"/>
   <p:notesSz cx="6858000" cy="9144000"/>
@@ -251,7 +250,7 @@
           <a:p>
             <a:fld id="{083A2014-1E55-493B-BBAA-4A9392E5EECC}" type="datetimeFigureOut">
               <a:rPr lang="ko-KR" altLang="en-US" smtClean="0"/>
-              <a:t>2022. 4. 14.</a:t>
+              <a:t>2022. 4. 20.</a:t>
             </a:fld>
             <a:endParaRPr lang="ko-KR" altLang="en-US"/>
           </a:p>
@@ -419,7 +418,7 @@
           <a:p>
             <a:fld id="{083A2014-1E55-493B-BBAA-4A9392E5EECC}" type="datetimeFigureOut">
               <a:rPr lang="ko-KR" altLang="en-US" smtClean="0"/>
-              <a:t>2022. 4. 14.</a:t>
+              <a:t>2022. 4. 20.</a:t>
             </a:fld>
             <a:endParaRPr lang="ko-KR" altLang="en-US"/>
           </a:p>
@@ -597,7 +596,7 @@
           <a:p>
             <a:fld id="{083A2014-1E55-493B-BBAA-4A9392E5EECC}" type="datetimeFigureOut">
               <a:rPr lang="ko-KR" altLang="en-US" smtClean="0"/>
-              <a:t>2022. 4. 14.</a:t>
+              <a:t>2022. 4. 20.</a:t>
             </a:fld>
             <a:endParaRPr lang="ko-KR" altLang="en-US"/>
           </a:p>
@@ -765,7 +764,7 @@
           <a:p>
             <a:fld id="{083A2014-1E55-493B-BBAA-4A9392E5EECC}" type="datetimeFigureOut">
               <a:rPr lang="ko-KR" altLang="en-US" smtClean="0"/>
-              <a:t>2022. 4. 14.</a:t>
+              <a:t>2022. 4. 20.</a:t>
             </a:fld>
             <a:endParaRPr lang="ko-KR" altLang="en-US"/>
           </a:p>
@@ -1010,7 +1009,7 @@
           <a:p>
             <a:fld id="{083A2014-1E55-493B-BBAA-4A9392E5EECC}" type="datetimeFigureOut">
               <a:rPr lang="ko-KR" altLang="en-US" smtClean="0"/>
-              <a:t>2022. 4. 14.</a:t>
+              <a:t>2022. 4. 20.</a:t>
             </a:fld>
             <a:endParaRPr lang="ko-KR" altLang="en-US"/>
           </a:p>
@@ -1239,7 +1238,7 @@
           <a:p>
             <a:fld id="{083A2014-1E55-493B-BBAA-4A9392E5EECC}" type="datetimeFigureOut">
               <a:rPr lang="ko-KR" altLang="en-US" smtClean="0"/>
-              <a:t>2022. 4. 14.</a:t>
+              <a:t>2022. 4. 20.</a:t>
             </a:fld>
             <a:endParaRPr lang="ko-KR" altLang="en-US"/>
           </a:p>
@@ -1603,7 +1602,7 @@
           <a:p>
             <a:fld id="{083A2014-1E55-493B-BBAA-4A9392E5EECC}" type="datetimeFigureOut">
               <a:rPr lang="ko-KR" altLang="en-US" smtClean="0"/>
-              <a:t>2022. 4. 14.</a:t>
+              <a:t>2022. 4. 20.</a:t>
             </a:fld>
             <a:endParaRPr lang="ko-KR" altLang="en-US"/>
           </a:p>
@@ -1720,7 +1719,7 @@
           <a:p>
             <a:fld id="{083A2014-1E55-493B-BBAA-4A9392E5EECC}" type="datetimeFigureOut">
               <a:rPr lang="ko-KR" altLang="en-US" smtClean="0"/>
-              <a:t>2022. 4. 14.</a:t>
+              <a:t>2022. 4. 20.</a:t>
             </a:fld>
             <a:endParaRPr lang="ko-KR" altLang="en-US"/>
           </a:p>
@@ -1815,7 +1814,7 @@
           <a:p>
             <a:fld id="{083A2014-1E55-493B-BBAA-4A9392E5EECC}" type="datetimeFigureOut">
               <a:rPr lang="ko-KR" altLang="en-US" smtClean="0"/>
-              <a:t>2022. 4. 14.</a:t>
+              <a:t>2022. 4. 20.</a:t>
             </a:fld>
             <a:endParaRPr lang="ko-KR" altLang="en-US"/>
           </a:p>
@@ -2090,7 +2089,7 @@
           <a:p>
             <a:fld id="{083A2014-1E55-493B-BBAA-4A9392E5EECC}" type="datetimeFigureOut">
               <a:rPr lang="ko-KR" altLang="en-US" smtClean="0"/>
-              <a:t>2022. 4. 14.</a:t>
+              <a:t>2022. 4. 20.</a:t>
             </a:fld>
             <a:endParaRPr lang="ko-KR" altLang="en-US"/>
           </a:p>
@@ -2342,7 +2341,7 @@
           <a:p>
             <a:fld id="{083A2014-1E55-493B-BBAA-4A9392E5EECC}" type="datetimeFigureOut">
               <a:rPr lang="ko-KR" altLang="en-US" smtClean="0"/>
-              <a:t>2022. 4. 14.</a:t>
+              <a:t>2022. 4. 20.</a:t>
             </a:fld>
             <a:endParaRPr lang="ko-KR" altLang="en-US"/>
           </a:p>
@@ -2553,7 +2552,7 @@
           <a:p>
             <a:fld id="{083A2014-1E55-493B-BBAA-4A9392E5EECC}" type="datetimeFigureOut">
               <a:rPr lang="ko-KR" altLang="en-US" smtClean="0"/>
-              <a:t>2022. 4. 14.</a:t>
+              <a:t>2022. 4. 20.</a:t>
             </a:fld>
             <a:endParaRPr lang="ko-KR" altLang="en-US"/>
           </a:p>
@@ -3799,40 +3798,115 @@
           </p:txBody>
         </p:sp>
       </p:grpSp>
+      <p:grpSp>
+        <p:nvGrpSpPr>
+          <p:cNvPr id="6" name="그룹 5">
+            <a:extLst>
+              <a:ext uri="{FF2B5EF4-FFF2-40B4-BE49-F238E27FC236}">
+                <a16:creationId xmlns:a16="http://schemas.microsoft.com/office/drawing/2014/main" id="{C12B7E35-C69B-42B7-139F-7F6649B3B894}"/>
+              </a:ext>
+            </a:extLst>
+          </p:cNvPr>
+          <p:cNvGrpSpPr/>
+          <p:nvPr/>
+        </p:nvGrpSpPr>
+        <p:grpSpPr>
+          <a:xfrm>
+            <a:off x="6118171" y="958006"/>
+            <a:ext cx="4963486" cy="4941988"/>
+            <a:chOff x="6118171" y="958006"/>
+            <a:chExt cx="4963486" cy="4941988"/>
+          </a:xfrm>
+        </p:grpSpPr>
+        <p:pic>
+          <p:nvPicPr>
+            <p:cNvPr id="4" name="그림 3">
+              <a:extLst>
+                <a:ext uri="{FF2B5EF4-FFF2-40B4-BE49-F238E27FC236}">
+                  <a16:creationId xmlns:a16="http://schemas.microsoft.com/office/drawing/2014/main" id="{81B87E52-704C-61BD-62AB-88B9663EDBCD}"/>
+                </a:ext>
+              </a:extLst>
+            </p:cNvPr>
+            <p:cNvPicPr>
+              <a:picLocks noChangeAspect="1"/>
+            </p:cNvPicPr>
+            <p:nvPr/>
+          </p:nvPicPr>
+          <p:blipFill rotWithShape="1">
+            <a:blip r:embed="rId4">
+              <a:extLst>
+                <a:ext uri="{28A0092B-C50C-407E-A947-70E740481C1C}">
+                  <a14:useLocalDpi xmlns:a14="http://schemas.microsoft.com/office/drawing/2010/main" val="0"/>
+                </a:ext>
+              </a:extLst>
+            </a:blip>
+            <a:srcRect l="10920" t="11089" r="10920" b="11089"/>
+            <a:stretch/>
+          </p:blipFill>
+          <p:spPr>
+            <a:xfrm>
+              <a:off x="6118171" y="958006"/>
+              <a:ext cx="4963486" cy="4941988"/>
+            </a:xfrm>
+            <a:prstGeom prst="rect">
+              <a:avLst/>
+            </a:prstGeom>
+          </p:spPr>
+        </p:pic>
+        <p:sp>
+          <p:nvSpPr>
+            <p:cNvPr id="21" name="TextBox 20">
+              <a:extLst>
+                <a:ext uri="{FF2B5EF4-FFF2-40B4-BE49-F238E27FC236}">
+                  <a16:creationId xmlns:a16="http://schemas.microsoft.com/office/drawing/2014/main" id="{4D034719-D977-1503-32AF-5400562FFC88}"/>
+                </a:ext>
+              </a:extLst>
+            </p:cNvPr>
+            <p:cNvSpPr txBox="1"/>
+            <p:nvPr/>
+          </p:nvSpPr>
+          <p:spPr>
+            <a:xfrm>
+              <a:off x="6974313" y="4695483"/>
+              <a:ext cx="3251201" cy="707886"/>
+            </a:xfrm>
+            <a:prstGeom prst="rect">
+              <a:avLst/>
+            </a:prstGeom>
+            <a:noFill/>
+          </p:spPr>
+          <p:txBody>
+            <a:bodyPr wrap="square" rtlCol="0" anchor="ctr">
+              <a:spAutoFit/>
+            </a:bodyPr>
+            <a:lstStyle/>
+            <a:p>
+              <a:pPr algn="ctr"/>
+              <a:r>
+                <a:rPr kumimoji="1" lang="en-US" altLang="en-US" sz="4000" b="1" dirty="0">
+                  <a:solidFill>
+                    <a:srgbClr val="4F4D3E"/>
+                  </a:solidFill>
+                  <a:latin typeface="NanumGothic" panose="020D0604000000000000" pitchFamily="34" charset="-127"/>
+                  <a:ea typeface="NanumGothic" panose="020D0604000000000000" pitchFamily="34" charset="-127"/>
+                </a:rPr>
+                <a:t>ERR</a:t>
+              </a:r>
+              <a:endParaRPr kumimoji="1" lang="en-US" altLang="en-US" b="1" dirty="0">
+                <a:solidFill>
+                  <a:srgbClr val="4F4D3E"/>
+                </a:solidFill>
+                <a:latin typeface="NanumGothic" panose="020D0604000000000000" pitchFamily="34" charset="-127"/>
+                <a:ea typeface="NanumGothic" panose="020D0604000000000000" pitchFamily="34" charset="-127"/>
+              </a:endParaRPr>
+            </a:p>
+          </p:txBody>
+        </p:sp>
+      </p:grpSp>
     </p:spTree>
     <p:extLst>
       <p:ext uri="{BB962C8B-B14F-4D97-AF65-F5344CB8AC3E}">
         <p14:creationId xmlns:p14="http://schemas.microsoft.com/office/powerpoint/2010/main" val="3217196637"/>
-      </p:ext>
-    </p:extLst>
-  </p:cSld>
-  <p:clrMapOvr>
-    <a:masterClrMapping/>
-  </p:clrMapOvr>
-</p:sld>
-</file>
-
-<file path=ppt/slides/slide11.xml><?xml version="1.0" encoding="utf-8"?>
-<p:sld xmlns:a="http://schemas.openxmlformats.org/drawingml/2006/main" xmlns:r="http://schemas.openxmlformats.org/officeDocument/2006/relationships" xmlns:p="http://schemas.openxmlformats.org/presentationml/2006/main">
-  <p:cSld>
-    <p:spTree>
-      <p:nvGrpSpPr>
-        <p:cNvPr id="1" name=""/>
-        <p:cNvGrpSpPr/>
-        <p:nvPr/>
-      </p:nvGrpSpPr>
-      <p:grpSpPr>
-        <a:xfrm>
-          <a:off x="0" y="0"/>
-          <a:ext cx="0" cy="0"/>
-          <a:chOff x="0" y="0"/>
-          <a:chExt cx="0" cy="0"/>
-        </a:xfrm>
-      </p:grpSpPr>
-    </p:spTree>
-    <p:extLst>
-      <p:ext uri="{BB962C8B-B14F-4D97-AF65-F5344CB8AC3E}">
-        <p14:creationId xmlns:p14="http://schemas.microsoft.com/office/powerpoint/2010/main" val="3038237406"/>
       </p:ext>
     </p:extLst>
   </p:cSld>
@@ -4220,7 +4294,7 @@
           <p:cNvPr id="6" name="그룹 5">
             <a:extLst>
               <a:ext uri="{FF2B5EF4-FFF2-40B4-BE49-F238E27FC236}">
-                <a16:creationId xmlns:a16="http://schemas.microsoft.com/office/drawing/2014/main" id="{29D56BE5-3E94-B146-9F0A-5CCC1B8227AC}"/>
+                <a16:creationId xmlns:a16="http://schemas.microsoft.com/office/drawing/2014/main" id="{2E90E0E5-9790-3656-CC8C-D96F5900DBB7}"/>
               </a:ext>
             </a:extLst>
           </p:cNvPr>
@@ -4229,18 +4303,65 @@
         </p:nvGrpSpPr>
         <p:grpSpPr>
           <a:xfrm>
-            <a:off x="1455420" y="617220"/>
-            <a:ext cx="5143500" cy="5143500"/>
-            <a:chOff x="1455420" y="617220"/>
-            <a:chExt cx="5143500" cy="5143500"/>
+            <a:off x="1712807" y="1089000"/>
+            <a:ext cx="4680000" cy="4680000"/>
+            <a:chOff x="1712807" y="1089000"/>
+            <a:chExt cx="4680000" cy="4680000"/>
           </a:xfrm>
         </p:grpSpPr>
+        <p:sp>
+          <p:nvSpPr>
+            <p:cNvPr id="2" name="직사각형 1">
+              <a:extLst>
+                <a:ext uri="{FF2B5EF4-FFF2-40B4-BE49-F238E27FC236}">
+                  <a16:creationId xmlns:a16="http://schemas.microsoft.com/office/drawing/2014/main" id="{143CBA99-28B1-5DA7-C837-53736BFC1BDC}"/>
+                </a:ext>
+              </a:extLst>
+            </p:cNvPr>
+            <p:cNvSpPr/>
+            <p:nvPr/>
+          </p:nvSpPr>
+          <p:spPr>
+            <a:xfrm>
+              <a:off x="1712807" y="1089000"/>
+              <a:ext cx="4680000" cy="4680000"/>
+            </a:xfrm>
+            <a:prstGeom prst="rect">
+              <a:avLst/>
+            </a:prstGeom>
+            <a:ln>
+              <a:noFill/>
+            </a:ln>
+          </p:spPr>
+          <p:style>
+            <a:lnRef idx="2">
+              <a:schemeClr val="accent6"/>
+            </a:lnRef>
+            <a:fillRef idx="1">
+              <a:schemeClr val="lt1"/>
+            </a:fillRef>
+            <a:effectRef idx="0">
+              <a:schemeClr val="accent6"/>
+            </a:effectRef>
+            <a:fontRef idx="minor">
+              <a:schemeClr val="dk1"/>
+            </a:fontRef>
+          </p:style>
+          <p:txBody>
+            <a:bodyPr rtlCol="0" anchor="ctr"/>
+            <a:lstStyle/>
+            <a:p>
+              <a:pPr algn="ctr"/>
+              <a:endParaRPr kumimoji="1" lang="ko-Kore-KR" altLang="en-US"/>
+            </a:p>
+          </p:txBody>
+        </p:sp>
         <p:pic>
           <p:nvPicPr>
-            <p:cNvPr id="4" name="그림 3">
+            <p:cNvPr id="3" name="그림 2">
               <a:extLst>
                 <a:ext uri="{FF2B5EF4-FFF2-40B4-BE49-F238E27FC236}">
-                  <a16:creationId xmlns:a16="http://schemas.microsoft.com/office/drawing/2014/main" id="{7A9CB921-896B-2D4E-AC9C-603D54B6C99D}"/>
+                  <a16:creationId xmlns:a16="http://schemas.microsoft.com/office/drawing/2014/main" id="{87237672-44A8-3F45-A1EE-CC55570A17A0}"/>
                 </a:ext>
               </a:extLst>
             </p:cNvPr>
@@ -4263,115 +4384,8 @@
           </p:blipFill>
           <p:spPr>
             <a:xfrm>
-              <a:off x="1455420" y="617220"/>
-              <a:ext cx="5143500" cy="5143500"/>
-            </a:xfrm>
-            <a:prstGeom prst="rect">
-              <a:avLst/>
-            </a:prstGeom>
-          </p:spPr>
-        </p:pic>
-        <p:sp>
-          <p:nvSpPr>
-            <p:cNvPr id="9" name="TextBox 8">
-              <a:extLst>
-                <a:ext uri="{FF2B5EF4-FFF2-40B4-BE49-F238E27FC236}">
-                  <a16:creationId xmlns:a16="http://schemas.microsoft.com/office/drawing/2014/main" id="{59EC645D-4B03-2848-851A-7EE4379CE091}"/>
-                </a:ext>
-              </a:extLst>
-            </p:cNvPr>
-            <p:cNvSpPr txBox="1"/>
-            <p:nvPr/>
-          </p:nvSpPr>
-          <p:spPr>
-            <a:xfrm>
-              <a:off x="2124389" y="4469612"/>
-              <a:ext cx="3805561" cy="923330"/>
-            </a:xfrm>
-            <a:prstGeom prst="rect">
-              <a:avLst/>
-            </a:prstGeom>
-            <a:noFill/>
-          </p:spPr>
-          <p:txBody>
-            <a:bodyPr wrap="square" rtlCol="0" anchor="ctr">
-              <a:spAutoFit/>
-            </a:bodyPr>
-            <a:lstStyle/>
-            <a:p>
-              <a:pPr algn="ctr"/>
-              <a:r>
-                <a:rPr kumimoji="1" lang="en-US" altLang="en-US" sz="5400" b="1" dirty="0" err="1">
-                  <a:latin typeface="NanumGothic" panose="020D0604000000000000" pitchFamily="34" charset="-127"/>
-                  <a:ea typeface="NanumGothic" panose="020D0604000000000000" pitchFamily="34" charset="-127"/>
-                </a:rPr>
-                <a:t>isDate</a:t>
-              </a:r>
-              <a:r>
-                <a:rPr kumimoji="1" lang="en-US" altLang="en-US" sz="5400" b="1" dirty="0">
-                  <a:latin typeface="NanumGothic" panose="020D0604000000000000" pitchFamily="34" charset="-127"/>
-                  <a:ea typeface="NanumGothic" panose="020D0604000000000000" pitchFamily="34" charset="-127"/>
-                </a:rPr>
-                <a:t>?</a:t>
-              </a:r>
-              <a:endParaRPr kumimoji="1" lang="ko-Kore-KR" altLang="en-US" sz="5400" b="1" dirty="0">
-                <a:latin typeface="NanumGothic" panose="020D0604000000000000" pitchFamily="34" charset="-127"/>
-                <a:ea typeface="NanumGothic" panose="020D0604000000000000" pitchFamily="34" charset="-127"/>
-              </a:endParaRPr>
-            </a:p>
-          </p:txBody>
-        </p:sp>
-      </p:grpSp>
-      <p:grpSp>
-        <p:nvGrpSpPr>
-          <p:cNvPr id="5" name="그룹 4">
-            <a:extLst>
-              <a:ext uri="{FF2B5EF4-FFF2-40B4-BE49-F238E27FC236}">
-                <a16:creationId xmlns:a16="http://schemas.microsoft.com/office/drawing/2014/main" id="{2655593E-DC44-7D47-A061-D98C973665BA}"/>
-              </a:ext>
-            </a:extLst>
-          </p:cNvPr>
-          <p:cNvGrpSpPr/>
-          <p:nvPr/>
-        </p:nvGrpSpPr>
-        <p:grpSpPr>
-          <a:xfrm>
-            <a:off x="6888480" y="750570"/>
-            <a:ext cx="4876800" cy="4876800"/>
-            <a:chOff x="6888480" y="750570"/>
-            <a:chExt cx="4876800" cy="4876800"/>
-          </a:xfrm>
-        </p:grpSpPr>
-        <p:pic>
-          <p:nvPicPr>
-            <p:cNvPr id="3" name="그림 2">
-              <a:extLst>
-                <a:ext uri="{FF2B5EF4-FFF2-40B4-BE49-F238E27FC236}">
-                  <a16:creationId xmlns:a16="http://schemas.microsoft.com/office/drawing/2014/main" id="{87237672-44A8-3F45-A1EE-CC55570A17A0}"/>
-                </a:ext>
-              </a:extLst>
-            </p:cNvPr>
-            <p:cNvPicPr>
-              <a:picLocks noChangeAspect="1"/>
-            </p:cNvPicPr>
-            <p:nvPr/>
-          </p:nvPicPr>
-          <p:blipFill>
-            <a:blip r:embed="rId3">
-              <a:extLst>
-                <a:ext uri="{28A0092B-C50C-407E-A947-70E740481C1C}">
-                  <a14:useLocalDpi xmlns:a14="http://schemas.microsoft.com/office/drawing/2010/main" val="0"/>
-                </a:ext>
-              </a:extLst>
-            </a:blip>
-            <a:stretch>
-              <a:fillRect/>
-            </a:stretch>
-          </p:blipFill>
-          <p:spPr>
-            <a:xfrm>
-              <a:off x="6888480" y="750570"/>
-              <a:ext cx="4876800" cy="4876800"/>
+              <a:off x="1892807" y="1269000"/>
+              <a:ext cx="4320000" cy="4320000"/>
             </a:xfrm>
             <a:prstGeom prst="rect">
               <a:avLst/>
@@ -4392,8 +4406,8 @@
           </p:nvSpPr>
           <p:spPr>
             <a:xfrm>
-              <a:off x="7504109" y="4072926"/>
-              <a:ext cx="3805561" cy="1015663"/>
+              <a:off x="2367273" y="4152677"/>
+              <a:ext cx="3371068" cy="1415772"/>
             </a:xfrm>
             <a:prstGeom prst="rect">
               <a:avLst/>
@@ -4408,20 +4422,27 @@
             <a:p>
               <a:pPr algn="ctr"/>
               <a:r>
-                <a:rPr kumimoji="1" lang="en-US" altLang="en-US" sz="6000" b="1" dirty="0" err="1">
+                <a:rPr kumimoji="1" lang="en-US" altLang="en-US" sz="5400" b="1" dirty="0">
                   <a:latin typeface="NanumGothic" panose="020D0604000000000000" pitchFamily="34" charset="-127"/>
                   <a:ea typeface="NanumGothic" panose="020D0604000000000000" pitchFamily="34" charset="-127"/>
                 </a:rPr>
-                <a:t>isDate</a:t>
+                <a:t>Date</a:t>
               </a:r>
+              <a:endParaRPr kumimoji="1" lang="en-US" altLang="en-US" sz="6000" b="1" dirty="0">
+                <a:latin typeface="NanumGothic" panose="020D0604000000000000" pitchFamily="34" charset="-127"/>
+                <a:ea typeface="NanumGothic" panose="020D0604000000000000" pitchFamily="34" charset="-127"/>
+              </a:endParaRPr>
+            </a:p>
+            <a:p>
+              <a:pPr algn="ctr"/>
               <a:r>
-                <a:rPr kumimoji="1" lang="en-US" altLang="en-US" sz="6000" b="1" dirty="0">
+                <a:rPr kumimoji="1" lang="en-US" altLang="ko-Kore-KR" sz="3200" b="1" dirty="0">
                   <a:latin typeface="NanumGothic" panose="020D0604000000000000" pitchFamily="34" charset="-127"/>
                   <a:ea typeface="NanumGothic" panose="020D0604000000000000" pitchFamily="34" charset="-127"/>
                 </a:rPr>
-                <a:t>?</a:t>
+                <a:t>Sort</a:t>
               </a:r>
-              <a:endParaRPr kumimoji="1" lang="ko-Kore-KR" altLang="en-US" sz="6000" b="1" dirty="0">
+              <a:endParaRPr kumimoji="1" lang="ko-Kore-KR" altLang="en-US" sz="3200" b="1" dirty="0">
                 <a:latin typeface="NanumGothic" panose="020D0604000000000000" pitchFamily="34" charset="-127"/>
                 <a:ea typeface="NanumGothic" panose="020D0604000000000000" pitchFamily="34" charset="-127"/>
               </a:endParaRPr>
@@ -4827,10 +4848,10 @@
       </p:grpSpPr>
       <p:grpSp>
         <p:nvGrpSpPr>
-          <p:cNvPr id="8" name="그룹 7">
+          <p:cNvPr id="10" name="그룹 9">
             <a:extLst>
               <a:ext uri="{FF2B5EF4-FFF2-40B4-BE49-F238E27FC236}">
-                <a16:creationId xmlns:a16="http://schemas.microsoft.com/office/drawing/2014/main" id="{693856ED-A4A8-1F47-BD71-7DE039A9000C}"/>
+                <a16:creationId xmlns:a16="http://schemas.microsoft.com/office/drawing/2014/main" id="{E9AC81D4-FEFE-CB40-95B7-6E00A05C50FD}"/>
               </a:ext>
             </a:extLst>
           </p:cNvPr>
@@ -4841,7 +4862,7 @@
           <a:xfrm>
             <a:off x="3657600" y="990600"/>
             <a:ext cx="4876800" cy="4876800"/>
-            <a:chOff x="822960" y="990600"/>
+            <a:chOff x="3657600" y="990600"/>
             <a:chExt cx="4876800" cy="4876800"/>
           </a:xfrm>
         </p:grpSpPr>
@@ -4873,7 +4894,7 @@
           </p:blipFill>
           <p:spPr>
             <a:xfrm>
-              <a:off x="822960" y="990600"/>
+              <a:off x="3657600" y="990600"/>
               <a:ext cx="4876800" cy="4876800"/>
             </a:xfrm>
             <a:prstGeom prst="rect">
@@ -4895,7 +4916,7 @@
           </p:nvSpPr>
           <p:spPr>
             <a:xfrm>
-              <a:off x="822960" y="2630956"/>
+              <a:off x="3657600" y="2630956"/>
               <a:ext cx="4876800" cy="1938992"/>
             </a:xfrm>
             <a:prstGeom prst="rect">
@@ -4954,18 +4975,21 @@
                   <a:latin typeface="NanumGothic" panose="020D0604000000000000" pitchFamily="34" charset="-127"/>
                   <a:ea typeface="NanumGothic" panose="020D0604000000000000" pitchFamily="34" charset="-127"/>
                 </a:rPr>
-                <a:t>4</a:t>
+                <a:t>9</a:t>
               </a:r>
-              <a:endParaRPr kumimoji="1" lang="en-US" altLang="ko-Kore-KR" sz="2600" b="1" dirty="0">
-                <a:solidFill>
-                  <a:schemeClr val="bg1"/>
-                </a:solidFill>
-                <a:latin typeface="NanumGothic" panose="020D0604000000000000" pitchFamily="34" charset="-127"/>
-                <a:ea typeface="NanumGothic" panose="020D0604000000000000" pitchFamily="34" charset="-127"/>
-              </a:endParaRPr>
             </a:p>
             <a:p>
               <a:pPr algn="ctr"/>
+              <a:r>
+                <a:rPr kumimoji="1" lang="en-US" altLang="ko-Kore-KR" sz="2600" b="1" dirty="0" err="1">
+                  <a:solidFill>
+                    <a:schemeClr val="bg1"/>
+                  </a:solidFill>
+                  <a:latin typeface="NanumGothic" panose="020D0604000000000000" pitchFamily="34" charset="-127"/>
+                  <a:ea typeface="NanumGothic" panose="020D0604000000000000" pitchFamily="34" charset="-127"/>
+                </a:rPr>
+                <a:t>npm</a:t>
+              </a:r>
               <a:r>
                 <a:rPr kumimoji="1" lang="en-US" altLang="ko-Kore-KR" sz="2600" b="1" dirty="0">
                   <a:solidFill>
@@ -4974,7 +4998,7 @@
                   <a:latin typeface="NanumGothic" panose="020D0604000000000000" pitchFamily="34" charset="-127"/>
                   <a:ea typeface="NanumGothic" panose="020D0604000000000000" pitchFamily="34" charset="-127"/>
                 </a:rPr>
-                <a:t>HTML Method PUT, DELETE</a:t>
+                <a:t> commands</a:t>
               </a:r>
               <a:endParaRPr kumimoji="1" lang="ko-Kore-KR" altLang="en-US" sz="2600" b="1" dirty="0">
                 <a:solidFill>
@@ -4987,38 +5011,6 @@
           </p:txBody>
         </p:sp>
       </p:grpSp>
-      <p:sp>
-        <p:nvSpPr>
-          <p:cNvPr id="2" name="TextBox 1">
-            <a:extLst>
-              <a:ext uri="{FF2B5EF4-FFF2-40B4-BE49-F238E27FC236}">
-                <a16:creationId xmlns:a16="http://schemas.microsoft.com/office/drawing/2014/main" id="{CDC34D72-8B9D-BD49-8B62-1D981D6B406D}"/>
-              </a:ext>
-            </a:extLst>
-          </p:cNvPr>
-          <p:cNvSpPr txBox="1"/>
-          <p:nvPr/>
-        </p:nvSpPr>
-        <p:spPr>
-          <a:xfrm>
-            <a:off x="11313763" y="4866468"/>
-            <a:ext cx="184731" cy="369332"/>
-          </a:xfrm>
-          <a:prstGeom prst="rect">
-            <a:avLst/>
-          </a:prstGeom>
-          <a:noFill/>
-        </p:spPr>
-        <p:txBody>
-          <a:bodyPr wrap="none" rtlCol="0">
-            <a:spAutoFit/>
-          </a:bodyPr>
-          <a:lstStyle/>
-          <a:p>
-            <a:endParaRPr kumimoji="1" lang="ko-Kore-KR" altLang="en-US" dirty="0"/>
-          </a:p>
-        </p:txBody>
-      </p:sp>
     </p:spTree>
     <p:extLst>
       <p:ext uri="{BB962C8B-B14F-4D97-AF65-F5344CB8AC3E}">

--- a/icon.pptx
+++ b/icon.pptx
@@ -15,6 +15,7 @@
     <p:sldId id="263" r:id="rId9"/>
     <p:sldId id="264" r:id="rId10"/>
     <p:sldId id="267" r:id="rId11"/>
+    <p:sldId id="268" r:id="rId12"/>
   </p:sldIdLst>
   <p:sldSz cx="12192000" cy="6858000"/>
   <p:notesSz cx="6858000" cy="9144000"/>
@@ -3907,6 +3908,189 @@
     <p:extLst>
       <p:ext uri="{BB962C8B-B14F-4D97-AF65-F5344CB8AC3E}">
         <p14:creationId xmlns:p14="http://schemas.microsoft.com/office/powerpoint/2010/main" val="3217196637"/>
+      </p:ext>
+    </p:extLst>
+  </p:cSld>
+  <p:clrMapOvr>
+    <a:masterClrMapping/>
+  </p:clrMapOvr>
+</p:sld>
+</file>
+
+<file path=ppt/slides/slide11.xml><?xml version="1.0" encoding="utf-8"?>
+<p:sld xmlns:a="http://schemas.openxmlformats.org/drawingml/2006/main" xmlns:r="http://schemas.openxmlformats.org/officeDocument/2006/relationships" xmlns:p="http://schemas.openxmlformats.org/presentationml/2006/main">
+  <p:cSld>
+    <p:spTree>
+      <p:nvGrpSpPr>
+        <p:cNvPr id="1" name=""/>
+        <p:cNvGrpSpPr/>
+        <p:nvPr/>
+      </p:nvGrpSpPr>
+      <p:grpSpPr>
+        <a:xfrm>
+          <a:off x="0" y="0"/>
+          <a:ext cx="0" cy="0"/>
+          <a:chOff x="0" y="0"/>
+          <a:chExt cx="0" cy="0"/>
+        </a:xfrm>
+      </p:grpSpPr>
+      <p:grpSp>
+        <p:nvGrpSpPr>
+          <p:cNvPr id="10" name="그룹 9">
+            <a:extLst>
+              <a:ext uri="{FF2B5EF4-FFF2-40B4-BE49-F238E27FC236}">
+                <a16:creationId xmlns:a16="http://schemas.microsoft.com/office/drawing/2014/main" id="{1C73565E-21D1-7D9A-F7AE-AF93B58DF28A}"/>
+              </a:ext>
+            </a:extLst>
+          </p:cNvPr>
+          <p:cNvGrpSpPr/>
+          <p:nvPr/>
+        </p:nvGrpSpPr>
+        <p:grpSpPr>
+          <a:xfrm>
+            <a:off x="1091738" y="940724"/>
+            <a:ext cx="4680000" cy="4680000"/>
+            <a:chOff x="4699462" y="807720"/>
+            <a:chExt cx="4680000" cy="4680000"/>
+          </a:xfrm>
+        </p:grpSpPr>
+        <p:sp>
+          <p:nvSpPr>
+            <p:cNvPr id="7" name="직사각형 6">
+              <a:extLst>
+                <a:ext uri="{FF2B5EF4-FFF2-40B4-BE49-F238E27FC236}">
+                  <a16:creationId xmlns:a16="http://schemas.microsoft.com/office/drawing/2014/main" id="{A6A78EBE-70CD-2286-89B2-B17F261D3878}"/>
+                </a:ext>
+              </a:extLst>
+            </p:cNvPr>
+            <p:cNvSpPr/>
+            <p:nvPr/>
+          </p:nvSpPr>
+          <p:spPr>
+            <a:xfrm>
+              <a:off x="4699462" y="807720"/>
+              <a:ext cx="4680000" cy="4680000"/>
+            </a:xfrm>
+            <a:prstGeom prst="rect">
+              <a:avLst/>
+            </a:prstGeom>
+            <a:ln>
+              <a:noFill/>
+            </a:ln>
+          </p:spPr>
+          <p:style>
+            <a:lnRef idx="2">
+              <a:schemeClr val="accent6"/>
+            </a:lnRef>
+            <a:fillRef idx="1">
+              <a:schemeClr val="lt1"/>
+            </a:fillRef>
+            <a:effectRef idx="0">
+              <a:schemeClr val="accent6"/>
+            </a:effectRef>
+            <a:fontRef idx="minor">
+              <a:schemeClr val="dk1"/>
+            </a:fontRef>
+          </p:style>
+          <p:txBody>
+            <a:bodyPr rtlCol="0" anchor="ctr"/>
+            <a:lstStyle/>
+            <a:p>
+              <a:pPr algn="ctr"/>
+              <a:endParaRPr kumimoji="1" lang="ko-Kore-KR" altLang="en-US"/>
+            </a:p>
+          </p:txBody>
+        </p:sp>
+        <p:pic>
+          <p:nvPicPr>
+            <p:cNvPr id="5" name="그림 4">
+              <a:extLst>
+                <a:ext uri="{FF2B5EF4-FFF2-40B4-BE49-F238E27FC236}">
+                  <a16:creationId xmlns:a16="http://schemas.microsoft.com/office/drawing/2014/main" id="{763A4C2C-11B2-8C9A-F1D3-431EE1436249}"/>
+                </a:ext>
+              </a:extLst>
+            </p:cNvPr>
+            <p:cNvPicPr>
+              <a:picLocks noChangeAspect="1"/>
+            </p:cNvPicPr>
+            <p:nvPr/>
+          </p:nvPicPr>
+          <p:blipFill>
+            <a:blip r:embed="rId2">
+              <a:extLst>
+                <a:ext uri="{28A0092B-C50C-407E-A947-70E740481C1C}">
+                  <a14:useLocalDpi xmlns:a14="http://schemas.microsoft.com/office/drawing/2010/main" val="0"/>
+                </a:ext>
+              </a:extLst>
+            </a:blip>
+            <a:stretch>
+              <a:fillRect/>
+            </a:stretch>
+          </p:blipFill>
+          <p:spPr>
+            <a:xfrm>
+              <a:off x="4879462" y="987720"/>
+              <a:ext cx="4320000" cy="4320000"/>
+            </a:xfrm>
+            <a:prstGeom prst="rect">
+              <a:avLst/>
+            </a:prstGeom>
+          </p:spPr>
+        </p:pic>
+        <p:sp>
+          <p:nvSpPr>
+            <p:cNvPr id="9" name="TextBox 8">
+              <a:extLst>
+                <a:ext uri="{FF2B5EF4-FFF2-40B4-BE49-F238E27FC236}">
+                  <a16:creationId xmlns:a16="http://schemas.microsoft.com/office/drawing/2014/main" id="{05C4AB54-7664-9859-BD1E-D77FE054C627}"/>
+                </a:ext>
+              </a:extLst>
+            </p:cNvPr>
+            <p:cNvSpPr txBox="1"/>
+            <p:nvPr/>
+          </p:nvSpPr>
+          <p:spPr>
+            <a:xfrm>
+              <a:off x="5353928" y="4267461"/>
+              <a:ext cx="3371068" cy="830997"/>
+            </a:xfrm>
+            <a:prstGeom prst="rect">
+              <a:avLst/>
+            </a:prstGeom>
+            <a:noFill/>
+          </p:spPr>
+          <p:txBody>
+            <a:bodyPr wrap="square" rtlCol="0" anchor="ctr">
+              <a:spAutoFit/>
+            </a:bodyPr>
+            <a:lstStyle/>
+            <a:p>
+              <a:pPr algn="ctr"/>
+              <a:r>
+                <a:rPr kumimoji="1" lang="en-US" altLang="ko-Kore-KR" sz="4800" b="1" dirty="0">
+                  <a:solidFill>
+                    <a:schemeClr val="bg1"/>
+                  </a:solidFill>
+                  <a:latin typeface="NanumGothic" panose="020D0604000000000000" pitchFamily="34" charset="-127"/>
+                  <a:ea typeface="NanumGothic" panose="020D0604000000000000" pitchFamily="34" charset="-127"/>
+                </a:rPr>
+                <a:t>Only</a:t>
+              </a:r>
+              <a:endParaRPr kumimoji="1" lang="ko-Kore-KR" altLang="en-US" sz="4800" b="1" dirty="0">
+                <a:solidFill>
+                  <a:schemeClr val="bg1"/>
+                </a:solidFill>
+                <a:latin typeface="NanumGothic" panose="020D0604000000000000" pitchFamily="34" charset="-127"/>
+                <a:ea typeface="NanumGothic" panose="020D0604000000000000" pitchFamily="34" charset="-127"/>
+              </a:endParaRPr>
+            </a:p>
+          </p:txBody>
+        </p:sp>
+      </p:grpSp>
+    </p:spTree>
+    <p:extLst>
+      <p:ext uri="{BB962C8B-B14F-4D97-AF65-F5344CB8AC3E}">
+        <p14:creationId xmlns:p14="http://schemas.microsoft.com/office/powerpoint/2010/main" val="4151829897"/>
       </p:ext>
     </p:extLst>
   </p:cSld>

--- a/icon.pptx
+++ b/icon.pptx
@@ -251,7 +251,7 @@
           <a:p>
             <a:fld id="{083A2014-1E55-493B-BBAA-4A9392E5EECC}" type="datetimeFigureOut">
               <a:rPr lang="ko-KR" altLang="en-US" smtClean="0"/>
-              <a:t>2022. 4. 20.</a:t>
+              <a:t>2022. 4. 21.</a:t>
             </a:fld>
             <a:endParaRPr lang="ko-KR" altLang="en-US"/>
           </a:p>
@@ -419,7 +419,7 @@
           <a:p>
             <a:fld id="{083A2014-1E55-493B-BBAA-4A9392E5EECC}" type="datetimeFigureOut">
               <a:rPr lang="ko-KR" altLang="en-US" smtClean="0"/>
-              <a:t>2022. 4. 20.</a:t>
+              <a:t>2022. 4. 21.</a:t>
             </a:fld>
             <a:endParaRPr lang="ko-KR" altLang="en-US"/>
           </a:p>
@@ -597,7 +597,7 @@
           <a:p>
             <a:fld id="{083A2014-1E55-493B-BBAA-4A9392E5EECC}" type="datetimeFigureOut">
               <a:rPr lang="ko-KR" altLang="en-US" smtClean="0"/>
-              <a:t>2022. 4. 20.</a:t>
+              <a:t>2022. 4. 21.</a:t>
             </a:fld>
             <a:endParaRPr lang="ko-KR" altLang="en-US"/>
           </a:p>
@@ -765,7 +765,7 @@
           <a:p>
             <a:fld id="{083A2014-1E55-493B-BBAA-4A9392E5EECC}" type="datetimeFigureOut">
               <a:rPr lang="ko-KR" altLang="en-US" smtClean="0"/>
-              <a:t>2022. 4. 20.</a:t>
+              <a:t>2022. 4. 21.</a:t>
             </a:fld>
             <a:endParaRPr lang="ko-KR" altLang="en-US"/>
           </a:p>
@@ -1010,7 +1010,7 @@
           <a:p>
             <a:fld id="{083A2014-1E55-493B-BBAA-4A9392E5EECC}" type="datetimeFigureOut">
               <a:rPr lang="ko-KR" altLang="en-US" smtClean="0"/>
-              <a:t>2022. 4. 20.</a:t>
+              <a:t>2022. 4. 21.</a:t>
             </a:fld>
             <a:endParaRPr lang="ko-KR" altLang="en-US"/>
           </a:p>
@@ -1239,7 +1239,7 @@
           <a:p>
             <a:fld id="{083A2014-1E55-493B-BBAA-4A9392E5EECC}" type="datetimeFigureOut">
               <a:rPr lang="ko-KR" altLang="en-US" smtClean="0"/>
-              <a:t>2022. 4. 20.</a:t>
+              <a:t>2022. 4. 21.</a:t>
             </a:fld>
             <a:endParaRPr lang="ko-KR" altLang="en-US"/>
           </a:p>
@@ -1603,7 +1603,7 @@
           <a:p>
             <a:fld id="{083A2014-1E55-493B-BBAA-4A9392E5EECC}" type="datetimeFigureOut">
               <a:rPr lang="ko-KR" altLang="en-US" smtClean="0"/>
-              <a:t>2022. 4. 20.</a:t>
+              <a:t>2022. 4. 21.</a:t>
             </a:fld>
             <a:endParaRPr lang="ko-KR" altLang="en-US"/>
           </a:p>
@@ -1720,7 +1720,7 @@
           <a:p>
             <a:fld id="{083A2014-1E55-493B-BBAA-4A9392E5EECC}" type="datetimeFigureOut">
               <a:rPr lang="ko-KR" altLang="en-US" smtClean="0"/>
-              <a:t>2022. 4. 20.</a:t>
+              <a:t>2022. 4. 21.</a:t>
             </a:fld>
             <a:endParaRPr lang="ko-KR" altLang="en-US"/>
           </a:p>
@@ -1815,7 +1815,7 @@
           <a:p>
             <a:fld id="{083A2014-1E55-493B-BBAA-4A9392E5EECC}" type="datetimeFigureOut">
               <a:rPr lang="ko-KR" altLang="en-US" smtClean="0"/>
-              <a:t>2022. 4. 20.</a:t>
+              <a:t>2022. 4. 21.</a:t>
             </a:fld>
             <a:endParaRPr lang="ko-KR" altLang="en-US"/>
           </a:p>
@@ -2090,7 +2090,7 @@
           <a:p>
             <a:fld id="{083A2014-1E55-493B-BBAA-4A9392E5EECC}" type="datetimeFigureOut">
               <a:rPr lang="ko-KR" altLang="en-US" smtClean="0"/>
-              <a:t>2022. 4. 20.</a:t>
+              <a:t>2022. 4. 21.</a:t>
             </a:fld>
             <a:endParaRPr lang="ko-KR" altLang="en-US"/>
           </a:p>
@@ -2342,7 +2342,7 @@
           <a:p>
             <a:fld id="{083A2014-1E55-493B-BBAA-4A9392E5EECC}" type="datetimeFigureOut">
               <a:rPr lang="ko-KR" altLang="en-US" smtClean="0"/>
-              <a:t>2022. 4. 20.</a:t>
+              <a:t>2022. 4. 21.</a:t>
             </a:fld>
             <a:endParaRPr lang="ko-KR" altLang="en-US"/>
           </a:p>
@@ -2553,7 +2553,7 @@
           <a:p>
             <a:fld id="{083A2014-1E55-493B-BBAA-4A9392E5EECC}" type="datetimeFigureOut">
               <a:rPr lang="ko-KR" altLang="en-US" smtClean="0"/>
-              <a:t>2022. 4. 20.</a:t>
+              <a:t>2022. 4. 21.</a:t>
             </a:fld>
             <a:endParaRPr lang="ko-KR" altLang="en-US"/>
           </a:p>
@@ -4087,6 +4087,141 @@
           </p:txBody>
         </p:sp>
       </p:grpSp>
+      <p:grpSp>
+        <p:nvGrpSpPr>
+          <p:cNvPr id="4" name="그룹 3">
+            <a:extLst>
+              <a:ext uri="{FF2B5EF4-FFF2-40B4-BE49-F238E27FC236}">
+                <a16:creationId xmlns:a16="http://schemas.microsoft.com/office/drawing/2014/main" id="{15232490-A67C-AE2D-1DCA-857D8DE96C68}"/>
+              </a:ext>
+            </a:extLst>
+          </p:cNvPr>
+          <p:cNvGrpSpPr/>
+          <p:nvPr/>
+        </p:nvGrpSpPr>
+        <p:grpSpPr>
+          <a:xfrm>
+            <a:off x="6246204" y="831850"/>
+            <a:ext cx="5194300" cy="5194300"/>
+            <a:chOff x="6246204" y="831850"/>
+            <a:chExt cx="5194300" cy="5194300"/>
+          </a:xfrm>
+        </p:grpSpPr>
+        <p:pic>
+          <p:nvPicPr>
+            <p:cNvPr id="8" name="그림 7">
+              <a:extLst>
+                <a:ext uri="{FF2B5EF4-FFF2-40B4-BE49-F238E27FC236}">
+                  <a16:creationId xmlns:a16="http://schemas.microsoft.com/office/drawing/2014/main" id="{0C68FBE9-C028-0857-B34E-4232FD695841}"/>
+                </a:ext>
+              </a:extLst>
+            </p:cNvPr>
+            <p:cNvPicPr>
+              <a:picLocks noChangeAspect="1"/>
+            </p:cNvPicPr>
+            <p:nvPr/>
+          </p:nvPicPr>
+          <p:blipFill>
+            <a:blip r:embed="rId3">
+              <a:extLst>
+                <a:ext uri="{28A0092B-C50C-407E-A947-70E740481C1C}">
+                  <a14:useLocalDpi xmlns:a14="http://schemas.microsoft.com/office/drawing/2010/main" val="0"/>
+                </a:ext>
+              </a:extLst>
+            </a:blip>
+            <a:stretch>
+              <a:fillRect/>
+            </a:stretch>
+          </p:blipFill>
+          <p:spPr>
+            <a:xfrm>
+              <a:off x="6246204" y="831850"/>
+              <a:ext cx="5194300" cy="5194300"/>
+            </a:xfrm>
+            <a:prstGeom prst="rect">
+              <a:avLst/>
+            </a:prstGeom>
+          </p:spPr>
+        </p:pic>
+        <p:sp>
+          <p:nvSpPr>
+            <p:cNvPr id="11" name="TextBox 10">
+              <a:extLst>
+                <a:ext uri="{FF2B5EF4-FFF2-40B4-BE49-F238E27FC236}">
+                  <a16:creationId xmlns:a16="http://schemas.microsoft.com/office/drawing/2014/main" id="{60949C5A-44A4-737E-19E9-2DC41EC577C6}"/>
+                </a:ext>
+              </a:extLst>
+            </p:cNvPr>
+            <p:cNvSpPr txBox="1"/>
+            <p:nvPr/>
+          </p:nvSpPr>
+          <p:spPr>
+            <a:xfrm>
+              <a:off x="6246204" y="2497976"/>
+              <a:ext cx="5194300" cy="1862048"/>
+            </a:xfrm>
+            <a:prstGeom prst="rect">
+              <a:avLst/>
+            </a:prstGeom>
+            <a:noFill/>
+          </p:spPr>
+          <p:txBody>
+            <a:bodyPr wrap="square" rtlCol="0" anchor="ctr">
+              <a:spAutoFit/>
+            </a:bodyPr>
+            <a:lstStyle/>
+            <a:p>
+              <a:pPr algn="ctr"/>
+              <a:r>
+                <a:rPr kumimoji="1" lang="en-US" altLang="en-US" sz="11500" b="1" dirty="0">
+                  <a:solidFill>
+                    <a:srgbClr val="F4FF00"/>
+                  </a:solidFill>
+                  <a:latin typeface="NanumGothic" panose="020D0604000000000000" pitchFamily="34" charset="-127"/>
+                  <a:ea typeface="NanumGothic" panose="020D0604000000000000" pitchFamily="34" charset="-127"/>
+                </a:rPr>
+                <a:t>{“S tr”}</a:t>
+              </a:r>
+            </a:p>
+          </p:txBody>
+        </p:sp>
+        <p:pic>
+          <p:nvPicPr>
+            <p:cNvPr id="3" name="그림 2">
+              <a:extLst>
+                <a:ext uri="{FF2B5EF4-FFF2-40B4-BE49-F238E27FC236}">
+                  <a16:creationId xmlns:a16="http://schemas.microsoft.com/office/drawing/2014/main" id="{FAE23D99-0597-28A3-F220-040A483F2C59}"/>
+                </a:ext>
+              </a:extLst>
+            </p:cNvPr>
+            <p:cNvPicPr>
+              <a:picLocks noChangeAspect="1"/>
+            </p:cNvPicPr>
+            <p:nvPr/>
+          </p:nvPicPr>
+          <p:blipFill>
+            <a:blip r:embed="rId4">
+              <a:extLst>
+                <a:ext uri="{28A0092B-C50C-407E-A947-70E740481C1C}">
+                  <a14:useLocalDpi xmlns:a14="http://schemas.microsoft.com/office/drawing/2010/main" val="0"/>
+                </a:ext>
+              </a:extLst>
+            </a:blip>
+            <a:stretch>
+              <a:fillRect/>
+            </a:stretch>
+          </p:blipFill>
+          <p:spPr>
+            <a:xfrm>
+              <a:off x="8307536" y="1971305"/>
+              <a:ext cx="966452" cy="966452"/>
+            </a:xfrm>
+            <a:prstGeom prst="rect">
+              <a:avLst/>
+            </a:prstGeom>
+          </p:spPr>
+        </p:pic>
+      </p:grpSp>
     </p:spTree>
     <p:extLst>
       <p:ext uri="{BB962C8B-B14F-4D97-AF65-F5344CB8AC3E}">

--- a/icon.pptx
+++ b/icon.pptx
@@ -16,6 +16,9 @@
     <p:sldId id="264" r:id="rId10"/>
     <p:sldId id="267" r:id="rId11"/>
     <p:sldId id="268" r:id="rId12"/>
+    <p:sldId id="269" r:id="rId13"/>
+    <p:sldId id="270" r:id="rId14"/>
+    <p:sldId id="271" r:id="rId15"/>
   </p:sldIdLst>
   <p:sldSz cx="12192000" cy="6858000"/>
   <p:notesSz cx="6858000" cy="9144000"/>
@@ -251,7 +254,7 @@
           <a:p>
             <a:fld id="{083A2014-1E55-493B-BBAA-4A9392E5EECC}" type="datetimeFigureOut">
               <a:rPr lang="ko-KR" altLang="en-US" smtClean="0"/>
-              <a:t>2022. 4. 21.</a:t>
+              <a:t>2022. 5. 2.</a:t>
             </a:fld>
             <a:endParaRPr lang="ko-KR" altLang="en-US"/>
           </a:p>
@@ -419,7 +422,7 @@
           <a:p>
             <a:fld id="{083A2014-1E55-493B-BBAA-4A9392E5EECC}" type="datetimeFigureOut">
               <a:rPr lang="ko-KR" altLang="en-US" smtClean="0"/>
-              <a:t>2022. 4. 21.</a:t>
+              <a:t>2022. 5. 2.</a:t>
             </a:fld>
             <a:endParaRPr lang="ko-KR" altLang="en-US"/>
           </a:p>
@@ -597,7 +600,7 @@
           <a:p>
             <a:fld id="{083A2014-1E55-493B-BBAA-4A9392E5EECC}" type="datetimeFigureOut">
               <a:rPr lang="ko-KR" altLang="en-US" smtClean="0"/>
-              <a:t>2022. 4. 21.</a:t>
+              <a:t>2022. 5. 2.</a:t>
             </a:fld>
             <a:endParaRPr lang="ko-KR" altLang="en-US"/>
           </a:p>
@@ -765,7 +768,7 @@
           <a:p>
             <a:fld id="{083A2014-1E55-493B-BBAA-4A9392E5EECC}" type="datetimeFigureOut">
               <a:rPr lang="ko-KR" altLang="en-US" smtClean="0"/>
-              <a:t>2022. 4. 21.</a:t>
+              <a:t>2022. 5. 2.</a:t>
             </a:fld>
             <a:endParaRPr lang="ko-KR" altLang="en-US"/>
           </a:p>
@@ -1010,7 +1013,7 @@
           <a:p>
             <a:fld id="{083A2014-1E55-493B-BBAA-4A9392E5EECC}" type="datetimeFigureOut">
               <a:rPr lang="ko-KR" altLang="en-US" smtClean="0"/>
-              <a:t>2022. 4. 21.</a:t>
+              <a:t>2022. 5. 2.</a:t>
             </a:fld>
             <a:endParaRPr lang="ko-KR" altLang="en-US"/>
           </a:p>
@@ -1239,7 +1242,7 @@
           <a:p>
             <a:fld id="{083A2014-1E55-493B-BBAA-4A9392E5EECC}" type="datetimeFigureOut">
               <a:rPr lang="ko-KR" altLang="en-US" smtClean="0"/>
-              <a:t>2022. 4. 21.</a:t>
+              <a:t>2022. 5. 2.</a:t>
             </a:fld>
             <a:endParaRPr lang="ko-KR" altLang="en-US"/>
           </a:p>
@@ -1603,7 +1606,7 @@
           <a:p>
             <a:fld id="{083A2014-1E55-493B-BBAA-4A9392E5EECC}" type="datetimeFigureOut">
               <a:rPr lang="ko-KR" altLang="en-US" smtClean="0"/>
-              <a:t>2022. 4. 21.</a:t>
+              <a:t>2022. 5. 2.</a:t>
             </a:fld>
             <a:endParaRPr lang="ko-KR" altLang="en-US"/>
           </a:p>
@@ -1720,7 +1723,7 @@
           <a:p>
             <a:fld id="{083A2014-1E55-493B-BBAA-4A9392E5EECC}" type="datetimeFigureOut">
               <a:rPr lang="ko-KR" altLang="en-US" smtClean="0"/>
-              <a:t>2022. 4. 21.</a:t>
+              <a:t>2022. 5. 2.</a:t>
             </a:fld>
             <a:endParaRPr lang="ko-KR" altLang="en-US"/>
           </a:p>
@@ -1815,7 +1818,7 @@
           <a:p>
             <a:fld id="{083A2014-1E55-493B-BBAA-4A9392E5EECC}" type="datetimeFigureOut">
               <a:rPr lang="ko-KR" altLang="en-US" smtClean="0"/>
-              <a:t>2022. 4. 21.</a:t>
+              <a:t>2022. 5. 2.</a:t>
             </a:fld>
             <a:endParaRPr lang="ko-KR" altLang="en-US"/>
           </a:p>
@@ -2090,7 +2093,7 @@
           <a:p>
             <a:fld id="{083A2014-1E55-493B-BBAA-4A9392E5EECC}" type="datetimeFigureOut">
               <a:rPr lang="ko-KR" altLang="en-US" smtClean="0"/>
-              <a:t>2022. 4. 21.</a:t>
+              <a:t>2022. 5. 2.</a:t>
             </a:fld>
             <a:endParaRPr lang="ko-KR" altLang="en-US"/>
           </a:p>
@@ -2342,7 +2345,7 @@
           <a:p>
             <a:fld id="{083A2014-1E55-493B-BBAA-4A9392E5EECC}" type="datetimeFigureOut">
               <a:rPr lang="ko-KR" altLang="en-US" smtClean="0"/>
-              <a:t>2022. 4. 21.</a:t>
+              <a:t>2022. 5. 2.</a:t>
             </a:fld>
             <a:endParaRPr lang="ko-KR" altLang="en-US"/>
           </a:p>
@@ -2553,7 +2556,7 @@
           <a:p>
             <a:fld id="{083A2014-1E55-493B-BBAA-4A9392E5EECC}" type="datetimeFigureOut">
               <a:rPr lang="ko-KR" altLang="en-US" smtClean="0"/>
-              <a:t>2022. 4. 21.</a:t>
+              <a:t>2022. 5. 2.</a:t>
             </a:fld>
             <a:endParaRPr lang="ko-KR" altLang="en-US"/>
           </a:p>
@@ -4089,10 +4092,10 @@
       </p:grpSp>
       <p:grpSp>
         <p:nvGrpSpPr>
-          <p:cNvPr id="4" name="그룹 3">
+          <p:cNvPr id="15" name="그룹 14">
             <a:extLst>
               <a:ext uri="{FF2B5EF4-FFF2-40B4-BE49-F238E27FC236}">
-                <a16:creationId xmlns:a16="http://schemas.microsoft.com/office/drawing/2014/main" id="{15232490-A67C-AE2D-1DCA-857D8DE96C68}"/>
+                <a16:creationId xmlns:a16="http://schemas.microsoft.com/office/drawing/2014/main" id="{72BB1002-68DE-C03D-854F-18658B467493}"/>
               </a:ext>
             </a:extLst>
           </p:cNvPr>
@@ -4101,18 +4104,18 @@
         </p:nvGrpSpPr>
         <p:grpSpPr>
           <a:xfrm>
-            <a:off x="6246204" y="831850"/>
-            <a:ext cx="5194300" cy="5194300"/>
-            <a:chOff x="6246204" y="831850"/>
-            <a:chExt cx="5194300" cy="5194300"/>
+            <a:off x="6667087" y="1537821"/>
+            <a:ext cx="3073400" cy="3073400"/>
+            <a:chOff x="7572576" y="1803400"/>
+            <a:chExt cx="3073400" cy="3073400"/>
           </a:xfrm>
         </p:grpSpPr>
         <p:pic>
           <p:nvPicPr>
-            <p:cNvPr id="8" name="그림 7">
+            <p:cNvPr id="16" name="그림 15">
               <a:extLst>
                 <a:ext uri="{FF2B5EF4-FFF2-40B4-BE49-F238E27FC236}">
-                  <a16:creationId xmlns:a16="http://schemas.microsoft.com/office/drawing/2014/main" id="{0C68FBE9-C028-0857-B34E-4232FD695841}"/>
+                  <a16:creationId xmlns:a16="http://schemas.microsoft.com/office/drawing/2014/main" id="{535E151A-A2AD-4331-FC64-B53D66A752DC}"/>
                 </a:ext>
               </a:extLst>
             </p:cNvPr>
@@ -4135,8 +4138,8 @@
           </p:blipFill>
           <p:spPr>
             <a:xfrm>
-              <a:off x="6246204" y="831850"/>
-              <a:ext cx="5194300" cy="5194300"/>
+              <a:off x="7572576" y="1803400"/>
+              <a:ext cx="3073400" cy="3073400"/>
             </a:xfrm>
             <a:prstGeom prst="rect">
               <a:avLst/>
@@ -4145,10 +4148,10 @@
         </p:pic>
         <p:sp>
           <p:nvSpPr>
-            <p:cNvPr id="11" name="TextBox 10">
+            <p:cNvPr id="17" name="TextBox 16">
               <a:extLst>
                 <a:ext uri="{FF2B5EF4-FFF2-40B4-BE49-F238E27FC236}">
-                  <a16:creationId xmlns:a16="http://schemas.microsoft.com/office/drawing/2014/main" id="{60949C5A-44A4-737E-19E9-2DC41EC577C6}"/>
+                  <a16:creationId xmlns:a16="http://schemas.microsoft.com/office/drawing/2014/main" id="{4D3CDC04-75D2-6B28-3A1D-C9F48152B77C}"/>
                 </a:ext>
               </a:extLst>
             </p:cNvPr>
@@ -4157,8 +4160,8 @@
           </p:nvSpPr>
           <p:spPr>
             <a:xfrm>
-              <a:off x="6246204" y="2497976"/>
-              <a:ext cx="5194300" cy="1862048"/>
+              <a:off x="7572576" y="4066847"/>
+              <a:ext cx="3073400" cy="461665"/>
             </a:xfrm>
             <a:prstGeom prst="rect">
               <a:avLst/>
@@ -4173,24 +4176,142 @@
             <a:p>
               <a:pPr algn="ctr"/>
               <a:r>
-                <a:rPr kumimoji="1" lang="en-US" altLang="en-US" sz="11500" b="1" dirty="0">
+                <a:rPr kumimoji="1" lang="en-US" altLang="ko-KR" sz="2400" b="1" dirty="0">
                   <a:solidFill>
-                    <a:srgbClr val="F4FF00"/>
+                    <a:srgbClr val="FF0000"/>
                   </a:solidFill>
                   <a:latin typeface="NanumGothic" panose="020D0604000000000000" pitchFamily="34" charset="-127"/>
                   <a:ea typeface="NanumGothic" panose="020D0604000000000000" pitchFamily="34" charset="-127"/>
                 </a:rPr>
-                <a:t>{“S tr”}</a:t>
+                <a:t>`</a:t>
               </a:r>
+              <a:r>
+                <a:rPr kumimoji="1" lang="ko-KR" altLang="en-US" sz="2400" b="1" dirty="0">
+                  <a:solidFill>
+                    <a:srgbClr val="FF0000"/>
+                  </a:solidFill>
+                  <a:latin typeface="NanumGothic" panose="020D0604000000000000" pitchFamily="34" charset="-127"/>
+                  <a:ea typeface="NanumGothic" panose="020D0604000000000000" pitchFamily="34" charset="-127"/>
+                </a:rPr>
+                <a:t> </a:t>
+              </a:r>
+              <a:r>
+                <a:rPr kumimoji="1" lang="en-US" altLang="ko-KR" sz="2400" b="1" dirty="0">
+                  <a:solidFill>
+                    <a:srgbClr val="FF0000"/>
+                  </a:solidFill>
+                  <a:latin typeface="NanumGothic" panose="020D0604000000000000" pitchFamily="34" charset="-127"/>
+                  <a:ea typeface="NanumGothic" panose="020D0604000000000000" pitchFamily="34" charset="-127"/>
+                </a:rPr>
+                <a:t>${</a:t>
+              </a:r>
+              <a:r>
+                <a:rPr kumimoji="1" lang="en-US" altLang="ko-KR" sz="2400" b="1" dirty="0">
+                  <a:solidFill>
+                    <a:srgbClr val="017934"/>
+                  </a:solidFill>
+                  <a:latin typeface="NanumGothic" panose="020D0604000000000000" pitchFamily="34" charset="-127"/>
+                  <a:ea typeface="NanumGothic" panose="020D0604000000000000" pitchFamily="34" charset="-127"/>
+                </a:rPr>
+                <a:t>backtick</a:t>
+              </a:r>
+              <a:r>
+                <a:rPr kumimoji="1" lang="en-US" altLang="ko-KR" sz="2400" b="1" dirty="0">
+                  <a:solidFill>
+                    <a:srgbClr val="FF0000"/>
+                  </a:solidFill>
+                  <a:latin typeface="NanumGothic" panose="020D0604000000000000" pitchFamily="34" charset="-127"/>
+                  <a:ea typeface="NanumGothic" panose="020D0604000000000000" pitchFamily="34" charset="-127"/>
+                </a:rPr>
+                <a:t>}</a:t>
+              </a:r>
+              <a:r>
+                <a:rPr kumimoji="1" lang="ko-KR" altLang="en-US" sz="2400" b="1" dirty="0">
+                  <a:solidFill>
+                    <a:srgbClr val="FF0000"/>
+                  </a:solidFill>
+                  <a:latin typeface="NanumGothic" panose="020D0604000000000000" pitchFamily="34" charset="-127"/>
+                  <a:ea typeface="NanumGothic" panose="020D0604000000000000" pitchFamily="34" charset="-127"/>
+                </a:rPr>
+                <a:t> </a:t>
+              </a:r>
+              <a:r>
+                <a:rPr kumimoji="1" lang="en-US" altLang="ko-KR" sz="2400" b="1" dirty="0">
+                  <a:solidFill>
+                    <a:srgbClr val="FF0000"/>
+                  </a:solidFill>
+                  <a:latin typeface="NanumGothic" panose="020D0604000000000000" pitchFamily="34" charset="-127"/>
+                  <a:ea typeface="NanumGothic" panose="020D0604000000000000" pitchFamily="34" charset="-127"/>
+                </a:rPr>
+                <a:t>`</a:t>
+              </a:r>
+              <a:endParaRPr kumimoji="1" lang="en-US" altLang="en-US" sz="2400" b="1" dirty="0">
+                <a:solidFill>
+                  <a:srgbClr val="FF0000"/>
+                </a:solidFill>
+                <a:latin typeface="NanumGothic" panose="020D0604000000000000" pitchFamily="34" charset="-127"/>
+                <a:ea typeface="NanumGothic" panose="020D0604000000000000" pitchFamily="34" charset="-127"/>
+              </a:endParaRPr>
             </a:p>
           </p:txBody>
         </p:sp>
+      </p:grpSp>
+    </p:spTree>
+    <p:extLst>
+      <p:ext uri="{BB962C8B-B14F-4D97-AF65-F5344CB8AC3E}">
+        <p14:creationId xmlns:p14="http://schemas.microsoft.com/office/powerpoint/2010/main" val="4151829897"/>
+      </p:ext>
+    </p:extLst>
+  </p:cSld>
+  <p:clrMapOvr>
+    <a:masterClrMapping/>
+  </p:clrMapOvr>
+</p:sld>
+</file>
+
+<file path=ppt/slides/slide12.xml><?xml version="1.0" encoding="utf-8"?>
+<p:sld xmlns:a="http://schemas.openxmlformats.org/drawingml/2006/main" xmlns:r="http://schemas.openxmlformats.org/officeDocument/2006/relationships" xmlns:p="http://schemas.openxmlformats.org/presentationml/2006/main">
+  <p:cSld>
+    <p:spTree>
+      <p:nvGrpSpPr>
+        <p:cNvPr id="1" name=""/>
+        <p:cNvGrpSpPr/>
+        <p:nvPr/>
+      </p:nvGrpSpPr>
+      <p:grpSpPr>
+        <a:xfrm>
+          <a:off x="0" y="0"/>
+          <a:ext cx="0" cy="0"/>
+          <a:chOff x="0" y="0"/>
+          <a:chExt cx="0" cy="0"/>
+        </a:xfrm>
+      </p:grpSpPr>
+      <p:grpSp>
+        <p:nvGrpSpPr>
+          <p:cNvPr id="13" name="그룹 12">
+            <a:extLst>
+              <a:ext uri="{FF2B5EF4-FFF2-40B4-BE49-F238E27FC236}">
+                <a16:creationId xmlns:a16="http://schemas.microsoft.com/office/drawing/2014/main" id="{DDD157A2-6791-4760-864A-4C9DECDDD21C}"/>
+              </a:ext>
+            </a:extLst>
+          </p:cNvPr>
+          <p:cNvGrpSpPr/>
+          <p:nvPr/>
+        </p:nvGrpSpPr>
+        <p:grpSpPr>
+          <a:xfrm>
+            <a:off x="2291278" y="628650"/>
+            <a:ext cx="3911600" cy="3771900"/>
+            <a:chOff x="2291278" y="628650"/>
+            <a:chExt cx="3911600" cy="3771900"/>
+          </a:xfrm>
+        </p:grpSpPr>
         <p:pic>
           <p:nvPicPr>
-            <p:cNvPr id="3" name="그림 2">
+            <p:cNvPr id="7" name="그림 6" descr="텍스트, 사람들, 하얀색, 가장이(가) 표시된 사진&#10;&#10;자동 생성된 설명">
               <a:extLst>
                 <a:ext uri="{FF2B5EF4-FFF2-40B4-BE49-F238E27FC236}">
-                  <a16:creationId xmlns:a16="http://schemas.microsoft.com/office/drawing/2014/main" id="{FAE23D99-0597-28A3-F220-040A483F2C59}"/>
+                  <a16:creationId xmlns:a16="http://schemas.microsoft.com/office/drawing/2014/main" id="{DCBDDD99-4960-0BEF-6AA2-7B808DAFC44F}"/>
                 </a:ext>
               </a:extLst>
             </p:cNvPr>
@@ -4200,7 +4321,7 @@
             <p:nvPr/>
           </p:nvPicPr>
           <p:blipFill>
-            <a:blip r:embed="rId4">
+            <a:blip r:embed="rId2">
               <a:extLst>
                 <a:ext uri="{28A0092B-C50C-407E-A947-70E740481C1C}">
                   <a14:useLocalDpi xmlns:a14="http://schemas.microsoft.com/office/drawing/2010/main" val="0"/>
@@ -4213,19 +4334,544 @@
           </p:blipFill>
           <p:spPr>
             <a:xfrm>
-              <a:off x="8307536" y="1971305"/>
-              <a:ext cx="966452" cy="966452"/>
+              <a:off x="2291278" y="628650"/>
+              <a:ext cx="3911600" cy="3771900"/>
             </a:xfrm>
             <a:prstGeom prst="rect">
               <a:avLst/>
             </a:prstGeom>
           </p:spPr>
         </p:pic>
+        <p:sp>
+          <p:nvSpPr>
+            <p:cNvPr id="10" name="TextBox 9">
+              <a:extLst>
+                <a:ext uri="{FF2B5EF4-FFF2-40B4-BE49-F238E27FC236}">
+                  <a16:creationId xmlns:a16="http://schemas.microsoft.com/office/drawing/2014/main" id="{6F966858-4132-72EA-BF18-9D1C3F18E735}"/>
+                </a:ext>
+              </a:extLst>
+            </p:cNvPr>
+            <p:cNvSpPr txBox="1"/>
+            <p:nvPr/>
+          </p:nvSpPr>
+          <p:spPr>
+            <a:xfrm>
+              <a:off x="4675670" y="1947702"/>
+              <a:ext cx="1420330" cy="415498"/>
+            </a:xfrm>
+            <a:prstGeom prst="rect">
+              <a:avLst/>
+            </a:prstGeom>
+            <a:solidFill>
+              <a:schemeClr val="tx1"/>
+            </a:solidFill>
+          </p:spPr>
+          <p:txBody>
+            <a:bodyPr wrap="square" rtlCol="0" anchor="ctr">
+              <a:spAutoFit/>
+            </a:bodyPr>
+            <a:lstStyle/>
+            <a:p>
+              <a:pPr algn="ctr"/>
+              <a:r>
+                <a:rPr kumimoji="1" lang="en-US" altLang="ko-Kore-KR" sz="2100" b="1" dirty="0" err="1">
+                  <a:solidFill>
+                    <a:schemeClr val="bg1"/>
+                  </a:solidFill>
+                  <a:latin typeface="NanumGothic" panose="020D0604000000000000" pitchFamily="34" charset="-127"/>
+                  <a:ea typeface="NanumGothic" panose="020D0604000000000000" pitchFamily="34" charset="-127"/>
+                </a:rPr>
+                <a:t>innerText</a:t>
+              </a:r>
+              <a:r>
+                <a:rPr kumimoji="1" lang="en-US" altLang="ko-Kore-KR" sz="2100" b="1" dirty="0">
+                  <a:solidFill>
+                    <a:schemeClr val="bg1"/>
+                  </a:solidFill>
+                  <a:latin typeface="NanumGothic" panose="020D0604000000000000" pitchFamily="34" charset="-127"/>
+                  <a:ea typeface="NanumGothic" panose="020D0604000000000000" pitchFamily="34" charset="-127"/>
+                </a:rPr>
+                <a:t>   </a:t>
+              </a:r>
+              <a:endParaRPr kumimoji="1" lang="ko-Kore-KR" altLang="en-US" sz="2100" b="1" dirty="0">
+                <a:solidFill>
+                  <a:schemeClr val="bg1"/>
+                </a:solidFill>
+                <a:latin typeface="NanumGothic" panose="020D0604000000000000" pitchFamily="34" charset="-127"/>
+                <a:ea typeface="NanumGothic" panose="020D0604000000000000" pitchFamily="34" charset="-127"/>
+              </a:endParaRPr>
+            </a:p>
+          </p:txBody>
+        </p:sp>
+        <p:sp>
+          <p:nvSpPr>
+            <p:cNvPr id="11" name="TextBox 10">
+              <a:extLst>
+                <a:ext uri="{FF2B5EF4-FFF2-40B4-BE49-F238E27FC236}">
+                  <a16:creationId xmlns:a16="http://schemas.microsoft.com/office/drawing/2014/main" id="{435B8349-2FBB-44CB-5D4C-50D14A3F9065}"/>
+                </a:ext>
+              </a:extLst>
+            </p:cNvPr>
+            <p:cNvSpPr txBox="1"/>
+            <p:nvPr/>
+          </p:nvSpPr>
+          <p:spPr>
+            <a:xfrm>
+              <a:off x="3023260" y="2625853"/>
+              <a:ext cx="1688196" cy="415498"/>
+            </a:xfrm>
+            <a:prstGeom prst="rect">
+              <a:avLst/>
+            </a:prstGeom>
+            <a:solidFill>
+              <a:schemeClr val="tx1"/>
+            </a:solidFill>
+          </p:spPr>
+          <p:txBody>
+            <a:bodyPr wrap="square" rtlCol="0" anchor="ctr">
+              <a:spAutoFit/>
+            </a:bodyPr>
+            <a:lstStyle/>
+            <a:p>
+              <a:pPr algn="ctr"/>
+              <a:r>
+                <a:rPr kumimoji="1" lang="en-US" altLang="ko-Kore-KR" sz="2100" b="1" dirty="0" err="1">
+                  <a:solidFill>
+                    <a:schemeClr val="bg1"/>
+                  </a:solidFill>
+                  <a:latin typeface="NanumGothic" panose="020D0604000000000000" pitchFamily="34" charset="-127"/>
+                  <a:ea typeface="NanumGothic" panose="020D0604000000000000" pitchFamily="34" charset="-127"/>
+                </a:rPr>
+                <a:t>textContent</a:t>
+              </a:r>
+              <a:r>
+                <a:rPr kumimoji="1" lang="en-US" altLang="ko-Kore-KR" sz="2100" b="1" dirty="0">
+                  <a:solidFill>
+                    <a:schemeClr val="bg1"/>
+                  </a:solidFill>
+                  <a:latin typeface="NanumGothic" panose="020D0604000000000000" pitchFamily="34" charset="-127"/>
+                  <a:ea typeface="NanumGothic" panose="020D0604000000000000" pitchFamily="34" charset="-127"/>
+                </a:rPr>
+                <a:t>   </a:t>
+              </a:r>
+              <a:endParaRPr kumimoji="1" lang="ko-Kore-KR" altLang="en-US" sz="2100" b="1" dirty="0">
+                <a:solidFill>
+                  <a:schemeClr val="bg1"/>
+                </a:solidFill>
+                <a:latin typeface="NanumGothic" panose="020D0604000000000000" pitchFamily="34" charset="-127"/>
+                <a:ea typeface="NanumGothic" panose="020D0604000000000000" pitchFamily="34" charset="-127"/>
+              </a:endParaRPr>
+            </a:p>
+          </p:txBody>
+        </p:sp>
+        <p:sp>
+          <p:nvSpPr>
+            <p:cNvPr id="12" name="TextBox 11">
+              <a:extLst>
+                <a:ext uri="{FF2B5EF4-FFF2-40B4-BE49-F238E27FC236}">
+                  <a16:creationId xmlns:a16="http://schemas.microsoft.com/office/drawing/2014/main" id="{B5671C93-3E34-4806-054E-531CD4A16901}"/>
+                </a:ext>
+              </a:extLst>
+            </p:cNvPr>
+            <p:cNvSpPr txBox="1"/>
+            <p:nvPr/>
+          </p:nvSpPr>
+          <p:spPr>
+            <a:xfrm>
+              <a:off x="2417289" y="2060630"/>
+              <a:ext cx="1560946" cy="415498"/>
+            </a:xfrm>
+            <a:prstGeom prst="rect">
+              <a:avLst/>
+            </a:prstGeom>
+            <a:solidFill>
+              <a:schemeClr val="tx1"/>
+            </a:solidFill>
+          </p:spPr>
+          <p:txBody>
+            <a:bodyPr wrap="square" rtlCol="0" anchor="ctr">
+              <a:spAutoFit/>
+            </a:bodyPr>
+            <a:lstStyle/>
+            <a:p>
+              <a:pPr algn="ctr"/>
+              <a:r>
+                <a:rPr kumimoji="1" lang="en-US" altLang="ko-Kore-KR" sz="2100" b="1" dirty="0" err="1">
+                  <a:solidFill>
+                    <a:schemeClr val="bg1"/>
+                  </a:solidFill>
+                  <a:latin typeface="NanumGothic" panose="020D0604000000000000" pitchFamily="34" charset="-127"/>
+                  <a:ea typeface="NanumGothic" panose="020D0604000000000000" pitchFamily="34" charset="-127"/>
+                </a:rPr>
+                <a:t>innerHTML</a:t>
+              </a:r>
+              <a:r>
+                <a:rPr kumimoji="1" lang="en-US" altLang="ko-Kore-KR" sz="2100" b="1" dirty="0">
+                  <a:solidFill>
+                    <a:schemeClr val="bg1"/>
+                  </a:solidFill>
+                  <a:latin typeface="NanumGothic" panose="020D0604000000000000" pitchFamily="34" charset="-127"/>
+                  <a:ea typeface="NanumGothic" panose="020D0604000000000000" pitchFamily="34" charset="-127"/>
+                </a:rPr>
+                <a:t>   </a:t>
+              </a:r>
+              <a:endParaRPr kumimoji="1" lang="ko-Kore-KR" altLang="en-US" sz="2100" b="1" dirty="0">
+                <a:solidFill>
+                  <a:schemeClr val="bg1"/>
+                </a:solidFill>
+                <a:latin typeface="NanumGothic" panose="020D0604000000000000" pitchFamily="34" charset="-127"/>
+                <a:ea typeface="NanumGothic" panose="020D0604000000000000" pitchFamily="34" charset="-127"/>
+              </a:endParaRPr>
+            </a:p>
+          </p:txBody>
+        </p:sp>
       </p:grpSp>
     </p:spTree>
     <p:extLst>
       <p:ext uri="{BB962C8B-B14F-4D97-AF65-F5344CB8AC3E}">
-        <p14:creationId xmlns:p14="http://schemas.microsoft.com/office/powerpoint/2010/main" val="4151829897"/>
+        <p14:creationId xmlns:p14="http://schemas.microsoft.com/office/powerpoint/2010/main" val="3202702092"/>
+      </p:ext>
+    </p:extLst>
+  </p:cSld>
+  <p:clrMapOvr>
+    <a:masterClrMapping/>
+  </p:clrMapOvr>
+</p:sld>
+</file>
+
+<file path=ppt/slides/slide13.xml><?xml version="1.0" encoding="utf-8"?>
+<p:sld xmlns:a="http://schemas.openxmlformats.org/drawingml/2006/main" xmlns:r="http://schemas.openxmlformats.org/officeDocument/2006/relationships" xmlns:p="http://schemas.openxmlformats.org/presentationml/2006/main">
+  <p:cSld>
+    <p:spTree>
+      <p:nvGrpSpPr>
+        <p:cNvPr id="1" name=""/>
+        <p:cNvGrpSpPr/>
+        <p:nvPr/>
+      </p:nvGrpSpPr>
+      <p:grpSpPr>
+        <a:xfrm>
+          <a:off x="0" y="0"/>
+          <a:ext cx="0" cy="0"/>
+          <a:chOff x="0" y="0"/>
+          <a:chExt cx="0" cy="0"/>
+        </a:xfrm>
+      </p:grpSpPr>
+      <p:pic>
+        <p:nvPicPr>
+          <p:cNvPr id="5" name="그림 4">
+            <a:extLst>
+              <a:ext uri="{FF2B5EF4-FFF2-40B4-BE49-F238E27FC236}">
+                <a16:creationId xmlns:a16="http://schemas.microsoft.com/office/drawing/2014/main" id="{AEA2F78F-ABCD-5FB7-D6CE-D836955B413C}"/>
+              </a:ext>
+            </a:extLst>
+          </p:cNvPr>
+          <p:cNvPicPr>
+            <a:picLocks noChangeAspect="1"/>
+          </p:cNvPicPr>
+          <p:nvPr/>
+        </p:nvPicPr>
+        <p:blipFill>
+          <a:blip r:embed="rId2">
+            <a:extLst>
+              <a:ext uri="{28A0092B-C50C-407E-A947-70E740481C1C}">
+                <a14:useLocalDpi xmlns:a14="http://schemas.microsoft.com/office/drawing/2010/main" val="0"/>
+              </a:ext>
+            </a:extLst>
+          </a:blip>
+          <a:stretch>
+            <a:fillRect/>
+          </a:stretch>
+        </p:blipFill>
+        <p:spPr>
+          <a:xfrm>
+            <a:off x="3498850" y="831850"/>
+            <a:ext cx="5194300" cy="5194300"/>
+          </a:xfrm>
+          <a:prstGeom prst="rect">
+            <a:avLst/>
+          </a:prstGeom>
+        </p:spPr>
+      </p:pic>
+      <p:sp>
+        <p:nvSpPr>
+          <p:cNvPr id="6" name="TextBox 5">
+            <a:extLst>
+              <a:ext uri="{FF2B5EF4-FFF2-40B4-BE49-F238E27FC236}">
+                <a16:creationId xmlns:a16="http://schemas.microsoft.com/office/drawing/2014/main" id="{225EF245-2BD2-93D7-9D95-9CE2456A3C49}"/>
+              </a:ext>
+            </a:extLst>
+          </p:cNvPr>
+          <p:cNvSpPr txBox="1"/>
+          <p:nvPr/>
+        </p:nvSpPr>
+        <p:spPr>
+          <a:xfrm>
+            <a:off x="4410466" y="4653128"/>
+            <a:ext cx="3371068" cy="830997"/>
+          </a:xfrm>
+          <a:prstGeom prst="rect">
+            <a:avLst/>
+          </a:prstGeom>
+          <a:noFill/>
+        </p:spPr>
+        <p:txBody>
+          <a:bodyPr wrap="square" rtlCol="0" anchor="ctr">
+            <a:spAutoFit/>
+          </a:bodyPr>
+          <a:lstStyle/>
+          <a:p>
+            <a:pPr algn="ctr"/>
+            <a:endParaRPr kumimoji="1" lang="ko-Kore-KR" altLang="en-US" sz="4800" b="1" dirty="0">
+              <a:latin typeface="NanumGothic" panose="020D0604000000000000" pitchFamily="34" charset="-127"/>
+              <a:ea typeface="NanumGothic" panose="020D0604000000000000" pitchFamily="34" charset="-127"/>
+            </a:endParaRPr>
+          </a:p>
+        </p:txBody>
+      </p:sp>
+    </p:spTree>
+    <p:extLst>
+      <p:ext uri="{BB962C8B-B14F-4D97-AF65-F5344CB8AC3E}">
+        <p14:creationId xmlns:p14="http://schemas.microsoft.com/office/powerpoint/2010/main" val="2741953085"/>
+      </p:ext>
+    </p:extLst>
+  </p:cSld>
+  <p:clrMapOvr>
+    <a:masterClrMapping/>
+  </p:clrMapOvr>
+</p:sld>
+</file>
+
+<file path=ppt/slides/slide14.xml><?xml version="1.0" encoding="utf-8"?>
+<p:sld xmlns:a="http://schemas.openxmlformats.org/drawingml/2006/main" xmlns:r="http://schemas.openxmlformats.org/officeDocument/2006/relationships" xmlns:p="http://schemas.openxmlformats.org/presentationml/2006/main">
+  <p:cSld>
+    <p:spTree>
+      <p:nvGrpSpPr>
+        <p:cNvPr id="1" name=""/>
+        <p:cNvGrpSpPr/>
+        <p:nvPr/>
+      </p:nvGrpSpPr>
+      <p:grpSpPr>
+        <a:xfrm>
+          <a:off x="0" y="0"/>
+          <a:ext cx="0" cy="0"/>
+          <a:chOff x="0" y="0"/>
+          <a:chExt cx="0" cy="0"/>
+        </a:xfrm>
+      </p:grpSpPr>
+      <p:grpSp>
+        <p:nvGrpSpPr>
+          <p:cNvPr id="6" name="그룹 5">
+            <a:extLst>
+              <a:ext uri="{FF2B5EF4-FFF2-40B4-BE49-F238E27FC236}">
+                <a16:creationId xmlns:a16="http://schemas.microsoft.com/office/drawing/2014/main" id="{1975BF16-A396-E7FC-2FB6-8F193565A5A7}"/>
+              </a:ext>
+            </a:extLst>
+          </p:cNvPr>
+          <p:cNvGrpSpPr/>
+          <p:nvPr/>
+        </p:nvGrpSpPr>
+        <p:grpSpPr>
+          <a:xfrm>
+            <a:off x="4159250" y="1466850"/>
+            <a:ext cx="3873500" cy="3924300"/>
+            <a:chOff x="4159250" y="1466850"/>
+            <a:chExt cx="3873500" cy="3924300"/>
+          </a:xfrm>
+        </p:grpSpPr>
+        <p:pic>
+          <p:nvPicPr>
+            <p:cNvPr id="5" name="그림 4" descr="다채로운, 장식, 놀이기구이(가) 표시된 사진&#10;&#10;자동 생성된 설명">
+              <a:extLst>
+                <a:ext uri="{FF2B5EF4-FFF2-40B4-BE49-F238E27FC236}">
+                  <a16:creationId xmlns:a16="http://schemas.microsoft.com/office/drawing/2014/main" id="{91303F51-05B5-E6AB-3289-C7795B6BAD9B}"/>
+                </a:ext>
+              </a:extLst>
+            </p:cNvPr>
+            <p:cNvPicPr>
+              <a:picLocks noChangeAspect="1"/>
+            </p:cNvPicPr>
+            <p:nvPr/>
+          </p:nvPicPr>
+          <p:blipFill>
+            <a:blip r:embed="rId2">
+              <a:extLst>
+                <a:ext uri="{28A0092B-C50C-407E-A947-70E740481C1C}">
+                  <a14:useLocalDpi xmlns:a14="http://schemas.microsoft.com/office/drawing/2010/main" val="0"/>
+                </a:ext>
+              </a:extLst>
+            </a:blip>
+            <a:stretch>
+              <a:fillRect/>
+            </a:stretch>
+          </p:blipFill>
+          <p:spPr>
+            <a:xfrm>
+              <a:off x="4159250" y="1466850"/>
+              <a:ext cx="3873500" cy="3924300"/>
+            </a:xfrm>
+            <a:prstGeom prst="rect">
+              <a:avLst/>
+            </a:prstGeom>
+          </p:spPr>
+        </p:pic>
+        <p:sp>
+          <p:nvSpPr>
+            <p:cNvPr id="7" name="TextBox 6">
+              <a:extLst>
+                <a:ext uri="{FF2B5EF4-FFF2-40B4-BE49-F238E27FC236}">
+                  <a16:creationId xmlns:a16="http://schemas.microsoft.com/office/drawing/2014/main" id="{B24946C6-1B05-BB97-CEE1-9F4273993EEE}"/>
+                </a:ext>
+              </a:extLst>
+            </p:cNvPr>
+            <p:cNvSpPr txBox="1"/>
+            <p:nvPr/>
+          </p:nvSpPr>
+          <p:spPr>
+            <a:xfrm rot="20681249">
+              <a:off x="4700669" y="1882959"/>
+              <a:ext cx="555170" cy="1107996"/>
+            </a:xfrm>
+            <a:prstGeom prst="rect">
+              <a:avLst/>
+            </a:prstGeom>
+            <a:solidFill>
+              <a:schemeClr val="tx1"/>
+            </a:solidFill>
+          </p:spPr>
+          <p:txBody>
+            <a:bodyPr wrap="square" rtlCol="0" anchor="ctr">
+              <a:spAutoFit/>
+            </a:bodyPr>
+            <a:lstStyle/>
+            <a:p>
+              <a:pPr algn="ctr"/>
+              <a:r>
+                <a:rPr kumimoji="1" lang="en-US" altLang="ko-KR" sz="6600" b="1" dirty="0">
+                  <a:solidFill>
+                    <a:schemeClr val="bg1"/>
+                  </a:solidFill>
+                  <a:latin typeface="NanumGothic" panose="020D0604000000000000" pitchFamily="34" charset="-127"/>
+                  <a:ea typeface="NanumGothic" panose="020D0604000000000000" pitchFamily="34" charset="-127"/>
+                </a:rPr>
+                <a:t>?</a:t>
+              </a:r>
+              <a:endParaRPr kumimoji="1" lang="ko-Kore-KR" altLang="en-US" sz="6600" b="1" dirty="0">
+                <a:solidFill>
+                  <a:schemeClr val="bg1"/>
+                </a:solidFill>
+                <a:latin typeface="NanumGothic" panose="020D0604000000000000" pitchFamily="34" charset="-127"/>
+                <a:ea typeface="NanumGothic" panose="020D0604000000000000" pitchFamily="34" charset="-127"/>
+              </a:endParaRPr>
+            </a:p>
+          </p:txBody>
+        </p:sp>
+        <p:sp>
+          <p:nvSpPr>
+            <p:cNvPr id="8" name="TextBox 7">
+              <a:extLst>
+                <a:ext uri="{FF2B5EF4-FFF2-40B4-BE49-F238E27FC236}">
+                  <a16:creationId xmlns:a16="http://schemas.microsoft.com/office/drawing/2014/main" id="{279120BB-3981-004C-A13E-366B16AAC3F0}"/>
+                </a:ext>
+              </a:extLst>
+            </p:cNvPr>
+            <p:cNvSpPr txBox="1"/>
+            <p:nvPr/>
+          </p:nvSpPr>
+          <p:spPr>
+            <a:xfrm rot="980208">
+              <a:off x="6944337" y="1882960"/>
+              <a:ext cx="555170" cy="1107996"/>
+            </a:xfrm>
+            <a:prstGeom prst="rect">
+              <a:avLst/>
+            </a:prstGeom>
+            <a:solidFill>
+              <a:schemeClr val="tx1"/>
+            </a:solidFill>
+          </p:spPr>
+          <p:txBody>
+            <a:bodyPr wrap="square" rtlCol="0" anchor="ctr">
+              <a:spAutoFit/>
+            </a:bodyPr>
+            <a:lstStyle/>
+            <a:p>
+              <a:pPr algn="ctr"/>
+              <a:r>
+                <a:rPr kumimoji="1" lang="en-US" altLang="ko-KR" sz="6600" b="1" dirty="0">
+                  <a:solidFill>
+                    <a:schemeClr val="bg1"/>
+                  </a:solidFill>
+                  <a:latin typeface="NanumGothic" panose="020D0604000000000000" pitchFamily="34" charset="-127"/>
+                  <a:ea typeface="NanumGothic" panose="020D0604000000000000" pitchFamily="34" charset="-127"/>
+                </a:rPr>
+                <a:t>?</a:t>
+              </a:r>
+              <a:endParaRPr kumimoji="1" lang="ko-Kore-KR" altLang="en-US" sz="6600" b="1" dirty="0">
+                <a:solidFill>
+                  <a:schemeClr val="bg1"/>
+                </a:solidFill>
+                <a:latin typeface="NanumGothic" panose="020D0604000000000000" pitchFamily="34" charset="-127"/>
+                <a:ea typeface="NanumGothic" panose="020D0604000000000000" pitchFamily="34" charset="-127"/>
+              </a:endParaRPr>
+            </a:p>
+          </p:txBody>
+        </p:sp>
+        <p:sp>
+          <p:nvSpPr>
+            <p:cNvPr id="11" name="TextBox 10">
+              <a:extLst>
+                <a:ext uri="{FF2B5EF4-FFF2-40B4-BE49-F238E27FC236}">
+                  <a16:creationId xmlns:a16="http://schemas.microsoft.com/office/drawing/2014/main" id="{D55ADCD3-E3D9-2455-8287-9D1489927CAB}"/>
+                </a:ext>
+              </a:extLst>
+            </p:cNvPr>
+            <p:cNvSpPr txBox="1"/>
+            <p:nvPr/>
+          </p:nvSpPr>
+          <p:spPr>
+            <a:xfrm rot="381569">
+              <a:off x="5481174" y="4090796"/>
+              <a:ext cx="555170" cy="1107996"/>
+            </a:xfrm>
+            <a:prstGeom prst="rect">
+              <a:avLst/>
+            </a:prstGeom>
+            <a:solidFill>
+              <a:schemeClr val="tx1"/>
+            </a:solidFill>
+          </p:spPr>
+          <p:txBody>
+            <a:bodyPr wrap="square" rtlCol="0" anchor="ctr">
+              <a:spAutoFit/>
+            </a:bodyPr>
+            <a:lstStyle/>
+            <a:p>
+              <a:pPr algn="ctr"/>
+              <a:r>
+                <a:rPr kumimoji="1" lang="en-US" altLang="ko-KR" sz="6600" b="1" dirty="0">
+                  <a:solidFill>
+                    <a:schemeClr val="bg1"/>
+                  </a:solidFill>
+                  <a:latin typeface="NanumGothic" panose="020D0604000000000000" pitchFamily="34" charset="-127"/>
+                  <a:ea typeface="NanumGothic" panose="020D0604000000000000" pitchFamily="34" charset="-127"/>
+                </a:rPr>
+                <a:t>?</a:t>
+              </a:r>
+              <a:endParaRPr kumimoji="1" lang="ko-Kore-KR" altLang="en-US" sz="6600" b="1" dirty="0">
+                <a:solidFill>
+                  <a:schemeClr val="bg1"/>
+                </a:solidFill>
+                <a:latin typeface="NanumGothic" panose="020D0604000000000000" pitchFamily="34" charset="-127"/>
+                <a:ea typeface="NanumGothic" panose="020D0604000000000000" pitchFamily="34" charset="-127"/>
+              </a:endParaRPr>
+            </a:p>
+          </p:txBody>
+        </p:sp>
+      </p:grpSp>
+    </p:spTree>
+    <p:extLst>
+      <p:ext uri="{BB962C8B-B14F-4D97-AF65-F5344CB8AC3E}">
+        <p14:creationId xmlns:p14="http://schemas.microsoft.com/office/powerpoint/2010/main" val="1008357111"/>
       </p:ext>
     </p:extLst>
   </p:cSld>
@@ -4365,8 +5011,8 @@
           </p:nvSpPr>
           <p:spPr>
             <a:xfrm>
-              <a:off x="5421846" y="3533631"/>
-              <a:ext cx="2155615" cy="1446550"/>
+              <a:off x="5421846" y="3702909"/>
+              <a:ext cx="2155615" cy="1107996"/>
             </a:xfrm>
             <a:prstGeom prst="rect">
               <a:avLst/>
@@ -4381,16 +5027,15 @@
             <a:p>
               <a:pPr algn="ctr"/>
               <a:r>
-                <a:rPr kumimoji="1" lang="en-US" altLang="ko-Kore-KR" sz="8800" b="1" dirty="0">
+                <a:rPr kumimoji="1" lang="en-US" altLang="ko-Kore-KR" sz="6600" b="1" dirty="0">
+                  <a:solidFill>
+                    <a:srgbClr val="292932"/>
+                  </a:solidFill>
                   <a:latin typeface="NanumGothic" panose="020D0604000000000000" pitchFamily="34" charset="-127"/>
                   <a:ea typeface="NanumGothic" panose="020D0604000000000000" pitchFamily="34" charset="-127"/>
                 </a:rPr>
-                <a:t>#ID</a:t>
+                <a:t>Val?</a:t>
               </a:r>
-              <a:endParaRPr kumimoji="1" lang="ko-Kore-KR" altLang="en-US" sz="8800" b="1" dirty="0">
-                <a:latin typeface="NanumGothic" panose="020D0604000000000000" pitchFamily="34" charset="-127"/>
-                <a:ea typeface="NanumGothic" panose="020D0604000000000000" pitchFamily="34" charset="-127"/>
-              </a:endParaRPr>
             </a:p>
           </p:txBody>
         </p:sp>

--- a/icon.pptx
+++ b/icon.pptx
@@ -254,7 +254,7 @@
           <a:p>
             <a:fld id="{083A2014-1E55-493B-BBAA-4A9392E5EECC}" type="datetimeFigureOut">
               <a:rPr lang="ko-KR" altLang="en-US" smtClean="0"/>
-              <a:t>2022. 5. 2.</a:t>
+              <a:t>2022. 5. 3.</a:t>
             </a:fld>
             <a:endParaRPr lang="ko-KR" altLang="en-US"/>
           </a:p>
@@ -422,7 +422,7 @@
           <a:p>
             <a:fld id="{083A2014-1E55-493B-BBAA-4A9392E5EECC}" type="datetimeFigureOut">
               <a:rPr lang="ko-KR" altLang="en-US" smtClean="0"/>
-              <a:t>2022. 5. 2.</a:t>
+              <a:t>2022. 5. 3.</a:t>
             </a:fld>
             <a:endParaRPr lang="ko-KR" altLang="en-US"/>
           </a:p>
@@ -600,7 +600,7 @@
           <a:p>
             <a:fld id="{083A2014-1E55-493B-BBAA-4A9392E5EECC}" type="datetimeFigureOut">
               <a:rPr lang="ko-KR" altLang="en-US" smtClean="0"/>
-              <a:t>2022. 5. 2.</a:t>
+              <a:t>2022. 5. 3.</a:t>
             </a:fld>
             <a:endParaRPr lang="ko-KR" altLang="en-US"/>
           </a:p>
@@ -768,7 +768,7 @@
           <a:p>
             <a:fld id="{083A2014-1E55-493B-BBAA-4A9392E5EECC}" type="datetimeFigureOut">
               <a:rPr lang="ko-KR" altLang="en-US" smtClean="0"/>
-              <a:t>2022. 5. 2.</a:t>
+              <a:t>2022. 5. 3.</a:t>
             </a:fld>
             <a:endParaRPr lang="ko-KR" altLang="en-US"/>
           </a:p>
@@ -1013,7 +1013,7 @@
           <a:p>
             <a:fld id="{083A2014-1E55-493B-BBAA-4A9392E5EECC}" type="datetimeFigureOut">
               <a:rPr lang="ko-KR" altLang="en-US" smtClean="0"/>
-              <a:t>2022. 5. 2.</a:t>
+              <a:t>2022. 5. 3.</a:t>
             </a:fld>
             <a:endParaRPr lang="ko-KR" altLang="en-US"/>
           </a:p>
@@ -1242,7 +1242,7 @@
           <a:p>
             <a:fld id="{083A2014-1E55-493B-BBAA-4A9392E5EECC}" type="datetimeFigureOut">
               <a:rPr lang="ko-KR" altLang="en-US" smtClean="0"/>
-              <a:t>2022. 5. 2.</a:t>
+              <a:t>2022. 5. 3.</a:t>
             </a:fld>
             <a:endParaRPr lang="ko-KR" altLang="en-US"/>
           </a:p>
@@ -1606,7 +1606,7 @@
           <a:p>
             <a:fld id="{083A2014-1E55-493B-BBAA-4A9392E5EECC}" type="datetimeFigureOut">
               <a:rPr lang="ko-KR" altLang="en-US" smtClean="0"/>
-              <a:t>2022. 5. 2.</a:t>
+              <a:t>2022. 5. 3.</a:t>
             </a:fld>
             <a:endParaRPr lang="ko-KR" altLang="en-US"/>
           </a:p>
@@ -1723,7 +1723,7 @@
           <a:p>
             <a:fld id="{083A2014-1E55-493B-BBAA-4A9392E5EECC}" type="datetimeFigureOut">
               <a:rPr lang="ko-KR" altLang="en-US" smtClean="0"/>
-              <a:t>2022. 5. 2.</a:t>
+              <a:t>2022. 5. 3.</a:t>
             </a:fld>
             <a:endParaRPr lang="ko-KR" altLang="en-US"/>
           </a:p>
@@ -1818,7 +1818,7 @@
           <a:p>
             <a:fld id="{083A2014-1E55-493B-BBAA-4A9392E5EECC}" type="datetimeFigureOut">
               <a:rPr lang="ko-KR" altLang="en-US" smtClean="0"/>
-              <a:t>2022. 5. 2.</a:t>
+              <a:t>2022. 5. 3.</a:t>
             </a:fld>
             <a:endParaRPr lang="ko-KR" altLang="en-US"/>
           </a:p>
@@ -2093,7 +2093,7 @@
           <a:p>
             <a:fld id="{083A2014-1E55-493B-BBAA-4A9392E5EECC}" type="datetimeFigureOut">
               <a:rPr lang="ko-KR" altLang="en-US" smtClean="0"/>
-              <a:t>2022. 5. 2.</a:t>
+              <a:t>2022. 5. 3.</a:t>
             </a:fld>
             <a:endParaRPr lang="ko-KR" altLang="en-US"/>
           </a:p>
@@ -2345,7 +2345,7 @@
           <a:p>
             <a:fld id="{083A2014-1E55-493B-BBAA-4A9392E5EECC}" type="datetimeFigureOut">
               <a:rPr lang="ko-KR" altLang="en-US" smtClean="0"/>
-              <a:t>2022. 5. 2.</a:t>
+              <a:t>2022. 5. 3.</a:t>
             </a:fld>
             <a:endParaRPr lang="ko-KR" altLang="en-US"/>
           </a:p>
@@ -2556,7 +2556,7 @@
           <a:p>
             <a:fld id="{083A2014-1E55-493B-BBAA-4A9392E5EECC}" type="datetimeFigureOut">
               <a:rPr lang="ko-KR" altLang="en-US" smtClean="0"/>
-              <a:t>2022. 5. 2.</a:t>
+              <a:t>2022. 5. 3.</a:t>
             </a:fld>
             <a:endParaRPr lang="ko-KR" altLang="en-US"/>
           </a:p>
@@ -3029,18 +3029,13 @@
             <a:p>
               <a:pPr algn="ctr"/>
               <a:r>
-                <a:rPr lang="en-US" altLang="ko-KR" sz="3200" b="1">
+                <a:rPr lang="en-US" altLang="ko-KR" sz="3200" b="1" dirty="0">
                   <a:solidFill>
                     <a:schemeClr val="bg1"/>
                   </a:solidFill>
                 </a:rPr>
-                <a:t>Alert</a:t>
+                <a:t>Grid</a:t>
               </a:r>
-              <a:endParaRPr lang="ko-KR" altLang="en-US" sz="3200" b="1">
-                <a:solidFill>
-                  <a:schemeClr val="bg1"/>
-                </a:solidFill>
-              </a:endParaRPr>
             </a:p>
           </p:txBody>
         </p:sp>

--- a/icon.pptx
+++ b/icon.pptx
@@ -19,6 +19,8 @@
     <p:sldId id="269" r:id="rId13"/>
     <p:sldId id="270" r:id="rId14"/>
     <p:sldId id="271" r:id="rId15"/>
+    <p:sldId id="272" r:id="rId16"/>
+    <p:sldId id="273" r:id="rId17"/>
   </p:sldIdLst>
   <p:sldSz cx="12192000" cy="6858000"/>
   <p:notesSz cx="6858000" cy="9144000"/>
@@ -254,7 +256,7 @@
           <a:p>
             <a:fld id="{083A2014-1E55-493B-BBAA-4A9392E5EECC}" type="datetimeFigureOut">
               <a:rPr lang="ko-KR" altLang="en-US" smtClean="0"/>
-              <a:t>2022. 5. 3.</a:t>
+              <a:t>2022. 6. 6.</a:t>
             </a:fld>
             <a:endParaRPr lang="ko-KR" altLang="en-US"/>
           </a:p>
@@ -422,7 +424,7 @@
           <a:p>
             <a:fld id="{083A2014-1E55-493B-BBAA-4A9392E5EECC}" type="datetimeFigureOut">
               <a:rPr lang="ko-KR" altLang="en-US" smtClean="0"/>
-              <a:t>2022. 5. 3.</a:t>
+              <a:t>2022. 6. 6.</a:t>
             </a:fld>
             <a:endParaRPr lang="ko-KR" altLang="en-US"/>
           </a:p>
@@ -600,7 +602,7 @@
           <a:p>
             <a:fld id="{083A2014-1E55-493B-BBAA-4A9392E5EECC}" type="datetimeFigureOut">
               <a:rPr lang="ko-KR" altLang="en-US" smtClean="0"/>
-              <a:t>2022. 5. 3.</a:t>
+              <a:t>2022. 6. 6.</a:t>
             </a:fld>
             <a:endParaRPr lang="ko-KR" altLang="en-US"/>
           </a:p>
@@ -768,7 +770,7 @@
           <a:p>
             <a:fld id="{083A2014-1E55-493B-BBAA-4A9392E5EECC}" type="datetimeFigureOut">
               <a:rPr lang="ko-KR" altLang="en-US" smtClean="0"/>
-              <a:t>2022. 5. 3.</a:t>
+              <a:t>2022. 6. 6.</a:t>
             </a:fld>
             <a:endParaRPr lang="ko-KR" altLang="en-US"/>
           </a:p>
@@ -1013,7 +1015,7 @@
           <a:p>
             <a:fld id="{083A2014-1E55-493B-BBAA-4A9392E5EECC}" type="datetimeFigureOut">
               <a:rPr lang="ko-KR" altLang="en-US" smtClean="0"/>
-              <a:t>2022. 5. 3.</a:t>
+              <a:t>2022. 6. 6.</a:t>
             </a:fld>
             <a:endParaRPr lang="ko-KR" altLang="en-US"/>
           </a:p>
@@ -1242,7 +1244,7 @@
           <a:p>
             <a:fld id="{083A2014-1E55-493B-BBAA-4A9392E5EECC}" type="datetimeFigureOut">
               <a:rPr lang="ko-KR" altLang="en-US" smtClean="0"/>
-              <a:t>2022. 5. 3.</a:t>
+              <a:t>2022. 6. 6.</a:t>
             </a:fld>
             <a:endParaRPr lang="ko-KR" altLang="en-US"/>
           </a:p>
@@ -1606,7 +1608,7 @@
           <a:p>
             <a:fld id="{083A2014-1E55-493B-BBAA-4A9392E5EECC}" type="datetimeFigureOut">
               <a:rPr lang="ko-KR" altLang="en-US" smtClean="0"/>
-              <a:t>2022. 5. 3.</a:t>
+              <a:t>2022. 6. 6.</a:t>
             </a:fld>
             <a:endParaRPr lang="ko-KR" altLang="en-US"/>
           </a:p>
@@ -1723,7 +1725,7 @@
           <a:p>
             <a:fld id="{083A2014-1E55-493B-BBAA-4A9392E5EECC}" type="datetimeFigureOut">
               <a:rPr lang="ko-KR" altLang="en-US" smtClean="0"/>
-              <a:t>2022. 5. 3.</a:t>
+              <a:t>2022. 6. 6.</a:t>
             </a:fld>
             <a:endParaRPr lang="ko-KR" altLang="en-US"/>
           </a:p>
@@ -1818,7 +1820,7 @@
           <a:p>
             <a:fld id="{083A2014-1E55-493B-BBAA-4A9392E5EECC}" type="datetimeFigureOut">
               <a:rPr lang="ko-KR" altLang="en-US" smtClean="0"/>
-              <a:t>2022. 5. 3.</a:t>
+              <a:t>2022. 6. 6.</a:t>
             </a:fld>
             <a:endParaRPr lang="ko-KR" altLang="en-US"/>
           </a:p>
@@ -2093,7 +2095,7 @@
           <a:p>
             <a:fld id="{083A2014-1E55-493B-BBAA-4A9392E5EECC}" type="datetimeFigureOut">
               <a:rPr lang="ko-KR" altLang="en-US" smtClean="0"/>
-              <a:t>2022. 5. 3.</a:t>
+              <a:t>2022. 6. 6.</a:t>
             </a:fld>
             <a:endParaRPr lang="ko-KR" altLang="en-US"/>
           </a:p>
@@ -2345,7 +2347,7 @@
           <a:p>
             <a:fld id="{083A2014-1E55-493B-BBAA-4A9392E5EECC}" type="datetimeFigureOut">
               <a:rPr lang="ko-KR" altLang="en-US" smtClean="0"/>
-              <a:t>2022. 5. 3.</a:t>
+              <a:t>2022. 6. 6.</a:t>
             </a:fld>
             <a:endParaRPr lang="ko-KR" altLang="en-US"/>
           </a:p>
@@ -2556,7 +2558,7 @@
           <a:p>
             <a:fld id="{083A2014-1E55-493B-BBAA-4A9392E5EECC}" type="datetimeFigureOut">
               <a:rPr lang="ko-KR" altLang="en-US" smtClean="0"/>
-              <a:t>2022. 5. 3.</a:t>
+              <a:t>2022. 6. 6.</a:t>
             </a:fld>
             <a:endParaRPr lang="ko-KR" altLang="en-US"/>
           </a:p>
@@ -4876,6 +4878,278 @@
 </p:sld>
 </file>
 
+<file path=ppt/slides/slide15.xml><?xml version="1.0" encoding="utf-8"?>
+<p:sld xmlns:a="http://schemas.openxmlformats.org/drawingml/2006/main" xmlns:r="http://schemas.openxmlformats.org/officeDocument/2006/relationships" xmlns:p="http://schemas.openxmlformats.org/presentationml/2006/main">
+  <p:cSld>
+    <p:spTree>
+      <p:nvGrpSpPr>
+        <p:cNvPr id="1" name=""/>
+        <p:cNvGrpSpPr/>
+        <p:nvPr/>
+      </p:nvGrpSpPr>
+      <p:grpSpPr>
+        <a:xfrm>
+          <a:off x="0" y="0"/>
+          <a:ext cx="0" cy="0"/>
+          <a:chOff x="0" y="0"/>
+          <a:chExt cx="0" cy="0"/>
+        </a:xfrm>
+      </p:grpSpPr>
+      <p:grpSp>
+        <p:nvGrpSpPr>
+          <p:cNvPr id="4" name="그룹 3">
+            <a:extLst>
+              <a:ext uri="{FF2B5EF4-FFF2-40B4-BE49-F238E27FC236}">
+                <a16:creationId xmlns:a16="http://schemas.microsoft.com/office/drawing/2014/main" id="{D7FD4097-59FB-446F-4B3F-617BEFD63159}"/>
+              </a:ext>
+            </a:extLst>
+          </p:cNvPr>
+          <p:cNvGrpSpPr/>
+          <p:nvPr/>
+        </p:nvGrpSpPr>
+        <p:grpSpPr>
+          <a:xfrm>
+            <a:off x="3657600" y="990600"/>
+            <a:ext cx="4876800" cy="4876800"/>
+            <a:chOff x="3657600" y="990600"/>
+            <a:chExt cx="4876800" cy="4876800"/>
+          </a:xfrm>
+        </p:grpSpPr>
+        <p:pic>
+          <p:nvPicPr>
+            <p:cNvPr id="3" name="그림 2">
+              <a:extLst>
+                <a:ext uri="{FF2B5EF4-FFF2-40B4-BE49-F238E27FC236}">
+                  <a16:creationId xmlns:a16="http://schemas.microsoft.com/office/drawing/2014/main" id="{4E65BF3E-BA56-9317-6C22-D769A4D85399}"/>
+                </a:ext>
+              </a:extLst>
+            </p:cNvPr>
+            <p:cNvPicPr>
+              <a:picLocks noChangeAspect="1"/>
+            </p:cNvPicPr>
+            <p:nvPr/>
+          </p:nvPicPr>
+          <p:blipFill>
+            <a:blip r:embed="rId2">
+              <a:extLst>
+                <a:ext uri="{28A0092B-C50C-407E-A947-70E740481C1C}">
+                  <a14:useLocalDpi xmlns:a14="http://schemas.microsoft.com/office/drawing/2010/main" val="0"/>
+                </a:ext>
+              </a:extLst>
+            </a:blip>
+            <a:stretch>
+              <a:fillRect/>
+            </a:stretch>
+          </p:blipFill>
+          <p:spPr>
+            <a:xfrm>
+              <a:off x="3657600" y="990600"/>
+              <a:ext cx="4876800" cy="4876800"/>
+            </a:xfrm>
+            <a:prstGeom prst="rect">
+              <a:avLst/>
+            </a:prstGeom>
+          </p:spPr>
+        </p:pic>
+        <p:sp>
+          <p:nvSpPr>
+            <p:cNvPr id="9" name="TextBox 8">
+              <a:extLst>
+                <a:ext uri="{FF2B5EF4-FFF2-40B4-BE49-F238E27FC236}">
+                  <a16:creationId xmlns:a16="http://schemas.microsoft.com/office/drawing/2014/main" id="{310C0B97-A010-B275-B4FF-C68ABC8F5AD9}"/>
+                </a:ext>
+              </a:extLst>
+            </p:cNvPr>
+            <p:cNvSpPr txBox="1"/>
+            <p:nvPr/>
+          </p:nvSpPr>
+          <p:spPr>
+            <a:xfrm>
+              <a:off x="3824917" y="4524560"/>
+              <a:ext cx="4542165" cy="707886"/>
+            </a:xfrm>
+            <a:prstGeom prst="rect">
+              <a:avLst/>
+            </a:prstGeom>
+            <a:noFill/>
+          </p:spPr>
+          <p:txBody>
+            <a:bodyPr wrap="square" rtlCol="0" anchor="ctr">
+              <a:spAutoFit/>
+            </a:bodyPr>
+            <a:lstStyle/>
+            <a:p>
+              <a:pPr algn="ctr"/>
+              <a:r>
+                <a:rPr kumimoji="1" lang="en-US" altLang="en-US" sz="4000" b="1" dirty="0" err="1">
+                  <a:solidFill>
+                    <a:srgbClr val="404E7E"/>
+                  </a:solidFill>
+                  <a:latin typeface="NanumGothic" panose="020D0604000000000000" pitchFamily="34" charset="-127"/>
+                  <a:ea typeface="NanumGothic" panose="020D0604000000000000" pitchFamily="34" charset="-127"/>
+                </a:rPr>
+                <a:t>Trumb</a:t>
+              </a:r>
+              <a:r>
+                <a:rPr kumimoji="1" lang="en-US" altLang="en-US" sz="4000" b="1" dirty="0" err="1">
+                  <a:solidFill>
+                    <a:srgbClr val="61729B"/>
+                  </a:solidFill>
+                  <a:latin typeface="NanumGothic" panose="020D0604000000000000" pitchFamily="34" charset="-127"/>
+                  <a:ea typeface="NanumGothic" panose="020D0604000000000000" pitchFamily="34" charset="-127"/>
+                </a:rPr>
+                <a:t>owyg</a:t>
+              </a:r>
+              <a:endParaRPr kumimoji="1" lang="en-US" altLang="en-US" b="1" dirty="0">
+                <a:solidFill>
+                  <a:srgbClr val="61729B"/>
+                </a:solidFill>
+                <a:latin typeface="NanumGothic" panose="020D0604000000000000" pitchFamily="34" charset="-127"/>
+                <a:ea typeface="NanumGothic" panose="020D0604000000000000" pitchFamily="34" charset="-127"/>
+              </a:endParaRPr>
+            </a:p>
+          </p:txBody>
+        </p:sp>
+      </p:grpSp>
+    </p:spTree>
+    <p:extLst>
+      <p:ext uri="{BB962C8B-B14F-4D97-AF65-F5344CB8AC3E}">
+        <p14:creationId xmlns:p14="http://schemas.microsoft.com/office/powerpoint/2010/main" val="1528926049"/>
+      </p:ext>
+    </p:extLst>
+  </p:cSld>
+  <p:clrMapOvr>
+    <a:masterClrMapping/>
+  </p:clrMapOvr>
+</p:sld>
+</file>
+
+<file path=ppt/slides/slide16.xml><?xml version="1.0" encoding="utf-8"?>
+<p:sld xmlns:a="http://schemas.openxmlformats.org/drawingml/2006/main" xmlns:r="http://schemas.openxmlformats.org/officeDocument/2006/relationships" xmlns:p="http://schemas.openxmlformats.org/presentationml/2006/main">
+  <p:cSld>
+    <p:spTree>
+      <p:nvGrpSpPr>
+        <p:cNvPr id="1" name=""/>
+        <p:cNvGrpSpPr/>
+        <p:nvPr/>
+      </p:nvGrpSpPr>
+      <p:grpSpPr>
+        <a:xfrm>
+          <a:off x="0" y="0"/>
+          <a:ext cx="0" cy="0"/>
+          <a:chOff x="0" y="0"/>
+          <a:chExt cx="0" cy="0"/>
+        </a:xfrm>
+      </p:grpSpPr>
+      <p:grpSp>
+        <p:nvGrpSpPr>
+          <p:cNvPr id="6" name="그룹 5">
+            <a:extLst>
+              <a:ext uri="{FF2B5EF4-FFF2-40B4-BE49-F238E27FC236}">
+                <a16:creationId xmlns:a16="http://schemas.microsoft.com/office/drawing/2014/main" id="{EEE98A2D-C83C-B006-FC37-0BF2D71A893A}"/>
+              </a:ext>
+            </a:extLst>
+          </p:cNvPr>
+          <p:cNvGrpSpPr/>
+          <p:nvPr/>
+        </p:nvGrpSpPr>
+        <p:grpSpPr>
+          <a:xfrm>
+            <a:off x="2844800" y="177800"/>
+            <a:ext cx="6502400" cy="6502400"/>
+            <a:chOff x="2844800" y="177800"/>
+            <a:chExt cx="6502400" cy="6502400"/>
+          </a:xfrm>
+        </p:grpSpPr>
+        <p:pic>
+          <p:nvPicPr>
+            <p:cNvPr id="5" name="그림 4">
+              <a:extLst>
+                <a:ext uri="{FF2B5EF4-FFF2-40B4-BE49-F238E27FC236}">
+                  <a16:creationId xmlns:a16="http://schemas.microsoft.com/office/drawing/2014/main" id="{81F15E97-BE1C-1AE4-D4FD-7F8A7E100C32}"/>
+                </a:ext>
+              </a:extLst>
+            </p:cNvPr>
+            <p:cNvPicPr>
+              <a:picLocks noChangeAspect="1"/>
+            </p:cNvPicPr>
+            <p:nvPr/>
+          </p:nvPicPr>
+          <p:blipFill>
+            <a:blip r:embed="rId2">
+              <a:extLst>
+                <a:ext uri="{28A0092B-C50C-407E-A947-70E740481C1C}">
+                  <a14:useLocalDpi xmlns:a14="http://schemas.microsoft.com/office/drawing/2010/main" val="0"/>
+                </a:ext>
+              </a:extLst>
+            </a:blip>
+            <a:stretch>
+              <a:fillRect/>
+            </a:stretch>
+          </p:blipFill>
+          <p:spPr>
+            <a:xfrm>
+              <a:off x="2844800" y="177800"/>
+              <a:ext cx="6502400" cy="6502400"/>
+            </a:xfrm>
+            <a:prstGeom prst="rect">
+              <a:avLst/>
+            </a:prstGeom>
+          </p:spPr>
+        </p:pic>
+        <p:sp>
+          <p:nvSpPr>
+            <p:cNvPr id="7" name="TextBox 6">
+              <a:extLst>
+                <a:ext uri="{FF2B5EF4-FFF2-40B4-BE49-F238E27FC236}">
+                  <a16:creationId xmlns:a16="http://schemas.microsoft.com/office/drawing/2014/main" id="{3A2F88E3-B541-7E48-85E3-9CCB8C365A97}"/>
+                </a:ext>
+              </a:extLst>
+            </p:cNvPr>
+            <p:cNvSpPr txBox="1"/>
+            <p:nvPr/>
+          </p:nvSpPr>
+          <p:spPr>
+            <a:xfrm>
+              <a:off x="3824917" y="4224897"/>
+              <a:ext cx="4542165" cy="1015663"/>
+            </a:xfrm>
+            <a:prstGeom prst="rect">
+              <a:avLst/>
+            </a:prstGeom>
+            <a:noFill/>
+          </p:spPr>
+          <p:txBody>
+            <a:bodyPr wrap="square" rtlCol="0" anchor="ctr">
+              <a:spAutoFit/>
+            </a:bodyPr>
+            <a:lstStyle/>
+            <a:p>
+              <a:pPr algn="ctr"/>
+              <a:r>
+                <a:rPr kumimoji="1" lang="en-US" altLang="en-US" sz="6000" b="1" dirty="0">
+                  <a:latin typeface="NanumGothic" panose="020D0604000000000000" pitchFamily="34" charset="-127"/>
+                  <a:ea typeface="NanumGothic" panose="020D0604000000000000" pitchFamily="34" charset="-127"/>
+                </a:rPr>
+                <a:t>Resizable</a:t>
+              </a:r>
+            </a:p>
+          </p:txBody>
+        </p:sp>
+      </p:grpSp>
+    </p:spTree>
+    <p:extLst>
+      <p:ext uri="{BB962C8B-B14F-4D97-AF65-F5344CB8AC3E}">
+        <p14:creationId xmlns:p14="http://schemas.microsoft.com/office/powerpoint/2010/main" val="3018764116"/>
+      </p:ext>
+    </p:extLst>
+  </p:cSld>
+  <p:clrMapOvr>
+    <a:masterClrMapping/>
+  </p:clrMapOvr>
+</p:sld>
+</file>
+
 <file path=ppt/slides/slide2.xml><?xml version="1.0" encoding="utf-8"?>
 <p:sld xmlns:a="http://schemas.openxmlformats.org/drawingml/2006/main" xmlns:r="http://schemas.openxmlformats.org/officeDocument/2006/relationships" xmlns:p="http://schemas.openxmlformats.org/presentationml/2006/main">
   <p:cSld>
@@ -6459,7 +6733,7 @@
                   <a:latin typeface="NanumGothic" panose="020D0604000000000000" pitchFamily="34" charset="-127"/>
                   <a:ea typeface="NanumGothic" panose="020D0604000000000000" pitchFamily="34" charset="-127"/>
                 </a:rPr>
-                <a:t>Async – await</a:t>
+                <a:t>Outer – Inner</a:t>
               </a:r>
             </a:p>
             <a:p>
@@ -6472,7 +6746,7 @@
                   <a:latin typeface="NanumGothic" panose="020D0604000000000000" pitchFamily="34" charset="-127"/>
                   <a:ea typeface="NanumGothic" panose="020D0604000000000000" pitchFamily="34" charset="-127"/>
                 </a:rPr>
-                <a:t>for await of</a:t>
+                <a:t>Height - Width</a:t>
               </a:r>
             </a:p>
           </p:txBody>

--- a/icon.pptx
+++ b/icon.pptx
@@ -21,6 +21,18 @@
     <p:sldId id="271" r:id="rId15"/>
     <p:sldId id="272" r:id="rId16"/>
     <p:sldId id="273" r:id="rId17"/>
+    <p:sldId id="275" r:id="rId18"/>
+    <p:sldId id="276" r:id="rId19"/>
+    <p:sldId id="274" r:id="rId20"/>
+    <p:sldId id="277" r:id="rId21"/>
+    <p:sldId id="278" r:id="rId22"/>
+    <p:sldId id="280" r:id="rId23"/>
+    <p:sldId id="281" r:id="rId24"/>
+    <p:sldId id="282" r:id="rId25"/>
+    <p:sldId id="283" r:id="rId26"/>
+    <p:sldId id="284" r:id="rId27"/>
+    <p:sldId id="285" r:id="rId28"/>
+    <p:sldId id="286" r:id="rId29"/>
   </p:sldIdLst>
   <p:sldSz cx="12192000" cy="6858000"/>
   <p:notesSz cx="6858000" cy="9144000"/>
@@ -256,7 +268,7 @@
           <a:p>
             <a:fld id="{083A2014-1E55-493B-BBAA-4A9392E5EECC}" type="datetimeFigureOut">
               <a:rPr lang="ko-KR" altLang="en-US" smtClean="0"/>
-              <a:t>2022. 6. 6.</a:t>
+              <a:t>2022. 10. 29.</a:t>
             </a:fld>
             <a:endParaRPr lang="ko-KR" altLang="en-US"/>
           </a:p>
@@ -424,7 +436,7 @@
           <a:p>
             <a:fld id="{083A2014-1E55-493B-BBAA-4A9392E5EECC}" type="datetimeFigureOut">
               <a:rPr lang="ko-KR" altLang="en-US" smtClean="0"/>
-              <a:t>2022. 6. 6.</a:t>
+              <a:t>2022. 10. 29.</a:t>
             </a:fld>
             <a:endParaRPr lang="ko-KR" altLang="en-US"/>
           </a:p>
@@ -602,7 +614,7 @@
           <a:p>
             <a:fld id="{083A2014-1E55-493B-BBAA-4A9392E5EECC}" type="datetimeFigureOut">
               <a:rPr lang="ko-KR" altLang="en-US" smtClean="0"/>
-              <a:t>2022. 6. 6.</a:t>
+              <a:t>2022. 10. 29.</a:t>
             </a:fld>
             <a:endParaRPr lang="ko-KR" altLang="en-US"/>
           </a:p>
@@ -770,7 +782,7 @@
           <a:p>
             <a:fld id="{083A2014-1E55-493B-BBAA-4A9392E5EECC}" type="datetimeFigureOut">
               <a:rPr lang="ko-KR" altLang="en-US" smtClean="0"/>
-              <a:t>2022. 6. 6.</a:t>
+              <a:t>2022. 10. 29.</a:t>
             </a:fld>
             <a:endParaRPr lang="ko-KR" altLang="en-US"/>
           </a:p>
@@ -1015,7 +1027,7 @@
           <a:p>
             <a:fld id="{083A2014-1E55-493B-BBAA-4A9392E5EECC}" type="datetimeFigureOut">
               <a:rPr lang="ko-KR" altLang="en-US" smtClean="0"/>
-              <a:t>2022. 6. 6.</a:t>
+              <a:t>2022. 10. 29.</a:t>
             </a:fld>
             <a:endParaRPr lang="ko-KR" altLang="en-US"/>
           </a:p>
@@ -1244,7 +1256,7 @@
           <a:p>
             <a:fld id="{083A2014-1E55-493B-BBAA-4A9392E5EECC}" type="datetimeFigureOut">
               <a:rPr lang="ko-KR" altLang="en-US" smtClean="0"/>
-              <a:t>2022. 6. 6.</a:t>
+              <a:t>2022. 10. 29.</a:t>
             </a:fld>
             <a:endParaRPr lang="ko-KR" altLang="en-US"/>
           </a:p>
@@ -1608,7 +1620,7 @@
           <a:p>
             <a:fld id="{083A2014-1E55-493B-BBAA-4A9392E5EECC}" type="datetimeFigureOut">
               <a:rPr lang="ko-KR" altLang="en-US" smtClean="0"/>
-              <a:t>2022. 6. 6.</a:t>
+              <a:t>2022. 10. 29.</a:t>
             </a:fld>
             <a:endParaRPr lang="ko-KR" altLang="en-US"/>
           </a:p>
@@ -1725,7 +1737,7 @@
           <a:p>
             <a:fld id="{083A2014-1E55-493B-BBAA-4A9392E5EECC}" type="datetimeFigureOut">
               <a:rPr lang="ko-KR" altLang="en-US" smtClean="0"/>
-              <a:t>2022. 6. 6.</a:t>
+              <a:t>2022. 10. 29.</a:t>
             </a:fld>
             <a:endParaRPr lang="ko-KR" altLang="en-US"/>
           </a:p>
@@ -1820,7 +1832,7 @@
           <a:p>
             <a:fld id="{083A2014-1E55-493B-BBAA-4A9392E5EECC}" type="datetimeFigureOut">
               <a:rPr lang="ko-KR" altLang="en-US" smtClean="0"/>
-              <a:t>2022. 6. 6.</a:t>
+              <a:t>2022. 10. 29.</a:t>
             </a:fld>
             <a:endParaRPr lang="ko-KR" altLang="en-US"/>
           </a:p>
@@ -2095,7 +2107,7 @@
           <a:p>
             <a:fld id="{083A2014-1E55-493B-BBAA-4A9392E5EECC}" type="datetimeFigureOut">
               <a:rPr lang="ko-KR" altLang="en-US" smtClean="0"/>
-              <a:t>2022. 6. 6.</a:t>
+              <a:t>2022. 10. 29.</a:t>
             </a:fld>
             <a:endParaRPr lang="ko-KR" altLang="en-US"/>
           </a:p>
@@ -2347,7 +2359,7 @@
           <a:p>
             <a:fld id="{083A2014-1E55-493B-BBAA-4A9392E5EECC}" type="datetimeFigureOut">
               <a:rPr lang="ko-KR" altLang="en-US" smtClean="0"/>
-              <a:t>2022. 6. 6.</a:t>
+              <a:t>2022. 10. 29.</a:t>
             </a:fld>
             <a:endParaRPr lang="ko-KR" altLang="en-US"/>
           </a:p>
@@ -2558,7 +2570,7 @@
           <a:p>
             <a:fld id="{083A2014-1E55-493B-BBAA-4A9392E5EECC}" type="datetimeFigureOut">
               <a:rPr lang="ko-KR" altLang="en-US" smtClean="0"/>
-              <a:t>2022. 6. 6.</a:t>
+              <a:t>2022. 10. 29.</a:t>
             </a:fld>
             <a:endParaRPr lang="ko-KR" altLang="en-US"/>
           </a:p>
@@ -3042,42 +3054,99 @@
           </p:txBody>
         </p:sp>
       </p:grpSp>
-      <p:pic>
-        <p:nvPicPr>
-          <p:cNvPr id="3" name="그림 2">
+      <p:grpSp>
+        <p:nvGrpSpPr>
+          <p:cNvPr id="5" name="그룹 4">
             <a:extLst>
               <a:ext uri="{FF2B5EF4-FFF2-40B4-BE49-F238E27FC236}">
-                <a16:creationId xmlns:a16="http://schemas.microsoft.com/office/drawing/2014/main" id="{3DCD3445-8579-3E4C-9A12-62F16ECA8301}"/>
+                <a16:creationId xmlns:a16="http://schemas.microsoft.com/office/drawing/2014/main" id="{CBB0404F-8681-6DD6-6629-043B30BCFCD6}"/>
               </a:ext>
             </a:extLst>
           </p:cNvPr>
-          <p:cNvPicPr>
-            <a:picLocks noChangeAspect="1"/>
-          </p:cNvPicPr>
+          <p:cNvGrpSpPr/>
           <p:nvPr/>
-        </p:nvPicPr>
-        <p:blipFill>
-          <a:blip r:embed="rId3">
-            <a:extLst>
-              <a:ext uri="{28A0092B-C50C-407E-A947-70E740481C1C}">
-                <a14:useLocalDpi xmlns:a14="http://schemas.microsoft.com/office/drawing/2010/main" val="0"/>
-              </a:ext>
-            </a:extLst>
-          </a:blip>
-          <a:stretch>
-            <a:fillRect/>
-          </a:stretch>
-        </p:blipFill>
-        <p:spPr>
+        </p:nvGrpSpPr>
+        <p:grpSpPr>
           <a:xfrm>
-            <a:off x="7887130" y="2613617"/>
-            <a:ext cx="3175000" cy="3149600"/>
+            <a:off x="6898256" y="1305813"/>
+            <a:ext cx="3175403" cy="3275665"/>
+            <a:chOff x="6898257" y="615000"/>
+            <a:chExt cx="3175403" cy="3275665"/>
           </a:xfrm>
-          <a:prstGeom prst="rect">
-            <a:avLst/>
-          </a:prstGeom>
-        </p:spPr>
-      </p:pic>
+        </p:grpSpPr>
+        <p:pic>
+          <p:nvPicPr>
+            <p:cNvPr id="3" name="그림 2">
+              <a:extLst>
+                <a:ext uri="{FF2B5EF4-FFF2-40B4-BE49-F238E27FC236}">
+                  <a16:creationId xmlns:a16="http://schemas.microsoft.com/office/drawing/2014/main" id="{3DCD3445-8579-3E4C-9A12-62F16ECA8301}"/>
+                </a:ext>
+              </a:extLst>
+            </p:cNvPr>
+            <p:cNvPicPr>
+              <a:picLocks noChangeAspect="1"/>
+            </p:cNvPicPr>
+            <p:nvPr/>
+          </p:nvPicPr>
+          <p:blipFill>
+            <a:blip r:embed="rId3">
+              <a:extLst>
+                <a:ext uri="{28A0092B-C50C-407E-A947-70E740481C1C}">
+                  <a14:useLocalDpi xmlns:a14="http://schemas.microsoft.com/office/drawing/2010/main" val="0"/>
+                </a:ext>
+              </a:extLst>
+            </a:blip>
+            <a:stretch>
+              <a:fillRect/>
+            </a:stretch>
+          </p:blipFill>
+          <p:spPr>
+            <a:xfrm>
+              <a:off x="6898257" y="615000"/>
+              <a:ext cx="3175403" cy="3150000"/>
+            </a:xfrm>
+            <a:prstGeom prst="rect">
+              <a:avLst/>
+            </a:prstGeom>
+          </p:spPr>
+        </p:pic>
+        <p:sp>
+          <p:nvSpPr>
+            <p:cNvPr id="2" name="TextBox 1">
+              <a:extLst>
+                <a:ext uri="{FF2B5EF4-FFF2-40B4-BE49-F238E27FC236}">
+                  <a16:creationId xmlns:a16="http://schemas.microsoft.com/office/drawing/2014/main" id="{B4A636B0-BDC9-95AB-FFE2-63FDD2A083A8}"/>
+                </a:ext>
+              </a:extLst>
+            </p:cNvPr>
+            <p:cNvSpPr txBox="1"/>
+            <p:nvPr/>
+          </p:nvSpPr>
+          <p:spPr>
+            <a:xfrm>
+              <a:off x="7004470" y="3429000"/>
+              <a:ext cx="2962573" cy="461665"/>
+            </a:xfrm>
+            <a:prstGeom prst="rect">
+              <a:avLst/>
+            </a:prstGeom>
+            <a:noFill/>
+          </p:spPr>
+          <p:txBody>
+            <a:bodyPr wrap="square" rtlCol="0">
+              <a:spAutoFit/>
+            </a:bodyPr>
+            <a:lstStyle/>
+            <a:p>
+              <a:pPr algn="ctr"/>
+              <a:r>
+                <a:rPr lang="en-US" altLang="ko-KR" sz="2400" b="1" dirty="0"/>
+                <a:t>Zendesk Function</a:t>
+              </a:r>
+            </a:p>
+          </p:txBody>
+        </p:sp>
+      </p:grpSp>
     </p:spTree>
     <p:extLst>
       <p:ext uri="{BB962C8B-B14F-4D97-AF65-F5344CB8AC3E}">
@@ -5150,6 +5219,601 @@
 </p:sld>
 </file>
 
+<file path=ppt/slides/slide17.xml><?xml version="1.0" encoding="utf-8"?>
+<p:sld xmlns:a="http://schemas.openxmlformats.org/drawingml/2006/main" xmlns:r="http://schemas.openxmlformats.org/officeDocument/2006/relationships" xmlns:p="http://schemas.openxmlformats.org/presentationml/2006/main">
+  <p:cSld>
+    <p:spTree>
+      <p:nvGrpSpPr>
+        <p:cNvPr id="1" name=""/>
+        <p:cNvGrpSpPr/>
+        <p:nvPr/>
+      </p:nvGrpSpPr>
+      <p:grpSpPr>
+        <a:xfrm>
+          <a:off x="0" y="0"/>
+          <a:ext cx="0" cy="0"/>
+          <a:chOff x="0" y="0"/>
+          <a:chExt cx="0" cy="0"/>
+        </a:xfrm>
+      </p:grpSpPr>
+      <p:grpSp>
+        <p:nvGrpSpPr>
+          <p:cNvPr id="11" name="그룹 10">
+            <a:extLst>
+              <a:ext uri="{FF2B5EF4-FFF2-40B4-BE49-F238E27FC236}">
+                <a16:creationId xmlns:a16="http://schemas.microsoft.com/office/drawing/2014/main" id="{14189140-C96E-4DB2-7BAC-194D345D7A91}"/>
+              </a:ext>
+            </a:extLst>
+          </p:cNvPr>
+          <p:cNvGrpSpPr/>
+          <p:nvPr/>
+        </p:nvGrpSpPr>
+        <p:grpSpPr>
+          <a:xfrm>
+            <a:off x="3103212" y="990600"/>
+            <a:ext cx="4876800" cy="4876800"/>
+            <a:chOff x="3103212" y="990600"/>
+            <a:chExt cx="4876800" cy="4876800"/>
+          </a:xfrm>
+        </p:grpSpPr>
+        <p:pic>
+          <p:nvPicPr>
+            <p:cNvPr id="5" name="그림 4">
+              <a:extLst>
+                <a:ext uri="{FF2B5EF4-FFF2-40B4-BE49-F238E27FC236}">
+                  <a16:creationId xmlns:a16="http://schemas.microsoft.com/office/drawing/2014/main" id="{31C11A03-A38E-5250-00E6-A3C45FF09E6B}"/>
+                </a:ext>
+              </a:extLst>
+            </p:cNvPr>
+            <p:cNvPicPr>
+              <a:picLocks noChangeAspect="1"/>
+            </p:cNvPicPr>
+            <p:nvPr/>
+          </p:nvPicPr>
+          <p:blipFill>
+            <a:blip r:embed="rId2">
+              <a:extLst>
+                <a:ext uri="{28A0092B-C50C-407E-A947-70E740481C1C}">
+                  <a14:useLocalDpi xmlns:a14="http://schemas.microsoft.com/office/drawing/2010/main" val="0"/>
+                </a:ext>
+              </a:extLst>
+            </a:blip>
+            <a:stretch>
+              <a:fillRect/>
+            </a:stretch>
+          </p:blipFill>
+          <p:spPr>
+            <a:xfrm>
+              <a:off x="3103212" y="990600"/>
+              <a:ext cx="4876800" cy="4876800"/>
+            </a:xfrm>
+            <a:prstGeom prst="rect">
+              <a:avLst/>
+            </a:prstGeom>
+          </p:spPr>
+        </p:pic>
+        <p:pic>
+          <p:nvPicPr>
+            <p:cNvPr id="9" name="그림 8">
+              <a:extLst>
+                <a:ext uri="{FF2B5EF4-FFF2-40B4-BE49-F238E27FC236}">
+                  <a16:creationId xmlns:a16="http://schemas.microsoft.com/office/drawing/2014/main" id="{758DD25E-1ED8-83CB-5606-048D0D442ACF}"/>
+                </a:ext>
+              </a:extLst>
+            </p:cNvPr>
+            <p:cNvPicPr>
+              <a:picLocks noChangeAspect="1"/>
+            </p:cNvPicPr>
+            <p:nvPr/>
+          </p:nvPicPr>
+          <p:blipFill>
+            <a:blip r:embed="rId3">
+              <a:extLst>
+                <a:ext uri="{28A0092B-C50C-407E-A947-70E740481C1C}">
+                  <a14:useLocalDpi xmlns:a14="http://schemas.microsoft.com/office/drawing/2010/main" val="0"/>
+                </a:ext>
+              </a:extLst>
+            </a:blip>
+            <a:stretch>
+              <a:fillRect/>
+            </a:stretch>
+          </p:blipFill>
+          <p:spPr>
+            <a:xfrm>
+              <a:off x="7171509" y="2677886"/>
+              <a:ext cx="518942" cy="518942"/>
+            </a:xfrm>
+            <a:prstGeom prst="rect">
+              <a:avLst/>
+            </a:prstGeom>
+          </p:spPr>
+        </p:pic>
+      </p:grpSp>
+    </p:spTree>
+    <p:extLst>
+      <p:ext uri="{BB962C8B-B14F-4D97-AF65-F5344CB8AC3E}">
+        <p14:creationId xmlns:p14="http://schemas.microsoft.com/office/powerpoint/2010/main" val="89625701"/>
+      </p:ext>
+    </p:extLst>
+  </p:cSld>
+  <p:clrMapOvr>
+    <a:masterClrMapping/>
+  </p:clrMapOvr>
+</p:sld>
+</file>
+
+<file path=ppt/slides/slide18.xml><?xml version="1.0" encoding="utf-8"?>
+<p:sld xmlns:a="http://schemas.openxmlformats.org/drawingml/2006/main" xmlns:r="http://schemas.openxmlformats.org/officeDocument/2006/relationships" xmlns:p="http://schemas.openxmlformats.org/presentationml/2006/main">
+  <p:cSld>
+    <p:spTree>
+      <p:nvGrpSpPr>
+        <p:cNvPr id="1" name=""/>
+        <p:cNvGrpSpPr/>
+        <p:nvPr/>
+      </p:nvGrpSpPr>
+      <p:grpSpPr>
+        <a:xfrm>
+          <a:off x="0" y="0"/>
+          <a:ext cx="0" cy="0"/>
+          <a:chOff x="0" y="0"/>
+          <a:chExt cx="0" cy="0"/>
+        </a:xfrm>
+      </p:grpSpPr>
+      <p:grpSp>
+        <p:nvGrpSpPr>
+          <p:cNvPr id="7" name="그룹 6">
+            <a:extLst>
+              <a:ext uri="{FF2B5EF4-FFF2-40B4-BE49-F238E27FC236}">
+                <a16:creationId xmlns:a16="http://schemas.microsoft.com/office/drawing/2014/main" id="{0AFB4A22-C72B-6F37-908F-475E1D1C4838}"/>
+              </a:ext>
+            </a:extLst>
+          </p:cNvPr>
+          <p:cNvGrpSpPr/>
+          <p:nvPr/>
+        </p:nvGrpSpPr>
+        <p:grpSpPr>
+          <a:xfrm>
+            <a:off x="2889068" y="990600"/>
+            <a:ext cx="4876800" cy="4876800"/>
+            <a:chOff x="2889068" y="990600"/>
+            <a:chExt cx="4876800" cy="4876800"/>
+          </a:xfrm>
+        </p:grpSpPr>
+        <p:pic>
+          <p:nvPicPr>
+            <p:cNvPr id="5" name="그림 4">
+              <a:extLst>
+                <a:ext uri="{FF2B5EF4-FFF2-40B4-BE49-F238E27FC236}">
+                  <a16:creationId xmlns:a16="http://schemas.microsoft.com/office/drawing/2014/main" id="{59482059-5A39-54EF-A86B-E7D0A3528796}"/>
+                </a:ext>
+              </a:extLst>
+            </p:cNvPr>
+            <p:cNvPicPr>
+              <a:picLocks noChangeAspect="1"/>
+            </p:cNvPicPr>
+            <p:nvPr/>
+          </p:nvPicPr>
+          <p:blipFill>
+            <a:blip r:embed="rId2">
+              <a:extLst>
+                <a:ext uri="{28A0092B-C50C-407E-A947-70E740481C1C}">
+                  <a14:useLocalDpi xmlns:a14="http://schemas.microsoft.com/office/drawing/2010/main" val="0"/>
+                </a:ext>
+              </a:extLst>
+            </a:blip>
+            <a:stretch>
+              <a:fillRect/>
+            </a:stretch>
+          </p:blipFill>
+          <p:spPr>
+            <a:xfrm>
+              <a:off x="2889068" y="990600"/>
+              <a:ext cx="4876800" cy="4876800"/>
+            </a:xfrm>
+            <a:prstGeom prst="rect">
+              <a:avLst/>
+            </a:prstGeom>
+          </p:spPr>
+        </p:pic>
+        <p:sp>
+          <p:nvSpPr>
+            <p:cNvPr id="6" name="모서리가 둥근 직사각형 5">
+              <a:extLst>
+                <a:ext uri="{FF2B5EF4-FFF2-40B4-BE49-F238E27FC236}">
+                  <a16:creationId xmlns:a16="http://schemas.microsoft.com/office/drawing/2014/main" id="{AC740C3C-579E-73C9-F541-F39549D0C9A6}"/>
+                </a:ext>
+              </a:extLst>
+            </p:cNvPr>
+            <p:cNvSpPr/>
+            <p:nvPr/>
+          </p:nvSpPr>
+          <p:spPr>
+            <a:xfrm>
+              <a:off x="3082834" y="1175658"/>
+              <a:ext cx="4489269" cy="4489269"/>
+            </a:xfrm>
+            <a:prstGeom prst="roundRect">
+              <a:avLst>
+                <a:gd name="adj" fmla="val 6483"/>
+              </a:avLst>
+            </a:prstGeom>
+            <a:noFill/>
+            <a:ln w="57150">
+              <a:solidFill>
+                <a:schemeClr val="tx1"/>
+              </a:solidFill>
+            </a:ln>
+          </p:spPr>
+          <p:style>
+            <a:lnRef idx="2">
+              <a:schemeClr val="dk1">
+                <a:shade val="50000"/>
+              </a:schemeClr>
+            </a:lnRef>
+            <a:fillRef idx="1">
+              <a:schemeClr val="dk1"/>
+            </a:fillRef>
+            <a:effectRef idx="0">
+              <a:schemeClr val="dk1"/>
+            </a:effectRef>
+            <a:fontRef idx="minor">
+              <a:schemeClr val="lt1"/>
+            </a:fontRef>
+          </p:style>
+          <p:txBody>
+            <a:bodyPr rtlCol="0" anchor="ctr"/>
+            <a:lstStyle/>
+            <a:p>
+              <a:pPr algn="ctr"/>
+              <a:endParaRPr kumimoji="1" lang="ko-Kore-KR" altLang="en-US"/>
+            </a:p>
+          </p:txBody>
+        </p:sp>
+      </p:grpSp>
+    </p:spTree>
+    <p:extLst>
+      <p:ext uri="{BB962C8B-B14F-4D97-AF65-F5344CB8AC3E}">
+        <p14:creationId xmlns:p14="http://schemas.microsoft.com/office/powerpoint/2010/main" val="1654027756"/>
+      </p:ext>
+    </p:extLst>
+  </p:cSld>
+  <p:clrMapOvr>
+    <a:masterClrMapping/>
+  </p:clrMapOvr>
+</p:sld>
+</file>
+
+<file path=ppt/slides/slide19.xml><?xml version="1.0" encoding="utf-8"?>
+<p:sld xmlns:a="http://schemas.openxmlformats.org/drawingml/2006/main" xmlns:r="http://schemas.openxmlformats.org/officeDocument/2006/relationships" xmlns:p="http://schemas.openxmlformats.org/presentationml/2006/main">
+  <p:cSld>
+    <p:spTree>
+      <p:nvGrpSpPr>
+        <p:cNvPr id="1" name=""/>
+        <p:cNvGrpSpPr/>
+        <p:nvPr/>
+      </p:nvGrpSpPr>
+      <p:grpSpPr>
+        <a:xfrm>
+          <a:off x="0" y="0"/>
+          <a:ext cx="0" cy="0"/>
+          <a:chOff x="0" y="0"/>
+          <a:chExt cx="0" cy="0"/>
+        </a:xfrm>
+      </p:grpSpPr>
+      <p:grpSp>
+        <p:nvGrpSpPr>
+          <p:cNvPr id="13" name="그룹 12">
+            <a:extLst>
+              <a:ext uri="{FF2B5EF4-FFF2-40B4-BE49-F238E27FC236}">
+                <a16:creationId xmlns:a16="http://schemas.microsoft.com/office/drawing/2014/main" id="{42CA0795-0BE2-C63F-5CEB-504EADD57C7C}"/>
+              </a:ext>
+            </a:extLst>
+          </p:cNvPr>
+          <p:cNvGrpSpPr/>
+          <p:nvPr/>
+        </p:nvGrpSpPr>
+        <p:grpSpPr>
+          <a:xfrm>
+            <a:off x="3657599" y="990600"/>
+            <a:ext cx="4876800" cy="4876800"/>
+            <a:chOff x="3657599" y="990600"/>
+            <a:chExt cx="4876800" cy="4876800"/>
+          </a:xfrm>
+        </p:grpSpPr>
+        <p:grpSp>
+          <p:nvGrpSpPr>
+            <p:cNvPr id="11" name="그룹 10">
+              <a:extLst>
+                <a:ext uri="{FF2B5EF4-FFF2-40B4-BE49-F238E27FC236}">
+                  <a16:creationId xmlns:a16="http://schemas.microsoft.com/office/drawing/2014/main" id="{37235D5E-E46C-9C46-7BFE-AF0FB5DA7B30}"/>
+                </a:ext>
+              </a:extLst>
+            </p:cNvPr>
+            <p:cNvGrpSpPr/>
+            <p:nvPr/>
+          </p:nvGrpSpPr>
+          <p:grpSpPr>
+            <a:xfrm>
+              <a:off x="3657599" y="990600"/>
+              <a:ext cx="4876800" cy="4876800"/>
+              <a:chOff x="3657599" y="990600"/>
+              <a:chExt cx="4876800" cy="4876800"/>
+            </a:xfrm>
+          </p:grpSpPr>
+          <p:grpSp>
+            <p:nvGrpSpPr>
+              <p:cNvPr id="8" name="그룹 7">
+                <a:extLst>
+                  <a:ext uri="{FF2B5EF4-FFF2-40B4-BE49-F238E27FC236}">
+                    <a16:creationId xmlns:a16="http://schemas.microsoft.com/office/drawing/2014/main" id="{455D5855-E26E-A55B-74D5-2B74123159E7}"/>
+                  </a:ext>
+                </a:extLst>
+              </p:cNvPr>
+              <p:cNvGrpSpPr/>
+              <p:nvPr/>
+            </p:nvGrpSpPr>
+            <p:grpSpPr>
+              <a:xfrm>
+                <a:off x="3657599" y="990600"/>
+                <a:ext cx="4876800" cy="4876800"/>
+                <a:chOff x="3657599" y="990600"/>
+                <a:chExt cx="4876800" cy="4876800"/>
+              </a:xfrm>
+            </p:grpSpPr>
+            <p:pic>
+              <p:nvPicPr>
+                <p:cNvPr id="3" name="그림 2">
+                  <a:extLst>
+                    <a:ext uri="{FF2B5EF4-FFF2-40B4-BE49-F238E27FC236}">
+                      <a16:creationId xmlns:a16="http://schemas.microsoft.com/office/drawing/2014/main" id="{C546365E-8AD2-4E2C-F684-2BD1BE5A54A8}"/>
+                    </a:ext>
+                  </a:extLst>
+                </p:cNvPr>
+                <p:cNvPicPr>
+                  <a:picLocks noChangeAspect="1"/>
+                </p:cNvPicPr>
+                <p:nvPr/>
+              </p:nvPicPr>
+              <p:blipFill>
+                <a:blip r:embed="rId2">
+                  <a:extLst>
+                    <a:ext uri="{28A0092B-C50C-407E-A947-70E740481C1C}">
+                      <a14:useLocalDpi xmlns:a14="http://schemas.microsoft.com/office/drawing/2010/main" val="0"/>
+                    </a:ext>
+                  </a:extLst>
+                </a:blip>
+                <a:stretch>
+                  <a:fillRect/>
+                </a:stretch>
+              </p:blipFill>
+              <p:spPr>
+                <a:xfrm>
+                  <a:off x="3657599" y="990600"/>
+                  <a:ext cx="4876800" cy="4876800"/>
+                </a:xfrm>
+                <a:prstGeom prst="rect">
+                  <a:avLst/>
+                </a:prstGeom>
+              </p:spPr>
+            </p:pic>
+            <p:sp>
+              <p:nvSpPr>
+                <p:cNvPr id="4" name="TextBox 3">
+                  <a:extLst>
+                    <a:ext uri="{FF2B5EF4-FFF2-40B4-BE49-F238E27FC236}">
+                      <a16:creationId xmlns:a16="http://schemas.microsoft.com/office/drawing/2014/main" id="{8F503292-31BD-F338-31A3-0231B8763502}"/>
+                    </a:ext>
+                  </a:extLst>
+                </p:cNvPr>
+                <p:cNvSpPr txBox="1"/>
+                <p:nvPr/>
+              </p:nvSpPr>
+              <p:spPr>
+                <a:xfrm>
+                  <a:off x="4585989" y="4329399"/>
+                  <a:ext cx="3020020" cy="1015663"/>
+                </a:xfrm>
+                <a:prstGeom prst="rect">
+                  <a:avLst/>
+                </a:prstGeom>
+                <a:solidFill>
+                  <a:srgbClr val="000000">
+                    <a:alpha val="50196"/>
+                  </a:srgbClr>
+                </a:solidFill>
+              </p:spPr>
+              <p:txBody>
+                <a:bodyPr wrap="square" rtlCol="0" anchor="ctr">
+                  <a:spAutoFit/>
+                </a:bodyPr>
+                <a:lstStyle/>
+                <a:p>
+                  <a:pPr algn="ctr"/>
+                  <a:r>
+                    <a:rPr kumimoji="1" lang="en-US" altLang="en-US" sz="6000" b="1" dirty="0">
+                      <a:solidFill>
+                        <a:schemeClr val="bg1"/>
+                      </a:solidFill>
+                      <a:latin typeface="NanumGothic" panose="020D0604000000000000" pitchFamily="34" charset="-127"/>
+                      <a:ea typeface="NanumGothic" panose="020D0604000000000000" pitchFamily="34" charset="-127"/>
+                    </a:rPr>
+                    <a:t>Parent?</a:t>
+                  </a:r>
+                </a:p>
+              </p:txBody>
+            </p:sp>
+          </p:grpSp>
+          <p:sp>
+            <p:nvSpPr>
+              <p:cNvPr id="9" name="TextBox 8">
+                <a:extLst>
+                  <a:ext uri="{FF2B5EF4-FFF2-40B4-BE49-F238E27FC236}">
+                    <a16:creationId xmlns:a16="http://schemas.microsoft.com/office/drawing/2014/main" id="{9C437E9B-DC2F-80CE-EC50-F04658DC8759}"/>
+                  </a:ext>
+                </a:extLst>
+              </p:cNvPr>
+              <p:cNvSpPr txBox="1"/>
+              <p:nvPr/>
+            </p:nvSpPr>
+            <p:spPr>
+              <a:xfrm>
+                <a:off x="3657599" y="990600"/>
+                <a:ext cx="2438401" cy="830997"/>
+              </a:xfrm>
+              <a:prstGeom prst="rect">
+                <a:avLst/>
+              </a:prstGeom>
+              <a:solidFill>
+                <a:srgbClr val="000000">
+                  <a:alpha val="50196"/>
+                </a:srgbClr>
+              </a:solidFill>
+            </p:spPr>
+            <p:txBody>
+              <a:bodyPr wrap="square" rtlCol="0" anchor="ctr">
+                <a:spAutoFit/>
+              </a:bodyPr>
+              <a:lstStyle/>
+              <a:p>
+                <a:r>
+                  <a:rPr kumimoji="1" lang="ko-KR" altLang="en-US" sz="2400" b="1" dirty="0">
+                    <a:solidFill>
+                      <a:schemeClr val="bg1"/>
+                    </a:solidFill>
+                    <a:latin typeface="NanumGothic" panose="020D0604000000000000" pitchFamily="34" charset="-127"/>
+                    <a:ea typeface="NanumGothic" panose="020D0604000000000000" pitchFamily="34" charset="-127"/>
+                  </a:rPr>
+                  <a:t>아들아</a:t>
+                </a:r>
+                <a:r>
+                  <a:rPr kumimoji="1" lang="en-US" altLang="ko-KR" sz="2400" b="1" dirty="0">
+                    <a:solidFill>
+                      <a:schemeClr val="bg1"/>
+                    </a:solidFill>
+                    <a:latin typeface="NanumGothic" panose="020D0604000000000000" pitchFamily="34" charset="-127"/>
+                    <a:ea typeface="NanumGothic" panose="020D0604000000000000" pitchFamily="34" charset="-127"/>
+                  </a:rPr>
+                  <a:t>...</a:t>
+                </a:r>
+              </a:p>
+              <a:p>
+                <a:r>
+                  <a:rPr kumimoji="1" lang="en-US" altLang="ko-KR" sz="2400" b="1" dirty="0">
+                    <a:solidFill>
+                      <a:schemeClr val="bg1"/>
+                    </a:solidFill>
+                    <a:latin typeface="NanumGothic" panose="020D0604000000000000" pitchFamily="34" charset="-127"/>
+                    <a:ea typeface="NanumGothic" panose="020D0604000000000000" pitchFamily="34" charset="-127"/>
+                  </a:rPr>
+                  <a:t>Function</a:t>
+                </a:r>
+                <a:r>
+                  <a:rPr kumimoji="1" lang="ko-KR" altLang="en-US" sz="2400" b="1" dirty="0">
+                    <a:solidFill>
+                      <a:schemeClr val="bg1"/>
+                    </a:solidFill>
+                    <a:latin typeface="NanumGothic" panose="020D0604000000000000" pitchFamily="34" charset="-127"/>
+                    <a:ea typeface="NanumGothic" panose="020D0604000000000000" pitchFamily="34" charset="-127"/>
+                  </a:rPr>
+                  <a:t> 아니</a:t>
+                </a:r>
+                <a:r>
+                  <a:rPr kumimoji="1" lang="en-US" altLang="ko-KR" sz="2400" b="1" dirty="0">
+                    <a:solidFill>
+                      <a:schemeClr val="bg1"/>
+                    </a:solidFill>
+                    <a:latin typeface="NanumGothic" panose="020D0604000000000000" pitchFamily="34" charset="-127"/>
+                    <a:ea typeface="NanumGothic" panose="020D0604000000000000" pitchFamily="34" charset="-127"/>
+                  </a:rPr>
+                  <a:t>..?</a:t>
+                </a:r>
+                <a:endParaRPr kumimoji="1" lang="en-US" altLang="en-US" sz="2400" b="1" dirty="0">
+                  <a:solidFill>
+                    <a:schemeClr val="bg1"/>
+                  </a:solidFill>
+                  <a:latin typeface="NanumGothic" panose="020D0604000000000000" pitchFamily="34" charset="-127"/>
+                  <a:ea typeface="NanumGothic" panose="020D0604000000000000" pitchFamily="34" charset="-127"/>
+                </a:endParaRPr>
+              </a:p>
+            </p:txBody>
+          </p:sp>
+        </p:grpSp>
+        <p:sp>
+          <p:nvSpPr>
+            <p:cNvPr id="12" name="TextBox 11">
+              <a:extLst>
+                <a:ext uri="{FF2B5EF4-FFF2-40B4-BE49-F238E27FC236}">
+                  <a16:creationId xmlns:a16="http://schemas.microsoft.com/office/drawing/2014/main" id="{B9A88789-CB44-797E-F899-31CD09E6AEE9}"/>
+                </a:ext>
+              </a:extLst>
+            </p:cNvPr>
+            <p:cNvSpPr txBox="1"/>
+            <p:nvPr/>
+          </p:nvSpPr>
+          <p:spPr>
+            <a:xfrm>
+              <a:off x="6636251" y="3429000"/>
+              <a:ext cx="917506" cy="461665"/>
+            </a:xfrm>
+            <a:prstGeom prst="rect">
+              <a:avLst/>
+            </a:prstGeom>
+            <a:solidFill>
+              <a:srgbClr val="000000">
+                <a:alpha val="50196"/>
+              </a:srgbClr>
+            </a:solidFill>
+          </p:spPr>
+          <p:txBody>
+            <a:bodyPr wrap="square" rtlCol="0" anchor="ctr">
+              <a:spAutoFit/>
+            </a:bodyPr>
+            <a:lstStyle/>
+            <a:p>
+              <a:r>
+                <a:rPr kumimoji="1" lang="ko-KR" altLang="en-US" sz="2400" b="1" dirty="0">
+                  <a:solidFill>
+                    <a:schemeClr val="bg1"/>
+                  </a:solidFill>
+                  <a:latin typeface="NanumGothic" panose="020D0604000000000000" pitchFamily="34" charset="-127"/>
+                  <a:ea typeface="NanumGothic" panose="020D0604000000000000" pitchFamily="34" charset="-127"/>
+                </a:rPr>
+                <a:t>네</a:t>
+              </a:r>
+              <a:r>
+                <a:rPr kumimoji="1" lang="en-US" altLang="ko-KR" sz="2400" b="1" dirty="0">
+                  <a:solidFill>
+                    <a:schemeClr val="bg1"/>
+                  </a:solidFill>
+                  <a:latin typeface="NanumGothic" panose="020D0604000000000000" pitchFamily="34" charset="-127"/>
+                  <a:ea typeface="NanumGothic" panose="020D0604000000000000" pitchFamily="34" charset="-127"/>
+                </a:rPr>
+                <a:t>...?</a:t>
+              </a:r>
+              <a:endParaRPr kumimoji="1" lang="en-US" altLang="en-US" sz="2400" b="1" dirty="0">
+                <a:solidFill>
+                  <a:schemeClr val="bg1"/>
+                </a:solidFill>
+                <a:latin typeface="NanumGothic" panose="020D0604000000000000" pitchFamily="34" charset="-127"/>
+                <a:ea typeface="NanumGothic" panose="020D0604000000000000" pitchFamily="34" charset="-127"/>
+              </a:endParaRPr>
+            </a:p>
+          </p:txBody>
+        </p:sp>
+      </p:grpSp>
+    </p:spTree>
+    <p:extLst>
+      <p:ext uri="{BB962C8B-B14F-4D97-AF65-F5344CB8AC3E}">
+        <p14:creationId xmlns:p14="http://schemas.microsoft.com/office/powerpoint/2010/main" val="2526644450"/>
+      </p:ext>
+    </p:extLst>
+  </p:cSld>
+  <p:clrMapOvr>
+    <a:masterClrMapping/>
+  </p:clrMapOvr>
+</p:sld>
+</file>
+
 <file path=ppt/slides/slide2.xml><?xml version="1.0" encoding="utf-8"?>
 <p:sld xmlns:a="http://schemas.openxmlformats.org/drawingml/2006/main" xmlns:r="http://schemas.openxmlformats.org/officeDocument/2006/relationships" xmlns:p="http://schemas.openxmlformats.org/presentationml/2006/main">
   <p:cSld>
@@ -5313,6 +5977,1719 @@
     <p:extLst>
       <p:ext uri="{BB962C8B-B14F-4D97-AF65-F5344CB8AC3E}">
         <p14:creationId xmlns:p14="http://schemas.microsoft.com/office/powerpoint/2010/main" val="2483777131"/>
+      </p:ext>
+    </p:extLst>
+  </p:cSld>
+  <p:clrMapOvr>
+    <a:masterClrMapping/>
+  </p:clrMapOvr>
+</p:sld>
+</file>
+
+<file path=ppt/slides/slide20.xml><?xml version="1.0" encoding="utf-8"?>
+<p:sld xmlns:a="http://schemas.openxmlformats.org/drawingml/2006/main" xmlns:r="http://schemas.openxmlformats.org/officeDocument/2006/relationships" xmlns:p="http://schemas.openxmlformats.org/presentationml/2006/main">
+  <p:cSld>
+    <p:spTree>
+      <p:nvGrpSpPr>
+        <p:cNvPr id="1" name=""/>
+        <p:cNvGrpSpPr/>
+        <p:nvPr/>
+      </p:nvGrpSpPr>
+      <p:grpSpPr>
+        <a:xfrm>
+          <a:off x="0" y="0"/>
+          <a:ext cx="0" cy="0"/>
+          <a:chOff x="0" y="0"/>
+          <a:chExt cx="0" cy="0"/>
+        </a:xfrm>
+      </p:grpSpPr>
+      <p:grpSp>
+        <p:nvGrpSpPr>
+          <p:cNvPr id="17" name="그룹 16">
+            <a:extLst>
+              <a:ext uri="{FF2B5EF4-FFF2-40B4-BE49-F238E27FC236}">
+                <a16:creationId xmlns:a16="http://schemas.microsoft.com/office/drawing/2014/main" id="{AE74A0C6-F78F-5DB6-E340-1AA63F02CDD5}"/>
+              </a:ext>
+            </a:extLst>
+          </p:cNvPr>
+          <p:cNvGrpSpPr/>
+          <p:nvPr/>
+        </p:nvGrpSpPr>
+        <p:grpSpPr>
+          <a:xfrm>
+            <a:off x="3657600" y="990600"/>
+            <a:ext cx="5443601" cy="5165353"/>
+            <a:chOff x="3657600" y="990600"/>
+            <a:chExt cx="5443601" cy="5165353"/>
+          </a:xfrm>
+        </p:grpSpPr>
+        <p:pic>
+          <p:nvPicPr>
+            <p:cNvPr id="3" name="그림 2">
+              <a:extLst>
+                <a:ext uri="{FF2B5EF4-FFF2-40B4-BE49-F238E27FC236}">
+                  <a16:creationId xmlns:a16="http://schemas.microsoft.com/office/drawing/2014/main" id="{A90A33CF-711C-B4AD-FD97-0B37F6AEC438}"/>
+                </a:ext>
+              </a:extLst>
+            </p:cNvPr>
+            <p:cNvPicPr>
+              <a:picLocks noChangeAspect="1"/>
+            </p:cNvPicPr>
+            <p:nvPr/>
+          </p:nvPicPr>
+          <p:blipFill>
+            <a:blip r:embed="rId2">
+              <a:extLst>
+                <a:ext uri="{28A0092B-C50C-407E-A947-70E740481C1C}">
+                  <a14:useLocalDpi xmlns:a14="http://schemas.microsoft.com/office/drawing/2010/main" val="0"/>
+                </a:ext>
+              </a:extLst>
+            </a:blip>
+            <a:stretch>
+              <a:fillRect/>
+            </a:stretch>
+          </p:blipFill>
+          <p:spPr>
+            <a:xfrm>
+              <a:off x="3657600" y="990600"/>
+              <a:ext cx="4876800" cy="4876800"/>
+            </a:xfrm>
+            <a:prstGeom prst="rect">
+              <a:avLst/>
+            </a:prstGeom>
+          </p:spPr>
+        </p:pic>
+        <p:sp>
+          <p:nvSpPr>
+            <p:cNvPr id="6" name="TextBox 5">
+              <a:extLst>
+                <a:ext uri="{FF2B5EF4-FFF2-40B4-BE49-F238E27FC236}">
+                  <a16:creationId xmlns:a16="http://schemas.microsoft.com/office/drawing/2014/main" id="{86074C19-A921-4950-114D-0807AB6FE812}"/>
+                </a:ext>
+              </a:extLst>
+            </p:cNvPr>
+            <p:cNvSpPr txBox="1"/>
+            <p:nvPr/>
+          </p:nvSpPr>
+          <p:spPr>
+            <a:xfrm>
+              <a:off x="4351205" y="5140290"/>
+              <a:ext cx="3489590" cy="1015663"/>
+            </a:xfrm>
+            <a:prstGeom prst="rect">
+              <a:avLst/>
+            </a:prstGeom>
+            <a:solidFill>
+              <a:srgbClr val="000000">
+                <a:alpha val="50196"/>
+              </a:srgbClr>
+            </a:solidFill>
+          </p:spPr>
+          <p:txBody>
+            <a:bodyPr wrap="square" rtlCol="0" anchor="ctr">
+              <a:spAutoFit/>
+            </a:bodyPr>
+            <a:lstStyle/>
+            <a:p>
+              <a:pPr algn="ctr"/>
+              <a:r>
+                <a:rPr kumimoji="1" lang="en-US" altLang="en-US" sz="6000" b="1" dirty="0">
+                  <a:solidFill>
+                    <a:schemeClr val="bg1"/>
+                  </a:solidFill>
+                  <a:latin typeface="NanumGothic" panose="020D0604000000000000" pitchFamily="34" charset="-127"/>
+                  <a:ea typeface="NanumGothic" panose="020D0604000000000000" pitchFamily="34" charset="-127"/>
+                </a:rPr>
+                <a:t>Children</a:t>
+              </a:r>
+              <a:r>
+                <a:rPr kumimoji="1" lang="en-US" altLang="ko-KR" sz="6000" b="1" dirty="0">
+                  <a:solidFill>
+                    <a:schemeClr val="bg1"/>
+                  </a:solidFill>
+                  <a:latin typeface="NanumGothic" panose="020D0604000000000000" pitchFamily="34" charset="-127"/>
+                  <a:ea typeface="NanumGothic" panose="020D0604000000000000" pitchFamily="34" charset="-127"/>
+                </a:rPr>
+                <a:t>?</a:t>
+              </a:r>
+              <a:endParaRPr kumimoji="1" lang="en-US" altLang="en-US" sz="6000" b="1" dirty="0">
+                <a:solidFill>
+                  <a:schemeClr val="bg1"/>
+                </a:solidFill>
+                <a:latin typeface="NanumGothic" panose="020D0604000000000000" pitchFamily="34" charset="-127"/>
+                <a:ea typeface="NanumGothic" panose="020D0604000000000000" pitchFamily="34" charset="-127"/>
+              </a:endParaRPr>
+            </a:p>
+          </p:txBody>
+        </p:sp>
+        <p:sp>
+          <p:nvSpPr>
+            <p:cNvPr id="7" name="TextBox 6">
+              <a:extLst>
+                <a:ext uri="{FF2B5EF4-FFF2-40B4-BE49-F238E27FC236}">
+                  <a16:creationId xmlns:a16="http://schemas.microsoft.com/office/drawing/2014/main" id="{FD88DFA8-AAF5-EAC8-085D-1D40C85574A8}"/>
+                </a:ext>
+              </a:extLst>
+            </p:cNvPr>
+            <p:cNvSpPr txBox="1"/>
+            <p:nvPr/>
+          </p:nvSpPr>
+          <p:spPr>
+            <a:xfrm>
+              <a:off x="3734170" y="1436523"/>
+              <a:ext cx="953590" cy="461665"/>
+            </a:xfrm>
+            <a:prstGeom prst="rect">
+              <a:avLst/>
+            </a:prstGeom>
+            <a:solidFill>
+              <a:srgbClr val="000000">
+                <a:alpha val="50196"/>
+              </a:srgbClr>
+            </a:solidFill>
+          </p:spPr>
+          <p:txBody>
+            <a:bodyPr wrap="square" rtlCol="0" anchor="ctr">
+              <a:spAutoFit/>
+            </a:bodyPr>
+            <a:lstStyle/>
+            <a:p>
+              <a:r>
+                <a:rPr kumimoji="1" lang="ko-KR" altLang="en-US" sz="2400" b="1" dirty="0">
+                  <a:solidFill>
+                    <a:schemeClr val="bg1"/>
+                  </a:solidFill>
+                  <a:latin typeface="NanumGothic" panose="020D0604000000000000" pitchFamily="34" charset="-127"/>
+                  <a:ea typeface="NanumGothic" panose="020D0604000000000000" pitchFamily="34" charset="-127"/>
+                </a:rPr>
+                <a:t>응</a:t>
+              </a:r>
+              <a:r>
+                <a:rPr kumimoji="1" lang="en-US" altLang="ko-KR" sz="2400" b="1" dirty="0">
+                  <a:solidFill>
+                    <a:schemeClr val="bg1"/>
+                  </a:solidFill>
+                  <a:latin typeface="NanumGothic" panose="020D0604000000000000" pitchFamily="34" charset="-127"/>
+                  <a:ea typeface="NanumGothic" panose="020D0604000000000000" pitchFamily="34" charset="-127"/>
+                </a:rPr>
+                <a:t>...?</a:t>
+              </a:r>
+              <a:endParaRPr kumimoji="1" lang="en-US" altLang="en-US" sz="2400" b="1" dirty="0">
+                <a:solidFill>
+                  <a:schemeClr val="bg1"/>
+                </a:solidFill>
+                <a:latin typeface="NanumGothic" panose="020D0604000000000000" pitchFamily="34" charset="-127"/>
+                <a:ea typeface="NanumGothic" panose="020D0604000000000000" pitchFamily="34" charset="-127"/>
+              </a:endParaRPr>
+            </a:p>
+          </p:txBody>
+        </p:sp>
+        <p:sp>
+          <p:nvSpPr>
+            <p:cNvPr id="8" name="TextBox 7">
+              <a:extLst>
+                <a:ext uri="{FF2B5EF4-FFF2-40B4-BE49-F238E27FC236}">
+                  <a16:creationId xmlns:a16="http://schemas.microsoft.com/office/drawing/2014/main" id="{1710CB77-B1F7-8B2A-9493-4D78D5E8288F}"/>
+                </a:ext>
+              </a:extLst>
+            </p:cNvPr>
+            <p:cNvSpPr txBox="1"/>
+            <p:nvPr/>
+          </p:nvSpPr>
+          <p:spPr>
+            <a:xfrm>
+              <a:off x="6580388" y="4115136"/>
+              <a:ext cx="2520813" cy="830997"/>
+            </a:xfrm>
+            <a:prstGeom prst="rect">
+              <a:avLst/>
+            </a:prstGeom>
+            <a:solidFill>
+              <a:srgbClr val="000000">
+                <a:alpha val="50196"/>
+              </a:srgbClr>
+            </a:solidFill>
+          </p:spPr>
+          <p:txBody>
+            <a:bodyPr wrap="square" rtlCol="0" anchor="ctr">
+              <a:spAutoFit/>
+            </a:bodyPr>
+            <a:lstStyle/>
+            <a:p>
+              <a:r>
+                <a:rPr kumimoji="1" lang="ko-KR" altLang="en-US" sz="2400" b="1" dirty="0">
+                  <a:solidFill>
+                    <a:schemeClr val="bg1"/>
+                  </a:solidFill>
+                  <a:latin typeface="NanumGothic" panose="020D0604000000000000" pitchFamily="34" charset="-127"/>
+                  <a:ea typeface="NanumGothic" panose="020D0604000000000000" pitchFamily="34" charset="-127"/>
+                </a:rPr>
+                <a:t>부모님</a:t>
+              </a:r>
+              <a:r>
+                <a:rPr kumimoji="1" lang="en-US" altLang="ko-KR" sz="2400" b="1" dirty="0">
+                  <a:solidFill>
+                    <a:schemeClr val="bg1"/>
+                  </a:solidFill>
+                  <a:latin typeface="NanumGothic" panose="020D0604000000000000" pitchFamily="34" charset="-127"/>
+                  <a:ea typeface="NanumGothic" panose="020D0604000000000000" pitchFamily="34" charset="-127"/>
+                </a:rPr>
+                <a:t>!</a:t>
+              </a:r>
+            </a:p>
+            <a:p>
+              <a:r>
+                <a:rPr kumimoji="1" lang="en-US" altLang="ko-KR" sz="2400" b="1" dirty="0">
+                  <a:solidFill>
+                    <a:schemeClr val="bg1"/>
+                  </a:solidFill>
+                  <a:latin typeface="NanumGothic" panose="020D0604000000000000" pitchFamily="34" charset="-127"/>
+                  <a:ea typeface="NanumGothic" panose="020D0604000000000000" pitchFamily="34" charset="-127"/>
+                </a:rPr>
+                <a:t>Element</a:t>
+              </a:r>
+              <a:r>
+                <a:rPr kumimoji="1" lang="ko-KR" altLang="en-US" sz="2400" b="1" dirty="0">
+                  <a:solidFill>
+                    <a:schemeClr val="bg1"/>
+                  </a:solidFill>
+                  <a:latin typeface="NanumGothic" panose="020D0604000000000000" pitchFamily="34" charset="-127"/>
+                  <a:ea typeface="NanumGothic" panose="020D0604000000000000" pitchFamily="34" charset="-127"/>
+                </a:rPr>
+                <a:t> 아세요</a:t>
+              </a:r>
+              <a:r>
+                <a:rPr kumimoji="1" lang="en-US" altLang="ko-KR" sz="2400" b="1" dirty="0">
+                  <a:solidFill>
+                    <a:schemeClr val="bg1"/>
+                  </a:solidFill>
+                  <a:latin typeface="NanumGothic" panose="020D0604000000000000" pitchFamily="34" charset="-127"/>
+                  <a:ea typeface="NanumGothic" panose="020D0604000000000000" pitchFamily="34" charset="-127"/>
+                </a:rPr>
+                <a:t>?</a:t>
+              </a:r>
+              <a:endParaRPr kumimoji="1" lang="en-US" altLang="en-US" sz="2400" b="1" dirty="0">
+                <a:solidFill>
+                  <a:schemeClr val="bg1"/>
+                </a:solidFill>
+                <a:latin typeface="NanumGothic" panose="020D0604000000000000" pitchFamily="34" charset="-127"/>
+                <a:ea typeface="NanumGothic" panose="020D0604000000000000" pitchFamily="34" charset="-127"/>
+              </a:endParaRPr>
+            </a:p>
+          </p:txBody>
+        </p:sp>
+        <p:sp>
+          <p:nvSpPr>
+            <p:cNvPr id="9" name="TextBox 8">
+              <a:extLst>
+                <a:ext uri="{FF2B5EF4-FFF2-40B4-BE49-F238E27FC236}">
+                  <a16:creationId xmlns:a16="http://schemas.microsoft.com/office/drawing/2014/main" id="{F22F859C-D447-5610-C7E5-11EE40EBFC6D}"/>
+                </a:ext>
+              </a:extLst>
+            </p:cNvPr>
+            <p:cNvSpPr txBox="1"/>
+            <p:nvPr/>
+          </p:nvSpPr>
+          <p:spPr>
+            <a:xfrm>
+              <a:off x="7504242" y="1748135"/>
+              <a:ext cx="953590" cy="461665"/>
+            </a:xfrm>
+            <a:prstGeom prst="rect">
+              <a:avLst/>
+            </a:prstGeom>
+            <a:solidFill>
+              <a:srgbClr val="000000">
+                <a:alpha val="50196"/>
+              </a:srgbClr>
+            </a:solidFill>
+          </p:spPr>
+          <p:txBody>
+            <a:bodyPr wrap="square" rtlCol="0" anchor="ctr">
+              <a:spAutoFit/>
+            </a:bodyPr>
+            <a:lstStyle/>
+            <a:p>
+              <a:r>
+                <a:rPr kumimoji="1" lang="ko-KR" altLang="en-US" sz="2400" b="1" dirty="0">
+                  <a:solidFill>
+                    <a:schemeClr val="bg1"/>
+                  </a:solidFill>
+                  <a:latin typeface="NanumGothic" panose="020D0604000000000000" pitchFamily="34" charset="-127"/>
+                  <a:ea typeface="NanumGothic" panose="020D0604000000000000" pitchFamily="34" charset="-127"/>
+                </a:rPr>
+                <a:t>응</a:t>
+              </a:r>
+              <a:r>
+                <a:rPr kumimoji="1" lang="en-US" altLang="ko-KR" sz="2400" b="1" dirty="0">
+                  <a:solidFill>
+                    <a:schemeClr val="bg1"/>
+                  </a:solidFill>
+                  <a:latin typeface="NanumGothic" panose="020D0604000000000000" pitchFamily="34" charset="-127"/>
+                  <a:ea typeface="NanumGothic" panose="020D0604000000000000" pitchFamily="34" charset="-127"/>
+                </a:rPr>
+                <a:t>...?</a:t>
+              </a:r>
+              <a:endParaRPr kumimoji="1" lang="en-US" altLang="en-US" sz="2400" b="1" dirty="0">
+                <a:solidFill>
+                  <a:schemeClr val="bg1"/>
+                </a:solidFill>
+                <a:latin typeface="NanumGothic" panose="020D0604000000000000" pitchFamily="34" charset="-127"/>
+                <a:ea typeface="NanumGothic" panose="020D0604000000000000" pitchFamily="34" charset="-127"/>
+              </a:endParaRPr>
+            </a:p>
+          </p:txBody>
+        </p:sp>
+      </p:grpSp>
+    </p:spTree>
+    <p:extLst>
+      <p:ext uri="{BB962C8B-B14F-4D97-AF65-F5344CB8AC3E}">
+        <p14:creationId xmlns:p14="http://schemas.microsoft.com/office/powerpoint/2010/main" val="3570408102"/>
+      </p:ext>
+    </p:extLst>
+  </p:cSld>
+  <p:clrMapOvr>
+    <a:masterClrMapping/>
+  </p:clrMapOvr>
+</p:sld>
+</file>
+
+<file path=ppt/slides/slide21.xml><?xml version="1.0" encoding="utf-8"?>
+<p:sld xmlns:a="http://schemas.openxmlformats.org/drawingml/2006/main" xmlns:r="http://schemas.openxmlformats.org/officeDocument/2006/relationships" xmlns:p="http://schemas.openxmlformats.org/presentationml/2006/main">
+  <p:cSld>
+    <p:spTree>
+      <p:nvGrpSpPr>
+        <p:cNvPr id="1" name=""/>
+        <p:cNvGrpSpPr/>
+        <p:nvPr/>
+      </p:nvGrpSpPr>
+      <p:grpSpPr>
+        <a:xfrm>
+          <a:off x="0" y="0"/>
+          <a:ext cx="0" cy="0"/>
+          <a:chOff x="0" y="0"/>
+          <a:chExt cx="0" cy="0"/>
+        </a:xfrm>
+      </p:grpSpPr>
+      <p:grpSp>
+        <p:nvGrpSpPr>
+          <p:cNvPr id="8" name="그룹 7">
+            <a:extLst>
+              <a:ext uri="{FF2B5EF4-FFF2-40B4-BE49-F238E27FC236}">
+                <a16:creationId xmlns:a16="http://schemas.microsoft.com/office/drawing/2014/main" id="{3EEDF445-7F5F-660D-0F4D-2D56DCC995BA}"/>
+              </a:ext>
+            </a:extLst>
+          </p:cNvPr>
+          <p:cNvGrpSpPr/>
+          <p:nvPr/>
+        </p:nvGrpSpPr>
+        <p:grpSpPr>
+          <a:xfrm>
+            <a:off x="5475514" y="1429294"/>
+            <a:ext cx="4339046" cy="4339046"/>
+            <a:chOff x="3657600" y="990600"/>
+            <a:chExt cx="4339046" cy="4339046"/>
+          </a:xfrm>
+        </p:grpSpPr>
+        <p:pic>
+          <p:nvPicPr>
+            <p:cNvPr id="3" name="그림 2">
+              <a:extLst>
+                <a:ext uri="{FF2B5EF4-FFF2-40B4-BE49-F238E27FC236}">
+                  <a16:creationId xmlns:a16="http://schemas.microsoft.com/office/drawing/2014/main" id="{9E03F9C1-6C3C-E5B5-03E9-D4B21E84A8DA}"/>
+                </a:ext>
+              </a:extLst>
+            </p:cNvPr>
+            <p:cNvPicPr>
+              <a:picLocks noChangeAspect="1"/>
+            </p:cNvPicPr>
+            <p:nvPr/>
+          </p:nvPicPr>
+          <p:blipFill>
+            <a:blip r:embed="rId2">
+              <a:extLst>
+                <a:ext uri="{28A0092B-C50C-407E-A947-70E740481C1C}">
+                  <a14:useLocalDpi xmlns:a14="http://schemas.microsoft.com/office/drawing/2010/main" val="0"/>
+                </a:ext>
+              </a:extLst>
+            </a:blip>
+            <a:stretch>
+              <a:fillRect/>
+            </a:stretch>
+          </p:blipFill>
+          <p:spPr>
+            <a:xfrm>
+              <a:off x="3657600" y="990600"/>
+              <a:ext cx="4339046" cy="4339046"/>
+            </a:xfrm>
+            <a:prstGeom prst="rect">
+              <a:avLst/>
+            </a:prstGeom>
+          </p:spPr>
+        </p:pic>
+        <p:sp>
+          <p:nvSpPr>
+            <p:cNvPr id="5" name="TextBox 4">
+              <a:extLst>
+                <a:ext uri="{FF2B5EF4-FFF2-40B4-BE49-F238E27FC236}">
+                  <a16:creationId xmlns:a16="http://schemas.microsoft.com/office/drawing/2014/main" id="{106C8B5B-1B35-D2BB-049B-85E81503B5FF}"/>
+                </a:ext>
+              </a:extLst>
+            </p:cNvPr>
+            <p:cNvSpPr txBox="1"/>
+            <p:nvPr/>
+          </p:nvSpPr>
+          <p:spPr>
+            <a:xfrm>
+              <a:off x="4076759" y="4039663"/>
+              <a:ext cx="3500728" cy="1015663"/>
+            </a:xfrm>
+            <a:prstGeom prst="rect">
+              <a:avLst/>
+            </a:prstGeom>
+            <a:solidFill>
+              <a:srgbClr val="000000">
+                <a:alpha val="50196"/>
+              </a:srgbClr>
+            </a:solidFill>
+          </p:spPr>
+          <p:txBody>
+            <a:bodyPr wrap="square" rtlCol="0" anchor="ctr">
+              <a:spAutoFit/>
+            </a:bodyPr>
+            <a:lstStyle/>
+            <a:p>
+              <a:pPr algn="ctr"/>
+              <a:r>
+                <a:rPr kumimoji="1" lang="en-US" altLang="en-US" sz="6000" b="1" dirty="0">
+                  <a:solidFill>
+                    <a:schemeClr val="bg1"/>
+                  </a:solidFill>
+                  <a:latin typeface="NanumGothic" panose="020D0604000000000000" pitchFamily="34" charset="-127"/>
+                  <a:ea typeface="NanumGothic" panose="020D0604000000000000" pitchFamily="34" charset="-127"/>
+                </a:rPr>
+                <a:t>Class List</a:t>
+              </a:r>
+            </a:p>
+          </p:txBody>
+        </p:sp>
+      </p:grpSp>
+      <p:sp>
+        <p:nvSpPr>
+          <p:cNvPr id="9" name="직사각형 8">
+            <a:extLst>
+              <a:ext uri="{FF2B5EF4-FFF2-40B4-BE49-F238E27FC236}">
+                <a16:creationId xmlns:a16="http://schemas.microsoft.com/office/drawing/2014/main" id="{8B0C8F60-2EE3-AF56-E828-F05F7FDC26FA}"/>
+              </a:ext>
+            </a:extLst>
+          </p:cNvPr>
+          <p:cNvSpPr/>
+          <p:nvPr/>
+        </p:nvSpPr>
+        <p:spPr>
+          <a:xfrm>
+            <a:off x="2377440" y="607423"/>
+            <a:ext cx="5643154" cy="5643154"/>
+          </a:xfrm>
+          <a:prstGeom prst="rect">
+            <a:avLst/>
+          </a:prstGeom>
+          <a:noFill/>
+          <a:ln>
+            <a:noFill/>
+          </a:ln>
+        </p:spPr>
+        <p:style>
+          <a:lnRef idx="2">
+            <a:schemeClr val="accent1">
+              <a:shade val="50000"/>
+            </a:schemeClr>
+          </a:lnRef>
+          <a:fillRef idx="1">
+            <a:schemeClr val="accent1"/>
+          </a:fillRef>
+          <a:effectRef idx="0">
+            <a:schemeClr val="accent1"/>
+          </a:effectRef>
+          <a:fontRef idx="minor">
+            <a:schemeClr val="lt1"/>
+          </a:fontRef>
+        </p:style>
+        <p:txBody>
+          <a:bodyPr rtlCol="0" anchor="ctr"/>
+          <a:lstStyle/>
+          <a:p>
+            <a:pPr algn="ctr"/>
+            <a:endParaRPr kumimoji="1" lang="ko-Kore-KR" altLang="en-US"/>
+          </a:p>
+        </p:txBody>
+      </p:sp>
+    </p:spTree>
+    <p:extLst>
+      <p:ext uri="{BB962C8B-B14F-4D97-AF65-F5344CB8AC3E}">
+        <p14:creationId xmlns:p14="http://schemas.microsoft.com/office/powerpoint/2010/main" val="94580369"/>
+      </p:ext>
+    </p:extLst>
+  </p:cSld>
+  <p:clrMapOvr>
+    <a:masterClrMapping/>
+  </p:clrMapOvr>
+</p:sld>
+</file>
+
+<file path=ppt/slides/slide22.xml><?xml version="1.0" encoding="utf-8"?>
+<p:sld xmlns:a="http://schemas.openxmlformats.org/drawingml/2006/main" xmlns:r="http://schemas.openxmlformats.org/officeDocument/2006/relationships" xmlns:p="http://schemas.openxmlformats.org/presentationml/2006/main">
+  <p:cSld>
+    <p:spTree>
+      <p:nvGrpSpPr>
+        <p:cNvPr id="1" name=""/>
+        <p:cNvGrpSpPr/>
+        <p:nvPr/>
+      </p:nvGrpSpPr>
+      <p:grpSpPr>
+        <a:xfrm>
+          <a:off x="0" y="0"/>
+          <a:ext cx="0" cy="0"/>
+          <a:chOff x="0" y="0"/>
+          <a:chExt cx="0" cy="0"/>
+        </a:xfrm>
+      </p:grpSpPr>
+      <p:grpSp>
+        <p:nvGrpSpPr>
+          <p:cNvPr id="12" name="그룹 11">
+            <a:extLst>
+              <a:ext uri="{FF2B5EF4-FFF2-40B4-BE49-F238E27FC236}">
+                <a16:creationId xmlns:a16="http://schemas.microsoft.com/office/drawing/2014/main" id="{0F908008-9B0E-9872-2A2C-128EE8BD8C2A}"/>
+              </a:ext>
+            </a:extLst>
+          </p:cNvPr>
+          <p:cNvGrpSpPr/>
+          <p:nvPr/>
+        </p:nvGrpSpPr>
+        <p:grpSpPr>
+          <a:xfrm>
+            <a:off x="1671987" y="607423"/>
+            <a:ext cx="5643154" cy="5643154"/>
+            <a:chOff x="1671987" y="607423"/>
+            <a:chExt cx="5643154" cy="5643154"/>
+          </a:xfrm>
+        </p:grpSpPr>
+        <p:pic>
+          <p:nvPicPr>
+            <p:cNvPr id="3" name="그림 2">
+              <a:extLst>
+                <a:ext uri="{FF2B5EF4-FFF2-40B4-BE49-F238E27FC236}">
+                  <a16:creationId xmlns:a16="http://schemas.microsoft.com/office/drawing/2014/main" id="{3BAB1A18-C66C-33DA-4283-3DBD48133F62}"/>
+                </a:ext>
+              </a:extLst>
+            </p:cNvPr>
+            <p:cNvPicPr>
+              <a:picLocks noChangeAspect="1"/>
+            </p:cNvPicPr>
+            <p:nvPr/>
+          </p:nvPicPr>
+          <p:blipFill>
+            <a:blip r:embed="rId2">
+              <a:extLst>
+                <a:ext uri="{28A0092B-C50C-407E-A947-70E740481C1C}">
+                  <a14:useLocalDpi xmlns:a14="http://schemas.microsoft.com/office/drawing/2010/main" val="0"/>
+                </a:ext>
+              </a:extLst>
+            </a:blip>
+            <a:stretch>
+              <a:fillRect/>
+            </a:stretch>
+          </p:blipFill>
+          <p:spPr>
+            <a:xfrm>
+              <a:off x="2055164" y="990600"/>
+              <a:ext cx="4876800" cy="4876800"/>
+            </a:xfrm>
+            <a:prstGeom prst="rect">
+              <a:avLst/>
+            </a:prstGeom>
+          </p:spPr>
+        </p:pic>
+        <p:sp>
+          <p:nvSpPr>
+            <p:cNvPr id="5" name="TextBox 4">
+              <a:extLst>
+                <a:ext uri="{FF2B5EF4-FFF2-40B4-BE49-F238E27FC236}">
+                  <a16:creationId xmlns:a16="http://schemas.microsoft.com/office/drawing/2014/main" id="{4D02DB6B-3E9E-E766-9C01-CF9608862CB7}"/>
+                </a:ext>
+              </a:extLst>
+            </p:cNvPr>
+            <p:cNvSpPr txBox="1"/>
+            <p:nvPr/>
+          </p:nvSpPr>
+          <p:spPr>
+            <a:xfrm>
+              <a:off x="1854925" y="5043325"/>
+              <a:ext cx="2181438" cy="1015663"/>
+            </a:xfrm>
+            <a:prstGeom prst="rect">
+              <a:avLst/>
+            </a:prstGeom>
+            <a:solidFill>
+              <a:srgbClr val="000000">
+                <a:alpha val="50196"/>
+              </a:srgbClr>
+            </a:solidFill>
+          </p:spPr>
+          <p:txBody>
+            <a:bodyPr wrap="square" rtlCol="0" anchor="ctr">
+              <a:spAutoFit/>
+            </a:bodyPr>
+            <a:lstStyle/>
+            <a:p>
+              <a:pPr algn="ctr"/>
+              <a:r>
+                <a:rPr kumimoji="1" lang="ko-KR" altLang="en-US" sz="6000" b="1" dirty="0" err="1">
+                  <a:solidFill>
+                    <a:schemeClr val="bg1"/>
+                  </a:solidFill>
+                  <a:latin typeface="NanumGothic" panose="020D0604000000000000" pitchFamily="34" charset="-127"/>
+                  <a:ea typeface="NanumGothic" panose="020D0604000000000000" pitchFamily="34" charset="-127"/>
+                </a:rPr>
+                <a:t>ㅇㄷ</a:t>
+              </a:r>
+              <a:r>
+                <a:rPr kumimoji="1" lang="en-US" altLang="ko-KR" sz="6000" b="1" dirty="0">
+                  <a:solidFill>
+                    <a:schemeClr val="bg1"/>
+                  </a:solidFill>
+                  <a:latin typeface="NanumGothic" panose="020D0604000000000000" pitchFamily="34" charset="-127"/>
+                  <a:ea typeface="NanumGothic" panose="020D0604000000000000" pitchFamily="34" charset="-127"/>
+                </a:rPr>
+                <a:t>?</a:t>
+              </a:r>
+              <a:endParaRPr kumimoji="1" lang="en-US" altLang="en-US" sz="6000" b="1" dirty="0">
+                <a:solidFill>
+                  <a:schemeClr val="bg1"/>
+                </a:solidFill>
+                <a:latin typeface="NanumGothic" panose="020D0604000000000000" pitchFamily="34" charset="-127"/>
+                <a:ea typeface="NanumGothic" panose="020D0604000000000000" pitchFamily="34" charset="-127"/>
+              </a:endParaRPr>
+            </a:p>
+          </p:txBody>
+        </p:sp>
+        <p:sp>
+          <p:nvSpPr>
+            <p:cNvPr id="10" name="직사각형 9">
+              <a:extLst>
+                <a:ext uri="{FF2B5EF4-FFF2-40B4-BE49-F238E27FC236}">
+                  <a16:creationId xmlns:a16="http://schemas.microsoft.com/office/drawing/2014/main" id="{06689A72-5923-E83D-54EA-15D719EB5287}"/>
+                </a:ext>
+              </a:extLst>
+            </p:cNvPr>
+            <p:cNvSpPr/>
+            <p:nvPr/>
+          </p:nvSpPr>
+          <p:spPr>
+            <a:xfrm>
+              <a:off x="1671987" y="607423"/>
+              <a:ext cx="5643154" cy="5643154"/>
+            </a:xfrm>
+            <a:prstGeom prst="rect">
+              <a:avLst/>
+            </a:prstGeom>
+            <a:noFill/>
+            <a:ln>
+              <a:noFill/>
+            </a:ln>
+          </p:spPr>
+          <p:style>
+            <a:lnRef idx="2">
+              <a:schemeClr val="accent1">
+                <a:shade val="50000"/>
+              </a:schemeClr>
+            </a:lnRef>
+            <a:fillRef idx="1">
+              <a:schemeClr val="accent1"/>
+            </a:fillRef>
+            <a:effectRef idx="0">
+              <a:schemeClr val="accent1"/>
+            </a:effectRef>
+            <a:fontRef idx="minor">
+              <a:schemeClr val="lt1"/>
+            </a:fontRef>
+          </p:style>
+          <p:txBody>
+            <a:bodyPr rtlCol="0" anchor="ctr"/>
+            <a:lstStyle/>
+            <a:p>
+              <a:pPr algn="ctr"/>
+              <a:endParaRPr kumimoji="1" lang="ko-Kore-KR" altLang="en-US"/>
+            </a:p>
+          </p:txBody>
+        </p:sp>
+      </p:grpSp>
+    </p:spTree>
+    <p:extLst>
+      <p:ext uri="{BB962C8B-B14F-4D97-AF65-F5344CB8AC3E}">
+        <p14:creationId xmlns:p14="http://schemas.microsoft.com/office/powerpoint/2010/main" val="580826975"/>
+      </p:ext>
+    </p:extLst>
+  </p:cSld>
+  <p:clrMapOvr>
+    <a:masterClrMapping/>
+  </p:clrMapOvr>
+</p:sld>
+</file>
+
+<file path=ppt/slides/slide23.xml><?xml version="1.0" encoding="utf-8"?>
+<p:sld xmlns:a="http://schemas.openxmlformats.org/drawingml/2006/main" xmlns:r="http://schemas.openxmlformats.org/officeDocument/2006/relationships" xmlns:p="http://schemas.openxmlformats.org/presentationml/2006/main">
+  <p:cSld>
+    <p:spTree>
+      <p:nvGrpSpPr>
+        <p:cNvPr id="1" name=""/>
+        <p:cNvGrpSpPr/>
+        <p:nvPr/>
+      </p:nvGrpSpPr>
+      <p:grpSpPr>
+        <a:xfrm>
+          <a:off x="0" y="0"/>
+          <a:ext cx="0" cy="0"/>
+          <a:chOff x="0" y="0"/>
+          <a:chExt cx="0" cy="0"/>
+        </a:xfrm>
+      </p:grpSpPr>
+      <p:grpSp>
+        <p:nvGrpSpPr>
+          <p:cNvPr id="6" name="그룹 5">
+            <a:extLst>
+              <a:ext uri="{FF2B5EF4-FFF2-40B4-BE49-F238E27FC236}">
+                <a16:creationId xmlns:a16="http://schemas.microsoft.com/office/drawing/2014/main" id="{453F8175-FCDB-7DAB-95B5-732822CFB66C}"/>
+              </a:ext>
+            </a:extLst>
+          </p:cNvPr>
+          <p:cNvGrpSpPr/>
+          <p:nvPr/>
+        </p:nvGrpSpPr>
+        <p:grpSpPr>
+          <a:xfrm>
+            <a:off x="1671987" y="607423"/>
+            <a:ext cx="5643154" cy="5643154"/>
+            <a:chOff x="1671987" y="607423"/>
+            <a:chExt cx="5643154" cy="5643154"/>
+          </a:xfrm>
+        </p:grpSpPr>
+        <p:sp>
+          <p:nvSpPr>
+            <p:cNvPr id="5" name="TextBox 4">
+              <a:extLst>
+                <a:ext uri="{FF2B5EF4-FFF2-40B4-BE49-F238E27FC236}">
+                  <a16:creationId xmlns:a16="http://schemas.microsoft.com/office/drawing/2014/main" id="{4D02DB6B-3E9E-E766-9C01-CF9608862CB7}"/>
+                </a:ext>
+              </a:extLst>
+            </p:cNvPr>
+            <p:cNvSpPr txBox="1"/>
+            <p:nvPr/>
+          </p:nvSpPr>
+          <p:spPr>
+            <a:xfrm>
+              <a:off x="2099795" y="4831687"/>
+              <a:ext cx="4787538" cy="830997"/>
+            </a:xfrm>
+            <a:prstGeom prst="rect">
+              <a:avLst/>
+            </a:prstGeom>
+            <a:solidFill>
+              <a:srgbClr val="000000">
+                <a:alpha val="50196"/>
+              </a:srgbClr>
+            </a:solidFill>
+          </p:spPr>
+          <p:txBody>
+            <a:bodyPr wrap="square" rtlCol="0" anchor="ctr">
+              <a:spAutoFit/>
+            </a:bodyPr>
+            <a:lstStyle/>
+            <a:p>
+              <a:pPr algn="ctr"/>
+              <a:r>
+                <a:rPr kumimoji="1" lang="ko-KR" altLang="en-US" sz="4800" b="1" dirty="0">
+                  <a:solidFill>
+                    <a:schemeClr val="bg1"/>
+                  </a:solidFill>
+                  <a:latin typeface="NanumGothic" panose="020D0604000000000000" pitchFamily="34" charset="-127"/>
+                  <a:ea typeface="NanumGothic" panose="020D0604000000000000" pitchFamily="34" charset="-127"/>
+                </a:rPr>
+                <a:t>문자 입력 최대로</a:t>
+              </a:r>
+              <a:r>
+                <a:rPr kumimoji="1" lang="en-US" altLang="ko-KR" sz="4800" b="1" dirty="0">
+                  <a:solidFill>
+                    <a:schemeClr val="bg1"/>
+                  </a:solidFill>
+                  <a:latin typeface="NanumGothic" panose="020D0604000000000000" pitchFamily="34" charset="-127"/>
+                  <a:ea typeface="NanumGothic" panose="020D0604000000000000" pitchFamily="34" charset="-127"/>
+                </a:rPr>
+                <a:t>!</a:t>
+              </a:r>
+              <a:endParaRPr kumimoji="1" lang="en-US" altLang="en-US" sz="4800" b="1" dirty="0">
+                <a:solidFill>
+                  <a:schemeClr val="bg1"/>
+                </a:solidFill>
+                <a:latin typeface="NanumGothic" panose="020D0604000000000000" pitchFamily="34" charset="-127"/>
+                <a:ea typeface="NanumGothic" panose="020D0604000000000000" pitchFamily="34" charset="-127"/>
+              </a:endParaRPr>
+            </a:p>
+          </p:txBody>
+        </p:sp>
+        <p:sp>
+          <p:nvSpPr>
+            <p:cNvPr id="10" name="직사각형 9">
+              <a:extLst>
+                <a:ext uri="{FF2B5EF4-FFF2-40B4-BE49-F238E27FC236}">
+                  <a16:creationId xmlns:a16="http://schemas.microsoft.com/office/drawing/2014/main" id="{06689A72-5923-E83D-54EA-15D719EB5287}"/>
+                </a:ext>
+              </a:extLst>
+            </p:cNvPr>
+            <p:cNvSpPr/>
+            <p:nvPr/>
+          </p:nvSpPr>
+          <p:spPr>
+            <a:xfrm>
+              <a:off x="1671987" y="607423"/>
+              <a:ext cx="5643154" cy="5643154"/>
+            </a:xfrm>
+            <a:prstGeom prst="rect">
+              <a:avLst/>
+            </a:prstGeom>
+            <a:noFill/>
+            <a:ln>
+              <a:noFill/>
+            </a:ln>
+          </p:spPr>
+          <p:style>
+            <a:lnRef idx="2">
+              <a:schemeClr val="accent1">
+                <a:shade val="50000"/>
+              </a:schemeClr>
+            </a:lnRef>
+            <a:fillRef idx="1">
+              <a:schemeClr val="accent1"/>
+            </a:fillRef>
+            <a:effectRef idx="0">
+              <a:schemeClr val="accent1"/>
+            </a:effectRef>
+            <a:fontRef idx="minor">
+              <a:schemeClr val="lt1"/>
+            </a:fontRef>
+          </p:style>
+          <p:txBody>
+            <a:bodyPr rtlCol="0" anchor="ctr"/>
+            <a:lstStyle/>
+            <a:p>
+              <a:pPr algn="ctr"/>
+              <a:endParaRPr kumimoji="1" lang="ko-Kore-KR" altLang="en-US"/>
+            </a:p>
+          </p:txBody>
+        </p:sp>
+        <p:pic>
+          <p:nvPicPr>
+            <p:cNvPr id="4" name="그림 3">
+              <a:extLst>
+                <a:ext uri="{FF2B5EF4-FFF2-40B4-BE49-F238E27FC236}">
+                  <a16:creationId xmlns:a16="http://schemas.microsoft.com/office/drawing/2014/main" id="{D6186995-ECD6-34B7-650B-5AD4A2437232}"/>
+                </a:ext>
+              </a:extLst>
+            </p:cNvPr>
+            <p:cNvPicPr>
+              <a:picLocks noChangeAspect="1"/>
+            </p:cNvPicPr>
+            <p:nvPr/>
+          </p:nvPicPr>
+          <p:blipFill>
+            <a:blip r:embed="rId2">
+              <a:extLst>
+                <a:ext uri="{28A0092B-C50C-407E-A947-70E740481C1C}">
+                  <a14:useLocalDpi xmlns:a14="http://schemas.microsoft.com/office/drawing/2010/main" val="0"/>
+                </a:ext>
+              </a:extLst>
+            </a:blip>
+            <a:stretch>
+              <a:fillRect/>
+            </a:stretch>
+          </p:blipFill>
+          <p:spPr>
+            <a:xfrm>
+              <a:off x="1953564" y="1386295"/>
+              <a:ext cx="5080000" cy="2857500"/>
+            </a:xfrm>
+            <a:prstGeom prst="rect">
+              <a:avLst/>
+            </a:prstGeom>
+          </p:spPr>
+        </p:pic>
+      </p:grpSp>
+    </p:spTree>
+    <p:extLst>
+      <p:ext uri="{BB962C8B-B14F-4D97-AF65-F5344CB8AC3E}">
+        <p14:creationId xmlns:p14="http://schemas.microsoft.com/office/powerpoint/2010/main" val="3120573949"/>
+      </p:ext>
+    </p:extLst>
+  </p:cSld>
+  <p:clrMapOvr>
+    <a:masterClrMapping/>
+  </p:clrMapOvr>
+</p:sld>
+</file>
+
+<file path=ppt/slides/slide24.xml><?xml version="1.0" encoding="utf-8"?>
+<p:sld xmlns:a="http://schemas.openxmlformats.org/drawingml/2006/main" xmlns:r="http://schemas.openxmlformats.org/officeDocument/2006/relationships" xmlns:p="http://schemas.openxmlformats.org/presentationml/2006/main">
+  <p:cSld>
+    <p:spTree>
+      <p:nvGrpSpPr>
+        <p:cNvPr id="1" name=""/>
+        <p:cNvGrpSpPr/>
+        <p:nvPr/>
+      </p:nvGrpSpPr>
+      <p:grpSpPr>
+        <a:xfrm>
+          <a:off x="0" y="0"/>
+          <a:ext cx="0" cy="0"/>
+          <a:chOff x="0" y="0"/>
+          <a:chExt cx="0" cy="0"/>
+        </a:xfrm>
+      </p:grpSpPr>
+      <p:grpSp>
+        <p:nvGrpSpPr>
+          <p:cNvPr id="12" name="그룹 11">
+            <a:extLst>
+              <a:ext uri="{FF2B5EF4-FFF2-40B4-BE49-F238E27FC236}">
+                <a16:creationId xmlns:a16="http://schemas.microsoft.com/office/drawing/2014/main" id="{0868E346-554C-835E-E449-BB360C2F0091}"/>
+              </a:ext>
+            </a:extLst>
+          </p:cNvPr>
+          <p:cNvGrpSpPr/>
+          <p:nvPr/>
+        </p:nvGrpSpPr>
+        <p:grpSpPr>
+          <a:xfrm>
+            <a:off x="2808455" y="424543"/>
+            <a:ext cx="6120000" cy="6120000"/>
+            <a:chOff x="2808455" y="424543"/>
+            <a:chExt cx="6120000" cy="6120000"/>
+          </a:xfrm>
+        </p:grpSpPr>
+        <p:sp>
+          <p:nvSpPr>
+            <p:cNvPr id="10" name="직사각형 9">
+              <a:extLst>
+                <a:ext uri="{FF2B5EF4-FFF2-40B4-BE49-F238E27FC236}">
+                  <a16:creationId xmlns:a16="http://schemas.microsoft.com/office/drawing/2014/main" id="{06689A72-5923-E83D-54EA-15D719EB5287}"/>
+                </a:ext>
+              </a:extLst>
+            </p:cNvPr>
+            <p:cNvSpPr/>
+            <p:nvPr/>
+          </p:nvSpPr>
+          <p:spPr>
+            <a:xfrm>
+              <a:off x="2808455" y="424543"/>
+              <a:ext cx="6120000" cy="6120000"/>
+            </a:xfrm>
+            <a:prstGeom prst="rect">
+              <a:avLst/>
+            </a:prstGeom>
+            <a:noFill/>
+            <a:ln>
+              <a:noFill/>
+            </a:ln>
+          </p:spPr>
+          <p:style>
+            <a:lnRef idx="2">
+              <a:schemeClr val="accent1">
+                <a:shade val="50000"/>
+              </a:schemeClr>
+            </a:lnRef>
+            <a:fillRef idx="1">
+              <a:schemeClr val="accent1"/>
+            </a:fillRef>
+            <a:effectRef idx="0">
+              <a:schemeClr val="accent1"/>
+            </a:effectRef>
+            <a:fontRef idx="minor">
+              <a:schemeClr val="lt1"/>
+            </a:fontRef>
+          </p:style>
+          <p:txBody>
+            <a:bodyPr rtlCol="0" anchor="ctr"/>
+            <a:lstStyle/>
+            <a:p>
+              <a:pPr algn="ctr"/>
+              <a:endParaRPr kumimoji="1" lang="ko-Kore-KR" altLang="en-US"/>
+            </a:p>
+          </p:txBody>
+        </p:sp>
+        <p:grpSp>
+          <p:nvGrpSpPr>
+            <p:cNvPr id="11" name="그룹 10">
+              <a:extLst>
+                <a:ext uri="{FF2B5EF4-FFF2-40B4-BE49-F238E27FC236}">
+                  <a16:creationId xmlns:a16="http://schemas.microsoft.com/office/drawing/2014/main" id="{B1AB04C7-F806-E5C8-426B-95C5E0AE3C88}"/>
+                </a:ext>
+              </a:extLst>
+            </p:cNvPr>
+            <p:cNvGrpSpPr/>
+            <p:nvPr/>
+          </p:nvGrpSpPr>
+          <p:grpSpPr>
+            <a:xfrm>
+              <a:off x="2808455" y="1046143"/>
+              <a:ext cx="5933601" cy="5387314"/>
+              <a:chOff x="2600799" y="990600"/>
+              <a:chExt cx="5933601" cy="5387314"/>
+            </a:xfrm>
+          </p:grpSpPr>
+          <p:pic>
+            <p:nvPicPr>
+              <p:cNvPr id="3" name="그림 2">
+                <a:extLst>
+                  <a:ext uri="{FF2B5EF4-FFF2-40B4-BE49-F238E27FC236}">
+                    <a16:creationId xmlns:a16="http://schemas.microsoft.com/office/drawing/2014/main" id="{190DDA09-5F52-5AEF-69F7-389B7AE6AB05}"/>
+                  </a:ext>
+                </a:extLst>
+              </p:cNvPr>
+              <p:cNvPicPr>
+                <a:picLocks noChangeAspect="1"/>
+              </p:cNvPicPr>
+              <p:nvPr/>
+            </p:nvPicPr>
+            <p:blipFill>
+              <a:blip r:embed="rId2">
+                <a:extLst>
+                  <a:ext uri="{28A0092B-C50C-407E-A947-70E740481C1C}">
+                    <a14:useLocalDpi xmlns:a14="http://schemas.microsoft.com/office/drawing/2010/main" val="0"/>
+                  </a:ext>
+                </a:extLst>
+              </a:blip>
+              <a:stretch>
+                <a:fillRect/>
+              </a:stretch>
+            </p:blipFill>
+            <p:spPr>
+              <a:xfrm>
+                <a:off x="3657600" y="990600"/>
+                <a:ext cx="4876800" cy="4876800"/>
+              </a:xfrm>
+              <a:prstGeom prst="rect">
+                <a:avLst/>
+              </a:prstGeom>
+            </p:spPr>
+          </p:pic>
+          <p:sp>
+            <p:nvSpPr>
+              <p:cNvPr id="9" name="TextBox 8">
+                <a:extLst>
+                  <a:ext uri="{FF2B5EF4-FFF2-40B4-BE49-F238E27FC236}">
+                    <a16:creationId xmlns:a16="http://schemas.microsoft.com/office/drawing/2014/main" id="{21883D66-E1AF-4430-7DD9-7C4C206989E7}"/>
+                  </a:ext>
+                </a:extLst>
+              </p:cNvPr>
+              <p:cNvSpPr txBox="1"/>
+              <p:nvPr/>
+            </p:nvSpPr>
+            <p:spPr>
+              <a:xfrm>
+                <a:off x="2600799" y="5546917"/>
+                <a:ext cx="3412731" cy="830997"/>
+              </a:xfrm>
+              <a:prstGeom prst="rect">
+                <a:avLst/>
+              </a:prstGeom>
+              <a:solidFill>
+                <a:srgbClr val="000000">
+                  <a:alpha val="50196"/>
+                </a:srgbClr>
+              </a:solidFill>
+            </p:spPr>
+            <p:txBody>
+              <a:bodyPr wrap="square" rtlCol="0" anchor="ctr">
+                <a:spAutoFit/>
+              </a:bodyPr>
+              <a:lstStyle/>
+              <a:p>
+                <a:pPr algn="ctr"/>
+                <a:r>
+                  <a:rPr kumimoji="1" lang="en-US" altLang="en-US" sz="4800" b="1" dirty="0" err="1">
+                    <a:solidFill>
+                      <a:schemeClr val="bg1"/>
+                    </a:solidFill>
+                    <a:latin typeface="NanumGothic" panose="020D0604000000000000" pitchFamily="34" charset="-127"/>
+                    <a:ea typeface="NanumGothic" panose="020D0604000000000000" pitchFamily="34" charset="-127"/>
+                  </a:rPr>
+                  <a:t>ReplaceAll</a:t>
+                </a:r>
+                <a:endParaRPr kumimoji="1" lang="en-US" altLang="en-US" sz="4800" b="1" dirty="0">
+                  <a:solidFill>
+                    <a:schemeClr val="bg1"/>
+                  </a:solidFill>
+                  <a:latin typeface="NanumGothic" panose="020D0604000000000000" pitchFamily="34" charset="-127"/>
+                  <a:ea typeface="NanumGothic" panose="020D0604000000000000" pitchFamily="34" charset="-127"/>
+                </a:endParaRPr>
+              </a:p>
+            </p:txBody>
+          </p:sp>
+        </p:grpSp>
+      </p:grpSp>
+    </p:spTree>
+    <p:extLst>
+      <p:ext uri="{BB962C8B-B14F-4D97-AF65-F5344CB8AC3E}">
+        <p14:creationId xmlns:p14="http://schemas.microsoft.com/office/powerpoint/2010/main" val="4197255214"/>
+      </p:ext>
+    </p:extLst>
+  </p:cSld>
+  <p:clrMapOvr>
+    <a:masterClrMapping/>
+  </p:clrMapOvr>
+</p:sld>
+</file>
+
+<file path=ppt/slides/slide25.xml><?xml version="1.0" encoding="utf-8"?>
+<p:sld xmlns:a="http://schemas.openxmlformats.org/drawingml/2006/main" xmlns:r="http://schemas.openxmlformats.org/officeDocument/2006/relationships" xmlns:p="http://schemas.openxmlformats.org/presentationml/2006/main">
+  <p:cSld>
+    <p:spTree>
+      <p:nvGrpSpPr>
+        <p:cNvPr id="1" name=""/>
+        <p:cNvGrpSpPr/>
+        <p:nvPr/>
+      </p:nvGrpSpPr>
+      <p:grpSpPr>
+        <a:xfrm>
+          <a:off x="0" y="0"/>
+          <a:ext cx="0" cy="0"/>
+          <a:chOff x="0" y="0"/>
+          <a:chExt cx="0" cy="0"/>
+        </a:xfrm>
+      </p:grpSpPr>
+      <p:pic>
+        <p:nvPicPr>
+          <p:cNvPr id="11" name="그림 10">
+            <a:extLst>
+              <a:ext uri="{FF2B5EF4-FFF2-40B4-BE49-F238E27FC236}">
+                <a16:creationId xmlns:a16="http://schemas.microsoft.com/office/drawing/2014/main" id="{BABAB2E4-15D1-A26E-644D-2D5A90700C85}"/>
+              </a:ext>
+            </a:extLst>
+          </p:cNvPr>
+          <p:cNvPicPr>
+            <a:picLocks noChangeAspect="1"/>
+          </p:cNvPicPr>
+          <p:nvPr/>
+        </p:nvPicPr>
+        <p:blipFill>
+          <a:blip r:embed="rId2">
+            <a:extLst>
+              <a:ext uri="{28A0092B-C50C-407E-A947-70E740481C1C}">
+                <a14:useLocalDpi xmlns:a14="http://schemas.microsoft.com/office/drawing/2010/main" val="0"/>
+              </a:ext>
+            </a:extLst>
+          </a:blip>
+          <a:stretch>
+            <a:fillRect/>
+          </a:stretch>
+        </p:blipFill>
+        <p:spPr>
+          <a:xfrm>
+            <a:off x="2155372" y="990600"/>
+            <a:ext cx="4876800" cy="4876800"/>
+          </a:xfrm>
+          <a:prstGeom prst="rect">
+            <a:avLst/>
+          </a:prstGeom>
+        </p:spPr>
+      </p:pic>
+      <p:sp>
+        <p:nvSpPr>
+          <p:cNvPr id="12" name="TextBox 11">
+            <a:extLst>
+              <a:ext uri="{FF2B5EF4-FFF2-40B4-BE49-F238E27FC236}">
+                <a16:creationId xmlns:a16="http://schemas.microsoft.com/office/drawing/2014/main" id="{3EA98237-6BC6-A6FE-DDC1-0F3537DF0D6F}"/>
+              </a:ext>
+            </a:extLst>
+          </p:cNvPr>
+          <p:cNvSpPr txBox="1"/>
+          <p:nvPr/>
+        </p:nvSpPr>
+        <p:spPr>
+          <a:xfrm>
+            <a:off x="5647450" y="1905671"/>
+            <a:ext cx="1384722" cy="830997"/>
+          </a:xfrm>
+          <a:prstGeom prst="rect">
+            <a:avLst/>
+          </a:prstGeom>
+          <a:solidFill>
+            <a:srgbClr val="000000">
+              <a:alpha val="50196"/>
+            </a:srgbClr>
+          </a:solidFill>
+        </p:spPr>
+        <p:txBody>
+          <a:bodyPr wrap="square" rtlCol="0" anchor="ctr">
+            <a:spAutoFit/>
+          </a:bodyPr>
+          <a:lstStyle/>
+          <a:p>
+            <a:pPr algn="ctr"/>
+            <a:r>
+              <a:rPr kumimoji="1" lang="ko-KR" altLang="en-US" sz="4800" b="1" dirty="0">
+                <a:solidFill>
+                  <a:schemeClr val="bg1"/>
+                </a:solidFill>
+                <a:latin typeface="NanumGothic" panose="020D0604000000000000" pitchFamily="34" charset="-127"/>
+                <a:ea typeface="NanumGothic" panose="020D0604000000000000" pitchFamily="34" charset="-127"/>
+              </a:rPr>
+              <a:t>꽉</a:t>
+            </a:r>
+            <a:r>
+              <a:rPr kumimoji="1" lang="en-US" altLang="ko-KR" sz="4800" b="1" dirty="0">
+                <a:solidFill>
+                  <a:schemeClr val="bg1"/>
+                </a:solidFill>
+                <a:latin typeface="NanumGothic" panose="020D0604000000000000" pitchFamily="34" charset="-127"/>
+                <a:ea typeface="NanumGothic" panose="020D0604000000000000" pitchFamily="34" charset="-127"/>
+              </a:rPr>
+              <a:t>?</a:t>
+            </a:r>
+            <a:endParaRPr kumimoji="1" lang="en-US" altLang="en-US" sz="4800" b="1" dirty="0">
+              <a:solidFill>
+                <a:schemeClr val="bg1"/>
+              </a:solidFill>
+              <a:latin typeface="NanumGothic" panose="020D0604000000000000" pitchFamily="34" charset="-127"/>
+              <a:ea typeface="NanumGothic" panose="020D0604000000000000" pitchFamily="34" charset="-127"/>
+            </a:endParaRPr>
+          </a:p>
+        </p:txBody>
+      </p:sp>
+    </p:spTree>
+    <p:extLst>
+      <p:ext uri="{BB962C8B-B14F-4D97-AF65-F5344CB8AC3E}">
+        <p14:creationId xmlns:p14="http://schemas.microsoft.com/office/powerpoint/2010/main" val="1631782294"/>
+      </p:ext>
+    </p:extLst>
+  </p:cSld>
+  <p:clrMapOvr>
+    <a:masterClrMapping/>
+  </p:clrMapOvr>
+</p:sld>
+</file>
+
+<file path=ppt/slides/slide26.xml><?xml version="1.0" encoding="utf-8"?>
+<p:sld xmlns:a="http://schemas.openxmlformats.org/drawingml/2006/main" xmlns:r="http://schemas.openxmlformats.org/officeDocument/2006/relationships" xmlns:p="http://schemas.openxmlformats.org/presentationml/2006/main">
+  <p:cSld>
+    <p:spTree>
+      <p:nvGrpSpPr>
+        <p:cNvPr id="1" name=""/>
+        <p:cNvGrpSpPr/>
+        <p:nvPr/>
+      </p:nvGrpSpPr>
+      <p:grpSpPr>
+        <a:xfrm>
+          <a:off x="0" y="0"/>
+          <a:ext cx="0" cy="0"/>
+          <a:chOff x="0" y="0"/>
+          <a:chExt cx="0" cy="0"/>
+        </a:xfrm>
+      </p:grpSpPr>
+      <p:grpSp>
+        <p:nvGrpSpPr>
+          <p:cNvPr id="7" name="그룹 6">
+            <a:extLst>
+              <a:ext uri="{FF2B5EF4-FFF2-40B4-BE49-F238E27FC236}">
+                <a16:creationId xmlns:a16="http://schemas.microsoft.com/office/drawing/2014/main" id="{F66254D8-B7FD-D3CF-D71F-E9B022C80187}"/>
+              </a:ext>
+            </a:extLst>
+          </p:cNvPr>
+          <p:cNvGrpSpPr/>
+          <p:nvPr/>
+        </p:nvGrpSpPr>
+        <p:grpSpPr>
+          <a:xfrm>
+            <a:off x="1345473" y="496388"/>
+            <a:ext cx="5865224" cy="5865223"/>
+            <a:chOff x="1345473" y="496388"/>
+            <a:chExt cx="5865224" cy="5865223"/>
+          </a:xfrm>
+        </p:grpSpPr>
+        <p:pic>
+          <p:nvPicPr>
+            <p:cNvPr id="9218" name="Picture 2" descr="학교폭력 멈춰! 드립 유래 (만화, 짤 등 정리)">
+              <a:extLst>
+                <a:ext uri="{FF2B5EF4-FFF2-40B4-BE49-F238E27FC236}">
+                  <a16:creationId xmlns:a16="http://schemas.microsoft.com/office/drawing/2014/main" id="{D6F2EF51-6755-52B7-0FA9-644A6851A012}"/>
+                </a:ext>
+              </a:extLst>
+            </p:cNvPr>
+            <p:cNvPicPr>
+              <a:picLocks noChangeAspect="1" noChangeArrowheads="1"/>
+            </p:cNvPicPr>
+            <p:nvPr/>
+          </p:nvPicPr>
+          <p:blipFill rotWithShape="1">
+            <a:blip r:embed="rId2">
+              <a:extLst>
+                <a:ext uri="{28A0092B-C50C-407E-A947-70E740481C1C}">
+                  <a14:useLocalDpi xmlns:a14="http://schemas.microsoft.com/office/drawing/2010/main" val="0"/>
+                </a:ext>
+              </a:extLst>
+            </a:blip>
+            <a:srcRect l="23785" t="8723" r="28108" b="4872"/>
+            <a:stretch/>
+          </p:blipFill>
+          <p:spPr bwMode="auto">
+            <a:xfrm>
+              <a:off x="1345473" y="496388"/>
+              <a:ext cx="5865224" cy="5865223"/>
+            </a:xfrm>
+            <a:prstGeom prst="rect">
+              <a:avLst/>
+            </a:prstGeom>
+            <a:noFill/>
+            <a:extLst>
+              <a:ext uri="{909E8E84-426E-40DD-AFC4-6F175D3DCCD1}">
+                <a14:hiddenFill xmlns:a14="http://schemas.microsoft.com/office/drawing/2010/main">
+                  <a:solidFill>
+                    <a:srgbClr val="FFFFFF"/>
+                  </a:solidFill>
+                </a14:hiddenFill>
+              </a:ext>
+            </a:extLst>
+          </p:spPr>
+        </p:pic>
+        <p:sp>
+          <p:nvSpPr>
+            <p:cNvPr id="4" name="TextBox 3">
+              <a:extLst>
+                <a:ext uri="{FF2B5EF4-FFF2-40B4-BE49-F238E27FC236}">
+                  <a16:creationId xmlns:a16="http://schemas.microsoft.com/office/drawing/2014/main" id="{A91BC56D-EFA0-DAD5-83B0-748DD796626C}"/>
+                </a:ext>
+              </a:extLst>
+            </p:cNvPr>
+            <p:cNvSpPr txBox="1"/>
+            <p:nvPr/>
+          </p:nvSpPr>
+          <p:spPr>
+            <a:xfrm>
+              <a:off x="1606672" y="5288951"/>
+              <a:ext cx="3412731" cy="830997"/>
+            </a:xfrm>
+            <a:prstGeom prst="rect">
+              <a:avLst/>
+            </a:prstGeom>
+            <a:solidFill>
+              <a:srgbClr val="000000">
+                <a:alpha val="50196"/>
+              </a:srgbClr>
+            </a:solidFill>
+          </p:spPr>
+          <p:txBody>
+            <a:bodyPr wrap="square" rtlCol="0" anchor="ctr">
+              <a:spAutoFit/>
+            </a:bodyPr>
+            <a:lstStyle/>
+            <a:p>
+              <a:pPr algn="ctr"/>
+              <a:r>
+                <a:rPr kumimoji="1" lang="ko-KR" altLang="en-US" sz="4800" b="1" dirty="0">
+                  <a:solidFill>
+                    <a:schemeClr val="bg1"/>
+                  </a:solidFill>
+                  <a:latin typeface="NanumGothic" panose="020D0604000000000000" pitchFamily="34" charset="-127"/>
+                  <a:ea typeface="NanumGothic" panose="020D0604000000000000" pitchFamily="34" charset="-127"/>
+                </a:rPr>
+                <a:t>이벤트 멈춰</a:t>
+              </a:r>
+              <a:r>
+                <a:rPr kumimoji="1" lang="en-US" altLang="ko-KR" sz="4800" b="1" dirty="0">
+                  <a:solidFill>
+                    <a:schemeClr val="bg1"/>
+                  </a:solidFill>
+                  <a:latin typeface="NanumGothic" panose="020D0604000000000000" pitchFamily="34" charset="-127"/>
+                  <a:ea typeface="NanumGothic" panose="020D0604000000000000" pitchFamily="34" charset="-127"/>
+                </a:rPr>
+                <a:t>!</a:t>
+              </a:r>
+              <a:endParaRPr kumimoji="1" lang="en-US" altLang="en-US" sz="4800" b="1" dirty="0">
+                <a:solidFill>
+                  <a:schemeClr val="bg1"/>
+                </a:solidFill>
+                <a:latin typeface="NanumGothic" panose="020D0604000000000000" pitchFamily="34" charset="-127"/>
+                <a:ea typeface="NanumGothic" panose="020D0604000000000000" pitchFamily="34" charset="-127"/>
+              </a:endParaRPr>
+            </a:p>
+          </p:txBody>
+        </p:sp>
+        <p:sp>
+          <p:nvSpPr>
+            <p:cNvPr id="6" name="TextBox 5">
+              <a:extLst>
+                <a:ext uri="{FF2B5EF4-FFF2-40B4-BE49-F238E27FC236}">
+                  <a16:creationId xmlns:a16="http://schemas.microsoft.com/office/drawing/2014/main" id="{F822B464-4EAE-5761-79D1-10C286F74394}"/>
+                </a:ext>
+              </a:extLst>
+            </p:cNvPr>
+            <p:cNvSpPr txBox="1"/>
+            <p:nvPr/>
+          </p:nvSpPr>
+          <p:spPr>
+            <a:xfrm>
+              <a:off x="4868033" y="1620302"/>
+              <a:ext cx="1833214" cy="830997"/>
+            </a:xfrm>
+            <a:prstGeom prst="rect">
+              <a:avLst/>
+            </a:prstGeom>
+            <a:solidFill>
+              <a:srgbClr val="000000">
+                <a:alpha val="50196"/>
+              </a:srgbClr>
+            </a:solidFill>
+          </p:spPr>
+          <p:txBody>
+            <a:bodyPr wrap="square" rtlCol="0" anchor="ctr">
+              <a:spAutoFit/>
+            </a:bodyPr>
+            <a:lstStyle/>
+            <a:p>
+              <a:pPr algn="ctr"/>
+              <a:r>
+                <a:rPr kumimoji="1" lang="ko-KR" altLang="en-US" sz="4800" b="1" dirty="0">
+                  <a:solidFill>
+                    <a:schemeClr val="bg1"/>
+                  </a:solidFill>
+                  <a:latin typeface="NanumGothic" panose="020D0604000000000000" pitchFamily="34" charset="-127"/>
+                  <a:ea typeface="NanumGothic" panose="020D0604000000000000" pitchFamily="34" charset="-127"/>
+                </a:rPr>
+                <a:t>멈춰</a:t>
+              </a:r>
+              <a:r>
+                <a:rPr kumimoji="1" lang="en-US" altLang="ko-KR" sz="4800" b="1" dirty="0">
+                  <a:solidFill>
+                    <a:schemeClr val="bg1"/>
+                  </a:solidFill>
+                  <a:latin typeface="NanumGothic" panose="020D0604000000000000" pitchFamily="34" charset="-127"/>
+                  <a:ea typeface="NanumGothic" panose="020D0604000000000000" pitchFamily="34" charset="-127"/>
+                </a:rPr>
+                <a:t>!</a:t>
+              </a:r>
+              <a:endParaRPr kumimoji="1" lang="en-US" altLang="en-US" sz="4800" b="1" dirty="0">
+                <a:solidFill>
+                  <a:schemeClr val="bg1"/>
+                </a:solidFill>
+                <a:latin typeface="NanumGothic" panose="020D0604000000000000" pitchFamily="34" charset="-127"/>
+                <a:ea typeface="NanumGothic" panose="020D0604000000000000" pitchFamily="34" charset="-127"/>
+              </a:endParaRPr>
+            </a:p>
+          </p:txBody>
+        </p:sp>
+      </p:grpSp>
+    </p:spTree>
+    <p:extLst>
+      <p:ext uri="{BB962C8B-B14F-4D97-AF65-F5344CB8AC3E}">
+        <p14:creationId xmlns:p14="http://schemas.microsoft.com/office/powerpoint/2010/main" val="2467792315"/>
+      </p:ext>
+    </p:extLst>
+  </p:cSld>
+  <p:clrMapOvr>
+    <a:masterClrMapping/>
+  </p:clrMapOvr>
+</p:sld>
+</file>
+
+<file path=ppt/slides/slide27.xml><?xml version="1.0" encoding="utf-8"?>
+<p:sld xmlns:a="http://schemas.openxmlformats.org/drawingml/2006/main" xmlns:r="http://schemas.openxmlformats.org/officeDocument/2006/relationships" xmlns:p="http://schemas.openxmlformats.org/presentationml/2006/main">
+  <p:cSld>
+    <p:spTree>
+      <p:nvGrpSpPr>
+        <p:cNvPr id="1" name=""/>
+        <p:cNvGrpSpPr/>
+        <p:nvPr/>
+      </p:nvGrpSpPr>
+      <p:grpSpPr>
+        <a:xfrm>
+          <a:off x="0" y="0"/>
+          <a:ext cx="0" cy="0"/>
+          <a:chOff x="0" y="0"/>
+          <a:chExt cx="0" cy="0"/>
+        </a:xfrm>
+      </p:grpSpPr>
+      <p:grpSp>
+        <p:nvGrpSpPr>
+          <p:cNvPr id="7" name="그룹 6">
+            <a:extLst>
+              <a:ext uri="{FF2B5EF4-FFF2-40B4-BE49-F238E27FC236}">
+                <a16:creationId xmlns:a16="http://schemas.microsoft.com/office/drawing/2014/main" id="{826871AA-F10A-F629-A7EB-A227BEE19852}"/>
+              </a:ext>
+            </a:extLst>
+          </p:cNvPr>
+          <p:cNvGrpSpPr/>
+          <p:nvPr/>
+        </p:nvGrpSpPr>
+        <p:grpSpPr>
+          <a:xfrm>
+            <a:off x="1972491" y="664029"/>
+            <a:ext cx="4876800" cy="5144425"/>
+            <a:chOff x="1972491" y="664029"/>
+            <a:chExt cx="4876800" cy="5144425"/>
+          </a:xfrm>
+        </p:grpSpPr>
+        <p:pic>
+          <p:nvPicPr>
+            <p:cNvPr id="5" name="그림 4">
+              <a:extLst>
+                <a:ext uri="{FF2B5EF4-FFF2-40B4-BE49-F238E27FC236}">
+                  <a16:creationId xmlns:a16="http://schemas.microsoft.com/office/drawing/2014/main" id="{8BD2AD43-1762-34B9-2D1F-CD832AD58394}"/>
+                </a:ext>
+              </a:extLst>
+            </p:cNvPr>
+            <p:cNvPicPr>
+              <a:picLocks noChangeAspect="1"/>
+            </p:cNvPicPr>
+            <p:nvPr/>
+          </p:nvPicPr>
+          <p:blipFill>
+            <a:blip r:embed="rId2">
+              <a:extLst>
+                <a:ext uri="{28A0092B-C50C-407E-A947-70E740481C1C}">
+                  <a14:useLocalDpi xmlns:a14="http://schemas.microsoft.com/office/drawing/2010/main" val="0"/>
+                </a:ext>
+              </a:extLst>
+            </a:blip>
+            <a:stretch>
+              <a:fillRect/>
+            </a:stretch>
+          </p:blipFill>
+          <p:spPr>
+            <a:xfrm>
+              <a:off x="1972491" y="664029"/>
+              <a:ext cx="4876800" cy="4876800"/>
+            </a:xfrm>
+            <a:prstGeom prst="rect">
+              <a:avLst/>
+            </a:prstGeom>
+          </p:spPr>
+        </p:pic>
+        <p:sp>
+          <p:nvSpPr>
+            <p:cNvPr id="6" name="TextBox 5">
+              <a:extLst>
+                <a:ext uri="{FF2B5EF4-FFF2-40B4-BE49-F238E27FC236}">
+                  <a16:creationId xmlns:a16="http://schemas.microsoft.com/office/drawing/2014/main" id="{44C929C2-F1B8-68DA-882F-CEFAD826BDE5}"/>
+                </a:ext>
+              </a:extLst>
+            </p:cNvPr>
+            <p:cNvSpPr txBox="1"/>
+            <p:nvPr/>
+          </p:nvSpPr>
+          <p:spPr>
+            <a:xfrm>
+              <a:off x="2527633" y="4977457"/>
+              <a:ext cx="3766516" cy="830997"/>
+            </a:xfrm>
+            <a:prstGeom prst="rect">
+              <a:avLst/>
+            </a:prstGeom>
+            <a:solidFill>
+              <a:srgbClr val="000000">
+                <a:alpha val="50196"/>
+              </a:srgbClr>
+            </a:solidFill>
+          </p:spPr>
+          <p:txBody>
+            <a:bodyPr wrap="square" rtlCol="0" anchor="ctr">
+              <a:spAutoFit/>
+            </a:bodyPr>
+            <a:lstStyle/>
+            <a:p>
+              <a:pPr algn="ctr"/>
+              <a:r>
+                <a:rPr kumimoji="1" lang="ko-KR" altLang="en-US" sz="4800" b="1" dirty="0">
+                  <a:solidFill>
+                    <a:schemeClr val="bg1"/>
+                  </a:solidFill>
+                  <a:latin typeface="NanumGothic" panose="020D0604000000000000" pitchFamily="34" charset="-127"/>
+                  <a:ea typeface="NanumGothic" panose="020D0604000000000000" pitchFamily="34" charset="-127"/>
+                </a:rPr>
+                <a:t>야</a:t>
+              </a:r>
+              <a:r>
+                <a:rPr kumimoji="1" lang="en-US" altLang="ko-KR" sz="4800" b="1" dirty="0">
+                  <a:solidFill>
+                    <a:schemeClr val="bg1"/>
+                  </a:solidFill>
+                  <a:latin typeface="NanumGothic" panose="020D0604000000000000" pitchFamily="34" charset="-127"/>
+                  <a:ea typeface="NanumGothic" panose="020D0604000000000000" pitchFamily="34" charset="-127"/>
+                </a:rPr>
+                <a:t>...</a:t>
+              </a:r>
+              <a:r>
+                <a:rPr kumimoji="1" lang="ko-KR" altLang="en-US" sz="4800" b="1" dirty="0">
+                  <a:solidFill>
+                    <a:schemeClr val="bg1"/>
+                  </a:solidFill>
+                  <a:latin typeface="NanumGothic" panose="020D0604000000000000" pitchFamily="34" charset="-127"/>
+                  <a:ea typeface="NanumGothic" panose="020D0604000000000000" pitchFamily="34" charset="-127"/>
+                </a:rPr>
+                <a:t> 좁다</a:t>
+              </a:r>
+              <a:r>
+                <a:rPr kumimoji="1" lang="en-US" altLang="ko-KR" sz="4800" b="1" dirty="0">
+                  <a:solidFill>
+                    <a:schemeClr val="bg1"/>
+                  </a:solidFill>
+                  <a:latin typeface="NanumGothic" panose="020D0604000000000000" pitchFamily="34" charset="-127"/>
+                  <a:ea typeface="NanumGothic" panose="020D0604000000000000" pitchFamily="34" charset="-127"/>
+                </a:rPr>
+                <a:t>...</a:t>
+              </a:r>
+              <a:endParaRPr kumimoji="1" lang="en-US" altLang="en-US" sz="4800" b="1" dirty="0">
+                <a:solidFill>
+                  <a:schemeClr val="bg1"/>
+                </a:solidFill>
+                <a:latin typeface="NanumGothic" panose="020D0604000000000000" pitchFamily="34" charset="-127"/>
+                <a:ea typeface="NanumGothic" panose="020D0604000000000000" pitchFamily="34" charset="-127"/>
+              </a:endParaRPr>
+            </a:p>
+          </p:txBody>
+        </p:sp>
+      </p:grpSp>
+    </p:spTree>
+    <p:extLst>
+      <p:ext uri="{BB962C8B-B14F-4D97-AF65-F5344CB8AC3E}">
+        <p14:creationId xmlns:p14="http://schemas.microsoft.com/office/powerpoint/2010/main" val="4224681917"/>
+      </p:ext>
+    </p:extLst>
+  </p:cSld>
+  <p:clrMapOvr>
+    <a:masterClrMapping/>
+  </p:clrMapOvr>
+</p:sld>
+</file>
+
+<file path=ppt/slides/slide28.xml><?xml version="1.0" encoding="utf-8"?>
+<p:sld xmlns:a="http://schemas.openxmlformats.org/drawingml/2006/main" xmlns:r="http://schemas.openxmlformats.org/officeDocument/2006/relationships" xmlns:p="http://schemas.openxmlformats.org/presentationml/2006/main">
+  <p:cSld>
+    <p:spTree>
+      <p:nvGrpSpPr>
+        <p:cNvPr id="1" name=""/>
+        <p:cNvGrpSpPr/>
+        <p:nvPr/>
+      </p:nvGrpSpPr>
+      <p:grpSpPr>
+        <a:xfrm>
+          <a:off x="0" y="0"/>
+          <a:ext cx="0" cy="0"/>
+          <a:chOff x="0" y="0"/>
+          <a:chExt cx="0" cy="0"/>
+        </a:xfrm>
+      </p:grpSpPr>
+    </p:spTree>
+    <p:extLst>
+      <p:ext uri="{BB962C8B-B14F-4D97-AF65-F5344CB8AC3E}">
+        <p14:creationId xmlns:p14="http://schemas.microsoft.com/office/powerpoint/2010/main" val="1476407340"/>
       </p:ext>
     </p:extLst>
   </p:cSld>
@@ -6149,8 +8526,8 @@
           </p:nvSpPr>
           <p:spPr>
             <a:xfrm>
-              <a:off x="3657600" y="2630956"/>
-              <a:ext cx="4876800" cy="1938992"/>
+              <a:off x="3657600" y="2831010"/>
+              <a:ext cx="4876800" cy="1538883"/>
             </a:xfrm>
             <a:prstGeom prst="rect">
               <a:avLst/>
@@ -6166,12 +8543,6 @@
               <a:pPr algn="ctr"/>
               <a:r>
                 <a:rPr kumimoji="1" lang="en-US" altLang="en-US" sz="6800" b="1" dirty="0">
-                  <a:solidFill>
-                    <a:schemeClr val="accent6">
-                      <a:lumMod val="20000"/>
-                      <a:lumOff val="80000"/>
-                    </a:schemeClr>
-                  </a:solidFill>
                   <a:latin typeface="NanumGothic" panose="020D0604000000000000" pitchFamily="34" charset="-127"/>
                   <a:ea typeface="NanumGothic" panose="020D0604000000000000" pitchFamily="34" charset="-127"/>
                 </a:rPr>
@@ -6181,16 +8552,6 @@
             <a:p>
               <a:pPr algn="ctr"/>
               <a:r>
-                <a:rPr kumimoji="1" lang="en-US" altLang="ko-Kore-KR" sz="2600" b="1" dirty="0" err="1">
-                  <a:solidFill>
-                    <a:schemeClr val="bg1"/>
-                  </a:solidFill>
-                  <a:latin typeface="NanumGothic" panose="020D0604000000000000" pitchFamily="34" charset="-127"/>
-                  <a:ea typeface="NanumGothic" panose="020D0604000000000000" pitchFamily="34" charset="-127"/>
-                </a:rPr>
-                <a:t>Seokbong</a:t>
-              </a:r>
-              <a:r>
                 <a:rPr kumimoji="1" lang="en-US" altLang="ko-Kore-KR" sz="2600" b="1" dirty="0">
                   <a:solidFill>
                     <a:schemeClr val="bg1"/>
@@ -6198,7 +8559,7 @@
                   <a:latin typeface="NanumGothic" panose="020D0604000000000000" pitchFamily="34" charset="-127"/>
                   <a:ea typeface="NanumGothic" panose="020D0604000000000000" pitchFamily="34" charset="-127"/>
                 </a:rPr>
-                <a:t> series </a:t>
+                <a:t>series </a:t>
               </a:r>
               <a:r>
                 <a:rPr kumimoji="1" lang="en-US" altLang="ko-KR" sz="2600" b="1" dirty="0">
@@ -6208,42 +8569,44 @@
                   <a:latin typeface="NanumGothic" panose="020D0604000000000000" pitchFamily="34" charset="-127"/>
                   <a:ea typeface="NanumGothic" panose="020D0604000000000000" pitchFamily="34" charset="-127"/>
                 </a:rPr>
-                <a:t>9</a:t>
+                <a:t>2-7</a:t>
               </a:r>
-            </a:p>
-            <a:p>
-              <a:pPr algn="ctr"/>
-              <a:r>
-                <a:rPr kumimoji="1" lang="en-US" altLang="ko-Kore-KR" sz="2600" b="1" dirty="0" err="1">
-                  <a:solidFill>
-                    <a:schemeClr val="bg1"/>
-                  </a:solidFill>
-                  <a:latin typeface="NanumGothic" panose="020D0604000000000000" pitchFamily="34" charset="-127"/>
-                  <a:ea typeface="NanumGothic" panose="020D0604000000000000" pitchFamily="34" charset="-127"/>
-                </a:rPr>
-                <a:t>npm</a:t>
-              </a:r>
-              <a:r>
-                <a:rPr kumimoji="1" lang="en-US" altLang="ko-Kore-KR" sz="2600" b="1" dirty="0">
-                  <a:solidFill>
-                    <a:schemeClr val="bg1"/>
-                  </a:solidFill>
-                  <a:latin typeface="NanumGothic" panose="020D0604000000000000" pitchFamily="34" charset="-127"/>
-                  <a:ea typeface="NanumGothic" panose="020D0604000000000000" pitchFamily="34" charset="-127"/>
-                </a:rPr>
-                <a:t> commands</a:t>
-              </a:r>
-              <a:endParaRPr kumimoji="1" lang="ko-Kore-KR" altLang="en-US" sz="2600" b="1" dirty="0">
-                <a:solidFill>
-                  <a:schemeClr val="bg1"/>
-                </a:solidFill>
-                <a:latin typeface="NanumGothic" panose="020D0604000000000000" pitchFamily="34" charset="-127"/>
-                <a:ea typeface="NanumGothic" panose="020D0604000000000000" pitchFamily="34" charset="-127"/>
-              </a:endParaRPr>
             </a:p>
           </p:txBody>
         </p:sp>
       </p:grpSp>
+      <p:sp>
+        <p:nvSpPr>
+          <p:cNvPr id="2" name="TextBox 1">
+            <a:extLst>
+              <a:ext uri="{FF2B5EF4-FFF2-40B4-BE49-F238E27FC236}">
+                <a16:creationId xmlns:a16="http://schemas.microsoft.com/office/drawing/2014/main" id="{77397FDD-B1DC-696E-31EA-36E39B5865C9}"/>
+              </a:ext>
+            </a:extLst>
+          </p:cNvPr>
+          <p:cNvSpPr txBox="1"/>
+          <p:nvPr/>
+        </p:nvSpPr>
+        <p:spPr>
+          <a:xfrm>
+            <a:off x="10363200" y="3865418"/>
+            <a:ext cx="184731" cy="369332"/>
+          </a:xfrm>
+          <a:prstGeom prst="rect">
+            <a:avLst/>
+          </a:prstGeom>
+          <a:noFill/>
+        </p:spPr>
+        <p:txBody>
+          <a:bodyPr wrap="none" rtlCol="0">
+            <a:spAutoFit/>
+          </a:bodyPr>
+          <a:lstStyle/>
+          <a:p>
+            <a:endParaRPr kumimoji="1" lang="ko-Kore-KR" altLang="en-US" dirty="0"/>
+          </a:p>
+        </p:txBody>
+      </p:sp>
     </p:spTree>
     <p:extLst>
       <p:ext uri="{BB962C8B-B14F-4D97-AF65-F5344CB8AC3E}">
@@ -6634,7 +8997,7 @@
                   <a:latin typeface="NanumGothic" panose="020D0604000000000000" pitchFamily="34" charset="-127"/>
                   <a:ea typeface="NanumGothic" panose="020D0604000000000000" pitchFamily="34" charset="-127"/>
                 </a:rPr>
-                <a:t>Async - await</a:t>
+                <a:t>Event</a:t>
               </a:r>
             </a:p>
           </p:txBody>
@@ -6710,8 +9073,8 @@
           </p:nvSpPr>
           <p:spPr>
             <a:xfrm>
-              <a:off x="7572576" y="3882181"/>
-              <a:ext cx="3073400" cy="830997"/>
+              <a:off x="7572576" y="3943738"/>
+              <a:ext cx="3073400" cy="707886"/>
             </a:xfrm>
             <a:prstGeom prst="rect">
               <a:avLst/>
@@ -6726,27 +9089,14 @@
             <a:p>
               <a:pPr algn="ctr"/>
               <a:r>
-                <a:rPr kumimoji="1" lang="en-US" altLang="en-US" sz="2400" b="1" dirty="0">
+                <a:rPr kumimoji="1" lang="en-US" altLang="en-US" sz="4000" b="1" dirty="0">
                   <a:solidFill>
                     <a:srgbClr val="017934"/>
                   </a:solidFill>
                   <a:latin typeface="NanumGothic" panose="020D0604000000000000" pitchFamily="34" charset="-127"/>
                   <a:ea typeface="NanumGothic" panose="020D0604000000000000" pitchFamily="34" charset="-127"/>
                 </a:rPr>
-                <a:t>Outer – Inner</a:t>
-              </a:r>
-            </a:p>
-            <a:p>
-              <a:pPr algn="ctr"/>
-              <a:r>
-                <a:rPr kumimoji="1" lang="en-US" altLang="en-US" sz="2400" b="1" dirty="0">
-                  <a:solidFill>
-                    <a:srgbClr val="017934"/>
-                  </a:solidFill>
-                  <a:latin typeface="NanumGothic" panose="020D0604000000000000" pitchFamily="34" charset="-127"/>
-                  <a:ea typeface="NanumGothic" panose="020D0604000000000000" pitchFamily="34" charset="-127"/>
-                </a:rPr>
-                <a:t>Height - Width</a:t>
+                <a:t>Event</a:t>
               </a:r>
             </a:p>
           </p:txBody>

--- a/icon.pptx
+++ b/icon.pptx
@@ -33,6 +33,7 @@
     <p:sldId id="284" r:id="rId27"/>
     <p:sldId id="285" r:id="rId28"/>
     <p:sldId id="286" r:id="rId29"/>
+    <p:sldId id="288" r:id="rId30"/>
   </p:sldIdLst>
   <p:sldSz cx="12192000" cy="6858000"/>
   <p:notesSz cx="6858000" cy="9144000"/>
@@ -268,7 +269,7 @@
           <a:p>
             <a:fld id="{083A2014-1E55-493B-BBAA-4A9392E5EECC}" type="datetimeFigureOut">
               <a:rPr lang="ko-KR" altLang="en-US" smtClean="0"/>
-              <a:t>2022. 10. 29.</a:t>
+              <a:t>2022. 12. 18.</a:t>
             </a:fld>
             <a:endParaRPr lang="ko-KR" altLang="en-US"/>
           </a:p>
@@ -436,7 +437,7 @@
           <a:p>
             <a:fld id="{083A2014-1E55-493B-BBAA-4A9392E5EECC}" type="datetimeFigureOut">
               <a:rPr lang="ko-KR" altLang="en-US" smtClean="0"/>
-              <a:t>2022. 10. 29.</a:t>
+              <a:t>2022. 12. 18.</a:t>
             </a:fld>
             <a:endParaRPr lang="ko-KR" altLang="en-US"/>
           </a:p>
@@ -614,7 +615,7 @@
           <a:p>
             <a:fld id="{083A2014-1E55-493B-BBAA-4A9392E5EECC}" type="datetimeFigureOut">
               <a:rPr lang="ko-KR" altLang="en-US" smtClean="0"/>
-              <a:t>2022. 10. 29.</a:t>
+              <a:t>2022. 12. 18.</a:t>
             </a:fld>
             <a:endParaRPr lang="ko-KR" altLang="en-US"/>
           </a:p>
@@ -782,7 +783,7 @@
           <a:p>
             <a:fld id="{083A2014-1E55-493B-BBAA-4A9392E5EECC}" type="datetimeFigureOut">
               <a:rPr lang="ko-KR" altLang="en-US" smtClean="0"/>
-              <a:t>2022. 10. 29.</a:t>
+              <a:t>2022. 12. 18.</a:t>
             </a:fld>
             <a:endParaRPr lang="ko-KR" altLang="en-US"/>
           </a:p>
@@ -1027,7 +1028,7 @@
           <a:p>
             <a:fld id="{083A2014-1E55-493B-BBAA-4A9392E5EECC}" type="datetimeFigureOut">
               <a:rPr lang="ko-KR" altLang="en-US" smtClean="0"/>
-              <a:t>2022. 10. 29.</a:t>
+              <a:t>2022. 12. 18.</a:t>
             </a:fld>
             <a:endParaRPr lang="ko-KR" altLang="en-US"/>
           </a:p>
@@ -1256,7 +1257,7 @@
           <a:p>
             <a:fld id="{083A2014-1E55-493B-BBAA-4A9392E5EECC}" type="datetimeFigureOut">
               <a:rPr lang="ko-KR" altLang="en-US" smtClean="0"/>
-              <a:t>2022. 10. 29.</a:t>
+              <a:t>2022. 12. 18.</a:t>
             </a:fld>
             <a:endParaRPr lang="ko-KR" altLang="en-US"/>
           </a:p>
@@ -1620,7 +1621,7 @@
           <a:p>
             <a:fld id="{083A2014-1E55-493B-BBAA-4A9392E5EECC}" type="datetimeFigureOut">
               <a:rPr lang="ko-KR" altLang="en-US" smtClean="0"/>
-              <a:t>2022. 10. 29.</a:t>
+              <a:t>2022. 12. 18.</a:t>
             </a:fld>
             <a:endParaRPr lang="ko-KR" altLang="en-US"/>
           </a:p>
@@ -1737,7 +1738,7 @@
           <a:p>
             <a:fld id="{083A2014-1E55-493B-BBAA-4A9392E5EECC}" type="datetimeFigureOut">
               <a:rPr lang="ko-KR" altLang="en-US" smtClean="0"/>
-              <a:t>2022. 10. 29.</a:t>
+              <a:t>2022. 12. 18.</a:t>
             </a:fld>
             <a:endParaRPr lang="ko-KR" altLang="en-US"/>
           </a:p>
@@ -1832,7 +1833,7 @@
           <a:p>
             <a:fld id="{083A2014-1E55-493B-BBAA-4A9392E5EECC}" type="datetimeFigureOut">
               <a:rPr lang="ko-KR" altLang="en-US" smtClean="0"/>
-              <a:t>2022. 10. 29.</a:t>
+              <a:t>2022. 12. 18.</a:t>
             </a:fld>
             <a:endParaRPr lang="ko-KR" altLang="en-US"/>
           </a:p>
@@ -2107,7 +2108,7 @@
           <a:p>
             <a:fld id="{083A2014-1E55-493B-BBAA-4A9392E5EECC}" type="datetimeFigureOut">
               <a:rPr lang="ko-KR" altLang="en-US" smtClean="0"/>
-              <a:t>2022. 10. 29.</a:t>
+              <a:t>2022. 12. 18.</a:t>
             </a:fld>
             <a:endParaRPr lang="ko-KR" altLang="en-US"/>
           </a:p>
@@ -2359,7 +2360,7 @@
           <a:p>
             <a:fld id="{083A2014-1E55-493B-BBAA-4A9392E5EECC}" type="datetimeFigureOut">
               <a:rPr lang="ko-KR" altLang="en-US" smtClean="0"/>
-              <a:t>2022. 10. 29.</a:t>
+              <a:t>2022. 12. 18.</a:t>
             </a:fld>
             <a:endParaRPr lang="ko-KR" altLang="en-US"/>
           </a:p>
@@ -2570,7 +2571,7 @@
           <a:p>
             <a:fld id="{083A2014-1E55-493B-BBAA-4A9392E5EECC}" type="datetimeFigureOut">
               <a:rPr lang="ko-KR" altLang="en-US" smtClean="0"/>
-              <a:t>2022. 10. 29.</a:t>
+              <a:t>2022. 12. 18.</a:t>
             </a:fld>
             <a:endParaRPr lang="ko-KR" altLang="en-US"/>
           </a:p>
@@ -7686,10 +7687,252 @@
           <a:chExt cx="0" cy="0"/>
         </a:xfrm>
       </p:grpSpPr>
+      <p:grpSp>
+        <p:nvGrpSpPr>
+          <p:cNvPr id="5" name="그룹 4">
+            <a:extLst>
+              <a:ext uri="{FF2B5EF4-FFF2-40B4-BE49-F238E27FC236}">
+                <a16:creationId xmlns:a16="http://schemas.microsoft.com/office/drawing/2014/main" id="{BF800720-EBC6-9A56-CD26-1BD1000B3219}"/>
+              </a:ext>
+            </a:extLst>
+          </p:cNvPr>
+          <p:cNvGrpSpPr/>
+          <p:nvPr/>
+        </p:nvGrpSpPr>
+        <p:grpSpPr>
+          <a:xfrm>
+            <a:off x="3657600" y="990600"/>
+            <a:ext cx="4876800" cy="4876800"/>
+            <a:chOff x="3657600" y="990600"/>
+            <a:chExt cx="4876800" cy="4876800"/>
+          </a:xfrm>
+        </p:grpSpPr>
+        <p:pic>
+          <p:nvPicPr>
+            <p:cNvPr id="3" name="그림 2">
+              <a:extLst>
+                <a:ext uri="{FF2B5EF4-FFF2-40B4-BE49-F238E27FC236}">
+                  <a16:creationId xmlns:a16="http://schemas.microsoft.com/office/drawing/2014/main" id="{FB2C05E6-0CD5-4D4E-C516-329E9A8DCFEA}"/>
+                </a:ext>
+              </a:extLst>
+            </p:cNvPr>
+            <p:cNvPicPr>
+              <a:picLocks noChangeAspect="1"/>
+            </p:cNvPicPr>
+            <p:nvPr/>
+          </p:nvPicPr>
+          <p:blipFill>
+            <a:blip r:embed="rId2">
+              <a:extLst>
+                <a:ext uri="{28A0092B-C50C-407E-A947-70E740481C1C}">
+                  <a14:useLocalDpi xmlns:a14="http://schemas.microsoft.com/office/drawing/2010/main" val="0"/>
+                </a:ext>
+              </a:extLst>
+            </a:blip>
+            <a:stretch>
+              <a:fillRect/>
+            </a:stretch>
+          </p:blipFill>
+          <p:spPr>
+            <a:xfrm>
+              <a:off x="3657600" y="990600"/>
+              <a:ext cx="4876800" cy="4876800"/>
+            </a:xfrm>
+            <a:prstGeom prst="rect">
+              <a:avLst/>
+            </a:prstGeom>
+          </p:spPr>
+        </p:pic>
+        <p:sp>
+          <p:nvSpPr>
+            <p:cNvPr id="4" name="TextBox 3">
+              <a:extLst>
+                <a:ext uri="{FF2B5EF4-FFF2-40B4-BE49-F238E27FC236}">
+                  <a16:creationId xmlns:a16="http://schemas.microsoft.com/office/drawing/2014/main" id="{E1304953-22ED-6E71-4179-706D1481D28B}"/>
+                </a:ext>
+              </a:extLst>
+            </p:cNvPr>
+            <p:cNvSpPr txBox="1"/>
+            <p:nvPr/>
+          </p:nvSpPr>
+          <p:spPr>
+            <a:xfrm>
+              <a:off x="3824917" y="5311818"/>
+              <a:ext cx="4542165" cy="461665"/>
+            </a:xfrm>
+            <a:prstGeom prst="rect">
+              <a:avLst/>
+            </a:prstGeom>
+            <a:noFill/>
+          </p:spPr>
+          <p:txBody>
+            <a:bodyPr wrap="square" rtlCol="0" anchor="ctr">
+              <a:spAutoFit/>
+            </a:bodyPr>
+            <a:lstStyle/>
+            <a:p>
+              <a:pPr algn="ctr"/>
+              <a:r>
+                <a:rPr lang="en-US" altLang="ko-Kore-KR" sz="2400" b="1" i="0" dirty="0">
+                  <a:solidFill>
+                    <a:srgbClr val="F9EED7"/>
+                  </a:solidFill>
+                  <a:effectLst/>
+                  <a:latin typeface="-apple-system"/>
+                </a:rPr>
+                <a:t>object-fit</a:t>
+              </a:r>
+              <a:endParaRPr kumimoji="1" lang="en-US" altLang="en-US" sz="2400" b="1" dirty="0">
+                <a:solidFill>
+                  <a:srgbClr val="F9EED7"/>
+                </a:solidFill>
+                <a:latin typeface="NanumGothic" panose="020D0604000000000000" pitchFamily="34" charset="-127"/>
+                <a:ea typeface="NanumGothic" panose="020D0604000000000000" pitchFamily="34" charset="-127"/>
+              </a:endParaRPr>
+            </a:p>
+          </p:txBody>
+        </p:sp>
+      </p:grpSp>
     </p:spTree>
     <p:extLst>
       <p:ext uri="{BB962C8B-B14F-4D97-AF65-F5344CB8AC3E}">
         <p14:creationId xmlns:p14="http://schemas.microsoft.com/office/powerpoint/2010/main" val="1476407340"/>
+      </p:ext>
+    </p:extLst>
+  </p:cSld>
+  <p:clrMapOvr>
+    <a:masterClrMapping/>
+  </p:clrMapOvr>
+</p:sld>
+</file>
+
+<file path=ppt/slides/slide29.xml><?xml version="1.0" encoding="utf-8"?>
+<p:sld xmlns:a="http://schemas.openxmlformats.org/drawingml/2006/main" xmlns:r="http://schemas.openxmlformats.org/officeDocument/2006/relationships" xmlns:p="http://schemas.openxmlformats.org/presentationml/2006/main">
+  <p:cSld>
+    <p:spTree>
+      <p:nvGrpSpPr>
+        <p:cNvPr id="1" name=""/>
+        <p:cNvGrpSpPr/>
+        <p:nvPr/>
+      </p:nvGrpSpPr>
+      <p:grpSpPr>
+        <a:xfrm>
+          <a:off x="0" y="0"/>
+          <a:ext cx="0" cy="0"/>
+          <a:chOff x="0" y="0"/>
+          <a:chExt cx="0" cy="0"/>
+        </a:xfrm>
+      </p:grpSpPr>
+      <p:grpSp>
+        <p:nvGrpSpPr>
+          <p:cNvPr id="8" name="그룹 7">
+            <a:extLst>
+              <a:ext uri="{FF2B5EF4-FFF2-40B4-BE49-F238E27FC236}">
+                <a16:creationId xmlns:a16="http://schemas.microsoft.com/office/drawing/2014/main" id="{969ABA34-E20D-B4A0-B4B5-2D338CEF22DB}"/>
+              </a:ext>
+            </a:extLst>
+          </p:cNvPr>
+          <p:cNvGrpSpPr/>
+          <p:nvPr/>
+        </p:nvGrpSpPr>
+        <p:grpSpPr>
+          <a:xfrm>
+            <a:off x="3658799" y="505692"/>
+            <a:ext cx="4874400" cy="4874400"/>
+            <a:chOff x="3658799" y="505692"/>
+            <a:chExt cx="4874400" cy="4874400"/>
+          </a:xfrm>
+        </p:grpSpPr>
+        <p:pic>
+          <p:nvPicPr>
+            <p:cNvPr id="6" name="그림 5">
+              <a:extLst>
+                <a:ext uri="{FF2B5EF4-FFF2-40B4-BE49-F238E27FC236}">
+                  <a16:creationId xmlns:a16="http://schemas.microsoft.com/office/drawing/2014/main" id="{D9079A0A-9DC9-94BA-7CD4-A075B206AB69}"/>
+                </a:ext>
+              </a:extLst>
+            </p:cNvPr>
+            <p:cNvPicPr>
+              <a:picLocks noChangeAspect="1"/>
+            </p:cNvPicPr>
+            <p:nvPr/>
+          </p:nvPicPr>
+          <p:blipFill>
+            <a:blip r:embed="rId2">
+              <a:extLst>
+                <a:ext uri="{28A0092B-C50C-407E-A947-70E740481C1C}">
+                  <a14:useLocalDpi xmlns:a14="http://schemas.microsoft.com/office/drawing/2010/main" val="0"/>
+                </a:ext>
+              </a:extLst>
+            </a:blip>
+            <a:stretch>
+              <a:fillRect/>
+            </a:stretch>
+          </p:blipFill>
+          <p:spPr>
+            <a:xfrm>
+              <a:off x="3658799" y="505692"/>
+              <a:ext cx="4874400" cy="4874400"/>
+            </a:xfrm>
+            <a:prstGeom prst="rect">
+              <a:avLst/>
+            </a:prstGeom>
+          </p:spPr>
+        </p:pic>
+        <p:sp>
+          <p:nvSpPr>
+            <p:cNvPr id="7" name="TextBox 6">
+              <a:extLst>
+                <a:ext uri="{FF2B5EF4-FFF2-40B4-BE49-F238E27FC236}">
+                  <a16:creationId xmlns:a16="http://schemas.microsoft.com/office/drawing/2014/main" id="{20D69840-EED3-CC46-455A-0A27E44CA852}"/>
+                </a:ext>
+              </a:extLst>
+            </p:cNvPr>
+            <p:cNvSpPr txBox="1"/>
+            <p:nvPr/>
+          </p:nvSpPr>
+          <p:spPr>
+            <a:xfrm>
+              <a:off x="4918365" y="2064439"/>
+              <a:ext cx="2355268" cy="1200329"/>
+            </a:xfrm>
+            <a:prstGeom prst="rect">
+              <a:avLst/>
+            </a:prstGeom>
+            <a:noFill/>
+          </p:spPr>
+          <p:txBody>
+            <a:bodyPr wrap="square" rtlCol="0" anchor="ctr">
+              <a:spAutoFit/>
+            </a:bodyPr>
+            <a:lstStyle/>
+            <a:p>
+              <a:pPr algn="ctr"/>
+              <a:r>
+                <a:rPr kumimoji="1" lang="en-US" altLang="en-US" sz="7200" b="1" dirty="0">
+                  <a:solidFill>
+                    <a:srgbClr val="F9EED7"/>
+                  </a:solidFill>
+                  <a:latin typeface="-apple-system"/>
+                  <a:ea typeface="NanumGothic" panose="020D0604000000000000" pitchFamily="34" charset="-127"/>
+                </a:rPr>
+                <a:t>Toast</a:t>
+              </a:r>
+              <a:endParaRPr kumimoji="1" lang="en-US" altLang="en-US" sz="7200" b="1" dirty="0">
+                <a:solidFill>
+                  <a:srgbClr val="F9EED7"/>
+                </a:solidFill>
+                <a:latin typeface="NanumGothic" panose="020D0604000000000000" pitchFamily="34" charset="-127"/>
+                <a:ea typeface="NanumGothic" panose="020D0604000000000000" pitchFamily="34" charset="-127"/>
+              </a:endParaRPr>
+            </a:p>
+          </p:txBody>
+        </p:sp>
+      </p:grpSp>
+    </p:spTree>
+    <p:extLst>
+      <p:ext uri="{BB962C8B-B14F-4D97-AF65-F5344CB8AC3E}">
+        <p14:creationId xmlns:p14="http://schemas.microsoft.com/office/powerpoint/2010/main" val="1283004721"/>
       </p:ext>
     </p:extLst>
   </p:cSld>

--- a/icon.pptx
+++ b/icon.pptx
@@ -34,6 +34,8 @@
     <p:sldId id="285" r:id="rId28"/>
     <p:sldId id="286" r:id="rId29"/>
     <p:sldId id="288" r:id="rId30"/>
+    <p:sldId id="290" r:id="rId31"/>
+    <p:sldId id="289" r:id="rId32"/>
   </p:sldIdLst>
   <p:sldSz cx="12192000" cy="6858000"/>
   <p:notesSz cx="6858000" cy="9144000"/>
@@ -269,7 +271,7 @@
           <a:p>
             <a:fld id="{083A2014-1E55-493B-BBAA-4A9392E5EECC}" type="datetimeFigureOut">
               <a:rPr lang="ko-KR" altLang="en-US" smtClean="0"/>
-              <a:t>2022. 12. 18.</a:t>
+              <a:t>2023. 1. 30.</a:t>
             </a:fld>
             <a:endParaRPr lang="ko-KR" altLang="en-US"/>
           </a:p>
@@ -437,7 +439,7 @@
           <a:p>
             <a:fld id="{083A2014-1E55-493B-BBAA-4A9392E5EECC}" type="datetimeFigureOut">
               <a:rPr lang="ko-KR" altLang="en-US" smtClean="0"/>
-              <a:t>2022. 12. 18.</a:t>
+              <a:t>2023. 1. 30.</a:t>
             </a:fld>
             <a:endParaRPr lang="ko-KR" altLang="en-US"/>
           </a:p>
@@ -615,7 +617,7 @@
           <a:p>
             <a:fld id="{083A2014-1E55-493B-BBAA-4A9392E5EECC}" type="datetimeFigureOut">
               <a:rPr lang="ko-KR" altLang="en-US" smtClean="0"/>
-              <a:t>2022. 12. 18.</a:t>
+              <a:t>2023. 1. 30.</a:t>
             </a:fld>
             <a:endParaRPr lang="ko-KR" altLang="en-US"/>
           </a:p>
@@ -783,7 +785,7 @@
           <a:p>
             <a:fld id="{083A2014-1E55-493B-BBAA-4A9392E5EECC}" type="datetimeFigureOut">
               <a:rPr lang="ko-KR" altLang="en-US" smtClean="0"/>
-              <a:t>2022. 12. 18.</a:t>
+              <a:t>2023. 1. 30.</a:t>
             </a:fld>
             <a:endParaRPr lang="ko-KR" altLang="en-US"/>
           </a:p>
@@ -1028,7 +1030,7 @@
           <a:p>
             <a:fld id="{083A2014-1E55-493B-BBAA-4A9392E5EECC}" type="datetimeFigureOut">
               <a:rPr lang="ko-KR" altLang="en-US" smtClean="0"/>
-              <a:t>2022. 12. 18.</a:t>
+              <a:t>2023. 1. 30.</a:t>
             </a:fld>
             <a:endParaRPr lang="ko-KR" altLang="en-US"/>
           </a:p>
@@ -1257,7 +1259,7 @@
           <a:p>
             <a:fld id="{083A2014-1E55-493B-BBAA-4A9392E5EECC}" type="datetimeFigureOut">
               <a:rPr lang="ko-KR" altLang="en-US" smtClean="0"/>
-              <a:t>2022. 12. 18.</a:t>
+              <a:t>2023. 1. 30.</a:t>
             </a:fld>
             <a:endParaRPr lang="ko-KR" altLang="en-US"/>
           </a:p>
@@ -1621,7 +1623,7 @@
           <a:p>
             <a:fld id="{083A2014-1E55-493B-BBAA-4A9392E5EECC}" type="datetimeFigureOut">
               <a:rPr lang="ko-KR" altLang="en-US" smtClean="0"/>
-              <a:t>2022. 12. 18.</a:t>
+              <a:t>2023. 1. 30.</a:t>
             </a:fld>
             <a:endParaRPr lang="ko-KR" altLang="en-US"/>
           </a:p>
@@ -1738,7 +1740,7 @@
           <a:p>
             <a:fld id="{083A2014-1E55-493B-BBAA-4A9392E5EECC}" type="datetimeFigureOut">
               <a:rPr lang="ko-KR" altLang="en-US" smtClean="0"/>
-              <a:t>2022. 12. 18.</a:t>
+              <a:t>2023. 1. 30.</a:t>
             </a:fld>
             <a:endParaRPr lang="ko-KR" altLang="en-US"/>
           </a:p>
@@ -1833,7 +1835,7 @@
           <a:p>
             <a:fld id="{083A2014-1E55-493B-BBAA-4A9392E5EECC}" type="datetimeFigureOut">
               <a:rPr lang="ko-KR" altLang="en-US" smtClean="0"/>
-              <a:t>2022. 12. 18.</a:t>
+              <a:t>2023. 1. 30.</a:t>
             </a:fld>
             <a:endParaRPr lang="ko-KR" altLang="en-US"/>
           </a:p>
@@ -2108,7 +2110,7 @@
           <a:p>
             <a:fld id="{083A2014-1E55-493B-BBAA-4A9392E5EECC}" type="datetimeFigureOut">
               <a:rPr lang="ko-KR" altLang="en-US" smtClean="0"/>
-              <a:t>2022. 12. 18.</a:t>
+              <a:t>2023. 1. 30.</a:t>
             </a:fld>
             <a:endParaRPr lang="ko-KR" altLang="en-US"/>
           </a:p>
@@ -2360,7 +2362,7 @@
           <a:p>
             <a:fld id="{083A2014-1E55-493B-BBAA-4A9392E5EECC}" type="datetimeFigureOut">
               <a:rPr lang="ko-KR" altLang="en-US" smtClean="0"/>
-              <a:t>2022. 12. 18.</a:t>
+              <a:t>2023. 1. 30.</a:t>
             </a:fld>
             <a:endParaRPr lang="ko-KR" altLang="en-US"/>
           </a:p>
@@ -2571,7 +2573,7 @@
           <a:p>
             <a:fld id="{083A2014-1E55-493B-BBAA-4A9392E5EECC}" type="datetimeFigureOut">
               <a:rPr lang="ko-KR" altLang="en-US" smtClean="0"/>
-              <a:t>2022. 12. 18.</a:t>
+              <a:t>2023. 1. 30.</a:t>
             </a:fld>
             <a:endParaRPr lang="ko-KR" altLang="en-US"/>
           </a:p>
@@ -8125,6 +8127,351 @@
 </p:sld>
 </file>
 
+<file path=ppt/slides/slide30.xml><?xml version="1.0" encoding="utf-8"?>
+<p:sld xmlns:a="http://schemas.openxmlformats.org/drawingml/2006/main" xmlns:r="http://schemas.openxmlformats.org/officeDocument/2006/relationships" xmlns:p="http://schemas.openxmlformats.org/presentationml/2006/main">
+  <p:cSld>
+    <p:spTree>
+      <p:nvGrpSpPr>
+        <p:cNvPr id="1" name=""/>
+        <p:cNvGrpSpPr/>
+        <p:nvPr/>
+      </p:nvGrpSpPr>
+      <p:grpSpPr>
+        <a:xfrm>
+          <a:off x="0" y="0"/>
+          <a:ext cx="0" cy="0"/>
+          <a:chOff x="0" y="0"/>
+          <a:chExt cx="0" cy="0"/>
+        </a:xfrm>
+      </p:grpSpPr>
+      <p:grpSp>
+        <p:nvGrpSpPr>
+          <p:cNvPr id="9" name="그룹 8">
+            <a:extLst>
+              <a:ext uri="{FF2B5EF4-FFF2-40B4-BE49-F238E27FC236}">
+                <a16:creationId xmlns:a16="http://schemas.microsoft.com/office/drawing/2014/main" id="{30B252EF-6663-02DC-3C74-AD9B733BB422}"/>
+              </a:ext>
+            </a:extLst>
+          </p:cNvPr>
+          <p:cNvGrpSpPr/>
+          <p:nvPr/>
+        </p:nvGrpSpPr>
+        <p:grpSpPr>
+          <a:xfrm>
+            <a:off x="1209546" y="1395046"/>
+            <a:ext cx="3727939" cy="3727939"/>
+            <a:chOff x="1209546" y="1395046"/>
+            <a:chExt cx="3727939" cy="3727939"/>
+          </a:xfrm>
+        </p:grpSpPr>
+        <p:grpSp>
+          <p:nvGrpSpPr>
+            <p:cNvPr id="4" name="그룹 3">
+              <a:extLst>
+                <a:ext uri="{FF2B5EF4-FFF2-40B4-BE49-F238E27FC236}">
+                  <a16:creationId xmlns:a16="http://schemas.microsoft.com/office/drawing/2014/main" id="{31BCDA51-1437-C8D5-F63A-89417BAC0623}"/>
+                </a:ext>
+              </a:extLst>
+            </p:cNvPr>
+            <p:cNvGrpSpPr/>
+            <p:nvPr/>
+          </p:nvGrpSpPr>
+          <p:grpSpPr>
+            <a:xfrm>
+              <a:off x="1860592" y="1819015"/>
+              <a:ext cx="2425845" cy="2880000"/>
+              <a:chOff x="2115723" y="1424784"/>
+              <a:chExt cx="2390236" cy="2918615"/>
+            </a:xfrm>
+          </p:grpSpPr>
+          <p:pic>
+            <p:nvPicPr>
+              <p:cNvPr id="3" name="그림 2">
+                <a:extLst>
+                  <a:ext uri="{FF2B5EF4-FFF2-40B4-BE49-F238E27FC236}">
+                    <a16:creationId xmlns:a16="http://schemas.microsoft.com/office/drawing/2014/main" id="{D47C9485-98F4-D97F-0EF8-818CEF13E053}"/>
+                  </a:ext>
+                </a:extLst>
+              </p:cNvPr>
+              <p:cNvPicPr>
+                <a:picLocks noChangeAspect="1"/>
+              </p:cNvPicPr>
+              <p:nvPr/>
+            </p:nvPicPr>
+            <p:blipFill>
+              <a:blip r:embed="rId2">
+                <a:extLst>
+                  <a:ext uri="{28A0092B-C50C-407E-A947-70E740481C1C}">
+                    <a14:useLocalDpi xmlns:a14="http://schemas.microsoft.com/office/drawing/2010/main" val="0"/>
+                  </a:ext>
+                </a:extLst>
+              </a:blip>
+              <a:stretch>
+                <a:fillRect/>
+              </a:stretch>
+            </p:blipFill>
+            <p:spPr>
+              <a:xfrm>
+                <a:off x="2150691" y="1424784"/>
+                <a:ext cx="2355268" cy="2918615"/>
+              </a:xfrm>
+              <a:prstGeom prst="rect">
+                <a:avLst/>
+              </a:prstGeom>
+              <a:ln>
+                <a:noFill/>
+              </a:ln>
+            </p:spPr>
+          </p:pic>
+          <p:sp>
+            <p:nvSpPr>
+              <p:cNvPr id="7" name="TextBox 6">
+                <a:extLst>
+                  <a:ext uri="{FF2B5EF4-FFF2-40B4-BE49-F238E27FC236}">
+                    <a16:creationId xmlns:a16="http://schemas.microsoft.com/office/drawing/2014/main" id="{20D69840-EED3-CC46-455A-0A27E44CA852}"/>
+                  </a:ext>
+                </a:extLst>
+              </p:cNvPr>
+              <p:cNvSpPr txBox="1"/>
+              <p:nvPr/>
+            </p:nvSpPr>
+            <p:spPr>
+              <a:xfrm>
+                <a:off x="2115723" y="2369449"/>
+                <a:ext cx="2355268" cy="1029281"/>
+              </a:xfrm>
+              <a:prstGeom prst="rect">
+                <a:avLst/>
+              </a:prstGeom>
+              <a:noFill/>
+              <a:ln>
+                <a:noFill/>
+              </a:ln>
+            </p:spPr>
+            <p:txBody>
+              <a:bodyPr wrap="square" rtlCol="0" anchor="ctr">
+                <a:spAutoFit/>
+              </a:bodyPr>
+              <a:lstStyle/>
+              <a:p>
+                <a:pPr algn="ctr"/>
+                <a:r>
+                  <a:rPr kumimoji="1" lang="en-US" altLang="en-US" sz="6000" b="1" dirty="0">
+                    <a:solidFill>
+                      <a:srgbClr val="02539A"/>
+                    </a:solidFill>
+                    <a:latin typeface="-apple-system"/>
+                    <a:ea typeface="NanumGothic" panose="020D0604000000000000" pitchFamily="34" charset="-127"/>
+                  </a:rPr>
+                  <a:t>Basic</a:t>
+                </a:r>
+                <a:endParaRPr kumimoji="1" lang="en-US" altLang="en-US" sz="6000" b="1" dirty="0">
+                  <a:solidFill>
+                    <a:srgbClr val="02539A"/>
+                  </a:solidFill>
+                  <a:latin typeface="NanumGothic" panose="020D0604000000000000" pitchFamily="34" charset="-127"/>
+                  <a:ea typeface="NanumGothic" panose="020D0604000000000000" pitchFamily="34" charset="-127"/>
+                </a:endParaRPr>
+              </a:p>
+            </p:txBody>
+          </p:sp>
+        </p:grpSp>
+        <p:sp>
+          <p:nvSpPr>
+            <p:cNvPr id="5" name="직사각형 4">
+              <a:extLst>
+                <a:ext uri="{FF2B5EF4-FFF2-40B4-BE49-F238E27FC236}">
+                  <a16:creationId xmlns:a16="http://schemas.microsoft.com/office/drawing/2014/main" id="{328AB0A6-61DE-DB6F-91C1-512CE42F7BCC}"/>
+                </a:ext>
+              </a:extLst>
+            </p:cNvPr>
+            <p:cNvSpPr/>
+            <p:nvPr/>
+          </p:nvSpPr>
+          <p:spPr>
+            <a:xfrm>
+              <a:off x="1209546" y="1395046"/>
+              <a:ext cx="3727939" cy="3727939"/>
+            </a:xfrm>
+            <a:prstGeom prst="rect">
+              <a:avLst/>
+            </a:prstGeom>
+            <a:noFill/>
+            <a:ln>
+              <a:noFill/>
+            </a:ln>
+          </p:spPr>
+          <p:style>
+            <a:lnRef idx="2">
+              <a:schemeClr val="accent1">
+                <a:shade val="50000"/>
+              </a:schemeClr>
+            </a:lnRef>
+            <a:fillRef idx="1">
+              <a:schemeClr val="accent1"/>
+            </a:fillRef>
+            <a:effectRef idx="0">
+              <a:schemeClr val="accent1"/>
+            </a:effectRef>
+            <a:fontRef idx="minor">
+              <a:schemeClr val="lt1"/>
+            </a:fontRef>
+          </p:style>
+          <p:txBody>
+            <a:bodyPr rtlCol="0" anchor="ctr"/>
+            <a:lstStyle/>
+            <a:p>
+              <a:pPr algn="ctr"/>
+              <a:endParaRPr kumimoji="1" lang="ko-Kore-KR" altLang="en-US">
+                <a:noFill/>
+              </a:endParaRPr>
+            </a:p>
+          </p:txBody>
+        </p:sp>
+      </p:grpSp>
+    </p:spTree>
+    <p:extLst>
+      <p:ext uri="{BB962C8B-B14F-4D97-AF65-F5344CB8AC3E}">
+        <p14:creationId xmlns:p14="http://schemas.microsoft.com/office/powerpoint/2010/main" val="2225756036"/>
+      </p:ext>
+    </p:extLst>
+  </p:cSld>
+  <p:clrMapOvr>
+    <a:masterClrMapping/>
+  </p:clrMapOvr>
+</p:sld>
+</file>
+
+<file path=ppt/slides/slide31.xml><?xml version="1.0" encoding="utf-8"?>
+<p:sld xmlns:a="http://schemas.openxmlformats.org/drawingml/2006/main" xmlns:r="http://schemas.openxmlformats.org/officeDocument/2006/relationships" xmlns:p="http://schemas.openxmlformats.org/presentationml/2006/main">
+  <p:cSld>
+    <p:spTree>
+      <p:nvGrpSpPr>
+        <p:cNvPr id="1" name=""/>
+        <p:cNvGrpSpPr/>
+        <p:nvPr/>
+      </p:nvGrpSpPr>
+      <p:grpSpPr>
+        <a:xfrm>
+          <a:off x="0" y="0"/>
+          <a:ext cx="0" cy="0"/>
+          <a:chOff x="0" y="0"/>
+          <a:chExt cx="0" cy="0"/>
+        </a:xfrm>
+      </p:grpSpPr>
+      <p:grpSp>
+        <p:nvGrpSpPr>
+          <p:cNvPr id="5" name="그룹 4">
+            <a:extLst>
+              <a:ext uri="{FF2B5EF4-FFF2-40B4-BE49-F238E27FC236}">
+                <a16:creationId xmlns:a16="http://schemas.microsoft.com/office/drawing/2014/main" id="{0FB258FF-717F-5213-97CE-6CE20BEFA89E}"/>
+              </a:ext>
+            </a:extLst>
+          </p:cNvPr>
+          <p:cNvGrpSpPr/>
+          <p:nvPr/>
+        </p:nvGrpSpPr>
+        <p:grpSpPr>
+          <a:xfrm>
+            <a:off x="1016000" y="609512"/>
+            <a:ext cx="5080000" cy="5080000"/>
+            <a:chOff x="3846945" y="277003"/>
+            <a:chExt cx="5080000" cy="5080000"/>
+          </a:xfrm>
+        </p:grpSpPr>
+        <p:pic>
+          <p:nvPicPr>
+            <p:cNvPr id="4" name="그림 3">
+              <a:extLst>
+                <a:ext uri="{FF2B5EF4-FFF2-40B4-BE49-F238E27FC236}">
+                  <a16:creationId xmlns:a16="http://schemas.microsoft.com/office/drawing/2014/main" id="{F4D792A6-9DF7-1F38-B9B2-EF65C88581D8}"/>
+                </a:ext>
+              </a:extLst>
+            </p:cNvPr>
+            <p:cNvPicPr>
+              <a:picLocks noChangeAspect="1"/>
+            </p:cNvPicPr>
+            <p:nvPr/>
+          </p:nvPicPr>
+          <p:blipFill>
+            <a:blip r:embed="rId2">
+              <a:extLst>
+                <a:ext uri="{28A0092B-C50C-407E-A947-70E740481C1C}">
+                  <a14:useLocalDpi xmlns:a14="http://schemas.microsoft.com/office/drawing/2010/main" val="0"/>
+                </a:ext>
+              </a:extLst>
+            </a:blip>
+            <a:stretch>
+              <a:fillRect/>
+            </a:stretch>
+          </p:blipFill>
+          <p:spPr>
+            <a:xfrm>
+              <a:off x="3846945" y="277003"/>
+              <a:ext cx="5080000" cy="5080000"/>
+            </a:xfrm>
+            <a:prstGeom prst="rect">
+              <a:avLst/>
+            </a:prstGeom>
+          </p:spPr>
+        </p:pic>
+        <p:sp>
+          <p:nvSpPr>
+            <p:cNvPr id="2" name="TextBox 1">
+              <a:extLst>
+                <a:ext uri="{FF2B5EF4-FFF2-40B4-BE49-F238E27FC236}">
+                  <a16:creationId xmlns:a16="http://schemas.microsoft.com/office/drawing/2014/main" id="{A00B5476-42E8-F9C2-B8A0-277E9491591F}"/>
+                </a:ext>
+              </a:extLst>
+            </p:cNvPr>
+            <p:cNvSpPr txBox="1"/>
+            <p:nvPr/>
+          </p:nvSpPr>
+          <p:spPr>
+            <a:xfrm>
+              <a:off x="4528128" y="4156674"/>
+              <a:ext cx="3717634" cy="1200329"/>
+            </a:xfrm>
+            <a:prstGeom prst="rect">
+              <a:avLst/>
+            </a:prstGeom>
+            <a:noFill/>
+          </p:spPr>
+          <p:txBody>
+            <a:bodyPr wrap="square" rtlCol="0" anchor="ctr">
+              <a:spAutoFit/>
+            </a:bodyPr>
+            <a:lstStyle/>
+            <a:p>
+              <a:pPr algn="ctr"/>
+              <a:r>
+                <a:rPr kumimoji="1" lang="en-US" altLang="en-US" sz="7200" b="1" dirty="0">
+                  <a:latin typeface="-apple-system"/>
+                  <a:ea typeface="NanumGothic" panose="020D0604000000000000" pitchFamily="34" charset="-127"/>
+                </a:rPr>
+                <a:t>String</a:t>
+              </a:r>
+              <a:endParaRPr kumimoji="1" lang="en-US" altLang="en-US" sz="7200" b="1" dirty="0">
+                <a:latin typeface="NanumGothic" panose="020D0604000000000000" pitchFamily="34" charset="-127"/>
+                <a:ea typeface="NanumGothic" panose="020D0604000000000000" pitchFamily="34" charset="-127"/>
+              </a:endParaRPr>
+            </a:p>
+          </p:txBody>
+        </p:sp>
+      </p:grpSp>
+    </p:spTree>
+    <p:extLst>
+      <p:ext uri="{BB962C8B-B14F-4D97-AF65-F5344CB8AC3E}">
+        <p14:creationId xmlns:p14="http://schemas.microsoft.com/office/powerpoint/2010/main" val="1282659200"/>
+      </p:ext>
+    </p:extLst>
+  </p:cSld>
+  <p:clrMapOvr>
+    <a:masterClrMapping/>
+  </p:clrMapOvr>
+</p:sld>
+</file>
+
 <file path=ppt/slides/slide4.xml><?xml version="1.0" encoding="utf-8"?>
 <p:sld xmlns:a="http://schemas.openxmlformats.org/drawingml/2006/main" xmlns:r="http://schemas.openxmlformats.org/officeDocument/2006/relationships" xmlns:p="http://schemas.openxmlformats.org/presentationml/2006/main">
   <p:cSld>
